--- a/Παραδοτέο/M102.pptx
+++ b/Παραδοτέο/M102.pptx
@@ -1,9 +1,12 @@
 
 <file path=ppt/presentation.xml><?xml version="1.0" encoding="utf-8"?>
-<p:presentation xmlns:a="http://schemas.openxmlformats.org/drawingml/2006/main" xmlns:r="http://schemas.openxmlformats.org/officeDocument/2006/relationships" xmlns:p="http://schemas.openxmlformats.org/presentationml/2006/main" saveSubsetFonts="1">
+<p:presentation xmlns:a="http://schemas.openxmlformats.org/drawingml/2006/main" xmlns:r="http://schemas.openxmlformats.org/officeDocument/2006/relationships" xmlns:p="http://schemas.openxmlformats.org/presentationml/2006/main" showSpecialPlsOnTitleSld="0" saveSubsetFonts="1">
   <p:sldMasterIdLst>
     <p:sldMasterId id="2147483648" r:id="rId1"/>
   </p:sldMasterIdLst>
+  <p:notesMasterIdLst>
+    <p:notesMasterId r:id="rId33"/>
+  </p:notesMasterIdLst>
   <p:sldIdLst>
     <p:sldId id="256" r:id="rId2"/>
     <p:sldId id="257" r:id="rId3"/>
@@ -35,6 +38,7 @@
     <p:sldId id="282" r:id="rId29"/>
     <p:sldId id="283" r:id="rId30"/>
     <p:sldId id="284" r:id="rId31"/>
+    <p:sldId id="286" r:id="rId32"/>
   </p:sldIdLst>
   <p:sldSz cx="9144000" cy="6858000" type="screen4x3"/>
   <p:notesSz cx="6858000" cy="9144000"/>
@@ -165,7 +169,7 @@
   </p:defaultTextStyle>
   <p:extLst>
     <p:ext uri="{EFAFB233-063F-42B5-8137-9DF3F51BA10A}">
-      <p15:sldGuideLst xmlns:p15="http://schemas.microsoft.com/office/powerpoint/2012/main" xmlns="">
+      <p15:sldGuideLst xmlns="" xmlns:p15="http://schemas.microsoft.com/office/powerpoint/2012/main">
         <p15:guide id="1" orient="horz" pos="2160">
           <p15:clr>
             <a:srgbClr val="A4A3A4"/>
@@ -180,6 +184,356 @@
     </p:ext>
   </p:extLst>
 </p:presentation>
+</file>
+
+<file path=ppt/notesMasters/notesMaster1.xml><?xml version="1.0" encoding="utf-8"?>
+<p:notesMaster xmlns:a="http://schemas.openxmlformats.org/drawingml/2006/main" xmlns:r="http://schemas.openxmlformats.org/officeDocument/2006/relationships" xmlns:p="http://schemas.openxmlformats.org/presentationml/2006/main">
+  <p:cSld>
+    <p:bg>
+      <p:bgRef idx="1001">
+        <a:schemeClr val="bg1"/>
+      </p:bgRef>
+    </p:bg>
+    <p:spTree>
+      <p:nvGrpSpPr>
+        <p:cNvPr id="1" name=""/>
+        <p:cNvGrpSpPr/>
+        <p:nvPr/>
+      </p:nvGrpSpPr>
+      <p:grpSpPr>
+        <a:xfrm>
+          <a:off x="0" y="0"/>
+          <a:ext cx="0" cy="0"/>
+          <a:chOff x="0" y="0"/>
+          <a:chExt cx="0" cy="0"/>
+        </a:xfrm>
+      </p:grpSpPr>
+      <p:sp>
+        <p:nvSpPr>
+          <p:cNvPr id="2" name="Θέση κεφαλίδας 1"/>
+          <p:cNvSpPr>
+            <a:spLocks noGrp="1"/>
+          </p:cNvSpPr>
+          <p:nvPr>
+            <p:ph type="hdr" sz="quarter"/>
+          </p:nvPr>
+        </p:nvSpPr>
+        <p:spPr>
+          <a:xfrm>
+            <a:off x="0" y="0"/>
+            <a:ext cx="2971800" cy="457200"/>
+          </a:xfrm>
+          <a:prstGeom prst="rect">
+            <a:avLst/>
+          </a:prstGeom>
+        </p:spPr>
+        <p:txBody>
+          <a:bodyPr vert="horz" lIns="91440" tIns="45720" rIns="91440" bIns="45720" rtlCol="0"/>
+          <a:lstStyle>
+            <a:lvl1pPr algn="l">
+              <a:defRPr sz="1200"/>
+            </a:lvl1pPr>
+          </a:lstStyle>
+          <a:p>
+            <a:endParaRPr lang="el-GR"/>
+          </a:p>
+        </p:txBody>
+      </p:sp>
+      <p:sp>
+        <p:nvSpPr>
+          <p:cNvPr id="3" name="Θέση ημερομηνίας 2"/>
+          <p:cNvSpPr>
+            <a:spLocks noGrp="1"/>
+          </p:cNvSpPr>
+          <p:nvPr>
+            <p:ph type="dt" idx="1"/>
+          </p:nvPr>
+        </p:nvSpPr>
+        <p:spPr>
+          <a:xfrm>
+            <a:off x="3884613" y="0"/>
+            <a:ext cx="2971800" cy="457200"/>
+          </a:xfrm>
+          <a:prstGeom prst="rect">
+            <a:avLst/>
+          </a:prstGeom>
+        </p:spPr>
+        <p:txBody>
+          <a:bodyPr vert="horz" lIns="91440" tIns="45720" rIns="91440" bIns="45720" rtlCol="0"/>
+          <a:lstStyle>
+            <a:lvl1pPr algn="r">
+              <a:defRPr sz="1200"/>
+            </a:lvl1pPr>
+          </a:lstStyle>
+          <a:p>
+            <a:fld id="{E4BF971D-A096-43E1-8184-093C9B32B6AE}" type="datetimeFigureOut">
+              <a:rPr lang="el-GR" smtClean="0"/>
+              <a:t>12/1/2019</a:t>
+            </a:fld>
+            <a:endParaRPr lang="el-GR"/>
+          </a:p>
+        </p:txBody>
+      </p:sp>
+      <p:sp>
+        <p:nvSpPr>
+          <p:cNvPr id="4" name="Θέση εικόνας διαφάνειας 3"/>
+          <p:cNvSpPr>
+            <a:spLocks noGrp="1" noRot="1" noChangeAspect="1"/>
+          </p:cNvSpPr>
+          <p:nvPr>
+            <p:ph type="sldImg" idx="2"/>
+          </p:nvPr>
+        </p:nvSpPr>
+        <p:spPr>
+          <a:xfrm>
+            <a:off x="1143000" y="685800"/>
+            <a:ext cx="4572000" cy="3429000"/>
+          </a:xfrm>
+          <a:prstGeom prst="rect">
+            <a:avLst/>
+          </a:prstGeom>
+          <a:noFill/>
+          <a:ln w="12700">
+            <a:solidFill>
+              <a:prstClr val="black"/>
+            </a:solidFill>
+          </a:ln>
+        </p:spPr>
+        <p:txBody>
+          <a:bodyPr vert="horz" lIns="91440" tIns="45720" rIns="91440" bIns="45720" rtlCol="0" anchor="ctr"/>
+          <a:lstStyle/>
+          <a:p>
+            <a:endParaRPr lang="el-GR"/>
+          </a:p>
+        </p:txBody>
+      </p:sp>
+      <p:sp>
+        <p:nvSpPr>
+          <p:cNvPr id="5" name="Θέση σημειώσεων 4"/>
+          <p:cNvSpPr>
+            <a:spLocks noGrp="1"/>
+          </p:cNvSpPr>
+          <p:nvPr>
+            <p:ph type="body" sz="quarter" idx="3"/>
+          </p:nvPr>
+        </p:nvSpPr>
+        <p:spPr>
+          <a:xfrm>
+            <a:off x="685800" y="4343400"/>
+            <a:ext cx="5486400" cy="4114800"/>
+          </a:xfrm>
+          <a:prstGeom prst="rect">
+            <a:avLst/>
+          </a:prstGeom>
+        </p:spPr>
+        <p:txBody>
+          <a:bodyPr vert="horz" lIns="91440" tIns="45720" rIns="91440" bIns="45720" rtlCol="0"/>
+          <a:lstStyle/>
+          <a:p>
+            <a:pPr lvl="0"/>
+            <a:r>
+              <a:rPr lang="el-GR" smtClean="0"/>
+              <a:t>Στυλ υποδείγματος κειμένου</a:t>
+            </a:r>
+          </a:p>
+          <a:p>
+            <a:pPr lvl="1"/>
+            <a:r>
+              <a:rPr lang="el-GR" smtClean="0"/>
+              <a:t>Δεύτερου επιπέδου</a:t>
+            </a:r>
+          </a:p>
+          <a:p>
+            <a:pPr lvl="2"/>
+            <a:r>
+              <a:rPr lang="el-GR" smtClean="0"/>
+              <a:t>Τρίτου επιπέδου</a:t>
+            </a:r>
+          </a:p>
+          <a:p>
+            <a:pPr lvl="3"/>
+            <a:r>
+              <a:rPr lang="el-GR" smtClean="0"/>
+              <a:t>Τέταρτου επιπέδου</a:t>
+            </a:r>
+          </a:p>
+          <a:p>
+            <a:pPr lvl="4"/>
+            <a:r>
+              <a:rPr lang="el-GR" smtClean="0"/>
+              <a:t>Πέμπτου επιπέδου</a:t>
+            </a:r>
+            <a:endParaRPr lang="el-GR"/>
+          </a:p>
+        </p:txBody>
+      </p:sp>
+      <p:sp>
+        <p:nvSpPr>
+          <p:cNvPr id="6" name="Θέση υποσέλιδου 5"/>
+          <p:cNvSpPr>
+            <a:spLocks noGrp="1"/>
+          </p:cNvSpPr>
+          <p:nvPr>
+            <p:ph type="ftr" sz="quarter" idx="4"/>
+          </p:nvPr>
+        </p:nvSpPr>
+        <p:spPr>
+          <a:xfrm>
+            <a:off x="0" y="8685213"/>
+            <a:ext cx="2971800" cy="457200"/>
+          </a:xfrm>
+          <a:prstGeom prst="rect">
+            <a:avLst/>
+          </a:prstGeom>
+        </p:spPr>
+        <p:txBody>
+          <a:bodyPr vert="horz" lIns="91440" tIns="45720" rIns="91440" bIns="45720" rtlCol="0" anchor="b"/>
+          <a:lstStyle>
+            <a:lvl1pPr algn="l">
+              <a:defRPr sz="1200"/>
+            </a:lvl1pPr>
+          </a:lstStyle>
+          <a:p>
+            <a:endParaRPr lang="el-GR"/>
+          </a:p>
+        </p:txBody>
+      </p:sp>
+      <p:sp>
+        <p:nvSpPr>
+          <p:cNvPr id="7" name="Θέση αριθμού διαφάνειας 6"/>
+          <p:cNvSpPr>
+            <a:spLocks noGrp="1"/>
+          </p:cNvSpPr>
+          <p:nvPr>
+            <p:ph type="sldNum" sz="quarter" idx="5"/>
+          </p:nvPr>
+        </p:nvSpPr>
+        <p:spPr>
+          <a:xfrm>
+            <a:off x="3884613" y="8685213"/>
+            <a:ext cx="2971800" cy="457200"/>
+          </a:xfrm>
+          <a:prstGeom prst="rect">
+            <a:avLst/>
+          </a:prstGeom>
+        </p:spPr>
+        <p:txBody>
+          <a:bodyPr vert="horz" lIns="91440" tIns="45720" rIns="91440" bIns="45720" rtlCol="0" anchor="b"/>
+          <a:lstStyle>
+            <a:lvl1pPr algn="r">
+              <a:defRPr sz="1200"/>
+            </a:lvl1pPr>
+          </a:lstStyle>
+          <a:p>
+            <a:fld id="{C8E9B267-7F6C-4C6B-BB36-45F0FBFEE4E0}" type="slidenum">
+              <a:rPr lang="el-GR" smtClean="0"/>
+              <a:t>‹#›</a:t>
+            </a:fld>
+            <a:endParaRPr lang="el-GR"/>
+          </a:p>
+        </p:txBody>
+      </p:sp>
+    </p:spTree>
+    <p:extLst>
+      <p:ext uri="{BB962C8B-B14F-4D97-AF65-F5344CB8AC3E}">
+        <p14:creationId xmlns:p14="http://schemas.microsoft.com/office/powerpoint/2010/main" val="360475996"/>
+      </p:ext>
+    </p:extLst>
+  </p:cSld>
+  <p:clrMap bg1="lt1" tx1="dk1" bg2="lt2" tx2="dk2" accent1="accent1" accent2="accent2" accent3="accent3" accent4="accent4" accent5="accent5" accent6="accent6" hlink="hlink" folHlink="folHlink"/>
+  <p:notesStyle>
+    <a:lvl1pPr marL="0" algn="l" defTabSz="914400" rtl="0" eaLnBrk="1" latinLnBrk="0" hangingPunct="1">
+      <a:defRPr sz="1200" kern="1200">
+        <a:solidFill>
+          <a:schemeClr val="tx1"/>
+        </a:solidFill>
+        <a:latin typeface="+mn-lt"/>
+        <a:ea typeface="+mn-ea"/>
+        <a:cs typeface="+mn-cs"/>
+      </a:defRPr>
+    </a:lvl1pPr>
+    <a:lvl2pPr marL="457200" algn="l" defTabSz="914400" rtl="0" eaLnBrk="1" latinLnBrk="0" hangingPunct="1">
+      <a:defRPr sz="1200" kern="1200">
+        <a:solidFill>
+          <a:schemeClr val="tx1"/>
+        </a:solidFill>
+        <a:latin typeface="+mn-lt"/>
+        <a:ea typeface="+mn-ea"/>
+        <a:cs typeface="+mn-cs"/>
+      </a:defRPr>
+    </a:lvl2pPr>
+    <a:lvl3pPr marL="914400" algn="l" defTabSz="914400" rtl="0" eaLnBrk="1" latinLnBrk="0" hangingPunct="1">
+      <a:defRPr sz="1200" kern="1200">
+        <a:solidFill>
+          <a:schemeClr val="tx1"/>
+        </a:solidFill>
+        <a:latin typeface="+mn-lt"/>
+        <a:ea typeface="+mn-ea"/>
+        <a:cs typeface="+mn-cs"/>
+      </a:defRPr>
+    </a:lvl3pPr>
+    <a:lvl4pPr marL="1371600" algn="l" defTabSz="914400" rtl="0" eaLnBrk="1" latinLnBrk="0" hangingPunct="1">
+      <a:defRPr sz="1200" kern="1200">
+        <a:solidFill>
+          <a:schemeClr val="tx1"/>
+        </a:solidFill>
+        <a:latin typeface="+mn-lt"/>
+        <a:ea typeface="+mn-ea"/>
+        <a:cs typeface="+mn-cs"/>
+      </a:defRPr>
+    </a:lvl4pPr>
+    <a:lvl5pPr marL="1828800" algn="l" defTabSz="914400" rtl="0" eaLnBrk="1" latinLnBrk="0" hangingPunct="1">
+      <a:defRPr sz="1200" kern="1200">
+        <a:solidFill>
+          <a:schemeClr val="tx1"/>
+        </a:solidFill>
+        <a:latin typeface="+mn-lt"/>
+        <a:ea typeface="+mn-ea"/>
+        <a:cs typeface="+mn-cs"/>
+      </a:defRPr>
+    </a:lvl5pPr>
+    <a:lvl6pPr marL="2286000" algn="l" defTabSz="914400" rtl="0" eaLnBrk="1" latinLnBrk="0" hangingPunct="1">
+      <a:defRPr sz="1200" kern="1200">
+        <a:solidFill>
+          <a:schemeClr val="tx1"/>
+        </a:solidFill>
+        <a:latin typeface="+mn-lt"/>
+        <a:ea typeface="+mn-ea"/>
+        <a:cs typeface="+mn-cs"/>
+      </a:defRPr>
+    </a:lvl6pPr>
+    <a:lvl7pPr marL="2743200" algn="l" defTabSz="914400" rtl="0" eaLnBrk="1" latinLnBrk="0" hangingPunct="1">
+      <a:defRPr sz="1200" kern="1200">
+        <a:solidFill>
+          <a:schemeClr val="tx1"/>
+        </a:solidFill>
+        <a:latin typeface="+mn-lt"/>
+        <a:ea typeface="+mn-ea"/>
+        <a:cs typeface="+mn-cs"/>
+      </a:defRPr>
+    </a:lvl7pPr>
+    <a:lvl8pPr marL="3200400" algn="l" defTabSz="914400" rtl="0" eaLnBrk="1" latinLnBrk="0" hangingPunct="1">
+      <a:defRPr sz="1200" kern="1200">
+        <a:solidFill>
+          <a:schemeClr val="tx1"/>
+        </a:solidFill>
+        <a:latin typeface="+mn-lt"/>
+        <a:ea typeface="+mn-ea"/>
+        <a:cs typeface="+mn-cs"/>
+      </a:defRPr>
+    </a:lvl8pPr>
+    <a:lvl9pPr marL="3657600" algn="l" defTabSz="914400" rtl="0" eaLnBrk="1" latinLnBrk="0" hangingPunct="1">
+      <a:defRPr sz="1200" kern="1200">
+        <a:solidFill>
+          <a:schemeClr val="tx1"/>
+        </a:solidFill>
+        <a:latin typeface="+mn-lt"/>
+        <a:ea typeface="+mn-ea"/>
+        <a:cs typeface="+mn-cs"/>
+      </a:defRPr>
+    </a:lvl9pPr>
+  </p:notesStyle>
+</p:notesMaster>
 </file>
 
 <file path=ppt/slideLayouts/slideLayout1.xml><?xml version="1.0" encoding="utf-8"?>
@@ -204,7 +558,7 @@
           <p:cNvPr id="2" name="Τίτλος 1">
             <a:extLst>
               <a:ext uri="{FF2B5EF4-FFF2-40B4-BE49-F238E27FC236}">
-                <a16:creationId xmlns:a16="http://schemas.microsoft.com/office/drawing/2014/main" xmlns="" id="{8509AC75-F7AD-4E17-AE77-1D750C16E190}"/>
+                <a16:creationId xmlns="" xmlns:a16="http://schemas.microsoft.com/office/drawing/2014/main" id="{8509AC75-F7AD-4E17-AE77-1D750C16E190}"/>
               </a:ext>
             </a:extLst>
           </p:cNvPr>
@@ -241,7 +595,7 @@
           <p:cNvPr id="3" name="Υπότιτλος 2">
             <a:extLst>
               <a:ext uri="{FF2B5EF4-FFF2-40B4-BE49-F238E27FC236}">
-                <a16:creationId xmlns:a16="http://schemas.microsoft.com/office/drawing/2014/main" xmlns="" id="{EEF0878F-FCA1-402B-A233-79BE9F0F83AA}"/>
+                <a16:creationId xmlns="" xmlns:a16="http://schemas.microsoft.com/office/drawing/2014/main" id="{EEF0878F-FCA1-402B-A233-79BE9F0F83AA}"/>
               </a:ext>
             </a:extLst>
           </p:cNvPr>
@@ -311,7 +665,7 @@
           <p:cNvPr id="4" name="Θέση ημερομηνίας 3">
             <a:extLst>
               <a:ext uri="{FF2B5EF4-FFF2-40B4-BE49-F238E27FC236}">
-                <a16:creationId xmlns:a16="http://schemas.microsoft.com/office/drawing/2014/main" xmlns="" id="{867C03BC-2A28-48F3-938C-2B2EDDF4CF83}"/>
+                <a16:creationId xmlns="" xmlns:a16="http://schemas.microsoft.com/office/drawing/2014/main" id="{867C03BC-2A28-48F3-938C-2B2EDDF4CF83}"/>
               </a:ext>
             </a:extLst>
           </p:cNvPr>
@@ -340,7 +694,7 @@
           <p:cNvPr id="5" name="Θέση υποσέλιδου 4">
             <a:extLst>
               <a:ext uri="{FF2B5EF4-FFF2-40B4-BE49-F238E27FC236}">
-                <a16:creationId xmlns:a16="http://schemas.microsoft.com/office/drawing/2014/main" xmlns="" id="{B8E371A4-868D-43F2-9AD2-A7EB151691BA}"/>
+                <a16:creationId xmlns="" xmlns:a16="http://schemas.microsoft.com/office/drawing/2014/main" id="{B8E371A4-868D-43F2-9AD2-A7EB151691BA}"/>
               </a:ext>
             </a:extLst>
           </p:cNvPr>
@@ -369,7 +723,7 @@
           <p:cNvPr id="6" name="Θέση αριθμού διαφάνειας 5">
             <a:extLst>
               <a:ext uri="{FF2B5EF4-FFF2-40B4-BE49-F238E27FC236}">
-                <a16:creationId xmlns:a16="http://schemas.microsoft.com/office/drawing/2014/main" xmlns="" id="{754C6D34-29DB-47C6-9531-23E257C8821B}"/>
+                <a16:creationId xmlns="" xmlns:a16="http://schemas.microsoft.com/office/drawing/2014/main" id="{754C6D34-29DB-47C6-9531-23E257C8821B}"/>
               </a:ext>
             </a:extLst>
           </p:cNvPr>
@@ -433,7 +787,7 @@
           <p:cNvPr id="2" name="Τίτλος 1">
             <a:extLst>
               <a:ext uri="{FF2B5EF4-FFF2-40B4-BE49-F238E27FC236}">
-                <a16:creationId xmlns:a16="http://schemas.microsoft.com/office/drawing/2014/main" xmlns="" id="{E0177635-BDC8-47BD-9B47-9261EB430F9B}"/>
+                <a16:creationId xmlns="" xmlns:a16="http://schemas.microsoft.com/office/drawing/2014/main" id="{E0177635-BDC8-47BD-9B47-9261EB430F9B}"/>
               </a:ext>
             </a:extLst>
           </p:cNvPr>
@@ -461,7 +815,7 @@
           <p:cNvPr id="3" name="Θέση κατακόρυφου κειμένου 2">
             <a:extLst>
               <a:ext uri="{FF2B5EF4-FFF2-40B4-BE49-F238E27FC236}">
-                <a16:creationId xmlns:a16="http://schemas.microsoft.com/office/drawing/2014/main" xmlns="" id="{B079C817-0402-4E00-B731-849F6656ADD6}"/>
+                <a16:creationId xmlns="" xmlns:a16="http://schemas.microsoft.com/office/drawing/2014/main" id="{B079C817-0402-4E00-B731-849F6656ADD6}"/>
               </a:ext>
             </a:extLst>
           </p:cNvPr>
@@ -518,7 +872,7 @@
           <p:cNvPr id="4" name="Θέση ημερομηνίας 3">
             <a:extLst>
               <a:ext uri="{FF2B5EF4-FFF2-40B4-BE49-F238E27FC236}">
-                <a16:creationId xmlns:a16="http://schemas.microsoft.com/office/drawing/2014/main" xmlns="" id="{B94977BA-AB96-4F5B-99FB-877DB4F40D2C}"/>
+                <a16:creationId xmlns="" xmlns:a16="http://schemas.microsoft.com/office/drawing/2014/main" id="{B94977BA-AB96-4F5B-99FB-877DB4F40D2C}"/>
               </a:ext>
             </a:extLst>
           </p:cNvPr>
@@ -547,7 +901,7 @@
           <p:cNvPr id="5" name="Θέση υποσέλιδου 4">
             <a:extLst>
               <a:ext uri="{FF2B5EF4-FFF2-40B4-BE49-F238E27FC236}">
-                <a16:creationId xmlns:a16="http://schemas.microsoft.com/office/drawing/2014/main" xmlns="" id="{FC52D52F-4A96-47A6-AB5E-0D50D1F364DF}"/>
+                <a16:creationId xmlns="" xmlns:a16="http://schemas.microsoft.com/office/drawing/2014/main" id="{FC52D52F-4A96-47A6-AB5E-0D50D1F364DF}"/>
               </a:ext>
             </a:extLst>
           </p:cNvPr>
@@ -576,7 +930,7 @@
           <p:cNvPr id="6" name="Θέση αριθμού διαφάνειας 5">
             <a:extLst>
               <a:ext uri="{FF2B5EF4-FFF2-40B4-BE49-F238E27FC236}">
-                <a16:creationId xmlns:a16="http://schemas.microsoft.com/office/drawing/2014/main" xmlns="" id="{E154040A-7F55-45BB-B7D9-802A4EE5A491}"/>
+                <a16:creationId xmlns="" xmlns:a16="http://schemas.microsoft.com/office/drawing/2014/main" id="{E154040A-7F55-45BB-B7D9-802A4EE5A491}"/>
               </a:ext>
             </a:extLst>
           </p:cNvPr>
@@ -640,7 +994,7 @@
           <p:cNvPr id="2" name="Κατακόρυφος τίτλος 1">
             <a:extLst>
               <a:ext uri="{FF2B5EF4-FFF2-40B4-BE49-F238E27FC236}">
-                <a16:creationId xmlns:a16="http://schemas.microsoft.com/office/drawing/2014/main" xmlns="" id="{72E7E313-AFB5-4231-966C-2D8DFB5234E9}"/>
+                <a16:creationId xmlns="" xmlns:a16="http://schemas.microsoft.com/office/drawing/2014/main" id="{72E7E313-AFB5-4231-966C-2D8DFB5234E9}"/>
               </a:ext>
             </a:extLst>
           </p:cNvPr>
@@ -673,7 +1027,7 @@
           <p:cNvPr id="3" name="Θέση κατακόρυφου κειμένου 2">
             <a:extLst>
               <a:ext uri="{FF2B5EF4-FFF2-40B4-BE49-F238E27FC236}">
-                <a16:creationId xmlns:a16="http://schemas.microsoft.com/office/drawing/2014/main" xmlns="" id="{F50A783C-B231-4C7C-BEE9-2F520EEB9536}"/>
+                <a16:creationId xmlns="" xmlns:a16="http://schemas.microsoft.com/office/drawing/2014/main" id="{F50A783C-B231-4C7C-BEE9-2F520EEB9536}"/>
               </a:ext>
             </a:extLst>
           </p:cNvPr>
@@ -735,7 +1089,7 @@
           <p:cNvPr id="4" name="Θέση ημερομηνίας 3">
             <a:extLst>
               <a:ext uri="{FF2B5EF4-FFF2-40B4-BE49-F238E27FC236}">
-                <a16:creationId xmlns:a16="http://schemas.microsoft.com/office/drawing/2014/main" xmlns="" id="{7B3E5318-64A0-476E-BCDB-60056E83F5C3}"/>
+                <a16:creationId xmlns="" xmlns:a16="http://schemas.microsoft.com/office/drawing/2014/main" id="{7B3E5318-64A0-476E-BCDB-60056E83F5C3}"/>
               </a:ext>
             </a:extLst>
           </p:cNvPr>
@@ -764,7 +1118,7 @@
           <p:cNvPr id="5" name="Θέση υποσέλιδου 4">
             <a:extLst>
               <a:ext uri="{FF2B5EF4-FFF2-40B4-BE49-F238E27FC236}">
-                <a16:creationId xmlns:a16="http://schemas.microsoft.com/office/drawing/2014/main" xmlns="" id="{66580386-8997-481A-91D9-3D244DBA6F1A}"/>
+                <a16:creationId xmlns="" xmlns:a16="http://schemas.microsoft.com/office/drawing/2014/main" id="{66580386-8997-481A-91D9-3D244DBA6F1A}"/>
               </a:ext>
             </a:extLst>
           </p:cNvPr>
@@ -793,7 +1147,7 @@
           <p:cNvPr id="6" name="Θέση αριθμού διαφάνειας 5">
             <a:extLst>
               <a:ext uri="{FF2B5EF4-FFF2-40B4-BE49-F238E27FC236}">
-                <a16:creationId xmlns:a16="http://schemas.microsoft.com/office/drawing/2014/main" xmlns="" id="{A979E5BB-42F3-4620-8408-93563F428DE2}"/>
+                <a16:creationId xmlns="" xmlns:a16="http://schemas.microsoft.com/office/drawing/2014/main" id="{A979E5BB-42F3-4620-8408-93563F428DE2}"/>
               </a:ext>
             </a:extLst>
           </p:cNvPr>
@@ -857,7 +1211,7 @@
           <p:cNvPr id="2" name="Τίτλος 1">
             <a:extLst>
               <a:ext uri="{FF2B5EF4-FFF2-40B4-BE49-F238E27FC236}">
-                <a16:creationId xmlns:a16="http://schemas.microsoft.com/office/drawing/2014/main" xmlns="" id="{946A6936-5B4C-4264-B0BD-ACF422487D73}"/>
+                <a16:creationId xmlns="" xmlns:a16="http://schemas.microsoft.com/office/drawing/2014/main" id="{946A6936-5B4C-4264-B0BD-ACF422487D73}"/>
               </a:ext>
             </a:extLst>
           </p:cNvPr>
@@ -885,7 +1239,7 @@
           <p:cNvPr id="3" name="Θέση περιεχομένου 2">
             <a:extLst>
               <a:ext uri="{FF2B5EF4-FFF2-40B4-BE49-F238E27FC236}">
-                <a16:creationId xmlns:a16="http://schemas.microsoft.com/office/drawing/2014/main" xmlns="" id="{5965AAAA-29E5-4991-9C79-1E02A7637E82}"/>
+                <a16:creationId xmlns="" xmlns:a16="http://schemas.microsoft.com/office/drawing/2014/main" id="{5965AAAA-29E5-4991-9C79-1E02A7637E82}"/>
               </a:ext>
             </a:extLst>
           </p:cNvPr>
@@ -942,7 +1296,7 @@
           <p:cNvPr id="4" name="Θέση ημερομηνίας 3">
             <a:extLst>
               <a:ext uri="{FF2B5EF4-FFF2-40B4-BE49-F238E27FC236}">
-                <a16:creationId xmlns:a16="http://schemas.microsoft.com/office/drawing/2014/main" xmlns="" id="{D49D9EBD-A58D-4462-9A98-D499BDBA12CC}"/>
+                <a16:creationId xmlns="" xmlns:a16="http://schemas.microsoft.com/office/drawing/2014/main" id="{D49D9EBD-A58D-4462-9A98-D499BDBA12CC}"/>
               </a:ext>
             </a:extLst>
           </p:cNvPr>
@@ -971,7 +1325,7 @@
           <p:cNvPr id="5" name="Θέση υποσέλιδου 4">
             <a:extLst>
               <a:ext uri="{FF2B5EF4-FFF2-40B4-BE49-F238E27FC236}">
-                <a16:creationId xmlns:a16="http://schemas.microsoft.com/office/drawing/2014/main" xmlns="" id="{6F105102-E0E9-4E8C-AB33-D571E9937FF7}"/>
+                <a16:creationId xmlns="" xmlns:a16="http://schemas.microsoft.com/office/drawing/2014/main" id="{6F105102-E0E9-4E8C-AB33-D571E9937FF7}"/>
               </a:ext>
             </a:extLst>
           </p:cNvPr>
@@ -1000,7 +1354,7 @@
           <p:cNvPr id="6" name="Θέση αριθμού διαφάνειας 5">
             <a:extLst>
               <a:ext uri="{FF2B5EF4-FFF2-40B4-BE49-F238E27FC236}">
-                <a16:creationId xmlns:a16="http://schemas.microsoft.com/office/drawing/2014/main" xmlns="" id="{AD98263E-88DE-4EB8-B153-98AB7BD5A610}"/>
+                <a16:creationId xmlns="" xmlns:a16="http://schemas.microsoft.com/office/drawing/2014/main" id="{AD98263E-88DE-4EB8-B153-98AB7BD5A610}"/>
               </a:ext>
             </a:extLst>
           </p:cNvPr>
@@ -1064,7 +1418,7 @@
           <p:cNvPr id="2" name="Τίτλος 1">
             <a:extLst>
               <a:ext uri="{FF2B5EF4-FFF2-40B4-BE49-F238E27FC236}">
-                <a16:creationId xmlns:a16="http://schemas.microsoft.com/office/drawing/2014/main" xmlns="" id="{30056D21-16F1-4B41-B00F-43ECCDD2970E}"/>
+                <a16:creationId xmlns="" xmlns:a16="http://schemas.microsoft.com/office/drawing/2014/main" id="{30056D21-16F1-4B41-B00F-43ECCDD2970E}"/>
               </a:ext>
             </a:extLst>
           </p:cNvPr>
@@ -1101,7 +1455,7 @@
           <p:cNvPr id="3" name="Θέση κειμένου 2">
             <a:extLst>
               <a:ext uri="{FF2B5EF4-FFF2-40B4-BE49-F238E27FC236}">
-                <a16:creationId xmlns:a16="http://schemas.microsoft.com/office/drawing/2014/main" xmlns="" id="{80E7CC5A-EE1E-4B74-9FF4-16DDDF7BBFFE}"/>
+                <a16:creationId xmlns="" xmlns:a16="http://schemas.microsoft.com/office/drawing/2014/main" id="{80E7CC5A-EE1E-4B74-9FF4-16DDDF7BBFFE}"/>
               </a:ext>
             </a:extLst>
           </p:cNvPr>
@@ -1172,7 +1526,7 @@
           <p:cNvPr id="4" name="Θέση ημερομηνίας 3">
             <a:extLst>
               <a:ext uri="{FF2B5EF4-FFF2-40B4-BE49-F238E27FC236}">
-                <a16:creationId xmlns:a16="http://schemas.microsoft.com/office/drawing/2014/main" xmlns="" id="{BD59FC7C-DDA0-439F-9FCF-F15C5FBC5F28}"/>
+                <a16:creationId xmlns="" xmlns:a16="http://schemas.microsoft.com/office/drawing/2014/main" id="{BD59FC7C-DDA0-439F-9FCF-F15C5FBC5F28}"/>
               </a:ext>
             </a:extLst>
           </p:cNvPr>
@@ -1201,7 +1555,7 @@
           <p:cNvPr id="5" name="Θέση υποσέλιδου 4">
             <a:extLst>
               <a:ext uri="{FF2B5EF4-FFF2-40B4-BE49-F238E27FC236}">
-                <a16:creationId xmlns:a16="http://schemas.microsoft.com/office/drawing/2014/main" xmlns="" id="{13683F84-6E82-49A2-A247-D3F23B15B485}"/>
+                <a16:creationId xmlns="" xmlns:a16="http://schemas.microsoft.com/office/drawing/2014/main" id="{13683F84-6E82-49A2-A247-D3F23B15B485}"/>
               </a:ext>
             </a:extLst>
           </p:cNvPr>
@@ -1230,7 +1584,7 @@
           <p:cNvPr id="6" name="Θέση αριθμού διαφάνειας 5">
             <a:extLst>
               <a:ext uri="{FF2B5EF4-FFF2-40B4-BE49-F238E27FC236}">
-                <a16:creationId xmlns:a16="http://schemas.microsoft.com/office/drawing/2014/main" xmlns="" id="{C2B0A562-92A3-4583-AE6E-1F59EC5BE9D6}"/>
+                <a16:creationId xmlns="" xmlns:a16="http://schemas.microsoft.com/office/drawing/2014/main" id="{C2B0A562-92A3-4583-AE6E-1F59EC5BE9D6}"/>
               </a:ext>
             </a:extLst>
           </p:cNvPr>
@@ -1294,7 +1648,7 @@
           <p:cNvPr id="2" name="Τίτλος 1">
             <a:extLst>
               <a:ext uri="{FF2B5EF4-FFF2-40B4-BE49-F238E27FC236}">
-                <a16:creationId xmlns:a16="http://schemas.microsoft.com/office/drawing/2014/main" xmlns="" id="{1E95B0B1-6FC6-4E5A-A530-20DC20BE3EA4}"/>
+                <a16:creationId xmlns="" xmlns:a16="http://schemas.microsoft.com/office/drawing/2014/main" id="{1E95B0B1-6FC6-4E5A-A530-20DC20BE3EA4}"/>
               </a:ext>
             </a:extLst>
           </p:cNvPr>
@@ -1322,7 +1676,7 @@
           <p:cNvPr id="3" name="Θέση περιεχομένου 2">
             <a:extLst>
               <a:ext uri="{FF2B5EF4-FFF2-40B4-BE49-F238E27FC236}">
-                <a16:creationId xmlns:a16="http://schemas.microsoft.com/office/drawing/2014/main" xmlns="" id="{33B973D2-B133-4CBC-9E74-430849527C5D}"/>
+                <a16:creationId xmlns="" xmlns:a16="http://schemas.microsoft.com/office/drawing/2014/main" id="{33B973D2-B133-4CBC-9E74-430849527C5D}"/>
               </a:ext>
             </a:extLst>
           </p:cNvPr>
@@ -1384,7 +1738,7 @@
           <p:cNvPr id="4" name="Θέση περιεχομένου 3">
             <a:extLst>
               <a:ext uri="{FF2B5EF4-FFF2-40B4-BE49-F238E27FC236}">
-                <a16:creationId xmlns:a16="http://schemas.microsoft.com/office/drawing/2014/main" xmlns="" id="{EC4FE06D-C5DA-4534-9752-AE3A9B14FB6C}"/>
+                <a16:creationId xmlns="" xmlns:a16="http://schemas.microsoft.com/office/drawing/2014/main" id="{EC4FE06D-C5DA-4534-9752-AE3A9B14FB6C}"/>
               </a:ext>
             </a:extLst>
           </p:cNvPr>
@@ -1446,7 +1800,7 @@
           <p:cNvPr id="5" name="Θέση ημερομηνίας 4">
             <a:extLst>
               <a:ext uri="{FF2B5EF4-FFF2-40B4-BE49-F238E27FC236}">
-                <a16:creationId xmlns:a16="http://schemas.microsoft.com/office/drawing/2014/main" xmlns="" id="{18E5D071-38DE-474E-9817-3E7880BE1485}"/>
+                <a16:creationId xmlns="" xmlns:a16="http://schemas.microsoft.com/office/drawing/2014/main" id="{18E5D071-38DE-474E-9817-3E7880BE1485}"/>
               </a:ext>
             </a:extLst>
           </p:cNvPr>
@@ -1475,7 +1829,7 @@
           <p:cNvPr id="6" name="Θέση υποσέλιδου 5">
             <a:extLst>
               <a:ext uri="{FF2B5EF4-FFF2-40B4-BE49-F238E27FC236}">
-                <a16:creationId xmlns:a16="http://schemas.microsoft.com/office/drawing/2014/main" xmlns="" id="{B566B170-75D6-4B4B-AD9B-CAF696A4A35F}"/>
+                <a16:creationId xmlns="" xmlns:a16="http://schemas.microsoft.com/office/drawing/2014/main" id="{B566B170-75D6-4B4B-AD9B-CAF696A4A35F}"/>
               </a:ext>
             </a:extLst>
           </p:cNvPr>
@@ -1504,7 +1858,7 @@
           <p:cNvPr id="7" name="Θέση αριθμού διαφάνειας 6">
             <a:extLst>
               <a:ext uri="{FF2B5EF4-FFF2-40B4-BE49-F238E27FC236}">
-                <a16:creationId xmlns:a16="http://schemas.microsoft.com/office/drawing/2014/main" xmlns="" id="{811F70E8-303C-4FF0-800D-D1615242AEBD}"/>
+                <a16:creationId xmlns="" xmlns:a16="http://schemas.microsoft.com/office/drawing/2014/main" id="{811F70E8-303C-4FF0-800D-D1615242AEBD}"/>
               </a:ext>
             </a:extLst>
           </p:cNvPr>
@@ -1568,7 +1922,7 @@
           <p:cNvPr id="2" name="Τίτλος 1">
             <a:extLst>
               <a:ext uri="{FF2B5EF4-FFF2-40B4-BE49-F238E27FC236}">
-                <a16:creationId xmlns:a16="http://schemas.microsoft.com/office/drawing/2014/main" xmlns="" id="{C2D10CCD-395F-4ED7-9AAB-AAC81F254D73}"/>
+                <a16:creationId xmlns="" xmlns:a16="http://schemas.microsoft.com/office/drawing/2014/main" id="{C2D10CCD-395F-4ED7-9AAB-AAC81F254D73}"/>
               </a:ext>
             </a:extLst>
           </p:cNvPr>
@@ -1601,7 +1955,7 @@
           <p:cNvPr id="3" name="Θέση κειμένου 2">
             <a:extLst>
               <a:ext uri="{FF2B5EF4-FFF2-40B4-BE49-F238E27FC236}">
-                <a16:creationId xmlns:a16="http://schemas.microsoft.com/office/drawing/2014/main" xmlns="" id="{90BA9849-8C4D-4297-B7C9-EC91315F8744}"/>
+                <a16:creationId xmlns="" xmlns:a16="http://schemas.microsoft.com/office/drawing/2014/main" id="{90BA9849-8C4D-4297-B7C9-EC91315F8744}"/>
               </a:ext>
             </a:extLst>
           </p:cNvPr>
@@ -1672,7 +2026,7 @@
           <p:cNvPr id="4" name="Θέση περιεχομένου 3">
             <a:extLst>
               <a:ext uri="{FF2B5EF4-FFF2-40B4-BE49-F238E27FC236}">
-                <a16:creationId xmlns:a16="http://schemas.microsoft.com/office/drawing/2014/main" xmlns="" id="{B62EE8A8-142F-4E91-A455-3A1E511C9C48}"/>
+                <a16:creationId xmlns="" xmlns:a16="http://schemas.microsoft.com/office/drawing/2014/main" id="{B62EE8A8-142F-4E91-A455-3A1E511C9C48}"/>
               </a:ext>
             </a:extLst>
           </p:cNvPr>
@@ -1734,7 +2088,7 @@
           <p:cNvPr id="5" name="Θέση κειμένου 4">
             <a:extLst>
               <a:ext uri="{FF2B5EF4-FFF2-40B4-BE49-F238E27FC236}">
-                <a16:creationId xmlns:a16="http://schemas.microsoft.com/office/drawing/2014/main" xmlns="" id="{4D11D8FD-AF48-4333-B3A3-C4F122916228}"/>
+                <a16:creationId xmlns="" xmlns:a16="http://schemas.microsoft.com/office/drawing/2014/main" id="{4D11D8FD-AF48-4333-B3A3-C4F122916228}"/>
               </a:ext>
             </a:extLst>
           </p:cNvPr>
@@ -1805,7 +2159,7 @@
           <p:cNvPr id="6" name="Θέση περιεχομένου 5">
             <a:extLst>
               <a:ext uri="{FF2B5EF4-FFF2-40B4-BE49-F238E27FC236}">
-                <a16:creationId xmlns:a16="http://schemas.microsoft.com/office/drawing/2014/main" xmlns="" id="{61C11A0D-27CC-43BB-9E44-02FA59E8AF88}"/>
+                <a16:creationId xmlns="" xmlns:a16="http://schemas.microsoft.com/office/drawing/2014/main" id="{61C11A0D-27CC-43BB-9E44-02FA59E8AF88}"/>
               </a:ext>
             </a:extLst>
           </p:cNvPr>
@@ -1867,7 +2221,7 @@
           <p:cNvPr id="7" name="Θέση ημερομηνίας 6">
             <a:extLst>
               <a:ext uri="{FF2B5EF4-FFF2-40B4-BE49-F238E27FC236}">
-                <a16:creationId xmlns:a16="http://schemas.microsoft.com/office/drawing/2014/main" xmlns="" id="{D2669FAE-F62C-479E-A394-64A93BE2DB15}"/>
+                <a16:creationId xmlns="" xmlns:a16="http://schemas.microsoft.com/office/drawing/2014/main" id="{D2669FAE-F62C-479E-A394-64A93BE2DB15}"/>
               </a:ext>
             </a:extLst>
           </p:cNvPr>
@@ -1896,7 +2250,7 @@
           <p:cNvPr id="8" name="Θέση υποσέλιδου 7">
             <a:extLst>
               <a:ext uri="{FF2B5EF4-FFF2-40B4-BE49-F238E27FC236}">
-                <a16:creationId xmlns:a16="http://schemas.microsoft.com/office/drawing/2014/main" xmlns="" id="{8A5EE5CA-B5F4-4C84-AACA-D771A798BAFA}"/>
+                <a16:creationId xmlns="" xmlns:a16="http://schemas.microsoft.com/office/drawing/2014/main" id="{8A5EE5CA-B5F4-4C84-AACA-D771A798BAFA}"/>
               </a:ext>
             </a:extLst>
           </p:cNvPr>
@@ -1925,7 +2279,7 @@
           <p:cNvPr id="9" name="Θέση αριθμού διαφάνειας 8">
             <a:extLst>
               <a:ext uri="{FF2B5EF4-FFF2-40B4-BE49-F238E27FC236}">
-                <a16:creationId xmlns:a16="http://schemas.microsoft.com/office/drawing/2014/main" xmlns="" id="{D1A6548F-E5D2-4D86-B4C9-BBD4FAD8CF31}"/>
+                <a16:creationId xmlns="" xmlns:a16="http://schemas.microsoft.com/office/drawing/2014/main" id="{D1A6548F-E5D2-4D86-B4C9-BBD4FAD8CF31}"/>
               </a:ext>
             </a:extLst>
           </p:cNvPr>
@@ -1989,7 +2343,7 @@
           <p:cNvPr id="2" name="Τίτλος 1">
             <a:extLst>
               <a:ext uri="{FF2B5EF4-FFF2-40B4-BE49-F238E27FC236}">
-                <a16:creationId xmlns:a16="http://schemas.microsoft.com/office/drawing/2014/main" xmlns="" id="{FD4485F6-1513-452F-B2E8-1DF01EA23343}"/>
+                <a16:creationId xmlns="" xmlns:a16="http://schemas.microsoft.com/office/drawing/2014/main" id="{FD4485F6-1513-452F-B2E8-1DF01EA23343}"/>
               </a:ext>
             </a:extLst>
           </p:cNvPr>
@@ -2017,7 +2371,7 @@
           <p:cNvPr id="3" name="Θέση ημερομηνίας 2">
             <a:extLst>
               <a:ext uri="{FF2B5EF4-FFF2-40B4-BE49-F238E27FC236}">
-                <a16:creationId xmlns:a16="http://schemas.microsoft.com/office/drawing/2014/main" xmlns="" id="{4C6D2844-A2A3-48FF-AB77-8A9DBF710AF6}"/>
+                <a16:creationId xmlns="" xmlns:a16="http://schemas.microsoft.com/office/drawing/2014/main" id="{4C6D2844-A2A3-48FF-AB77-8A9DBF710AF6}"/>
               </a:ext>
             </a:extLst>
           </p:cNvPr>
@@ -2046,7 +2400,7 @@
           <p:cNvPr id="4" name="Θέση υποσέλιδου 3">
             <a:extLst>
               <a:ext uri="{FF2B5EF4-FFF2-40B4-BE49-F238E27FC236}">
-                <a16:creationId xmlns:a16="http://schemas.microsoft.com/office/drawing/2014/main" xmlns="" id="{F37E8CF0-E03E-4CFA-A189-81D49BF231A5}"/>
+                <a16:creationId xmlns="" xmlns:a16="http://schemas.microsoft.com/office/drawing/2014/main" id="{F37E8CF0-E03E-4CFA-A189-81D49BF231A5}"/>
               </a:ext>
             </a:extLst>
           </p:cNvPr>
@@ -2075,7 +2429,7 @@
           <p:cNvPr id="5" name="Θέση αριθμού διαφάνειας 4">
             <a:extLst>
               <a:ext uri="{FF2B5EF4-FFF2-40B4-BE49-F238E27FC236}">
-                <a16:creationId xmlns:a16="http://schemas.microsoft.com/office/drawing/2014/main" xmlns="" id="{2F464A38-E9C0-4F02-A28A-8F8E94243C1D}"/>
+                <a16:creationId xmlns="" xmlns:a16="http://schemas.microsoft.com/office/drawing/2014/main" id="{2F464A38-E9C0-4F02-A28A-8F8E94243C1D}"/>
               </a:ext>
             </a:extLst>
           </p:cNvPr>
@@ -2139,7 +2493,7 @@
           <p:cNvPr id="2" name="Θέση ημερομηνίας 1">
             <a:extLst>
               <a:ext uri="{FF2B5EF4-FFF2-40B4-BE49-F238E27FC236}">
-                <a16:creationId xmlns:a16="http://schemas.microsoft.com/office/drawing/2014/main" xmlns="" id="{D80E1189-46B3-48E8-B4B0-A0C2A8D2F9D9}"/>
+                <a16:creationId xmlns="" xmlns:a16="http://schemas.microsoft.com/office/drawing/2014/main" id="{D80E1189-46B3-48E8-B4B0-A0C2A8D2F9D9}"/>
               </a:ext>
             </a:extLst>
           </p:cNvPr>
@@ -2168,7 +2522,7 @@
           <p:cNvPr id="3" name="Θέση υποσέλιδου 2">
             <a:extLst>
               <a:ext uri="{FF2B5EF4-FFF2-40B4-BE49-F238E27FC236}">
-                <a16:creationId xmlns:a16="http://schemas.microsoft.com/office/drawing/2014/main" xmlns="" id="{4374BEC9-86AA-4BB4-B539-ACF7D31FDAA8}"/>
+                <a16:creationId xmlns="" xmlns:a16="http://schemas.microsoft.com/office/drawing/2014/main" id="{4374BEC9-86AA-4BB4-B539-ACF7D31FDAA8}"/>
               </a:ext>
             </a:extLst>
           </p:cNvPr>
@@ -2197,7 +2551,7 @@
           <p:cNvPr id="4" name="Θέση αριθμού διαφάνειας 3">
             <a:extLst>
               <a:ext uri="{FF2B5EF4-FFF2-40B4-BE49-F238E27FC236}">
-                <a16:creationId xmlns:a16="http://schemas.microsoft.com/office/drawing/2014/main" xmlns="" id="{F6FCDA7D-797E-447D-ABCE-9F6E47C043A5}"/>
+                <a16:creationId xmlns="" xmlns:a16="http://schemas.microsoft.com/office/drawing/2014/main" id="{F6FCDA7D-797E-447D-ABCE-9F6E47C043A5}"/>
               </a:ext>
             </a:extLst>
           </p:cNvPr>
@@ -2261,7 +2615,7 @@
           <p:cNvPr id="2" name="Τίτλος 1">
             <a:extLst>
               <a:ext uri="{FF2B5EF4-FFF2-40B4-BE49-F238E27FC236}">
-                <a16:creationId xmlns:a16="http://schemas.microsoft.com/office/drawing/2014/main" xmlns="" id="{CA66F50E-74A6-4A4C-8FEB-8E24FA8BA759}"/>
+                <a16:creationId xmlns="" xmlns:a16="http://schemas.microsoft.com/office/drawing/2014/main" id="{CA66F50E-74A6-4A4C-8FEB-8E24FA8BA759}"/>
               </a:ext>
             </a:extLst>
           </p:cNvPr>
@@ -2298,7 +2652,7 @@
           <p:cNvPr id="3" name="Θέση περιεχομένου 2">
             <a:extLst>
               <a:ext uri="{FF2B5EF4-FFF2-40B4-BE49-F238E27FC236}">
-                <a16:creationId xmlns:a16="http://schemas.microsoft.com/office/drawing/2014/main" xmlns="" id="{0D0A7A68-79AA-4DEA-B7FF-01CFCE95FDC2}"/>
+                <a16:creationId xmlns="" xmlns:a16="http://schemas.microsoft.com/office/drawing/2014/main" id="{0D0A7A68-79AA-4DEA-B7FF-01CFCE95FDC2}"/>
               </a:ext>
             </a:extLst>
           </p:cNvPr>
@@ -2388,7 +2742,7 @@
           <p:cNvPr id="4" name="Θέση κειμένου 3">
             <a:extLst>
               <a:ext uri="{FF2B5EF4-FFF2-40B4-BE49-F238E27FC236}">
-                <a16:creationId xmlns:a16="http://schemas.microsoft.com/office/drawing/2014/main" xmlns="" id="{5B5216AE-014F-4CFA-9A1C-7A0401CACBF5}"/>
+                <a16:creationId xmlns="" xmlns:a16="http://schemas.microsoft.com/office/drawing/2014/main" id="{5B5216AE-014F-4CFA-9A1C-7A0401CACBF5}"/>
               </a:ext>
             </a:extLst>
           </p:cNvPr>
@@ -2459,7 +2813,7 @@
           <p:cNvPr id="5" name="Θέση ημερομηνίας 4">
             <a:extLst>
               <a:ext uri="{FF2B5EF4-FFF2-40B4-BE49-F238E27FC236}">
-                <a16:creationId xmlns:a16="http://schemas.microsoft.com/office/drawing/2014/main" xmlns="" id="{5337CB36-3A4C-4397-A907-9C0E60E128D2}"/>
+                <a16:creationId xmlns="" xmlns:a16="http://schemas.microsoft.com/office/drawing/2014/main" id="{5337CB36-3A4C-4397-A907-9C0E60E128D2}"/>
               </a:ext>
             </a:extLst>
           </p:cNvPr>
@@ -2488,7 +2842,7 @@
           <p:cNvPr id="6" name="Θέση υποσέλιδου 5">
             <a:extLst>
               <a:ext uri="{FF2B5EF4-FFF2-40B4-BE49-F238E27FC236}">
-                <a16:creationId xmlns:a16="http://schemas.microsoft.com/office/drawing/2014/main" xmlns="" id="{839CF776-85BA-400B-BCCE-D174C8DBFEA7}"/>
+                <a16:creationId xmlns="" xmlns:a16="http://schemas.microsoft.com/office/drawing/2014/main" id="{839CF776-85BA-400B-BCCE-D174C8DBFEA7}"/>
               </a:ext>
             </a:extLst>
           </p:cNvPr>
@@ -2517,7 +2871,7 @@
           <p:cNvPr id="7" name="Θέση αριθμού διαφάνειας 6">
             <a:extLst>
               <a:ext uri="{FF2B5EF4-FFF2-40B4-BE49-F238E27FC236}">
-                <a16:creationId xmlns:a16="http://schemas.microsoft.com/office/drawing/2014/main" xmlns="" id="{E40C10F8-6D93-4C6F-ADB1-63D3B5B3FA8D}"/>
+                <a16:creationId xmlns="" xmlns:a16="http://schemas.microsoft.com/office/drawing/2014/main" id="{E40C10F8-6D93-4C6F-ADB1-63D3B5B3FA8D}"/>
               </a:ext>
             </a:extLst>
           </p:cNvPr>
@@ -2581,7 +2935,7 @@
           <p:cNvPr id="2" name="Τίτλος 1">
             <a:extLst>
               <a:ext uri="{FF2B5EF4-FFF2-40B4-BE49-F238E27FC236}">
-                <a16:creationId xmlns:a16="http://schemas.microsoft.com/office/drawing/2014/main" xmlns="" id="{6AF9A0BF-278D-4AD8-BFFB-8B183ED94FDB}"/>
+                <a16:creationId xmlns="" xmlns:a16="http://schemas.microsoft.com/office/drawing/2014/main" id="{6AF9A0BF-278D-4AD8-BFFB-8B183ED94FDB}"/>
               </a:ext>
             </a:extLst>
           </p:cNvPr>
@@ -2618,7 +2972,7 @@
           <p:cNvPr id="3" name="Θέση εικόνας 2">
             <a:extLst>
               <a:ext uri="{FF2B5EF4-FFF2-40B4-BE49-F238E27FC236}">
-                <a16:creationId xmlns:a16="http://schemas.microsoft.com/office/drawing/2014/main" xmlns="" id="{27B216CB-B1D2-476F-A7C4-48BC69E4885E}"/>
+                <a16:creationId xmlns="" xmlns:a16="http://schemas.microsoft.com/office/drawing/2014/main" id="{27B216CB-B1D2-476F-A7C4-48BC69E4885E}"/>
               </a:ext>
             </a:extLst>
           </p:cNvPr>
@@ -2685,7 +3039,7 @@
           <p:cNvPr id="4" name="Θέση κειμένου 3">
             <a:extLst>
               <a:ext uri="{FF2B5EF4-FFF2-40B4-BE49-F238E27FC236}">
-                <a16:creationId xmlns:a16="http://schemas.microsoft.com/office/drawing/2014/main" xmlns="" id="{408B316B-87C3-46DF-8DBB-DA7469EC95FF}"/>
+                <a16:creationId xmlns="" xmlns:a16="http://schemas.microsoft.com/office/drawing/2014/main" id="{408B316B-87C3-46DF-8DBB-DA7469EC95FF}"/>
               </a:ext>
             </a:extLst>
           </p:cNvPr>
@@ -2756,7 +3110,7 @@
           <p:cNvPr id="5" name="Θέση ημερομηνίας 4">
             <a:extLst>
               <a:ext uri="{FF2B5EF4-FFF2-40B4-BE49-F238E27FC236}">
-                <a16:creationId xmlns:a16="http://schemas.microsoft.com/office/drawing/2014/main" xmlns="" id="{7ADABE8C-1E0B-4B46-96A7-E21311A7F81C}"/>
+                <a16:creationId xmlns="" xmlns:a16="http://schemas.microsoft.com/office/drawing/2014/main" id="{7ADABE8C-1E0B-4B46-96A7-E21311A7F81C}"/>
               </a:ext>
             </a:extLst>
           </p:cNvPr>
@@ -2785,7 +3139,7 @@
           <p:cNvPr id="6" name="Θέση υποσέλιδου 5">
             <a:extLst>
               <a:ext uri="{FF2B5EF4-FFF2-40B4-BE49-F238E27FC236}">
-                <a16:creationId xmlns:a16="http://schemas.microsoft.com/office/drawing/2014/main" xmlns="" id="{6B2223F8-FC8F-4D73-9BFA-53D9DD37A702}"/>
+                <a16:creationId xmlns="" xmlns:a16="http://schemas.microsoft.com/office/drawing/2014/main" id="{6B2223F8-FC8F-4D73-9BFA-53D9DD37A702}"/>
               </a:ext>
             </a:extLst>
           </p:cNvPr>
@@ -2814,7 +3168,7 @@
           <p:cNvPr id="7" name="Θέση αριθμού διαφάνειας 6">
             <a:extLst>
               <a:ext uri="{FF2B5EF4-FFF2-40B4-BE49-F238E27FC236}">
-                <a16:creationId xmlns:a16="http://schemas.microsoft.com/office/drawing/2014/main" xmlns="" id="{FA2CCB49-36C3-4A16-95EB-5C76F6B12626}"/>
+                <a16:creationId xmlns="" xmlns:a16="http://schemas.microsoft.com/office/drawing/2014/main" id="{FA2CCB49-36C3-4A16-95EB-5C76F6B12626}"/>
               </a:ext>
             </a:extLst>
           </p:cNvPr>
@@ -2890,7 +3244,7 @@
           <p:cNvPr id="1026" name="Rectangle 2">
             <a:extLst>
               <a:ext uri="{FF2B5EF4-FFF2-40B4-BE49-F238E27FC236}">
-                <a16:creationId xmlns:a16="http://schemas.microsoft.com/office/drawing/2014/main" xmlns="" id="{1BEB1C84-A068-45B6-8189-C71A06D43A7C}"/>
+                <a16:creationId xmlns="" xmlns:a16="http://schemas.microsoft.com/office/drawing/2014/main" id="{1BEB1C84-A068-45B6-8189-C71A06D43A7C}"/>
               </a:ext>
             </a:extLst>
           </p:cNvPr>
@@ -2964,7 +3318,7 @@
           <p:cNvPr id="1027" name="Rectangle 3">
             <a:extLst>
               <a:ext uri="{FF2B5EF4-FFF2-40B4-BE49-F238E27FC236}">
-                <a16:creationId xmlns:a16="http://schemas.microsoft.com/office/drawing/2014/main" xmlns="" id="{FD7D50F5-A978-40AA-A481-95B8F31498A8}"/>
+                <a16:creationId xmlns="" xmlns:a16="http://schemas.microsoft.com/office/drawing/2014/main" id="{FD7D50F5-A978-40AA-A481-95B8F31498A8}"/>
               </a:ext>
             </a:extLst>
           </p:cNvPr>
@@ -3066,7 +3420,7 @@
           <p:cNvPr id="1028" name="Rectangle 4">
             <a:extLst>
               <a:ext uri="{FF2B5EF4-FFF2-40B4-BE49-F238E27FC236}">
-                <a16:creationId xmlns:a16="http://schemas.microsoft.com/office/drawing/2014/main" xmlns="" id="{02C40ADB-4FD2-47B1-B9B1-B057B9BA7ACE}"/>
+                <a16:creationId xmlns="" xmlns:a16="http://schemas.microsoft.com/office/drawing/2014/main" id="{02C40ADB-4FD2-47B1-B9B1-B057B9BA7ACE}"/>
               </a:ext>
             </a:extLst>
           </p:cNvPr>
@@ -3140,7 +3494,7 @@
           <p:cNvPr id="1029" name="Rectangle 5">
             <a:extLst>
               <a:ext uri="{FF2B5EF4-FFF2-40B4-BE49-F238E27FC236}">
-                <a16:creationId xmlns:a16="http://schemas.microsoft.com/office/drawing/2014/main" xmlns="" id="{8BB8EA04-4F46-4FA8-8763-67E26F6D4518}"/>
+                <a16:creationId xmlns="" xmlns:a16="http://schemas.microsoft.com/office/drawing/2014/main" id="{8BB8EA04-4F46-4FA8-8763-67E26F6D4518}"/>
               </a:ext>
             </a:extLst>
           </p:cNvPr>
@@ -3214,7 +3568,7 @@
           <p:cNvPr id="1030" name="Rectangle 6">
             <a:extLst>
               <a:ext uri="{FF2B5EF4-FFF2-40B4-BE49-F238E27FC236}">
-                <a16:creationId xmlns:a16="http://schemas.microsoft.com/office/drawing/2014/main" xmlns="" id="{9937D052-FC38-4E81-BE7A-8C0E9A7C95A0}"/>
+                <a16:creationId xmlns="" xmlns:a16="http://schemas.microsoft.com/office/drawing/2014/main" id="{9937D052-FC38-4E81-BE7A-8C0E9A7C95A0}"/>
               </a:ext>
             </a:extLst>
           </p:cNvPr>
@@ -3304,6 +3658,7 @@
     <p:sldLayoutId id="2147483658" r:id="rId10"/>
     <p:sldLayoutId id="2147483659" r:id="rId11"/>
   </p:sldLayoutIdLst>
+  <p:hf hdr="0" ftr="0" dt="0"/>
   <p:txStyles>
     <p:titleStyle>
       <a:lvl1pPr algn="ctr" rtl="0" fontAlgn="base">
@@ -3737,7 +4092,7 @@
           <p:cNvPr id="2198" name="Rectangle 150">
             <a:extLst>
               <a:ext uri="{FF2B5EF4-FFF2-40B4-BE49-F238E27FC236}">
-                <a16:creationId xmlns:a16="http://schemas.microsoft.com/office/drawing/2014/main" xmlns="" id="{419DED07-BEEE-4682-9A6B-C3F37ABA6960}"/>
+                <a16:creationId xmlns="" xmlns:a16="http://schemas.microsoft.com/office/drawing/2014/main" id="{419DED07-BEEE-4682-9A6B-C3F37ABA6960}"/>
               </a:ext>
             </a:extLst>
           </p:cNvPr>
@@ -3782,7 +4137,7 @@
           <p:cNvPr id="2217" name="Rectangle 169">
             <a:extLst>
               <a:ext uri="{FF2B5EF4-FFF2-40B4-BE49-F238E27FC236}">
-                <a16:creationId xmlns:a16="http://schemas.microsoft.com/office/drawing/2014/main" xmlns="" id="{888B61AD-BB87-40B6-97B8-BF39A903ECF7}"/>
+                <a16:creationId xmlns="" xmlns:a16="http://schemas.microsoft.com/office/drawing/2014/main" id="{888B61AD-BB87-40B6-97B8-BF39A903ECF7}"/>
               </a:ext>
             </a:extLst>
           </p:cNvPr>
@@ -4027,7 +4382,7 @@
           <p:cNvPr id="2" name="Ορθογώνιο 1">
             <a:extLst>
               <a:ext uri="{FF2B5EF4-FFF2-40B4-BE49-F238E27FC236}">
-                <a16:creationId xmlns:a16="http://schemas.microsoft.com/office/drawing/2014/main" xmlns="" id="{97F4FE3E-7A51-4117-8485-99A241533F5F}"/>
+                <a16:creationId xmlns="" xmlns:a16="http://schemas.microsoft.com/office/drawing/2014/main" id="{97F4FE3E-7A51-4117-8485-99A241533F5F}"/>
               </a:ext>
             </a:extLst>
           </p:cNvPr>
@@ -4150,7 +4505,7 @@
           <p:cNvPr id="2" name="Ορθογώνιο 1">
             <a:extLst>
               <a:ext uri="{FF2B5EF4-FFF2-40B4-BE49-F238E27FC236}">
-                <a16:creationId xmlns:a16="http://schemas.microsoft.com/office/drawing/2014/main" xmlns="" id="{7C7B8017-EC96-4686-A821-7348D3493D8E}"/>
+                <a16:creationId xmlns="" xmlns:a16="http://schemas.microsoft.com/office/drawing/2014/main" id="{7C7B8017-EC96-4686-A821-7348D3493D8E}"/>
               </a:ext>
             </a:extLst>
           </p:cNvPr>
@@ -4284,7 +4639,7 @@
           <p:cNvPr id="8" name="Rectangle 2">
             <a:extLst>
               <a:ext uri="{FF2B5EF4-FFF2-40B4-BE49-F238E27FC236}">
-                <a16:creationId xmlns:a16="http://schemas.microsoft.com/office/drawing/2014/main" xmlns="" id="{03793955-60FD-4DD3-B17A-7045EF66DA60}"/>
+                <a16:creationId xmlns="" xmlns:a16="http://schemas.microsoft.com/office/drawing/2014/main" id="{03793955-60FD-4DD3-B17A-7045EF66DA60}"/>
               </a:ext>
             </a:extLst>
           </p:cNvPr>
@@ -4343,6 +4698,45 @@
                 <a:schemeClr val="bg1">
                   <a:lumMod val="95000"/>
                 </a:schemeClr>
+              </a:solidFill>
+              <a:latin typeface="Bookman Old Style" panose="02050604050505020204" pitchFamily="18" charset="0"/>
+            </a:endParaRPr>
+          </a:p>
+        </p:txBody>
+      </p:sp>
+      <p:sp>
+        <p:nvSpPr>
+          <p:cNvPr id="5" name="Θέση αριθμού διαφάνειας 1"/>
+          <p:cNvSpPr>
+            <a:spLocks noGrp="1"/>
+          </p:cNvSpPr>
+          <p:nvPr>
+            <p:ph type="sldNum" sz="quarter" idx="12"/>
+          </p:nvPr>
+        </p:nvSpPr>
+        <p:spPr>
+          <a:xfrm>
+            <a:off x="7956376" y="6577881"/>
+            <a:ext cx="802432" cy="280119"/>
+          </a:xfrm>
+        </p:spPr>
+        <p:txBody>
+          <a:bodyPr/>
+          <a:lstStyle/>
+          <a:p>
+            <a:fld id="{82BD1F62-BAB9-4678-A758-6842827ADFA9}" type="slidenum">
+              <a:rPr lang="es-ES" altLang="el-GR" b="1" smtClean="0">
+                <a:solidFill>
+                  <a:schemeClr val="bg1"/>
+                </a:solidFill>
+                <a:latin typeface="Bookman Old Style" panose="02050604050505020204" pitchFamily="18" charset="0"/>
+              </a:rPr>
+              <a:pPr/>
+              <a:t>10</a:t>
+            </a:fld>
+            <a:endParaRPr lang="es-ES" altLang="el-GR" b="1" dirty="0">
+              <a:solidFill>
+                <a:schemeClr val="bg1"/>
               </a:solidFill>
               <a:latin typeface="Bookman Old Style" panose="02050604050505020204" pitchFamily="18" charset="0"/>
             </a:endParaRPr>
@@ -4405,7 +4799,7 @@
           <p:cNvPr id="3" name="Εικόνα 2">
             <a:extLst>
               <a:ext uri="{FF2B5EF4-FFF2-40B4-BE49-F238E27FC236}">
-                <a16:creationId xmlns:a16="http://schemas.microsoft.com/office/drawing/2014/main" xmlns="" id="{2036A9F0-EF8C-4399-BAC0-0F4A9EBBB909}"/>
+                <a16:creationId xmlns="" xmlns:a16="http://schemas.microsoft.com/office/drawing/2014/main" id="{2036A9F0-EF8C-4399-BAC0-0F4A9EBBB909}"/>
               </a:ext>
             </a:extLst>
           </p:cNvPr>
@@ -4435,7 +4829,7 @@
           <p:cNvPr id="2" name="Ορθογώνιο 1">
             <a:extLst>
               <a:ext uri="{FF2B5EF4-FFF2-40B4-BE49-F238E27FC236}">
-                <a16:creationId xmlns:a16="http://schemas.microsoft.com/office/drawing/2014/main" xmlns="" id="{7C7B8017-EC96-4686-A821-7348D3493D8E}"/>
+                <a16:creationId xmlns="" xmlns:a16="http://schemas.microsoft.com/office/drawing/2014/main" id="{7C7B8017-EC96-4686-A821-7348D3493D8E}"/>
               </a:ext>
             </a:extLst>
           </p:cNvPr>
@@ -4832,7 +5226,7 @@
           <p:cNvPr id="7" name="Rectangle 2">
             <a:extLst>
               <a:ext uri="{FF2B5EF4-FFF2-40B4-BE49-F238E27FC236}">
-                <a16:creationId xmlns:a16="http://schemas.microsoft.com/office/drawing/2014/main" xmlns="" id="{AFF43FAF-FC8E-4278-95A7-7E10B4826E2D}"/>
+                <a16:creationId xmlns="" xmlns:a16="http://schemas.microsoft.com/office/drawing/2014/main" id="{AFF43FAF-FC8E-4278-95A7-7E10B4826E2D}"/>
               </a:ext>
             </a:extLst>
           </p:cNvPr>
@@ -4891,6 +5285,45 @@
                 <a:schemeClr val="bg1">
                   <a:lumMod val="95000"/>
                 </a:schemeClr>
+              </a:solidFill>
+              <a:latin typeface="Bookman Old Style" panose="02050604050505020204" pitchFamily="18" charset="0"/>
+            </a:endParaRPr>
+          </a:p>
+        </p:txBody>
+      </p:sp>
+      <p:sp>
+        <p:nvSpPr>
+          <p:cNvPr id="6" name="Θέση αριθμού διαφάνειας 1"/>
+          <p:cNvSpPr>
+            <a:spLocks noGrp="1"/>
+          </p:cNvSpPr>
+          <p:nvPr>
+            <p:ph type="sldNum" sz="quarter" idx="12"/>
+          </p:nvPr>
+        </p:nvSpPr>
+        <p:spPr>
+          <a:xfrm>
+            <a:off x="7956376" y="6577881"/>
+            <a:ext cx="802432" cy="280119"/>
+          </a:xfrm>
+        </p:spPr>
+        <p:txBody>
+          <a:bodyPr/>
+          <a:lstStyle/>
+          <a:p>
+            <a:fld id="{82BD1F62-BAB9-4678-A758-6842827ADFA9}" type="slidenum">
+              <a:rPr lang="es-ES" altLang="el-GR" b="1" smtClean="0">
+                <a:solidFill>
+                  <a:schemeClr val="bg1"/>
+                </a:solidFill>
+                <a:latin typeface="Bookman Old Style" panose="02050604050505020204" pitchFamily="18" charset="0"/>
+              </a:rPr>
+              <a:pPr/>
+              <a:t>11</a:t>
+            </a:fld>
+            <a:endParaRPr lang="es-ES" altLang="el-GR" b="1" dirty="0">
+              <a:solidFill>
+                <a:schemeClr val="bg1"/>
               </a:solidFill>
               <a:latin typeface="Bookman Old Style" panose="02050604050505020204" pitchFamily="18" charset="0"/>
             </a:endParaRPr>
@@ -4953,7 +5386,7 @@
           <p:cNvPr id="2" name="Ορθογώνιο 1">
             <a:extLst>
               <a:ext uri="{FF2B5EF4-FFF2-40B4-BE49-F238E27FC236}">
-                <a16:creationId xmlns:a16="http://schemas.microsoft.com/office/drawing/2014/main" xmlns="" id="{7C7B8017-EC96-4686-A821-7348D3493D8E}"/>
+                <a16:creationId xmlns="" xmlns:a16="http://schemas.microsoft.com/office/drawing/2014/main" id="{7C7B8017-EC96-4686-A821-7348D3493D8E}"/>
               </a:ext>
             </a:extLst>
           </p:cNvPr>
@@ -5104,7 +5537,7 @@
           <p:cNvPr id="7" name="Rectangle 2">
             <a:extLst>
               <a:ext uri="{FF2B5EF4-FFF2-40B4-BE49-F238E27FC236}">
-                <a16:creationId xmlns:a16="http://schemas.microsoft.com/office/drawing/2014/main" xmlns="" id="{40495734-AFE3-496B-A12C-F11F733ACD28}"/>
+                <a16:creationId xmlns="" xmlns:a16="http://schemas.microsoft.com/office/drawing/2014/main" id="{40495734-AFE3-496B-A12C-F11F733ACD28}"/>
               </a:ext>
             </a:extLst>
           </p:cNvPr>
@@ -5185,6 +5618,45 @@
                 <a:schemeClr val="bg1">
                   <a:lumMod val="95000"/>
                 </a:schemeClr>
+              </a:solidFill>
+              <a:latin typeface="Bookman Old Style" panose="02050604050505020204" pitchFamily="18" charset="0"/>
+            </a:endParaRPr>
+          </a:p>
+        </p:txBody>
+      </p:sp>
+      <p:sp>
+        <p:nvSpPr>
+          <p:cNvPr id="5" name="Θέση αριθμού διαφάνειας 1"/>
+          <p:cNvSpPr>
+            <a:spLocks noGrp="1"/>
+          </p:cNvSpPr>
+          <p:nvPr>
+            <p:ph type="sldNum" sz="quarter" idx="12"/>
+          </p:nvPr>
+        </p:nvSpPr>
+        <p:spPr>
+          <a:xfrm>
+            <a:off x="7956376" y="6577881"/>
+            <a:ext cx="802432" cy="280119"/>
+          </a:xfrm>
+        </p:spPr>
+        <p:txBody>
+          <a:bodyPr/>
+          <a:lstStyle/>
+          <a:p>
+            <a:fld id="{82BD1F62-BAB9-4678-A758-6842827ADFA9}" type="slidenum">
+              <a:rPr lang="es-ES" altLang="el-GR" b="1" smtClean="0">
+                <a:solidFill>
+                  <a:schemeClr val="bg1"/>
+                </a:solidFill>
+                <a:latin typeface="Bookman Old Style" panose="02050604050505020204" pitchFamily="18" charset="0"/>
+              </a:rPr>
+              <a:pPr/>
+              <a:t>12</a:t>
+            </a:fld>
+            <a:endParaRPr lang="es-ES" altLang="el-GR" b="1" dirty="0">
+              <a:solidFill>
+                <a:schemeClr val="bg1"/>
               </a:solidFill>
               <a:latin typeface="Bookman Old Style" panose="02050604050505020204" pitchFamily="18" charset="0"/>
             </a:endParaRPr>
@@ -5247,7 +5719,7 @@
           <p:cNvPr id="2" name="Ορθογώνιο 1">
             <a:extLst>
               <a:ext uri="{FF2B5EF4-FFF2-40B4-BE49-F238E27FC236}">
-                <a16:creationId xmlns:a16="http://schemas.microsoft.com/office/drawing/2014/main" xmlns="" id="{7C7B8017-EC96-4686-A821-7348D3493D8E}"/>
+                <a16:creationId xmlns="" xmlns:a16="http://schemas.microsoft.com/office/drawing/2014/main" id="{7C7B8017-EC96-4686-A821-7348D3493D8E}"/>
               </a:ext>
             </a:extLst>
           </p:cNvPr>
@@ -5666,7 +6138,7 @@
           <p:cNvPr id="6" name="Rectangle 2">
             <a:extLst>
               <a:ext uri="{FF2B5EF4-FFF2-40B4-BE49-F238E27FC236}">
-                <a16:creationId xmlns:a16="http://schemas.microsoft.com/office/drawing/2014/main" xmlns="" id="{55E8F6C5-F1C4-4800-B74A-A1E41A46CC98}"/>
+                <a16:creationId xmlns="" xmlns:a16="http://schemas.microsoft.com/office/drawing/2014/main" id="{55E8F6C5-F1C4-4800-B74A-A1E41A46CC98}"/>
               </a:ext>
             </a:extLst>
           </p:cNvPr>
@@ -5725,6 +6197,45 @@
                 <a:schemeClr val="bg1">
                   <a:lumMod val="95000"/>
                 </a:schemeClr>
+              </a:solidFill>
+              <a:latin typeface="Bookman Old Style" panose="02050604050505020204" pitchFamily="18" charset="0"/>
+            </a:endParaRPr>
+          </a:p>
+        </p:txBody>
+      </p:sp>
+      <p:sp>
+        <p:nvSpPr>
+          <p:cNvPr id="5" name="Θέση αριθμού διαφάνειας 1"/>
+          <p:cNvSpPr>
+            <a:spLocks noGrp="1"/>
+          </p:cNvSpPr>
+          <p:nvPr>
+            <p:ph type="sldNum" sz="quarter" idx="12"/>
+          </p:nvPr>
+        </p:nvSpPr>
+        <p:spPr>
+          <a:xfrm>
+            <a:off x="7956376" y="6577881"/>
+            <a:ext cx="802432" cy="280119"/>
+          </a:xfrm>
+        </p:spPr>
+        <p:txBody>
+          <a:bodyPr/>
+          <a:lstStyle/>
+          <a:p>
+            <a:fld id="{82BD1F62-BAB9-4678-A758-6842827ADFA9}" type="slidenum">
+              <a:rPr lang="es-ES" altLang="el-GR" b="1" smtClean="0">
+                <a:solidFill>
+                  <a:schemeClr val="bg1"/>
+                </a:solidFill>
+                <a:latin typeface="Bookman Old Style" panose="02050604050505020204" pitchFamily="18" charset="0"/>
+              </a:rPr>
+              <a:pPr/>
+              <a:t>13</a:t>
+            </a:fld>
+            <a:endParaRPr lang="es-ES" altLang="el-GR" b="1" dirty="0">
+              <a:solidFill>
+                <a:schemeClr val="bg1"/>
               </a:solidFill>
               <a:latin typeface="Bookman Old Style" panose="02050604050505020204" pitchFamily="18" charset="0"/>
             </a:endParaRPr>
@@ -5787,7 +6298,7 @@
           <p:cNvPr id="2" name="Ορθογώνιο 1">
             <a:extLst>
               <a:ext uri="{FF2B5EF4-FFF2-40B4-BE49-F238E27FC236}">
-                <a16:creationId xmlns:a16="http://schemas.microsoft.com/office/drawing/2014/main" xmlns="" id="{7C7B8017-EC96-4686-A821-7348D3493D8E}"/>
+                <a16:creationId xmlns="" xmlns:a16="http://schemas.microsoft.com/office/drawing/2014/main" id="{7C7B8017-EC96-4686-A821-7348D3493D8E}"/>
               </a:ext>
             </a:extLst>
           </p:cNvPr>
@@ -6082,7 +6593,7 @@
           <p:cNvPr id="6" name="Rectangle 2">
             <a:extLst>
               <a:ext uri="{FF2B5EF4-FFF2-40B4-BE49-F238E27FC236}">
-                <a16:creationId xmlns:a16="http://schemas.microsoft.com/office/drawing/2014/main" xmlns="" id="{0BCB5EA5-592D-4F09-A7CA-ABF7BA41AC12}"/>
+                <a16:creationId xmlns="" xmlns:a16="http://schemas.microsoft.com/office/drawing/2014/main" id="{0BCB5EA5-592D-4F09-A7CA-ABF7BA41AC12}"/>
               </a:ext>
             </a:extLst>
           </p:cNvPr>
@@ -6163,6 +6674,45 @@
                 <a:schemeClr val="bg1">
                   <a:lumMod val="95000"/>
                 </a:schemeClr>
+              </a:solidFill>
+              <a:latin typeface="Bookman Old Style" panose="02050604050505020204" pitchFamily="18" charset="0"/>
+            </a:endParaRPr>
+          </a:p>
+        </p:txBody>
+      </p:sp>
+      <p:sp>
+        <p:nvSpPr>
+          <p:cNvPr id="5" name="Θέση αριθμού διαφάνειας 1"/>
+          <p:cNvSpPr>
+            <a:spLocks noGrp="1"/>
+          </p:cNvSpPr>
+          <p:nvPr>
+            <p:ph type="sldNum" sz="quarter" idx="12"/>
+          </p:nvPr>
+        </p:nvSpPr>
+        <p:spPr>
+          <a:xfrm>
+            <a:off x="7956376" y="6577881"/>
+            <a:ext cx="802432" cy="280119"/>
+          </a:xfrm>
+        </p:spPr>
+        <p:txBody>
+          <a:bodyPr/>
+          <a:lstStyle/>
+          <a:p>
+            <a:fld id="{82BD1F62-BAB9-4678-A758-6842827ADFA9}" type="slidenum">
+              <a:rPr lang="es-ES" altLang="el-GR" b="1" smtClean="0">
+                <a:solidFill>
+                  <a:schemeClr val="bg1"/>
+                </a:solidFill>
+                <a:latin typeface="Bookman Old Style" panose="02050604050505020204" pitchFamily="18" charset="0"/>
+              </a:rPr>
+              <a:pPr/>
+              <a:t>14</a:t>
+            </a:fld>
+            <a:endParaRPr lang="es-ES" altLang="el-GR" b="1" dirty="0">
+              <a:solidFill>
+                <a:schemeClr val="bg1"/>
               </a:solidFill>
               <a:latin typeface="Bookman Old Style" panose="02050604050505020204" pitchFamily="18" charset="0"/>
             </a:endParaRPr>
@@ -6225,7 +6775,7 @@
           <p:cNvPr id="2" name="Ορθογώνιο 1">
             <a:extLst>
               <a:ext uri="{FF2B5EF4-FFF2-40B4-BE49-F238E27FC236}">
-                <a16:creationId xmlns:a16="http://schemas.microsoft.com/office/drawing/2014/main" xmlns="" id="{7C7B8017-EC96-4686-A821-7348D3493D8E}"/>
+                <a16:creationId xmlns="" xmlns:a16="http://schemas.microsoft.com/office/drawing/2014/main" id="{7C7B8017-EC96-4686-A821-7348D3493D8E}"/>
               </a:ext>
             </a:extLst>
           </p:cNvPr>
@@ -6751,7 +7301,7 @@
           <p:cNvPr id="6" name="Rectangle 2">
             <a:extLst>
               <a:ext uri="{FF2B5EF4-FFF2-40B4-BE49-F238E27FC236}">
-                <a16:creationId xmlns:a16="http://schemas.microsoft.com/office/drawing/2014/main" xmlns="" id="{F84B8DAE-73D9-4A04-A2A9-933B5CE35547}"/>
+                <a16:creationId xmlns="" xmlns:a16="http://schemas.microsoft.com/office/drawing/2014/main" id="{F84B8DAE-73D9-4A04-A2A9-933B5CE35547}"/>
               </a:ext>
             </a:extLst>
           </p:cNvPr>
@@ -6810,6 +7360,45 @@
                 <a:schemeClr val="bg1">
                   <a:lumMod val="95000"/>
                 </a:schemeClr>
+              </a:solidFill>
+              <a:latin typeface="Bookman Old Style" panose="02050604050505020204" pitchFamily="18" charset="0"/>
+            </a:endParaRPr>
+          </a:p>
+        </p:txBody>
+      </p:sp>
+      <p:sp>
+        <p:nvSpPr>
+          <p:cNvPr id="5" name="Θέση αριθμού διαφάνειας 1"/>
+          <p:cNvSpPr>
+            <a:spLocks noGrp="1"/>
+          </p:cNvSpPr>
+          <p:nvPr>
+            <p:ph type="sldNum" sz="quarter" idx="12"/>
+          </p:nvPr>
+        </p:nvSpPr>
+        <p:spPr>
+          <a:xfrm>
+            <a:off x="7956376" y="6577881"/>
+            <a:ext cx="802432" cy="280119"/>
+          </a:xfrm>
+        </p:spPr>
+        <p:txBody>
+          <a:bodyPr/>
+          <a:lstStyle/>
+          <a:p>
+            <a:fld id="{82BD1F62-BAB9-4678-A758-6842827ADFA9}" type="slidenum">
+              <a:rPr lang="es-ES" altLang="el-GR" b="1" smtClean="0">
+                <a:solidFill>
+                  <a:schemeClr val="bg1"/>
+                </a:solidFill>
+                <a:latin typeface="Bookman Old Style" panose="02050604050505020204" pitchFamily="18" charset="0"/>
+              </a:rPr>
+              <a:pPr/>
+              <a:t>15</a:t>
+            </a:fld>
+            <a:endParaRPr lang="es-ES" altLang="el-GR" b="1" dirty="0">
+              <a:solidFill>
+                <a:schemeClr val="bg1"/>
               </a:solidFill>
               <a:latin typeface="Bookman Old Style" panose="02050604050505020204" pitchFamily="18" charset="0"/>
             </a:endParaRPr>
@@ -6872,7 +7461,7 @@
           <p:cNvPr id="144386" name="Rectangle 2">
             <a:extLst>
               <a:ext uri="{FF2B5EF4-FFF2-40B4-BE49-F238E27FC236}">
-                <a16:creationId xmlns:a16="http://schemas.microsoft.com/office/drawing/2014/main" xmlns="" id="{B2EB9881-15D2-4027-87B7-1B2E12624292}"/>
+                <a16:creationId xmlns="" xmlns:a16="http://schemas.microsoft.com/office/drawing/2014/main" id="{B2EB9881-15D2-4027-87B7-1B2E12624292}"/>
               </a:ext>
             </a:extLst>
           </p:cNvPr>
@@ -6937,7 +7526,7 @@
           <p:cNvPr id="2" name="Ορθογώνιο 1">
             <a:extLst>
               <a:ext uri="{FF2B5EF4-FFF2-40B4-BE49-F238E27FC236}">
-                <a16:creationId xmlns:a16="http://schemas.microsoft.com/office/drawing/2014/main" xmlns="" id="{7C7B8017-EC96-4686-A821-7348D3493D8E}"/>
+                <a16:creationId xmlns="" xmlns:a16="http://schemas.microsoft.com/office/drawing/2014/main" id="{7C7B8017-EC96-4686-A821-7348D3493D8E}"/>
               </a:ext>
             </a:extLst>
           </p:cNvPr>
@@ -7019,6 +7608,45 @@
               </a:rPr>
               <a:t>.</a:t>
             </a:r>
+          </a:p>
+        </p:txBody>
+      </p:sp>
+      <p:sp>
+        <p:nvSpPr>
+          <p:cNvPr id="5" name="Θέση αριθμού διαφάνειας 1"/>
+          <p:cNvSpPr>
+            <a:spLocks noGrp="1"/>
+          </p:cNvSpPr>
+          <p:nvPr>
+            <p:ph type="sldNum" sz="quarter" idx="12"/>
+          </p:nvPr>
+        </p:nvSpPr>
+        <p:spPr>
+          <a:xfrm>
+            <a:off x="7956376" y="6577881"/>
+            <a:ext cx="802432" cy="280119"/>
+          </a:xfrm>
+        </p:spPr>
+        <p:txBody>
+          <a:bodyPr/>
+          <a:lstStyle/>
+          <a:p>
+            <a:fld id="{82BD1F62-BAB9-4678-A758-6842827ADFA9}" type="slidenum">
+              <a:rPr lang="es-ES" altLang="el-GR" b="1" smtClean="0">
+                <a:solidFill>
+                  <a:schemeClr val="bg1"/>
+                </a:solidFill>
+                <a:latin typeface="Bookman Old Style" panose="02050604050505020204" pitchFamily="18" charset="0"/>
+              </a:rPr>
+              <a:pPr/>
+              <a:t>16</a:t>
+            </a:fld>
+            <a:endParaRPr lang="es-ES" altLang="el-GR" b="1" dirty="0">
+              <a:solidFill>
+                <a:schemeClr val="bg1"/>
+              </a:solidFill>
+              <a:latin typeface="Bookman Old Style" panose="02050604050505020204" pitchFamily="18" charset="0"/>
+            </a:endParaRPr>
           </a:p>
         </p:txBody>
       </p:sp>
@@ -7078,7 +7706,7 @@
           <p:cNvPr id="144386" name="Rectangle 2">
             <a:extLst>
               <a:ext uri="{FF2B5EF4-FFF2-40B4-BE49-F238E27FC236}">
-                <a16:creationId xmlns:a16="http://schemas.microsoft.com/office/drawing/2014/main" xmlns="" id="{B2EB9881-15D2-4027-87B7-1B2E12624292}"/>
+                <a16:creationId xmlns="" xmlns:a16="http://schemas.microsoft.com/office/drawing/2014/main" id="{B2EB9881-15D2-4027-87B7-1B2E12624292}"/>
               </a:ext>
             </a:extLst>
           </p:cNvPr>
@@ -7135,7 +7763,7 @@
           <p:cNvPr id="2" name="Ορθογώνιο 1">
             <a:extLst>
               <a:ext uri="{FF2B5EF4-FFF2-40B4-BE49-F238E27FC236}">
-                <a16:creationId xmlns:a16="http://schemas.microsoft.com/office/drawing/2014/main" xmlns="" id="{7C7B8017-EC96-4686-A821-7348D3493D8E}"/>
+                <a16:creationId xmlns="" xmlns:a16="http://schemas.microsoft.com/office/drawing/2014/main" id="{7C7B8017-EC96-4686-A821-7348D3493D8E}"/>
               </a:ext>
             </a:extLst>
           </p:cNvPr>
@@ -7420,6 +8048,45 @@
               </a:rPr>
               <a:t>Αν δεν υπάρχουν αποθηκευμένα φίλτρα, θα εμφανίζεται σχετικό μήνυμα </a:t>
             </a:r>
+          </a:p>
+        </p:txBody>
+      </p:sp>
+      <p:sp>
+        <p:nvSpPr>
+          <p:cNvPr id="5" name="Θέση αριθμού διαφάνειας 1"/>
+          <p:cNvSpPr>
+            <a:spLocks noGrp="1"/>
+          </p:cNvSpPr>
+          <p:nvPr>
+            <p:ph type="sldNum" sz="quarter" idx="12"/>
+          </p:nvPr>
+        </p:nvSpPr>
+        <p:spPr>
+          <a:xfrm>
+            <a:off x="7956376" y="6577881"/>
+            <a:ext cx="802432" cy="280119"/>
+          </a:xfrm>
+        </p:spPr>
+        <p:txBody>
+          <a:bodyPr/>
+          <a:lstStyle/>
+          <a:p>
+            <a:fld id="{82BD1F62-BAB9-4678-A758-6842827ADFA9}" type="slidenum">
+              <a:rPr lang="es-ES" altLang="el-GR" b="1" smtClean="0">
+                <a:solidFill>
+                  <a:schemeClr val="bg1"/>
+                </a:solidFill>
+                <a:latin typeface="Bookman Old Style" panose="02050604050505020204" pitchFamily="18" charset="0"/>
+              </a:rPr>
+              <a:pPr/>
+              <a:t>17</a:t>
+            </a:fld>
+            <a:endParaRPr lang="es-ES" altLang="el-GR" b="1" dirty="0">
+              <a:solidFill>
+                <a:schemeClr val="bg1"/>
+              </a:solidFill>
+              <a:latin typeface="Bookman Old Style" panose="02050604050505020204" pitchFamily="18" charset="0"/>
+            </a:endParaRPr>
           </a:p>
         </p:txBody>
       </p:sp>
@@ -7479,7 +8146,7 @@
           <p:cNvPr id="144386" name="Rectangle 2">
             <a:extLst>
               <a:ext uri="{FF2B5EF4-FFF2-40B4-BE49-F238E27FC236}">
-                <a16:creationId xmlns:a16="http://schemas.microsoft.com/office/drawing/2014/main" xmlns="" id="{B2EB9881-15D2-4027-87B7-1B2E12624292}"/>
+                <a16:creationId xmlns="" xmlns:a16="http://schemas.microsoft.com/office/drawing/2014/main" id="{B2EB9881-15D2-4027-87B7-1B2E12624292}"/>
               </a:ext>
             </a:extLst>
           </p:cNvPr>
@@ -7536,7 +8203,7 @@
           <p:cNvPr id="2" name="Ορθογώνιο 1">
             <a:extLst>
               <a:ext uri="{FF2B5EF4-FFF2-40B4-BE49-F238E27FC236}">
-                <a16:creationId xmlns:a16="http://schemas.microsoft.com/office/drawing/2014/main" xmlns="" id="{7C7B8017-EC96-4686-A821-7348D3493D8E}"/>
+                <a16:creationId xmlns="" xmlns:a16="http://schemas.microsoft.com/office/drawing/2014/main" id="{7C7B8017-EC96-4686-A821-7348D3493D8E}"/>
               </a:ext>
             </a:extLst>
           </p:cNvPr>
@@ -7729,6 +8396,45 @@
               </a:rPr>
               <a:t>Όταν διαγράφεται ένα φίλτρο, θα εμφανίζεται σχετικό μήνυμα</a:t>
             </a:r>
+          </a:p>
+        </p:txBody>
+      </p:sp>
+      <p:sp>
+        <p:nvSpPr>
+          <p:cNvPr id="5" name="Θέση αριθμού διαφάνειας 1"/>
+          <p:cNvSpPr>
+            <a:spLocks noGrp="1"/>
+          </p:cNvSpPr>
+          <p:nvPr>
+            <p:ph type="sldNum" sz="quarter" idx="12"/>
+          </p:nvPr>
+        </p:nvSpPr>
+        <p:spPr>
+          <a:xfrm>
+            <a:off x="7956376" y="6577881"/>
+            <a:ext cx="802432" cy="280119"/>
+          </a:xfrm>
+        </p:spPr>
+        <p:txBody>
+          <a:bodyPr/>
+          <a:lstStyle/>
+          <a:p>
+            <a:fld id="{82BD1F62-BAB9-4678-A758-6842827ADFA9}" type="slidenum">
+              <a:rPr lang="es-ES" altLang="el-GR" b="1" smtClean="0">
+                <a:solidFill>
+                  <a:schemeClr val="bg1"/>
+                </a:solidFill>
+                <a:latin typeface="Bookman Old Style" panose="02050604050505020204" pitchFamily="18" charset="0"/>
+              </a:rPr>
+              <a:pPr/>
+              <a:t>18</a:t>
+            </a:fld>
+            <a:endParaRPr lang="es-ES" altLang="el-GR" b="1" dirty="0">
+              <a:solidFill>
+                <a:schemeClr val="bg1"/>
+              </a:solidFill>
+              <a:latin typeface="Bookman Old Style" panose="02050604050505020204" pitchFamily="18" charset="0"/>
+            </a:endParaRPr>
           </a:p>
         </p:txBody>
       </p:sp>
@@ -7788,7 +8494,7 @@
           <p:cNvPr id="144386" name="Rectangle 2">
             <a:extLst>
               <a:ext uri="{FF2B5EF4-FFF2-40B4-BE49-F238E27FC236}">
-                <a16:creationId xmlns:a16="http://schemas.microsoft.com/office/drawing/2014/main" xmlns="" id="{B2EB9881-15D2-4027-87B7-1B2E12624292}"/>
+                <a16:creationId xmlns="" xmlns:a16="http://schemas.microsoft.com/office/drawing/2014/main" id="{B2EB9881-15D2-4027-87B7-1B2E12624292}"/>
               </a:ext>
             </a:extLst>
           </p:cNvPr>
@@ -7853,7 +8559,7 @@
           <p:cNvPr id="2" name="Ορθογώνιο 1">
             <a:extLst>
               <a:ext uri="{FF2B5EF4-FFF2-40B4-BE49-F238E27FC236}">
-                <a16:creationId xmlns:a16="http://schemas.microsoft.com/office/drawing/2014/main" xmlns="" id="{7C7B8017-EC96-4686-A821-7348D3493D8E}"/>
+                <a16:creationId xmlns="" xmlns:a16="http://schemas.microsoft.com/office/drawing/2014/main" id="{7C7B8017-EC96-4686-A821-7348D3493D8E}"/>
               </a:ext>
             </a:extLst>
           </p:cNvPr>
@@ -8129,6 +8835,45 @@
               </a:rPr>
               <a:t>Ο χρήστης θα μπορεί να αλλάζει το επίθετό του</a:t>
             </a:r>
+          </a:p>
+        </p:txBody>
+      </p:sp>
+      <p:sp>
+        <p:nvSpPr>
+          <p:cNvPr id="5" name="Θέση αριθμού διαφάνειας 1"/>
+          <p:cNvSpPr>
+            <a:spLocks noGrp="1"/>
+          </p:cNvSpPr>
+          <p:nvPr>
+            <p:ph type="sldNum" sz="quarter" idx="12"/>
+          </p:nvPr>
+        </p:nvSpPr>
+        <p:spPr>
+          <a:xfrm>
+            <a:off x="7956376" y="6577881"/>
+            <a:ext cx="802432" cy="280119"/>
+          </a:xfrm>
+        </p:spPr>
+        <p:txBody>
+          <a:bodyPr/>
+          <a:lstStyle/>
+          <a:p>
+            <a:fld id="{82BD1F62-BAB9-4678-A758-6842827ADFA9}" type="slidenum">
+              <a:rPr lang="es-ES" altLang="el-GR" b="1" smtClean="0">
+                <a:solidFill>
+                  <a:schemeClr val="bg1"/>
+                </a:solidFill>
+                <a:latin typeface="Bookman Old Style" panose="02050604050505020204" pitchFamily="18" charset="0"/>
+              </a:rPr>
+              <a:pPr/>
+              <a:t>19</a:t>
+            </a:fld>
+            <a:endParaRPr lang="es-ES" altLang="el-GR" b="1" dirty="0">
+              <a:solidFill>
+                <a:schemeClr val="bg1"/>
+              </a:solidFill>
+              <a:latin typeface="Bookman Old Style" panose="02050604050505020204" pitchFamily="18" charset="0"/>
+            </a:endParaRPr>
           </a:p>
         </p:txBody>
       </p:sp>
@@ -8188,7 +8933,7 @@
           <p:cNvPr id="144386" name="Rectangle 2">
             <a:extLst>
               <a:ext uri="{FF2B5EF4-FFF2-40B4-BE49-F238E27FC236}">
-                <a16:creationId xmlns:a16="http://schemas.microsoft.com/office/drawing/2014/main" xmlns="" id="{B2EB9881-15D2-4027-87B7-1B2E12624292}"/>
+                <a16:creationId xmlns="" xmlns:a16="http://schemas.microsoft.com/office/drawing/2014/main" id="{B2EB9881-15D2-4027-87B7-1B2E12624292}"/>
               </a:ext>
             </a:extLst>
           </p:cNvPr>
@@ -8224,7 +8969,7 @@
           <p:cNvPr id="144387" name="Rectangle 3">
             <a:extLst>
               <a:ext uri="{FF2B5EF4-FFF2-40B4-BE49-F238E27FC236}">
-                <a16:creationId xmlns:a16="http://schemas.microsoft.com/office/drawing/2014/main" xmlns="" id="{A5117173-5269-49CE-9C9C-5972DE27F6FF}"/>
+                <a16:creationId xmlns="" xmlns:a16="http://schemas.microsoft.com/office/drawing/2014/main" id="{A5117173-5269-49CE-9C9C-5972DE27F6FF}"/>
               </a:ext>
             </a:extLst>
           </p:cNvPr>
@@ -8399,6 +9144,45 @@
               <a:t>Vega security platform</a:t>
             </a:r>
             <a:endParaRPr lang="el-GR" altLang="el-GR" dirty="0">
+              <a:latin typeface="Bookman Old Style" panose="02050604050505020204" pitchFamily="18" charset="0"/>
+            </a:endParaRPr>
+          </a:p>
+        </p:txBody>
+      </p:sp>
+      <p:sp>
+        <p:nvSpPr>
+          <p:cNvPr id="2" name="Θέση αριθμού διαφάνειας 1"/>
+          <p:cNvSpPr>
+            <a:spLocks noGrp="1"/>
+          </p:cNvSpPr>
+          <p:nvPr>
+            <p:ph type="sldNum" sz="quarter" idx="12"/>
+          </p:nvPr>
+        </p:nvSpPr>
+        <p:spPr>
+          <a:xfrm>
+            <a:off x="7956376" y="6577881"/>
+            <a:ext cx="802432" cy="280119"/>
+          </a:xfrm>
+        </p:spPr>
+        <p:txBody>
+          <a:bodyPr/>
+          <a:lstStyle/>
+          <a:p>
+            <a:fld id="{82BD1F62-BAB9-4678-A758-6842827ADFA9}" type="slidenum">
+              <a:rPr lang="es-ES" altLang="el-GR" b="1" smtClean="0">
+                <a:solidFill>
+                  <a:schemeClr val="bg1"/>
+                </a:solidFill>
+                <a:latin typeface="Bookman Old Style" panose="02050604050505020204" pitchFamily="18" charset="0"/>
+              </a:rPr>
+              <a:pPr/>
+              <a:t>2</a:t>
+            </a:fld>
+            <a:endParaRPr lang="es-ES" altLang="el-GR" b="1" dirty="0">
+              <a:solidFill>
+                <a:schemeClr val="bg1"/>
+              </a:solidFill>
               <a:latin typeface="Bookman Old Style" panose="02050604050505020204" pitchFamily="18" charset="0"/>
             </a:endParaRPr>
           </a:p>
@@ -8455,7 +9239,7 @@
           <p:cNvPr id="144386" name="Rectangle 2">
             <a:extLst>
               <a:ext uri="{FF2B5EF4-FFF2-40B4-BE49-F238E27FC236}">
-                <a16:creationId xmlns:a16="http://schemas.microsoft.com/office/drawing/2014/main" xmlns="" id="{B2EB9881-15D2-4027-87B7-1B2E12624292}"/>
+                <a16:creationId xmlns="" xmlns:a16="http://schemas.microsoft.com/office/drawing/2014/main" id="{B2EB9881-15D2-4027-87B7-1B2E12624292}"/>
               </a:ext>
             </a:extLst>
           </p:cNvPr>
@@ -8491,7 +9275,7 @@
           <p:cNvPr id="2" name="Ορθογώνιο 1">
             <a:extLst>
               <a:ext uri="{FF2B5EF4-FFF2-40B4-BE49-F238E27FC236}">
-                <a16:creationId xmlns:a16="http://schemas.microsoft.com/office/drawing/2014/main" xmlns="" id="{7C7B8017-EC96-4686-A821-7348D3493D8E}"/>
+                <a16:creationId xmlns="" xmlns:a16="http://schemas.microsoft.com/office/drawing/2014/main" id="{7C7B8017-EC96-4686-A821-7348D3493D8E}"/>
               </a:ext>
             </a:extLst>
           </p:cNvPr>
@@ -8727,6 +9511,45 @@
               </a:rPr>
               <a:t>CORS</a:t>
             </a:r>
+          </a:p>
+        </p:txBody>
+      </p:sp>
+      <p:sp>
+        <p:nvSpPr>
+          <p:cNvPr id="5" name="Θέση αριθμού διαφάνειας 1"/>
+          <p:cNvSpPr>
+            <a:spLocks noGrp="1"/>
+          </p:cNvSpPr>
+          <p:nvPr>
+            <p:ph type="sldNum" sz="quarter" idx="12"/>
+          </p:nvPr>
+        </p:nvSpPr>
+        <p:spPr>
+          <a:xfrm>
+            <a:off x="7956376" y="6577881"/>
+            <a:ext cx="802432" cy="280119"/>
+          </a:xfrm>
+        </p:spPr>
+        <p:txBody>
+          <a:bodyPr/>
+          <a:lstStyle/>
+          <a:p>
+            <a:fld id="{82BD1F62-BAB9-4678-A758-6842827ADFA9}" type="slidenum">
+              <a:rPr lang="es-ES" altLang="el-GR" b="1" smtClean="0">
+                <a:solidFill>
+                  <a:schemeClr val="bg1"/>
+                </a:solidFill>
+                <a:latin typeface="Bookman Old Style" panose="02050604050505020204" pitchFamily="18" charset="0"/>
+              </a:rPr>
+              <a:pPr/>
+              <a:t>20</a:t>
+            </a:fld>
+            <a:endParaRPr lang="es-ES" altLang="el-GR" b="1" dirty="0">
+              <a:solidFill>
+                <a:schemeClr val="bg1"/>
+              </a:solidFill>
+              <a:latin typeface="Bookman Old Style" panose="02050604050505020204" pitchFamily="18" charset="0"/>
+            </a:endParaRPr>
           </a:p>
         </p:txBody>
       </p:sp>
@@ -8786,7 +9609,7 @@
           <p:cNvPr id="144386" name="Rectangle 2">
             <a:extLst>
               <a:ext uri="{FF2B5EF4-FFF2-40B4-BE49-F238E27FC236}">
-                <a16:creationId xmlns:a16="http://schemas.microsoft.com/office/drawing/2014/main" xmlns="" id="{B2EB9881-15D2-4027-87B7-1B2E12624292}"/>
+                <a16:creationId xmlns="" xmlns:a16="http://schemas.microsoft.com/office/drawing/2014/main" id="{B2EB9881-15D2-4027-87B7-1B2E12624292}"/>
               </a:ext>
             </a:extLst>
           </p:cNvPr>
@@ -8827,7 +9650,7 @@
           <p:cNvPr id="2" name="Ορθογώνιο 1">
             <a:extLst>
               <a:ext uri="{FF2B5EF4-FFF2-40B4-BE49-F238E27FC236}">
-                <a16:creationId xmlns:a16="http://schemas.microsoft.com/office/drawing/2014/main" xmlns="" id="{7C7B8017-EC96-4686-A821-7348D3493D8E}"/>
+                <a16:creationId xmlns="" xmlns:a16="http://schemas.microsoft.com/office/drawing/2014/main" id="{7C7B8017-EC96-4686-A821-7348D3493D8E}"/>
               </a:ext>
             </a:extLst>
           </p:cNvPr>
@@ -8977,6 +9800,45 @@
             <a:endParaRPr lang="en-US" sz="3200" dirty="0">
               <a:solidFill>
                 <a:schemeClr val="dk1"/>
+              </a:solidFill>
+              <a:latin typeface="Bookman Old Style" panose="02050604050505020204" pitchFamily="18" charset="0"/>
+            </a:endParaRPr>
+          </a:p>
+        </p:txBody>
+      </p:sp>
+      <p:sp>
+        <p:nvSpPr>
+          <p:cNvPr id="5" name="Θέση αριθμού διαφάνειας 1"/>
+          <p:cNvSpPr>
+            <a:spLocks noGrp="1"/>
+          </p:cNvSpPr>
+          <p:nvPr>
+            <p:ph type="sldNum" sz="quarter" idx="12"/>
+          </p:nvPr>
+        </p:nvSpPr>
+        <p:spPr>
+          <a:xfrm>
+            <a:off x="7956376" y="6577881"/>
+            <a:ext cx="802432" cy="280119"/>
+          </a:xfrm>
+        </p:spPr>
+        <p:txBody>
+          <a:bodyPr/>
+          <a:lstStyle/>
+          <a:p>
+            <a:fld id="{82BD1F62-BAB9-4678-A758-6842827ADFA9}" type="slidenum">
+              <a:rPr lang="es-ES" altLang="el-GR" b="1" smtClean="0">
+                <a:solidFill>
+                  <a:schemeClr val="bg1"/>
+                </a:solidFill>
+                <a:latin typeface="Bookman Old Style" panose="02050604050505020204" pitchFamily="18" charset="0"/>
+              </a:rPr>
+              <a:pPr/>
+              <a:t>21</a:t>
+            </a:fld>
+            <a:endParaRPr lang="es-ES" altLang="el-GR" b="1" dirty="0">
+              <a:solidFill>
+                <a:schemeClr val="bg1"/>
               </a:solidFill>
               <a:latin typeface="Bookman Old Style" panose="02050604050505020204" pitchFamily="18" charset="0"/>
             </a:endParaRPr>
@@ -9039,7 +9901,7 @@
           <p:cNvPr id="144386" name="Rectangle 2">
             <a:extLst>
               <a:ext uri="{FF2B5EF4-FFF2-40B4-BE49-F238E27FC236}">
-                <a16:creationId xmlns:a16="http://schemas.microsoft.com/office/drawing/2014/main" xmlns="" id="{B2EB9881-15D2-4027-87B7-1B2E12624292}"/>
+                <a16:creationId xmlns="" xmlns:a16="http://schemas.microsoft.com/office/drawing/2014/main" id="{B2EB9881-15D2-4027-87B7-1B2E12624292}"/>
               </a:ext>
             </a:extLst>
           </p:cNvPr>
@@ -9086,7 +9948,7 @@
         </p:nvGraphicFramePr>
         <p:xfrm>
           <a:off x="0" y="1700808"/>
-          <a:ext cx="9144000" cy="4864731"/>
+          <a:ext cx="9144000" cy="5108888"/>
         </p:xfrm>
         <a:graphic>
           <a:graphicData uri="http://schemas.openxmlformats.org/drawingml/2006/table">
@@ -11367,7 +12229,7 @@
           <p:cNvPr id="144386" name="Rectangle 2">
             <a:extLst>
               <a:ext uri="{FF2B5EF4-FFF2-40B4-BE49-F238E27FC236}">
-                <a16:creationId xmlns:a16="http://schemas.microsoft.com/office/drawing/2014/main" xmlns="" id="{B2EB9881-15D2-4027-87B7-1B2E12624292}"/>
+                <a16:creationId xmlns="" xmlns:a16="http://schemas.microsoft.com/office/drawing/2014/main" id="{B2EB9881-15D2-4027-87B7-1B2E12624292}"/>
               </a:ext>
             </a:extLst>
           </p:cNvPr>
@@ -11488,6 +12350,45 @@
               <a:t>Θετικές ερωτήσεις</a:t>
             </a:r>
             <a:endParaRPr lang="en-US" dirty="0"/>
+          </a:p>
+        </p:txBody>
+      </p:sp>
+      <p:sp>
+        <p:nvSpPr>
+          <p:cNvPr id="6" name="Θέση αριθμού διαφάνειας 1"/>
+          <p:cNvSpPr>
+            <a:spLocks noGrp="1"/>
+          </p:cNvSpPr>
+          <p:nvPr>
+            <p:ph type="sldNum" sz="quarter" idx="12"/>
+          </p:nvPr>
+        </p:nvSpPr>
+        <p:spPr>
+          <a:xfrm>
+            <a:off x="7956376" y="6577881"/>
+            <a:ext cx="802432" cy="280119"/>
+          </a:xfrm>
+        </p:spPr>
+        <p:txBody>
+          <a:bodyPr/>
+          <a:lstStyle/>
+          <a:p>
+            <a:fld id="{82BD1F62-BAB9-4678-A758-6842827ADFA9}" type="slidenum">
+              <a:rPr lang="es-ES" altLang="el-GR" b="1" smtClean="0">
+                <a:solidFill>
+                  <a:schemeClr val="bg1"/>
+                </a:solidFill>
+                <a:latin typeface="Bookman Old Style" panose="02050604050505020204" pitchFamily="18" charset="0"/>
+              </a:rPr>
+              <a:pPr/>
+              <a:t>23</a:t>
+            </a:fld>
+            <a:endParaRPr lang="es-ES" altLang="el-GR" b="1" dirty="0">
+              <a:solidFill>
+                <a:schemeClr val="bg1"/>
+              </a:solidFill>
+              <a:latin typeface="Bookman Old Style" panose="02050604050505020204" pitchFamily="18" charset="0"/>
+            </a:endParaRPr>
           </a:p>
         </p:txBody>
       </p:sp>
@@ -11547,7 +12448,7 @@
           <p:cNvPr id="144386" name="Rectangle 2">
             <a:extLst>
               <a:ext uri="{FF2B5EF4-FFF2-40B4-BE49-F238E27FC236}">
-                <a16:creationId xmlns:a16="http://schemas.microsoft.com/office/drawing/2014/main" xmlns="" id="{B2EB9881-15D2-4027-87B7-1B2E12624292}"/>
+                <a16:creationId xmlns="" xmlns:a16="http://schemas.microsoft.com/office/drawing/2014/main" id="{B2EB9881-15D2-4027-87B7-1B2E12624292}"/>
               </a:ext>
             </a:extLst>
           </p:cNvPr>
@@ -11671,6 +12572,45 @@
           <a:ln/>
         </p:spPr>
       </p:pic>
+      <p:sp>
+        <p:nvSpPr>
+          <p:cNvPr id="7" name="Θέση αριθμού διαφάνειας 1"/>
+          <p:cNvSpPr>
+            <a:spLocks noGrp="1"/>
+          </p:cNvSpPr>
+          <p:nvPr>
+            <p:ph type="sldNum" sz="quarter" idx="12"/>
+          </p:nvPr>
+        </p:nvSpPr>
+        <p:spPr>
+          <a:xfrm>
+            <a:off x="7956376" y="6577881"/>
+            <a:ext cx="802432" cy="280119"/>
+          </a:xfrm>
+        </p:spPr>
+        <p:txBody>
+          <a:bodyPr/>
+          <a:lstStyle/>
+          <a:p>
+            <a:fld id="{82BD1F62-BAB9-4678-A758-6842827ADFA9}" type="slidenum">
+              <a:rPr lang="es-ES" altLang="el-GR" b="1" smtClean="0">
+                <a:solidFill>
+                  <a:schemeClr val="bg1"/>
+                </a:solidFill>
+                <a:latin typeface="Bookman Old Style" panose="02050604050505020204" pitchFamily="18" charset="0"/>
+              </a:rPr>
+              <a:pPr/>
+              <a:t>24</a:t>
+            </a:fld>
+            <a:endParaRPr lang="es-ES" altLang="el-GR" b="1" dirty="0">
+              <a:solidFill>
+                <a:schemeClr val="bg1"/>
+              </a:solidFill>
+              <a:latin typeface="Bookman Old Style" panose="02050604050505020204" pitchFamily="18" charset="0"/>
+            </a:endParaRPr>
+          </a:p>
+        </p:txBody>
+      </p:sp>
     </p:spTree>
     <p:extLst>
       <p:ext uri="{BB962C8B-B14F-4D97-AF65-F5344CB8AC3E}">
@@ -11727,7 +12667,7 @@
           <p:cNvPr id="144386" name="Rectangle 2">
             <a:extLst>
               <a:ext uri="{FF2B5EF4-FFF2-40B4-BE49-F238E27FC236}">
-                <a16:creationId xmlns:a16="http://schemas.microsoft.com/office/drawing/2014/main" xmlns="" id="{B2EB9881-15D2-4027-87B7-1B2E12624292}"/>
+                <a16:creationId xmlns="" xmlns:a16="http://schemas.microsoft.com/office/drawing/2014/main" id="{B2EB9881-15D2-4027-87B7-1B2E12624292}"/>
               </a:ext>
             </a:extLst>
           </p:cNvPr>
@@ -11767,7 +12707,7 @@
           <p:cNvPr id="3" name="Εικόνα 2">
             <a:extLst>
               <a:ext uri="{FF2B5EF4-FFF2-40B4-BE49-F238E27FC236}">
-                <a16:creationId xmlns:a16="http://schemas.microsoft.com/office/drawing/2014/main" xmlns="" id="{CBE286AE-7413-4716-B3EB-DDF5DD358E81}"/>
+                <a16:creationId xmlns="" xmlns:a16="http://schemas.microsoft.com/office/drawing/2014/main" id="{CBE286AE-7413-4716-B3EB-DDF5DD358E81}"/>
               </a:ext>
             </a:extLst>
           </p:cNvPr>
@@ -11798,6 +12738,45 @@
           </a:prstGeom>
         </p:spPr>
       </p:pic>
+      <p:sp>
+        <p:nvSpPr>
+          <p:cNvPr id="5" name="Θέση αριθμού διαφάνειας 1"/>
+          <p:cNvSpPr>
+            <a:spLocks noGrp="1"/>
+          </p:cNvSpPr>
+          <p:nvPr>
+            <p:ph type="sldNum" sz="quarter" idx="12"/>
+          </p:nvPr>
+        </p:nvSpPr>
+        <p:spPr>
+          <a:xfrm>
+            <a:off x="7956376" y="6577881"/>
+            <a:ext cx="802432" cy="280119"/>
+          </a:xfrm>
+        </p:spPr>
+        <p:txBody>
+          <a:bodyPr/>
+          <a:lstStyle/>
+          <a:p>
+            <a:fld id="{82BD1F62-BAB9-4678-A758-6842827ADFA9}" type="slidenum">
+              <a:rPr lang="es-ES" altLang="el-GR" b="1" smtClean="0">
+                <a:solidFill>
+                  <a:schemeClr val="bg1"/>
+                </a:solidFill>
+                <a:latin typeface="Bookman Old Style" panose="02050604050505020204" pitchFamily="18" charset="0"/>
+              </a:rPr>
+              <a:pPr/>
+              <a:t>25</a:t>
+            </a:fld>
+            <a:endParaRPr lang="es-ES" altLang="el-GR" b="1" dirty="0">
+              <a:solidFill>
+                <a:schemeClr val="bg1"/>
+              </a:solidFill>
+              <a:latin typeface="Bookman Old Style" panose="02050604050505020204" pitchFamily="18" charset="0"/>
+            </a:endParaRPr>
+          </a:p>
+        </p:txBody>
+      </p:sp>
     </p:spTree>
     <p:extLst>
       <p:ext uri="{BB962C8B-B14F-4D97-AF65-F5344CB8AC3E}">
@@ -11854,7 +12833,7 @@
           <p:cNvPr id="144386" name="Rectangle 2">
             <a:extLst>
               <a:ext uri="{FF2B5EF4-FFF2-40B4-BE49-F238E27FC236}">
-                <a16:creationId xmlns:a16="http://schemas.microsoft.com/office/drawing/2014/main" xmlns="" id="{B2EB9881-15D2-4027-87B7-1B2E12624292}"/>
+                <a16:creationId xmlns="" xmlns:a16="http://schemas.microsoft.com/office/drawing/2014/main" id="{B2EB9881-15D2-4027-87B7-1B2E12624292}"/>
               </a:ext>
             </a:extLst>
           </p:cNvPr>
@@ -11894,7 +12873,7 @@
           <p:cNvPr id="4" name="Εικόνα 3" descr="Εικόνα που περιέχει κείμενο, χάρτης&#10;&#10;Η περιγραφή δημιουργήθηκε με υψηλή αξιοπιστία">
             <a:extLst>
               <a:ext uri="{FF2B5EF4-FFF2-40B4-BE49-F238E27FC236}">
-                <a16:creationId xmlns:a16="http://schemas.microsoft.com/office/drawing/2014/main" xmlns="" id="{2FDD032F-3B38-43CB-8351-1C8DBF673831}"/>
+                <a16:creationId xmlns="" xmlns:a16="http://schemas.microsoft.com/office/drawing/2014/main" id="{2FDD032F-3B38-43CB-8351-1C8DBF673831}"/>
               </a:ext>
             </a:extLst>
           </p:cNvPr>
@@ -11925,6 +12904,45 @@
           </a:prstGeom>
         </p:spPr>
       </p:pic>
+      <p:sp>
+        <p:nvSpPr>
+          <p:cNvPr id="5" name="Θέση αριθμού διαφάνειας 1"/>
+          <p:cNvSpPr>
+            <a:spLocks noGrp="1"/>
+          </p:cNvSpPr>
+          <p:nvPr>
+            <p:ph type="sldNum" sz="quarter" idx="12"/>
+          </p:nvPr>
+        </p:nvSpPr>
+        <p:spPr>
+          <a:xfrm>
+            <a:off x="7956376" y="6577881"/>
+            <a:ext cx="802432" cy="280119"/>
+          </a:xfrm>
+        </p:spPr>
+        <p:txBody>
+          <a:bodyPr/>
+          <a:lstStyle/>
+          <a:p>
+            <a:fld id="{82BD1F62-BAB9-4678-A758-6842827ADFA9}" type="slidenum">
+              <a:rPr lang="es-ES" altLang="el-GR" b="1" smtClean="0">
+                <a:solidFill>
+                  <a:schemeClr val="bg1"/>
+                </a:solidFill>
+                <a:latin typeface="Bookman Old Style" panose="02050604050505020204" pitchFamily="18" charset="0"/>
+              </a:rPr>
+              <a:pPr/>
+              <a:t>26</a:t>
+            </a:fld>
+            <a:endParaRPr lang="es-ES" altLang="el-GR" b="1" dirty="0">
+              <a:solidFill>
+                <a:schemeClr val="bg1"/>
+              </a:solidFill>
+              <a:latin typeface="Bookman Old Style" panose="02050604050505020204" pitchFamily="18" charset="0"/>
+            </a:endParaRPr>
+          </a:p>
+        </p:txBody>
+      </p:sp>
     </p:spTree>
     <p:extLst>
       <p:ext uri="{BB962C8B-B14F-4D97-AF65-F5344CB8AC3E}">
@@ -11981,7 +12999,7 @@
           <p:cNvPr id="144386" name="Rectangle 2">
             <a:extLst>
               <a:ext uri="{FF2B5EF4-FFF2-40B4-BE49-F238E27FC236}">
-                <a16:creationId xmlns:a16="http://schemas.microsoft.com/office/drawing/2014/main" xmlns="" id="{B2EB9881-15D2-4027-87B7-1B2E12624292}"/>
+                <a16:creationId xmlns="" xmlns:a16="http://schemas.microsoft.com/office/drawing/2014/main" id="{B2EB9881-15D2-4027-87B7-1B2E12624292}"/>
               </a:ext>
             </a:extLst>
           </p:cNvPr>
@@ -12021,7 +13039,7 @@
           <p:cNvPr id="3" name="Εικόνα 2" descr="Εικόνα που περιέχει στιγμιότυπο οθόνης&#10;&#10;Η περιγραφή δημιουργήθηκε με πολύ υψηλή αξιοπιστία">
             <a:extLst>
               <a:ext uri="{FF2B5EF4-FFF2-40B4-BE49-F238E27FC236}">
-                <a16:creationId xmlns:a16="http://schemas.microsoft.com/office/drawing/2014/main" xmlns="" id="{A7357758-41B9-4251-9161-0F20075C2B14}"/>
+                <a16:creationId xmlns="" xmlns:a16="http://schemas.microsoft.com/office/drawing/2014/main" id="{A7357758-41B9-4251-9161-0F20075C2B14}"/>
               </a:ext>
             </a:extLst>
           </p:cNvPr>
@@ -12052,6 +13070,45 @@
           </a:prstGeom>
         </p:spPr>
       </p:pic>
+      <p:sp>
+        <p:nvSpPr>
+          <p:cNvPr id="5" name="Θέση αριθμού διαφάνειας 1"/>
+          <p:cNvSpPr>
+            <a:spLocks noGrp="1"/>
+          </p:cNvSpPr>
+          <p:nvPr>
+            <p:ph type="sldNum" sz="quarter" idx="12"/>
+          </p:nvPr>
+        </p:nvSpPr>
+        <p:spPr>
+          <a:xfrm>
+            <a:off x="7956376" y="6577881"/>
+            <a:ext cx="802432" cy="280119"/>
+          </a:xfrm>
+        </p:spPr>
+        <p:txBody>
+          <a:bodyPr/>
+          <a:lstStyle/>
+          <a:p>
+            <a:fld id="{82BD1F62-BAB9-4678-A758-6842827ADFA9}" type="slidenum">
+              <a:rPr lang="es-ES" altLang="el-GR" b="1" smtClean="0">
+                <a:solidFill>
+                  <a:schemeClr val="bg1"/>
+                </a:solidFill>
+                <a:latin typeface="Bookman Old Style" panose="02050604050505020204" pitchFamily="18" charset="0"/>
+              </a:rPr>
+              <a:pPr/>
+              <a:t>27</a:t>
+            </a:fld>
+            <a:endParaRPr lang="es-ES" altLang="el-GR" b="1" dirty="0">
+              <a:solidFill>
+                <a:schemeClr val="bg1"/>
+              </a:solidFill>
+              <a:latin typeface="Bookman Old Style" panose="02050604050505020204" pitchFamily="18" charset="0"/>
+            </a:endParaRPr>
+          </a:p>
+        </p:txBody>
+      </p:sp>
     </p:spTree>
     <p:extLst>
       <p:ext uri="{BB962C8B-B14F-4D97-AF65-F5344CB8AC3E}">
@@ -12108,7 +13165,7 @@
           <p:cNvPr id="144386" name="Rectangle 2">
             <a:extLst>
               <a:ext uri="{FF2B5EF4-FFF2-40B4-BE49-F238E27FC236}">
-                <a16:creationId xmlns:a16="http://schemas.microsoft.com/office/drawing/2014/main" xmlns="" id="{B2EB9881-15D2-4027-87B7-1B2E12624292}"/>
+                <a16:creationId xmlns="" xmlns:a16="http://schemas.microsoft.com/office/drawing/2014/main" id="{B2EB9881-15D2-4027-87B7-1B2E12624292}"/>
               </a:ext>
             </a:extLst>
           </p:cNvPr>
@@ -12148,7 +13205,7 @@
           <p:cNvPr id="4" name="Εικόνα 3">
             <a:extLst>
               <a:ext uri="{FF2B5EF4-FFF2-40B4-BE49-F238E27FC236}">
-                <a16:creationId xmlns:a16="http://schemas.microsoft.com/office/drawing/2014/main" xmlns="" id="{AB6F6696-1F79-48CF-95A7-33DDC06B88E8}"/>
+                <a16:creationId xmlns="" xmlns:a16="http://schemas.microsoft.com/office/drawing/2014/main" id="{AB6F6696-1F79-48CF-95A7-33DDC06B88E8}"/>
               </a:ext>
             </a:extLst>
           </p:cNvPr>
@@ -12179,6 +13236,45 @@
           </a:prstGeom>
         </p:spPr>
       </p:pic>
+      <p:sp>
+        <p:nvSpPr>
+          <p:cNvPr id="5" name="Θέση αριθμού διαφάνειας 1"/>
+          <p:cNvSpPr>
+            <a:spLocks noGrp="1"/>
+          </p:cNvSpPr>
+          <p:nvPr>
+            <p:ph type="sldNum" sz="quarter" idx="12"/>
+          </p:nvPr>
+        </p:nvSpPr>
+        <p:spPr>
+          <a:xfrm>
+            <a:off x="7956376" y="6577881"/>
+            <a:ext cx="802432" cy="280119"/>
+          </a:xfrm>
+        </p:spPr>
+        <p:txBody>
+          <a:bodyPr/>
+          <a:lstStyle/>
+          <a:p>
+            <a:fld id="{82BD1F62-BAB9-4678-A758-6842827ADFA9}" type="slidenum">
+              <a:rPr lang="es-ES" altLang="el-GR" b="1" smtClean="0">
+                <a:solidFill>
+                  <a:schemeClr val="bg1"/>
+                </a:solidFill>
+                <a:latin typeface="Bookman Old Style" panose="02050604050505020204" pitchFamily="18" charset="0"/>
+              </a:rPr>
+              <a:pPr/>
+              <a:t>28</a:t>
+            </a:fld>
+            <a:endParaRPr lang="es-ES" altLang="el-GR" b="1" dirty="0">
+              <a:solidFill>
+                <a:schemeClr val="bg1"/>
+              </a:solidFill>
+              <a:latin typeface="Bookman Old Style" panose="02050604050505020204" pitchFamily="18" charset="0"/>
+            </a:endParaRPr>
+          </a:p>
+        </p:txBody>
+      </p:sp>
     </p:spTree>
     <p:extLst>
       <p:ext uri="{BB962C8B-B14F-4D97-AF65-F5344CB8AC3E}">
@@ -12235,7 +13331,7 @@
           <p:cNvPr id="144386" name="Rectangle 2">
             <a:extLst>
               <a:ext uri="{FF2B5EF4-FFF2-40B4-BE49-F238E27FC236}">
-                <a16:creationId xmlns:a16="http://schemas.microsoft.com/office/drawing/2014/main" xmlns="" id="{B2EB9881-15D2-4027-87B7-1B2E12624292}"/>
+                <a16:creationId xmlns="" xmlns:a16="http://schemas.microsoft.com/office/drawing/2014/main" id="{B2EB9881-15D2-4027-87B7-1B2E12624292}"/>
               </a:ext>
             </a:extLst>
           </p:cNvPr>
@@ -12280,7 +13376,7 @@
           <p:cNvPr id="6" name="Εικόνα 5">
             <a:extLst>
               <a:ext uri="{FF2B5EF4-FFF2-40B4-BE49-F238E27FC236}">
-                <a16:creationId xmlns:a16="http://schemas.microsoft.com/office/drawing/2014/main" xmlns="" id="{597EFF02-63A7-4B57-BA26-D7C9E1B099D2}"/>
+                <a16:creationId xmlns="" xmlns:a16="http://schemas.microsoft.com/office/drawing/2014/main" id="{597EFF02-63A7-4B57-BA26-D7C9E1B099D2}"/>
               </a:ext>
             </a:extLst>
           </p:cNvPr>
@@ -12310,7 +13406,7 @@
           <p:cNvPr id="7" name="Εικόνα 6">
             <a:extLst>
               <a:ext uri="{FF2B5EF4-FFF2-40B4-BE49-F238E27FC236}">
-                <a16:creationId xmlns:a16="http://schemas.microsoft.com/office/drawing/2014/main" xmlns="" id="{E3558EA8-960B-4AE6-9E85-725908EE801A}"/>
+                <a16:creationId xmlns="" xmlns:a16="http://schemas.microsoft.com/office/drawing/2014/main" id="{E3558EA8-960B-4AE6-9E85-725908EE801A}"/>
               </a:ext>
             </a:extLst>
           </p:cNvPr>
@@ -12340,7 +13436,7 @@
           <p:cNvPr id="9" name="Εικόνα 8">
             <a:extLst>
               <a:ext uri="{FF2B5EF4-FFF2-40B4-BE49-F238E27FC236}">
-                <a16:creationId xmlns:a16="http://schemas.microsoft.com/office/drawing/2014/main" xmlns="" id="{085544D1-D21E-4054-8142-68211766E179}"/>
+                <a16:creationId xmlns="" xmlns:a16="http://schemas.microsoft.com/office/drawing/2014/main" id="{085544D1-D21E-4054-8142-68211766E179}"/>
               </a:ext>
             </a:extLst>
           </p:cNvPr>
@@ -12365,6 +13461,45 @@
           </a:prstGeom>
         </p:spPr>
       </p:pic>
+      <p:sp>
+        <p:nvSpPr>
+          <p:cNvPr id="8" name="Θέση αριθμού διαφάνειας 1"/>
+          <p:cNvSpPr>
+            <a:spLocks noGrp="1"/>
+          </p:cNvSpPr>
+          <p:nvPr>
+            <p:ph type="sldNum" sz="quarter" idx="12"/>
+          </p:nvPr>
+        </p:nvSpPr>
+        <p:spPr>
+          <a:xfrm>
+            <a:off x="7956376" y="6577881"/>
+            <a:ext cx="802432" cy="280119"/>
+          </a:xfrm>
+        </p:spPr>
+        <p:txBody>
+          <a:bodyPr/>
+          <a:lstStyle/>
+          <a:p>
+            <a:fld id="{82BD1F62-BAB9-4678-A758-6842827ADFA9}" type="slidenum">
+              <a:rPr lang="es-ES" altLang="el-GR" b="1" smtClean="0">
+                <a:solidFill>
+                  <a:schemeClr val="bg1"/>
+                </a:solidFill>
+                <a:latin typeface="Bookman Old Style" panose="02050604050505020204" pitchFamily="18" charset="0"/>
+              </a:rPr>
+              <a:pPr/>
+              <a:t>29</a:t>
+            </a:fld>
+            <a:endParaRPr lang="es-ES" altLang="el-GR" b="1" dirty="0">
+              <a:solidFill>
+                <a:schemeClr val="bg1"/>
+              </a:solidFill>
+              <a:latin typeface="Bookman Old Style" panose="02050604050505020204" pitchFamily="18" charset="0"/>
+            </a:endParaRPr>
+          </a:p>
+        </p:txBody>
+      </p:sp>
     </p:spTree>
     <p:extLst>
       <p:ext uri="{BB962C8B-B14F-4D97-AF65-F5344CB8AC3E}">
@@ -12421,7 +13556,7 @@
           <p:cNvPr id="6" name="Google Shape;73;p16">
             <a:extLst>
               <a:ext uri="{FF2B5EF4-FFF2-40B4-BE49-F238E27FC236}">
-                <a16:creationId xmlns:a16="http://schemas.microsoft.com/office/drawing/2014/main" xmlns="" id="{C5ED6A7E-9836-424E-919F-E6DBC25355EF}"/>
+                <a16:creationId xmlns="" xmlns:a16="http://schemas.microsoft.com/office/drawing/2014/main" id="{C5ED6A7E-9836-424E-919F-E6DBC25355EF}"/>
               </a:ext>
             </a:extLst>
           </p:cNvPr>
@@ -12455,7 +13590,7 @@
           <p:cNvPr id="9" name="Rectangle 2">
             <a:extLst>
               <a:ext uri="{FF2B5EF4-FFF2-40B4-BE49-F238E27FC236}">
-                <a16:creationId xmlns:a16="http://schemas.microsoft.com/office/drawing/2014/main" xmlns="" id="{3FD37A60-A0D2-4C70-ACB2-00BD410C124D}"/>
+                <a16:creationId xmlns="" xmlns:a16="http://schemas.microsoft.com/office/drawing/2014/main" id="{3FD37A60-A0D2-4C70-ACB2-00BD410C124D}"/>
               </a:ext>
             </a:extLst>
           </p:cNvPr>
@@ -12488,6 +13623,45 @@
               </a:rPr>
               <a:t>Αρχιτεκτονική</a:t>
             </a:r>
+          </a:p>
+        </p:txBody>
+      </p:sp>
+      <p:sp>
+        <p:nvSpPr>
+          <p:cNvPr id="5" name="Θέση αριθμού διαφάνειας 1"/>
+          <p:cNvSpPr>
+            <a:spLocks noGrp="1"/>
+          </p:cNvSpPr>
+          <p:nvPr>
+            <p:ph type="sldNum" sz="quarter" idx="12"/>
+          </p:nvPr>
+        </p:nvSpPr>
+        <p:spPr>
+          <a:xfrm>
+            <a:off x="7956376" y="6577881"/>
+            <a:ext cx="802432" cy="280119"/>
+          </a:xfrm>
+        </p:spPr>
+        <p:txBody>
+          <a:bodyPr/>
+          <a:lstStyle/>
+          <a:p>
+            <a:fld id="{82BD1F62-BAB9-4678-A758-6842827ADFA9}" type="slidenum">
+              <a:rPr lang="es-ES" altLang="el-GR" b="1" smtClean="0">
+                <a:solidFill>
+                  <a:schemeClr val="bg1"/>
+                </a:solidFill>
+                <a:latin typeface="Bookman Old Style" panose="02050604050505020204" pitchFamily="18" charset="0"/>
+              </a:rPr>
+              <a:pPr/>
+              <a:t>3</a:t>
+            </a:fld>
+            <a:endParaRPr lang="es-ES" altLang="el-GR" b="1" dirty="0">
+              <a:solidFill>
+                <a:schemeClr val="bg1"/>
+              </a:solidFill>
+              <a:latin typeface="Bookman Old Style" panose="02050604050505020204" pitchFamily="18" charset="0"/>
+            </a:endParaRPr>
           </a:p>
         </p:txBody>
       </p:sp>
@@ -12547,7 +13721,7 @@
           <p:cNvPr id="144386" name="Rectangle 2">
             <a:extLst>
               <a:ext uri="{FF2B5EF4-FFF2-40B4-BE49-F238E27FC236}">
-                <a16:creationId xmlns:a16="http://schemas.microsoft.com/office/drawing/2014/main" xmlns="" id="{B2EB9881-15D2-4027-87B7-1B2E12624292}"/>
+                <a16:creationId xmlns="" xmlns:a16="http://schemas.microsoft.com/office/drawing/2014/main" id="{B2EB9881-15D2-4027-87B7-1B2E12624292}"/>
               </a:ext>
             </a:extLst>
           </p:cNvPr>
@@ -12592,7 +13766,7 @@
           <p:cNvPr id="6" name="Εικόνα 5">
             <a:extLst>
               <a:ext uri="{FF2B5EF4-FFF2-40B4-BE49-F238E27FC236}">
-                <a16:creationId xmlns:a16="http://schemas.microsoft.com/office/drawing/2014/main" xmlns="" id="{597EFF02-63A7-4B57-BA26-D7C9E1B099D2}"/>
+                <a16:creationId xmlns="" xmlns:a16="http://schemas.microsoft.com/office/drawing/2014/main" id="{597EFF02-63A7-4B57-BA26-D7C9E1B099D2}"/>
               </a:ext>
             </a:extLst>
           </p:cNvPr>
@@ -12622,7 +13796,7 @@
           <p:cNvPr id="2" name="Εικόνα 1">
             <a:extLst>
               <a:ext uri="{FF2B5EF4-FFF2-40B4-BE49-F238E27FC236}">
-                <a16:creationId xmlns:a16="http://schemas.microsoft.com/office/drawing/2014/main" xmlns="" id="{40E2FC4B-7414-4922-B240-24B4E198883D}"/>
+                <a16:creationId xmlns="" xmlns:a16="http://schemas.microsoft.com/office/drawing/2014/main" id="{40E2FC4B-7414-4922-B240-24B4E198883D}"/>
               </a:ext>
             </a:extLst>
           </p:cNvPr>
@@ -12647,10 +13821,289 @@
           </a:prstGeom>
         </p:spPr>
       </p:pic>
+      <p:sp>
+        <p:nvSpPr>
+          <p:cNvPr id="7" name="Θέση αριθμού διαφάνειας 1"/>
+          <p:cNvSpPr>
+            <a:spLocks noGrp="1"/>
+          </p:cNvSpPr>
+          <p:nvPr>
+            <p:ph type="sldNum" sz="quarter" idx="12"/>
+          </p:nvPr>
+        </p:nvSpPr>
+        <p:spPr>
+          <a:xfrm>
+            <a:off x="7956376" y="6577881"/>
+            <a:ext cx="802432" cy="280119"/>
+          </a:xfrm>
+        </p:spPr>
+        <p:txBody>
+          <a:bodyPr/>
+          <a:lstStyle/>
+          <a:p>
+            <a:fld id="{82BD1F62-BAB9-4678-A758-6842827ADFA9}" type="slidenum">
+              <a:rPr lang="es-ES" altLang="el-GR" b="1" smtClean="0">
+                <a:solidFill>
+                  <a:schemeClr val="bg1"/>
+                </a:solidFill>
+                <a:latin typeface="Bookman Old Style" panose="02050604050505020204" pitchFamily="18" charset="0"/>
+              </a:rPr>
+              <a:pPr/>
+              <a:t>30</a:t>
+            </a:fld>
+            <a:endParaRPr lang="es-ES" altLang="el-GR" b="1" dirty="0">
+              <a:solidFill>
+                <a:schemeClr val="bg1"/>
+              </a:solidFill>
+              <a:latin typeface="Bookman Old Style" panose="02050604050505020204" pitchFamily="18" charset="0"/>
+            </a:endParaRPr>
+          </a:p>
+        </p:txBody>
+      </p:sp>
     </p:spTree>
     <p:extLst>
       <p:ext uri="{BB962C8B-B14F-4D97-AF65-F5344CB8AC3E}">
         <p14:creationId xmlns:p14="http://schemas.microsoft.com/office/powerpoint/2010/main" val="2991606545"/>
+      </p:ext>
+    </p:extLst>
+  </p:cSld>
+  <p:clrMapOvr>
+    <a:masterClrMapping/>
+  </p:clrMapOvr>
+  <p:timing>
+    <p:tnLst>
+      <p:par>
+        <p:cTn id="1" dur="indefinite" restart="never" nodeType="tmRoot"/>
+      </p:par>
+    </p:tnLst>
+  </p:timing>
+</p:sld>
+</file>
+
+<file path=ppt/slides/slide31.xml><?xml version="1.0" encoding="utf-8"?>
+<p:sld xmlns:a="http://schemas.openxmlformats.org/drawingml/2006/main" xmlns:r="http://schemas.openxmlformats.org/officeDocument/2006/relationships" xmlns:p="http://schemas.openxmlformats.org/presentationml/2006/main">
+  <p:cSld>
+    <p:bg>
+      <p:bgPr>
+        <a:blipFill dpi="0" rotWithShape="0">
+          <a:blip r:embed="rId2" cstate="print">
+            <a:lum/>
+          </a:blip>
+          <a:srcRect/>
+          <a:stretch>
+            <a:fillRect/>
+          </a:stretch>
+        </a:blipFill>
+        <a:effectLst/>
+      </p:bgPr>
+    </p:bg>
+    <p:spTree>
+      <p:nvGrpSpPr>
+        <p:cNvPr id="1" name=""/>
+        <p:cNvGrpSpPr/>
+        <p:nvPr/>
+      </p:nvGrpSpPr>
+      <p:grpSpPr>
+        <a:xfrm>
+          <a:off x="0" y="0"/>
+          <a:ext cx="0" cy="0"/>
+          <a:chOff x="0" y="0"/>
+          <a:chExt cx="0" cy="0"/>
+        </a:xfrm>
+      </p:grpSpPr>
+      <p:sp>
+        <p:nvSpPr>
+          <p:cNvPr id="4" name="Επεξήγηση με στρογγυλεμένο παραλληλόγραμμο 3"/>
+          <p:cNvSpPr/>
+          <p:nvPr/>
+        </p:nvSpPr>
+        <p:spPr>
+          <a:xfrm>
+            <a:off x="2267744" y="2492896"/>
+            <a:ext cx="4896544" cy="2664296"/>
+          </a:xfrm>
+          <a:prstGeom prst="wedgeRoundRectCallout">
+            <a:avLst>
+              <a:gd name="adj1" fmla="val 59304"/>
+              <a:gd name="adj2" fmla="val -80780"/>
+              <a:gd name="adj3" fmla="val 16667"/>
+            </a:avLst>
+          </a:prstGeom>
+          <a:noFill/>
+          <a:ln w="47625" cmpd="tri">
+            <a:solidFill>
+              <a:srgbClr val="0070C0"/>
+            </a:solidFill>
+          </a:ln>
+        </p:spPr>
+        <p:style>
+          <a:lnRef idx="2">
+            <a:schemeClr val="accent1">
+              <a:shade val="50000"/>
+            </a:schemeClr>
+          </a:lnRef>
+          <a:fillRef idx="1">
+            <a:schemeClr val="accent1"/>
+          </a:fillRef>
+          <a:effectRef idx="0">
+            <a:schemeClr val="accent1"/>
+          </a:effectRef>
+          <a:fontRef idx="minor">
+            <a:schemeClr val="lt1"/>
+          </a:fontRef>
+        </p:style>
+        <p:txBody>
+          <a:bodyPr rtlCol="0" anchor="ctr"/>
+          <a:lstStyle/>
+          <a:p>
+            <a:pPr algn="ctr"/>
+            <a:endParaRPr lang="el-GR"/>
+          </a:p>
+        </p:txBody>
+      </p:sp>
+      <p:sp>
+        <p:nvSpPr>
+          <p:cNvPr id="144386" name="Rectangle 2">
+            <a:extLst>
+              <a:ext uri="{FF2B5EF4-FFF2-40B4-BE49-F238E27FC236}">
+                <a16:creationId xmlns="" xmlns:a16="http://schemas.microsoft.com/office/drawing/2014/main" id="{B2EB9881-15D2-4027-87B7-1B2E12624292}"/>
+              </a:ext>
+            </a:extLst>
+          </p:cNvPr>
+          <p:cNvSpPr>
+            <a:spLocks noGrp="1" noChangeArrowheads="1"/>
+          </p:cNvSpPr>
+          <p:nvPr>
+            <p:ph type="title"/>
+          </p:nvPr>
+        </p:nvSpPr>
+        <p:spPr>
+          <a:xfrm>
+            <a:off x="457200" y="274638"/>
+            <a:ext cx="8229600" cy="1143000"/>
+          </a:xfrm>
+        </p:spPr>
+        <p:txBody>
+          <a:bodyPr/>
+          <a:lstStyle/>
+          <a:p>
+            <a:pPr algn="l"/>
+            <a:r>
+              <a:rPr lang="en-US" altLang="el-GR" dirty="0" smtClean="0">
+                <a:solidFill>
+                  <a:schemeClr val="bg1"/>
+                </a:solidFill>
+                <a:latin typeface="Bookman Old Style" panose="02050604050505020204" pitchFamily="18" charset="0"/>
+              </a:rPr>
+              <a:t>Questions ?</a:t>
+            </a:r>
+            <a:endParaRPr lang="el-GR" altLang="el-GR" dirty="0">
+              <a:solidFill>
+                <a:schemeClr val="bg1"/>
+              </a:solidFill>
+              <a:latin typeface="Bookman Old Style" panose="02050604050505020204" pitchFamily="18" charset="0"/>
+            </a:endParaRPr>
+          </a:p>
+        </p:txBody>
+      </p:sp>
+      <p:sp>
+        <p:nvSpPr>
+          <p:cNvPr id="3" name="Ορθογώνιο 2"/>
+          <p:cNvSpPr/>
+          <p:nvPr/>
+        </p:nvSpPr>
+        <p:spPr>
+          <a:xfrm>
+            <a:off x="2339752" y="2708920"/>
+            <a:ext cx="4572000" cy="2062103"/>
+          </a:xfrm>
+          <a:prstGeom prst="rect">
+            <a:avLst/>
+          </a:prstGeom>
+        </p:spPr>
+        <p:txBody>
+          <a:bodyPr>
+            <a:spAutoFit/>
+          </a:bodyPr>
+          <a:lstStyle/>
+          <a:p>
+            <a:pPr marL="76200" lvl="0">
+              <a:spcBef>
+                <a:spcPts val="0"/>
+              </a:spcBef>
+              <a:spcAft>
+                <a:spcPts val="0"/>
+              </a:spcAft>
+              <a:buClr>
+                <a:schemeClr val="dk1"/>
+              </a:buClr>
+              <a:buSzPts val="2400"/>
+            </a:pPr>
+            <a:r>
+              <a:rPr lang="el-GR" sz="3200" dirty="0" smtClean="0">
+                <a:solidFill>
+                  <a:schemeClr val="dk1"/>
+                </a:solidFill>
+                <a:latin typeface="Bookman Old Style" panose="02050604050505020204" pitchFamily="18" charset="0"/>
+              </a:rPr>
+              <a:t>Ευχαριστούμε!</a:t>
+            </a:r>
+          </a:p>
+          <a:p>
+            <a:pPr marL="76200" lvl="0">
+              <a:spcBef>
+                <a:spcPts val="0"/>
+              </a:spcBef>
+              <a:spcAft>
+                <a:spcPts val="0"/>
+              </a:spcAft>
+              <a:buClr>
+                <a:schemeClr val="dk1"/>
+              </a:buClr>
+              <a:buSzPts val="2400"/>
+            </a:pPr>
+            <a:endParaRPr lang="el-GR" sz="3200" dirty="0">
+              <a:solidFill>
+                <a:schemeClr val="dk1"/>
+              </a:solidFill>
+              <a:latin typeface="Bookman Old Style" panose="02050604050505020204" pitchFamily="18" charset="0"/>
+            </a:endParaRPr>
+          </a:p>
+          <a:p>
+            <a:pPr marL="76200" lvl="0">
+              <a:spcBef>
+                <a:spcPts val="0"/>
+              </a:spcBef>
+              <a:spcAft>
+                <a:spcPts val="0"/>
+              </a:spcAft>
+              <a:buClr>
+                <a:schemeClr val="dk1"/>
+              </a:buClr>
+              <a:buSzPts val="2400"/>
+            </a:pPr>
+            <a:r>
+              <a:rPr lang="el-GR" sz="3200" dirty="0" smtClean="0">
+                <a:solidFill>
+                  <a:schemeClr val="dk1"/>
+                </a:solidFill>
+                <a:latin typeface="Bookman Old Style" panose="02050604050505020204" pitchFamily="18" charset="0"/>
+              </a:rPr>
+              <a:t>Είμαστε στην διάθεσή σας για ερωτήσεις!</a:t>
+            </a:r>
+            <a:endParaRPr lang="en-US" sz="3200" dirty="0">
+              <a:solidFill>
+                <a:schemeClr val="dk1"/>
+              </a:solidFill>
+              <a:latin typeface="Bookman Old Style" panose="02050604050505020204" pitchFamily="18" charset="0"/>
+            </a:endParaRPr>
+          </a:p>
+        </p:txBody>
+      </p:sp>
+    </p:spTree>
+    <p:extLst>
+      <p:ext uri="{BB962C8B-B14F-4D97-AF65-F5344CB8AC3E}">
+        <p14:creationId xmlns:p14="http://schemas.microsoft.com/office/powerpoint/2010/main" val="4006853587"/>
       </p:ext>
     </p:extLst>
   </p:cSld>
@@ -12703,7 +14156,7 @@
           <p:cNvPr id="9" name="Google Shape;80;p17">
             <a:extLst>
               <a:ext uri="{FF2B5EF4-FFF2-40B4-BE49-F238E27FC236}">
-                <a16:creationId xmlns:a16="http://schemas.microsoft.com/office/drawing/2014/main" xmlns="" id="{72EF1FA3-8F9E-42FF-8893-A7E07073CE3D}"/>
+                <a16:creationId xmlns="" xmlns:a16="http://schemas.microsoft.com/office/drawing/2014/main" id="{72EF1FA3-8F9E-42FF-8893-A7E07073CE3D}"/>
               </a:ext>
             </a:extLst>
           </p:cNvPr>
@@ -12741,7 +14194,7 @@
           <p:cNvPr id="4" name="Rectangle 2">
             <a:extLst>
               <a:ext uri="{FF2B5EF4-FFF2-40B4-BE49-F238E27FC236}">
-                <a16:creationId xmlns:a16="http://schemas.microsoft.com/office/drawing/2014/main" xmlns="" id="{B2EB9881-15D2-4027-87B7-1B2E12624292}"/>
+                <a16:creationId xmlns="" xmlns:a16="http://schemas.microsoft.com/office/drawing/2014/main" id="{B2EB9881-15D2-4027-87B7-1B2E12624292}"/>
               </a:ext>
             </a:extLst>
           </p:cNvPr>
@@ -12811,6 +14264,45 @@
                 <a:schemeClr val="bg1">
                   <a:lumMod val="95000"/>
                 </a:schemeClr>
+              </a:solidFill>
+              <a:latin typeface="Bookman Old Style" panose="02050604050505020204" pitchFamily="18" charset="0"/>
+            </a:endParaRPr>
+          </a:p>
+        </p:txBody>
+      </p:sp>
+      <p:sp>
+        <p:nvSpPr>
+          <p:cNvPr id="5" name="Θέση αριθμού διαφάνειας 1"/>
+          <p:cNvSpPr>
+            <a:spLocks noGrp="1"/>
+          </p:cNvSpPr>
+          <p:nvPr>
+            <p:ph type="sldNum" sz="quarter" idx="12"/>
+          </p:nvPr>
+        </p:nvSpPr>
+        <p:spPr>
+          <a:xfrm>
+            <a:off x="7956376" y="6577881"/>
+            <a:ext cx="802432" cy="280119"/>
+          </a:xfrm>
+        </p:spPr>
+        <p:txBody>
+          <a:bodyPr/>
+          <a:lstStyle/>
+          <a:p>
+            <a:fld id="{82BD1F62-BAB9-4678-A758-6842827ADFA9}" type="slidenum">
+              <a:rPr lang="es-ES" altLang="el-GR" b="1" smtClean="0">
+                <a:solidFill>
+                  <a:schemeClr val="bg1"/>
+                </a:solidFill>
+                <a:latin typeface="Bookman Old Style" panose="02050604050505020204" pitchFamily="18" charset="0"/>
+              </a:rPr>
+              <a:pPr/>
+              <a:t>4</a:t>
+            </a:fld>
+            <a:endParaRPr lang="es-ES" altLang="el-GR" b="1" dirty="0">
+              <a:solidFill>
+                <a:schemeClr val="bg1"/>
               </a:solidFill>
               <a:latin typeface="Bookman Old Style" panose="02050604050505020204" pitchFamily="18" charset="0"/>
             </a:endParaRPr>
@@ -12873,7 +14365,7 @@
           <p:cNvPr id="144386" name="Rectangle 2">
             <a:extLst>
               <a:ext uri="{FF2B5EF4-FFF2-40B4-BE49-F238E27FC236}">
-                <a16:creationId xmlns:a16="http://schemas.microsoft.com/office/drawing/2014/main" xmlns="" id="{B2EB9881-15D2-4027-87B7-1B2E12624292}"/>
+                <a16:creationId xmlns="" xmlns:a16="http://schemas.microsoft.com/office/drawing/2014/main" id="{B2EB9881-15D2-4027-87B7-1B2E12624292}"/>
               </a:ext>
             </a:extLst>
           </p:cNvPr>
@@ -12938,7 +14430,7 @@
           <p:cNvPr id="2" name="Εικόνα 1">
             <a:extLst>
               <a:ext uri="{FF2B5EF4-FFF2-40B4-BE49-F238E27FC236}">
-                <a16:creationId xmlns:a16="http://schemas.microsoft.com/office/drawing/2014/main" xmlns="" id="{96929277-298A-45DC-88A5-C72840CE2832}"/>
+                <a16:creationId xmlns="" xmlns:a16="http://schemas.microsoft.com/office/drawing/2014/main" id="{96929277-298A-45DC-88A5-C72840CE2832}"/>
               </a:ext>
             </a:extLst>
           </p:cNvPr>
@@ -12963,6 +14455,45 @@
           </a:prstGeom>
         </p:spPr>
       </p:pic>
+      <p:sp>
+        <p:nvSpPr>
+          <p:cNvPr id="5" name="Θέση αριθμού διαφάνειας 1"/>
+          <p:cNvSpPr>
+            <a:spLocks noGrp="1"/>
+          </p:cNvSpPr>
+          <p:nvPr>
+            <p:ph type="sldNum" sz="quarter" idx="12"/>
+          </p:nvPr>
+        </p:nvSpPr>
+        <p:spPr>
+          <a:xfrm>
+            <a:off x="7956376" y="6577881"/>
+            <a:ext cx="802432" cy="280119"/>
+          </a:xfrm>
+        </p:spPr>
+        <p:txBody>
+          <a:bodyPr/>
+          <a:lstStyle/>
+          <a:p>
+            <a:fld id="{82BD1F62-BAB9-4678-A758-6842827ADFA9}" type="slidenum">
+              <a:rPr lang="es-ES" altLang="el-GR" b="1" smtClean="0">
+                <a:solidFill>
+                  <a:schemeClr val="bg1"/>
+                </a:solidFill>
+                <a:latin typeface="Bookman Old Style" panose="02050604050505020204" pitchFamily="18" charset="0"/>
+              </a:rPr>
+              <a:pPr/>
+              <a:t>5</a:t>
+            </a:fld>
+            <a:endParaRPr lang="es-ES" altLang="el-GR" b="1" dirty="0">
+              <a:solidFill>
+                <a:schemeClr val="bg1"/>
+              </a:solidFill>
+              <a:latin typeface="Bookman Old Style" panose="02050604050505020204" pitchFamily="18" charset="0"/>
+            </a:endParaRPr>
+          </a:p>
+        </p:txBody>
+      </p:sp>
     </p:spTree>
     <p:extLst>
       <p:ext uri="{BB962C8B-B14F-4D97-AF65-F5344CB8AC3E}">
@@ -13019,7 +14550,7 @@
           <p:cNvPr id="144386" name="Rectangle 2">
             <a:extLst>
               <a:ext uri="{FF2B5EF4-FFF2-40B4-BE49-F238E27FC236}">
-                <a16:creationId xmlns:a16="http://schemas.microsoft.com/office/drawing/2014/main" xmlns="" id="{B2EB9881-15D2-4027-87B7-1B2E12624292}"/>
+                <a16:creationId xmlns="" xmlns:a16="http://schemas.microsoft.com/office/drawing/2014/main" id="{B2EB9881-15D2-4027-87B7-1B2E12624292}"/>
               </a:ext>
             </a:extLst>
           </p:cNvPr>
@@ -13084,7 +14615,7 @@
           <p:cNvPr id="6" name="Google Shape;94;p19">
             <a:extLst>
               <a:ext uri="{FF2B5EF4-FFF2-40B4-BE49-F238E27FC236}">
-                <a16:creationId xmlns:a16="http://schemas.microsoft.com/office/drawing/2014/main" xmlns="" id="{F2ACC44A-E547-4763-B494-B0FDB4E6E195}"/>
+                <a16:creationId xmlns="" xmlns:a16="http://schemas.microsoft.com/office/drawing/2014/main" id="{F2ACC44A-E547-4763-B494-B0FDB4E6E195}"/>
               </a:ext>
             </a:extLst>
           </p:cNvPr>
@@ -13118,7 +14649,7 @@
           <p:cNvPr id="7" name="Google Shape;95;p19">
             <a:extLst>
               <a:ext uri="{FF2B5EF4-FFF2-40B4-BE49-F238E27FC236}">
-                <a16:creationId xmlns:a16="http://schemas.microsoft.com/office/drawing/2014/main" xmlns="" id="{C9F505FC-03D9-4D39-BD12-CAB88219AC4D}"/>
+                <a16:creationId xmlns="" xmlns:a16="http://schemas.microsoft.com/office/drawing/2014/main" id="{C9F505FC-03D9-4D39-BD12-CAB88219AC4D}"/>
               </a:ext>
             </a:extLst>
           </p:cNvPr>
@@ -13152,7 +14683,7 @@
           <p:cNvPr id="8" name="Google Shape;96;p19">
             <a:extLst>
               <a:ext uri="{FF2B5EF4-FFF2-40B4-BE49-F238E27FC236}">
-                <a16:creationId xmlns:a16="http://schemas.microsoft.com/office/drawing/2014/main" xmlns="" id="{5B3F483A-A7E9-4395-B98E-FC233459D500}"/>
+                <a16:creationId xmlns="" xmlns:a16="http://schemas.microsoft.com/office/drawing/2014/main" id="{5B3F483A-A7E9-4395-B98E-FC233459D500}"/>
               </a:ext>
             </a:extLst>
           </p:cNvPr>
@@ -13181,6 +14712,45 @@
           </a:ln>
         </p:spPr>
       </p:cxnSp>
+      <p:sp>
+        <p:nvSpPr>
+          <p:cNvPr id="9" name="Θέση αριθμού διαφάνειας 1"/>
+          <p:cNvSpPr>
+            <a:spLocks noGrp="1"/>
+          </p:cNvSpPr>
+          <p:nvPr>
+            <p:ph type="sldNum" sz="quarter" idx="12"/>
+          </p:nvPr>
+        </p:nvSpPr>
+        <p:spPr>
+          <a:xfrm>
+            <a:off x="7956376" y="6577881"/>
+            <a:ext cx="802432" cy="280119"/>
+          </a:xfrm>
+        </p:spPr>
+        <p:txBody>
+          <a:bodyPr/>
+          <a:lstStyle/>
+          <a:p>
+            <a:fld id="{82BD1F62-BAB9-4678-A758-6842827ADFA9}" type="slidenum">
+              <a:rPr lang="es-ES" altLang="el-GR" b="1" smtClean="0">
+                <a:solidFill>
+                  <a:schemeClr val="bg1"/>
+                </a:solidFill>
+                <a:latin typeface="Bookman Old Style" panose="02050604050505020204" pitchFamily="18" charset="0"/>
+              </a:rPr>
+              <a:pPr/>
+              <a:t>6</a:t>
+            </a:fld>
+            <a:endParaRPr lang="es-ES" altLang="el-GR" b="1" dirty="0">
+              <a:solidFill>
+                <a:schemeClr val="bg1"/>
+              </a:solidFill>
+              <a:latin typeface="Bookman Old Style" panose="02050604050505020204" pitchFamily="18" charset="0"/>
+            </a:endParaRPr>
+          </a:p>
+        </p:txBody>
+      </p:sp>
     </p:spTree>
     <p:extLst>
       <p:ext uri="{BB962C8B-B14F-4D97-AF65-F5344CB8AC3E}">
@@ -13237,7 +14807,7 @@
           <p:cNvPr id="144386" name="Rectangle 2">
             <a:extLst>
               <a:ext uri="{FF2B5EF4-FFF2-40B4-BE49-F238E27FC236}">
-                <a16:creationId xmlns:a16="http://schemas.microsoft.com/office/drawing/2014/main" xmlns="" id="{B2EB9881-15D2-4027-87B7-1B2E12624292}"/>
+                <a16:creationId xmlns="" xmlns:a16="http://schemas.microsoft.com/office/drawing/2014/main" id="{B2EB9881-15D2-4027-87B7-1B2E12624292}"/>
               </a:ext>
             </a:extLst>
           </p:cNvPr>
@@ -13302,7 +14872,7 @@
           <p:cNvPr id="4" name="Εικόνα 3">
             <a:extLst>
               <a:ext uri="{FF2B5EF4-FFF2-40B4-BE49-F238E27FC236}">
-                <a16:creationId xmlns:a16="http://schemas.microsoft.com/office/drawing/2014/main" xmlns="" id="{9FF2CFDE-33A6-4743-B1CF-0DADF05DE1CF}"/>
+                <a16:creationId xmlns="" xmlns:a16="http://schemas.microsoft.com/office/drawing/2014/main" id="{9FF2CFDE-33A6-4743-B1CF-0DADF05DE1CF}"/>
               </a:ext>
             </a:extLst>
           </p:cNvPr>
@@ -13327,6 +14897,45 @@
           </a:prstGeom>
         </p:spPr>
       </p:pic>
+      <p:sp>
+        <p:nvSpPr>
+          <p:cNvPr id="5" name="Θέση αριθμού διαφάνειας 1"/>
+          <p:cNvSpPr>
+            <a:spLocks noGrp="1"/>
+          </p:cNvSpPr>
+          <p:nvPr>
+            <p:ph type="sldNum" sz="quarter" idx="12"/>
+          </p:nvPr>
+        </p:nvSpPr>
+        <p:spPr>
+          <a:xfrm>
+            <a:off x="7956376" y="6577881"/>
+            <a:ext cx="802432" cy="280119"/>
+          </a:xfrm>
+        </p:spPr>
+        <p:txBody>
+          <a:bodyPr/>
+          <a:lstStyle/>
+          <a:p>
+            <a:fld id="{82BD1F62-BAB9-4678-A758-6842827ADFA9}" type="slidenum">
+              <a:rPr lang="es-ES" altLang="el-GR" b="1" smtClean="0">
+                <a:solidFill>
+                  <a:schemeClr val="bg1"/>
+                </a:solidFill>
+                <a:latin typeface="Bookman Old Style" panose="02050604050505020204" pitchFamily="18" charset="0"/>
+              </a:rPr>
+              <a:pPr/>
+              <a:t>7</a:t>
+            </a:fld>
+            <a:endParaRPr lang="es-ES" altLang="el-GR" b="1" dirty="0">
+              <a:solidFill>
+                <a:schemeClr val="bg1"/>
+              </a:solidFill>
+              <a:latin typeface="Bookman Old Style" panose="02050604050505020204" pitchFamily="18" charset="0"/>
+            </a:endParaRPr>
+          </a:p>
+        </p:txBody>
+      </p:sp>
     </p:spTree>
     <p:extLst>
       <p:ext uri="{BB962C8B-B14F-4D97-AF65-F5344CB8AC3E}">
@@ -13369,7 +14978,7 @@
           <p:cNvPr id="144386" name="Rectangle 2">
             <a:extLst>
               <a:ext uri="{FF2B5EF4-FFF2-40B4-BE49-F238E27FC236}">
-                <a16:creationId xmlns:a16="http://schemas.microsoft.com/office/drawing/2014/main" xmlns="" id="{B2EB9881-15D2-4027-87B7-1B2E12624292}"/>
+                <a16:creationId xmlns="" xmlns:a16="http://schemas.microsoft.com/office/drawing/2014/main" id="{B2EB9881-15D2-4027-87B7-1B2E12624292}"/>
               </a:ext>
             </a:extLst>
           </p:cNvPr>
@@ -13434,7 +15043,7 @@
           <p:cNvPr id="5" name="Google Shape;111;p21">
             <a:extLst>
               <a:ext uri="{FF2B5EF4-FFF2-40B4-BE49-F238E27FC236}">
-                <a16:creationId xmlns:a16="http://schemas.microsoft.com/office/drawing/2014/main" xmlns="" id="{3BC97FB7-40C7-478B-A15A-855F48B11FAE}"/>
+                <a16:creationId xmlns="" xmlns:a16="http://schemas.microsoft.com/office/drawing/2014/main" id="{3BC97FB7-40C7-478B-A15A-855F48B11FAE}"/>
               </a:ext>
             </a:extLst>
           </p:cNvPr>
@@ -13468,7 +15077,7 @@
           <p:cNvPr id="6" name="Google Shape;112;p21">
             <a:extLst>
               <a:ext uri="{FF2B5EF4-FFF2-40B4-BE49-F238E27FC236}">
-                <a16:creationId xmlns:a16="http://schemas.microsoft.com/office/drawing/2014/main" xmlns="" id="{579E7F43-5DF3-4043-B53A-B4C0F1BD7F91}"/>
+                <a16:creationId xmlns="" xmlns:a16="http://schemas.microsoft.com/office/drawing/2014/main" id="{579E7F43-5DF3-4043-B53A-B4C0F1BD7F91}"/>
               </a:ext>
             </a:extLst>
           </p:cNvPr>
@@ -13502,7 +15111,7 @@
           <p:cNvPr id="7" name="Google Shape;113;p21">
             <a:extLst>
               <a:ext uri="{FF2B5EF4-FFF2-40B4-BE49-F238E27FC236}">
-                <a16:creationId xmlns:a16="http://schemas.microsoft.com/office/drawing/2014/main" xmlns="" id="{CD467801-E869-419C-9026-21B20796CB32}"/>
+                <a16:creationId xmlns="" xmlns:a16="http://schemas.microsoft.com/office/drawing/2014/main" id="{CD467801-E869-419C-9026-21B20796CB32}"/>
               </a:ext>
             </a:extLst>
           </p:cNvPr>
@@ -13536,7 +15145,7 @@
           <p:cNvPr id="8" name="Google Shape;114;p21">
             <a:extLst>
               <a:ext uri="{FF2B5EF4-FFF2-40B4-BE49-F238E27FC236}">
-                <a16:creationId xmlns:a16="http://schemas.microsoft.com/office/drawing/2014/main" xmlns="" id="{DDA37945-AC35-4CC5-8583-D750910E3D2D}"/>
+                <a16:creationId xmlns="" xmlns:a16="http://schemas.microsoft.com/office/drawing/2014/main" id="{DDA37945-AC35-4CC5-8583-D750910E3D2D}"/>
               </a:ext>
             </a:extLst>
           </p:cNvPr>
@@ -13570,7 +15179,7 @@
           <p:cNvPr id="9" name="Google Shape;115;p21">
             <a:extLst>
               <a:ext uri="{FF2B5EF4-FFF2-40B4-BE49-F238E27FC236}">
-                <a16:creationId xmlns:a16="http://schemas.microsoft.com/office/drawing/2014/main" xmlns="" id="{CFEED652-E06E-44D8-9A13-CC1B453BBE36}"/>
+                <a16:creationId xmlns="" xmlns:a16="http://schemas.microsoft.com/office/drawing/2014/main" id="{CFEED652-E06E-44D8-9A13-CC1B453BBE36}"/>
               </a:ext>
             </a:extLst>
           </p:cNvPr>
@@ -13600,6 +15209,45 @@
           </a:ln>
         </p:spPr>
       </p:cxnSp>
+      <p:sp>
+        <p:nvSpPr>
+          <p:cNvPr id="10" name="Θέση αριθμού διαφάνειας 1"/>
+          <p:cNvSpPr>
+            <a:spLocks noGrp="1"/>
+          </p:cNvSpPr>
+          <p:nvPr>
+            <p:ph type="sldNum" sz="quarter" idx="12"/>
+          </p:nvPr>
+        </p:nvSpPr>
+        <p:spPr>
+          <a:xfrm>
+            <a:off x="7956376" y="6577881"/>
+            <a:ext cx="802432" cy="280119"/>
+          </a:xfrm>
+        </p:spPr>
+        <p:txBody>
+          <a:bodyPr/>
+          <a:lstStyle/>
+          <a:p>
+            <a:fld id="{82BD1F62-BAB9-4678-A758-6842827ADFA9}" type="slidenum">
+              <a:rPr lang="es-ES" altLang="el-GR" b="1" smtClean="0">
+                <a:solidFill>
+                  <a:schemeClr val="bg1"/>
+                </a:solidFill>
+                <a:latin typeface="Bookman Old Style" panose="02050604050505020204" pitchFamily="18" charset="0"/>
+              </a:rPr>
+              <a:pPr/>
+              <a:t>8</a:t>
+            </a:fld>
+            <a:endParaRPr lang="es-ES" altLang="el-GR" b="1" dirty="0">
+              <a:solidFill>
+                <a:schemeClr val="bg1"/>
+              </a:solidFill>
+              <a:latin typeface="Bookman Old Style" panose="02050604050505020204" pitchFamily="18" charset="0"/>
+            </a:endParaRPr>
+          </a:p>
+        </p:txBody>
+      </p:sp>
     </p:spTree>
     <p:extLst>
       <p:ext uri="{BB962C8B-B14F-4D97-AF65-F5344CB8AC3E}">
@@ -13656,7 +15304,7 @@
           <p:cNvPr id="144386" name="Rectangle 2">
             <a:extLst>
               <a:ext uri="{FF2B5EF4-FFF2-40B4-BE49-F238E27FC236}">
-                <a16:creationId xmlns:a16="http://schemas.microsoft.com/office/drawing/2014/main" xmlns="" id="{B2EB9881-15D2-4027-87B7-1B2E12624292}"/>
+                <a16:creationId xmlns="" xmlns:a16="http://schemas.microsoft.com/office/drawing/2014/main" id="{B2EB9881-15D2-4027-87B7-1B2E12624292}"/>
               </a:ext>
             </a:extLst>
           </p:cNvPr>
@@ -13732,7 +15380,7 @@
           <p:cNvPr id="6" name="Google Shape;123;p22">
             <a:extLst>
               <a:ext uri="{FF2B5EF4-FFF2-40B4-BE49-F238E27FC236}">
-                <a16:creationId xmlns:a16="http://schemas.microsoft.com/office/drawing/2014/main" xmlns="" id="{4F163C71-9728-4CFE-9387-8B9E2887DEB9}"/>
+                <a16:creationId xmlns="" xmlns:a16="http://schemas.microsoft.com/office/drawing/2014/main" id="{4F163C71-9728-4CFE-9387-8B9E2887DEB9}"/>
               </a:ext>
             </a:extLst>
           </p:cNvPr>
@@ -13766,7 +15414,7 @@
           <p:cNvPr id="8" name="Google Shape;111;p21">
             <a:extLst>
               <a:ext uri="{FF2B5EF4-FFF2-40B4-BE49-F238E27FC236}">
-                <a16:creationId xmlns:a16="http://schemas.microsoft.com/office/drawing/2014/main" xmlns="" id="{1D60BD48-9154-46F2-A573-60BF6A55A60F}"/>
+                <a16:creationId xmlns="" xmlns:a16="http://schemas.microsoft.com/office/drawing/2014/main" id="{1D60BD48-9154-46F2-A573-60BF6A55A60F}"/>
               </a:ext>
             </a:extLst>
           </p:cNvPr>
@@ -13800,7 +15448,7 @@
           <p:cNvPr id="7" name="Google Shape;124;p22">
             <a:extLst>
               <a:ext uri="{FF2B5EF4-FFF2-40B4-BE49-F238E27FC236}">
-                <a16:creationId xmlns:a16="http://schemas.microsoft.com/office/drawing/2014/main" xmlns="" id="{EBB3BB1F-3E07-4A0E-8B75-2DA5ACE61583}"/>
+                <a16:creationId xmlns="" xmlns:a16="http://schemas.microsoft.com/office/drawing/2014/main" id="{EBB3BB1F-3E07-4A0E-8B75-2DA5ACE61583}"/>
               </a:ext>
             </a:extLst>
           </p:cNvPr>
@@ -13829,6 +15477,45 @@
           </a:ln>
         </p:spPr>
       </p:cxnSp>
+      <p:sp>
+        <p:nvSpPr>
+          <p:cNvPr id="9" name="Θέση αριθμού διαφάνειας 1"/>
+          <p:cNvSpPr>
+            <a:spLocks noGrp="1"/>
+          </p:cNvSpPr>
+          <p:nvPr>
+            <p:ph type="sldNum" sz="quarter" idx="12"/>
+          </p:nvPr>
+        </p:nvSpPr>
+        <p:spPr>
+          <a:xfrm>
+            <a:off x="7956376" y="6577881"/>
+            <a:ext cx="802432" cy="280119"/>
+          </a:xfrm>
+        </p:spPr>
+        <p:txBody>
+          <a:bodyPr/>
+          <a:lstStyle/>
+          <a:p>
+            <a:fld id="{82BD1F62-BAB9-4678-A758-6842827ADFA9}" type="slidenum">
+              <a:rPr lang="es-ES" altLang="el-GR" b="1" smtClean="0">
+                <a:solidFill>
+                  <a:schemeClr val="bg1"/>
+                </a:solidFill>
+                <a:latin typeface="Bookman Old Style" panose="02050604050505020204" pitchFamily="18" charset="0"/>
+              </a:rPr>
+              <a:pPr/>
+              <a:t>9</a:t>
+            </a:fld>
+            <a:endParaRPr lang="es-ES" altLang="el-GR" b="1" dirty="0">
+              <a:solidFill>
+                <a:schemeClr val="bg1"/>
+              </a:solidFill>
+              <a:latin typeface="Bookman Old Style" panose="02050604050505020204" pitchFamily="18" charset="0"/>
+            </a:endParaRPr>
+          </a:p>
+        </p:txBody>
+      </p:sp>
     </p:spTree>
     <p:extLst>
       <p:ext uri="{BB962C8B-B14F-4D97-AF65-F5344CB8AC3E}">
@@ -14537,8 +16224,293 @@
   </a:extraClrSchemeLst>
   <a:extLst>
     <a:ext uri="{05A4C25C-085E-4340-85A3-A5531E510DB2}">
-      <thm15:themeFamily xmlns:thm15="http://schemas.microsoft.com/office/thememl/2012/main" xmlns="" name="Office Theme" id="{62F939B6-93AF-4DB8-9C6B-D6C7DFDC589F}" vid="{4A3C46E8-61CC-4603-A589-7422A47A8E4A}"/>
+      <thm15:themeFamily xmlns="" xmlns:thm15="http://schemas.microsoft.com/office/thememl/2012/main" name="Office Theme" id="{62F939B6-93AF-4DB8-9C6B-D6C7DFDC589F}" vid="{4A3C46E8-61CC-4603-A589-7422A47A8E4A}"/>
     </a:ext>
   </a:extLst>
 </a:theme>
+</file>
+
+<file path=ppt/theme/theme2.xml><?xml version="1.0" encoding="utf-8"?>
+<a:theme xmlns:a="http://schemas.openxmlformats.org/drawingml/2006/main" name="Θέμα του Office">
+  <a:themeElements>
+    <a:clrScheme name="Office">
+      <a:dk1>
+        <a:sysClr val="windowText" lastClr="000000"/>
+      </a:dk1>
+      <a:lt1>
+        <a:sysClr val="window" lastClr="FFFFFF"/>
+      </a:lt1>
+      <a:dk2>
+        <a:srgbClr val="1F497D"/>
+      </a:dk2>
+      <a:lt2>
+        <a:srgbClr val="EEECE1"/>
+      </a:lt2>
+      <a:accent1>
+        <a:srgbClr val="4F81BD"/>
+      </a:accent1>
+      <a:accent2>
+        <a:srgbClr val="C0504D"/>
+      </a:accent2>
+      <a:accent3>
+        <a:srgbClr val="9BBB59"/>
+      </a:accent3>
+      <a:accent4>
+        <a:srgbClr val="8064A2"/>
+      </a:accent4>
+      <a:accent5>
+        <a:srgbClr val="4BACC6"/>
+      </a:accent5>
+      <a:accent6>
+        <a:srgbClr val="F79646"/>
+      </a:accent6>
+      <a:hlink>
+        <a:srgbClr val="0000FF"/>
+      </a:hlink>
+      <a:folHlink>
+        <a:srgbClr val="800080"/>
+      </a:folHlink>
+    </a:clrScheme>
+    <a:fontScheme name="Office">
+      <a:majorFont>
+        <a:latin typeface="Calibri"/>
+        <a:ea typeface=""/>
+        <a:cs typeface=""/>
+        <a:font script="Jpan" typeface="ＭＳ Ｐゴシック"/>
+        <a:font script="Hang" typeface="맑은 고딕"/>
+        <a:font script="Hans" typeface="宋体"/>
+        <a:font script="Hant" typeface="新細明體"/>
+        <a:font script="Arab" typeface="Times New Roman"/>
+        <a:font script="Hebr" typeface="Times New Roman"/>
+        <a:font script="Thai" typeface="Angsana New"/>
+        <a:font script="Ethi" typeface="Nyala"/>
+        <a:font script="Beng" typeface="Vrinda"/>
+        <a:font script="Gujr" typeface="Shruti"/>
+        <a:font script="Khmr" typeface="MoolBoran"/>
+        <a:font script="Knda" typeface="Tunga"/>
+        <a:font script="Guru" typeface="Raavi"/>
+        <a:font script="Cans" typeface="Euphemia"/>
+        <a:font script="Cher" typeface="Plantagenet Cherokee"/>
+        <a:font script="Yiii" typeface="Microsoft Yi Baiti"/>
+        <a:font script="Tibt" typeface="Microsoft Himalaya"/>
+        <a:font script="Thaa" typeface="MV Boli"/>
+        <a:font script="Deva" typeface="Mangal"/>
+        <a:font script="Telu" typeface="Gautami"/>
+        <a:font script="Taml" typeface="Latha"/>
+        <a:font script="Syrc" typeface="Estrangelo Edessa"/>
+        <a:font script="Orya" typeface="Kalinga"/>
+        <a:font script="Mlym" typeface="Kartika"/>
+        <a:font script="Laoo" typeface="DokChampa"/>
+        <a:font script="Sinh" typeface="Iskoola Pota"/>
+        <a:font script="Mong" typeface="Mongolian Baiti"/>
+        <a:font script="Viet" typeface="Times New Roman"/>
+        <a:font script="Uigh" typeface="Microsoft Uighur"/>
+        <a:font script="Geor" typeface="Sylfaen"/>
+      </a:majorFont>
+      <a:minorFont>
+        <a:latin typeface="Calibri"/>
+        <a:ea typeface=""/>
+        <a:cs typeface=""/>
+        <a:font script="Jpan" typeface="ＭＳ Ｐゴシック"/>
+        <a:font script="Hang" typeface="맑은 고딕"/>
+        <a:font script="Hans" typeface="宋体"/>
+        <a:font script="Hant" typeface="新細明體"/>
+        <a:font script="Arab" typeface="Arial"/>
+        <a:font script="Hebr" typeface="Arial"/>
+        <a:font script="Thai" typeface="Cordia New"/>
+        <a:font script="Ethi" typeface="Nyala"/>
+        <a:font script="Beng" typeface="Vrinda"/>
+        <a:font script="Gujr" typeface="Shruti"/>
+        <a:font script="Khmr" typeface="DaunPenh"/>
+        <a:font script="Knda" typeface="Tunga"/>
+        <a:font script="Guru" typeface="Raavi"/>
+        <a:font script="Cans" typeface="Euphemia"/>
+        <a:font script="Cher" typeface="Plantagenet Cherokee"/>
+        <a:font script="Yiii" typeface="Microsoft Yi Baiti"/>
+        <a:font script="Tibt" typeface="Microsoft Himalaya"/>
+        <a:font script="Thaa" typeface="MV Boli"/>
+        <a:font script="Deva" typeface="Mangal"/>
+        <a:font script="Telu" typeface="Gautami"/>
+        <a:font script="Taml" typeface="Latha"/>
+        <a:font script="Syrc" typeface="Estrangelo Edessa"/>
+        <a:font script="Orya" typeface="Kalinga"/>
+        <a:font script="Mlym" typeface="Kartika"/>
+        <a:font script="Laoo" typeface="DokChampa"/>
+        <a:font script="Sinh" typeface="Iskoola Pota"/>
+        <a:font script="Mong" typeface="Mongolian Baiti"/>
+        <a:font script="Viet" typeface="Arial"/>
+        <a:font script="Uigh" typeface="Microsoft Uighur"/>
+        <a:font script="Geor" typeface="Sylfaen"/>
+      </a:minorFont>
+    </a:fontScheme>
+    <a:fmtScheme name="Office">
+      <a:fillStyleLst>
+        <a:solidFill>
+          <a:schemeClr val="phClr"/>
+        </a:solidFill>
+        <a:gradFill rotWithShape="1">
+          <a:gsLst>
+            <a:gs pos="0">
+              <a:schemeClr val="phClr">
+                <a:tint val="50000"/>
+                <a:satMod val="300000"/>
+              </a:schemeClr>
+            </a:gs>
+            <a:gs pos="35000">
+              <a:schemeClr val="phClr">
+                <a:tint val="37000"/>
+                <a:satMod val="300000"/>
+              </a:schemeClr>
+            </a:gs>
+            <a:gs pos="100000">
+              <a:schemeClr val="phClr">
+                <a:tint val="15000"/>
+                <a:satMod val="350000"/>
+              </a:schemeClr>
+            </a:gs>
+          </a:gsLst>
+          <a:lin ang="16200000" scaled="1"/>
+        </a:gradFill>
+        <a:gradFill rotWithShape="1">
+          <a:gsLst>
+            <a:gs pos="0">
+              <a:schemeClr val="phClr">
+                <a:shade val="51000"/>
+                <a:satMod val="130000"/>
+              </a:schemeClr>
+            </a:gs>
+            <a:gs pos="80000">
+              <a:schemeClr val="phClr">
+                <a:shade val="93000"/>
+                <a:satMod val="130000"/>
+              </a:schemeClr>
+            </a:gs>
+            <a:gs pos="100000">
+              <a:schemeClr val="phClr">
+                <a:shade val="94000"/>
+                <a:satMod val="135000"/>
+              </a:schemeClr>
+            </a:gs>
+          </a:gsLst>
+          <a:lin ang="16200000" scaled="0"/>
+        </a:gradFill>
+      </a:fillStyleLst>
+      <a:lnStyleLst>
+        <a:ln w="9525" cap="flat" cmpd="sng" algn="ctr">
+          <a:solidFill>
+            <a:schemeClr val="phClr">
+              <a:shade val="95000"/>
+              <a:satMod val="105000"/>
+            </a:schemeClr>
+          </a:solidFill>
+          <a:prstDash val="solid"/>
+        </a:ln>
+        <a:ln w="25400" cap="flat" cmpd="sng" algn="ctr">
+          <a:solidFill>
+            <a:schemeClr val="phClr"/>
+          </a:solidFill>
+          <a:prstDash val="solid"/>
+        </a:ln>
+        <a:ln w="38100" cap="flat" cmpd="sng" algn="ctr">
+          <a:solidFill>
+            <a:schemeClr val="phClr"/>
+          </a:solidFill>
+          <a:prstDash val="solid"/>
+        </a:ln>
+      </a:lnStyleLst>
+      <a:effectStyleLst>
+        <a:effectStyle>
+          <a:effectLst>
+            <a:outerShdw blurRad="40000" dist="20000" dir="5400000" rotWithShape="0">
+              <a:srgbClr val="000000">
+                <a:alpha val="38000"/>
+              </a:srgbClr>
+            </a:outerShdw>
+          </a:effectLst>
+        </a:effectStyle>
+        <a:effectStyle>
+          <a:effectLst>
+            <a:outerShdw blurRad="40000" dist="23000" dir="5400000" rotWithShape="0">
+              <a:srgbClr val="000000">
+                <a:alpha val="35000"/>
+              </a:srgbClr>
+            </a:outerShdw>
+          </a:effectLst>
+        </a:effectStyle>
+        <a:effectStyle>
+          <a:effectLst>
+            <a:outerShdw blurRad="40000" dist="23000" dir="5400000" rotWithShape="0">
+              <a:srgbClr val="000000">
+                <a:alpha val="35000"/>
+              </a:srgbClr>
+            </a:outerShdw>
+          </a:effectLst>
+          <a:scene3d>
+            <a:camera prst="orthographicFront">
+              <a:rot lat="0" lon="0" rev="0"/>
+            </a:camera>
+            <a:lightRig rig="threePt" dir="t">
+              <a:rot lat="0" lon="0" rev="1200000"/>
+            </a:lightRig>
+          </a:scene3d>
+          <a:sp3d>
+            <a:bevelT w="63500" h="25400"/>
+          </a:sp3d>
+        </a:effectStyle>
+      </a:effectStyleLst>
+      <a:bgFillStyleLst>
+        <a:solidFill>
+          <a:schemeClr val="phClr"/>
+        </a:solidFill>
+        <a:gradFill rotWithShape="1">
+          <a:gsLst>
+            <a:gs pos="0">
+              <a:schemeClr val="phClr">
+                <a:tint val="40000"/>
+                <a:satMod val="350000"/>
+              </a:schemeClr>
+            </a:gs>
+            <a:gs pos="40000">
+              <a:schemeClr val="phClr">
+                <a:tint val="45000"/>
+                <a:shade val="99000"/>
+                <a:satMod val="350000"/>
+              </a:schemeClr>
+            </a:gs>
+            <a:gs pos="100000">
+              <a:schemeClr val="phClr">
+                <a:shade val="20000"/>
+                <a:satMod val="255000"/>
+              </a:schemeClr>
+            </a:gs>
+          </a:gsLst>
+          <a:path path="circle">
+            <a:fillToRect l="50000" t="-80000" r="50000" b="180000"/>
+          </a:path>
+        </a:gradFill>
+        <a:gradFill rotWithShape="1">
+          <a:gsLst>
+            <a:gs pos="0">
+              <a:schemeClr val="phClr">
+                <a:tint val="80000"/>
+                <a:satMod val="300000"/>
+              </a:schemeClr>
+            </a:gs>
+            <a:gs pos="100000">
+              <a:schemeClr val="phClr">
+                <a:shade val="30000"/>
+                <a:satMod val="200000"/>
+              </a:schemeClr>
+            </a:gs>
+          </a:gsLst>
+          <a:path path="circle">
+            <a:fillToRect l="50000" t="50000" r="50000" b="50000"/>
+          </a:path>
+        </a:gradFill>
+      </a:bgFillStyleLst>
+    </a:fmtScheme>
+  </a:themeElements>
+  <a:objectDefaults/>
+  <a:extraClrSchemeLst/>
+</a:theme>
 </file>
--- a/Παραδοτέο/M102.pptx
+++ b/Παραδοτέο/M102.pptx
@@ -9941,14 +9941,14 @@
           <p:nvPr>
             <p:extLst>
               <p:ext uri="{D42A27DB-BD31-4B8C-83A1-F6EECF244321}">
-                <p14:modId xmlns:p14="http://schemas.microsoft.com/office/powerpoint/2010/main" val="104384310"/>
+                <p14:modId xmlns:p14="http://schemas.microsoft.com/office/powerpoint/2010/main" val="3649940470"/>
               </p:ext>
             </p:extLst>
           </p:nvPr>
         </p:nvGraphicFramePr>
         <p:xfrm>
-          <a:off x="0" y="1700808"/>
-          <a:ext cx="9144000" cy="5108888"/>
+          <a:off x="0" y="1700809"/>
+          <a:ext cx="9144000" cy="5092260"/>
         </p:xfrm>
         <a:graphic>
           <a:graphicData uri="http://schemas.openxmlformats.org/drawingml/2006/table">
@@ -9959,7 +9959,7 @@
                 <a:gridCol w="6762687"/>
                 <a:gridCol w="1598496"/>
               </a:tblGrid>
-              <a:tr h="477872">
+              <a:tr h="487368">
                 <a:tc gridSpan="2">
                   <a:txBody>
                     <a:bodyPr/>
@@ -10139,7 +10139,7 @@
                   </a:tcPr>
                 </a:tc>
               </a:tr>
-              <a:tr h="444977">
+              <a:tr h="453820">
                 <a:tc>
                   <a:txBody>
                     <a:bodyPr/>
@@ -10365,7 +10365,7 @@
                   </a:tcPr>
                 </a:tc>
               </a:tr>
-              <a:tr h="444977">
+              <a:tr h="453820">
                 <a:tc>
                   <a:txBody>
                     <a:bodyPr/>
@@ -10586,7 +10586,7 @@
                   </a:tcPr>
                 </a:tc>
               </a:tr>
-              <a:tr h="444977">
+              <a:tr h="453820">
                 <a:tc>
                   <a:txBody>
                     <a:bodyPr/>
@@ -10807,7 +10807,7 @@
                   </a:tcPr>
                 </a:tc>
               </a:tr>
-              <a:tr h="741021">
+              <a:tr h="762699">
                 <a:tc>
                   <a:txBody>
                     <a:bodyPr/>
@@ -11049,7 +11049,7 @@
                   </a:tcPr>
                 </a:tc>
               </a:tr>
-              <a:tr h="444977">
+              <a:tr h="453820">
                 <a:tc>
                   <a:txBody>
                     <a:bodyPr/>
@@ -11275,7 +11275,7 @@
                   </a:tcPr>
                 </a:tc>
               </a:tr>
-              <a:tr h="444977">
+              <a:tr h="453820">
                 <a:tc>
                   <a:txBody>
                     <a:bodyPr/>
@@ -11496,7 +11496,7 @@
                   </a:tcPr>
                 </a:tc>
               </a:tr>
-              <a:tr h="490802">
+              <a:tr h="469734">
                 <a:tc>
                   <a:txBody>
                     <a:bodyPr/>
@@ -11717,7 +11717,7 @@
                   </a:tcPr>
                 </a:tc>
               </a:tr>
-              <a:tr h="444977">
+              <a:tr h="453820">
                 <a:tc>
                   <a:txBody>
                     <a:bodyPr/>
@@ -11943,7 +11943,7 @@
                   </a:tcPr>
                 </a:tc>
               </a:tr>
-              <a:tr h="444977">
+              <a:tr h="453820">
                 <a:tc>
                   <a:txBody>
                     <a:bodyPr/>
@@ -12045,14 +12045,14 @@
                         </a:spcAft>
                       </a:pPr>
                       <a:r>
-                        <a:rPr lang="en-US" sz="1800">
+                        <a:rPr lang="en-US" sz="1800" dirty="0">
                           <a:latin typeface="Arial"/>
                           <a:ea typeface="Arial"/>
                           <a:cs typeface="Times New Roman"/>
                         </a:rPr>
                         <a:t>Change profile settings</a:t>
                       </a:r>
-                      <a:endParaRPr lang="en-US" sz="2000">
+                      <a:endParaRPr lang="en-US" sz="2000" dirty="0">
                         <a:latin typeface="Arial"/>
                         <a:ea typeface="Arial"/>
                         <a:cs typeface="Times New Roman"/>
@@ -12173,6 +12173,45 @@
           </a:graphicData>
         </a:graphic>
       </p:graphicFrame>
+      <p:sp>
+        <p:nvSpPr>
+          <p:cNvPr id="5" name="Θέση αριθμού διαφάνειας 1"/>
+          <p:cNvSpPr>
+            <a:spLocks noGrp="1"/>
+          </p:cNvSpPr>
+          <p:nvPr>
+            <p:ph type="sldNum" sz="quarter" idx="12"/>
+          </p:nvPr>
+        </p:nvSpPr>
+        <p:spPr>
+          <a:xfrm>
+            <a:off x="7956376" y="6577881"/>
+            <a:ext cx="802432" cy="280119"/>
+          </a:xfrm>
+        </p:spPr>
+        <p:txBody>
+          <a:bodyPr/>
+          <a:lstStyle/>
+          <a:p>
+            <a:fld id="{82BD1F62-BAB9-4678-A758-6842827ADFA9}" type="slidenum">
+              <a:rPr lang="es-ES" altLang="el-GR" b="1" smtClean="0">
+                <a:solidFill>
+                  <a:schemeClr val="bg1"/>
+                </a:solidFill>
+                <a:latin typeface="Bookman Old Style" panose="02050604050505020204" pitchFamily="18" charset="0"/>
+              </a:rPr>
+              <a:pPr/>
+              <a:t>22</a:t>
+            </a:fld>
+            <a:endParaRPr lang="es-ES" altLang="el-GR" b="1" dirty="0">
+              <a:solidFill>
+                <a:schemeClr val="bg1"/>
+              </a:solidFill>
+              <a:latin typeface="Bookman Old Style" panose="02050604050505020204" pitchFamily="18" charset="0"/>
+            </a:endParaRPr>
+          </a:p>
+        </p:txBody>
+      </p:sp>
     </p:spTree>
     <p:extLst>
       <p:ext uri="{BB962C8B-B14F-4D97-AF65-F5344CB8AC3E}">
@@ -12346,10 +12385,14 @@
           <a:lstStyle/>
           <a:p>
             <a:r>
-              <a:rPr lang="el-GR" dirty="0" smtClean="0"/>
+              <a:rPr lang="el-GR" dirty="0" smtClean="0">
+                <a:latin typeface="Book Antiqua" panose="02040602050305030304" pitchFamily="18" charset="0"/>
+              </a:rPr>
               <a:t>Θετικές ερωτήσεις</a:t>
             </a:r>
-            <a:endParaRPr lang="en-US" dirty="0"/>
+            <a:endParaRPr lang="en-US" dirty="0">
+              <a:latin typeface="Book Antiqua" panose="02040602050305030304" pitchFamily="18" charset="0"/>
+            </a:endParaRPr>
           </a:p>
         </p:txBody>
       </p:sp>
@@ -12388,6 +12431,142 @@
                 <a:schemeClr val="bg1"/>
               </a:solidFill>
               <a:latin typeface="Bookman Old Style" panose="02050604050505020204" pitchFamily="18" charset="0"/>
+            </a:endParaRPr>
+          </a:p>
+        </p:txBody>
+      </p:sp>
+      <p:sp>
+        <p:nvSpPr>
+          <p:cNvPr id="2" name="Κατακόρυφος πάπυρος 1"/>
+          <p:cNvSpPr/>
+          <p:nvPr/>
+        </p:nvSpPr>
+        <p:spPr>
+          <a:xfrm>
+            <a:off x="7524328" y="2271797"/>
+            <a:ext cx="1495884" cy="1143000"/>
+          </a:xfrm>
+          <a:prstGeom prst="verticalScroll">
+            <a:avLst>
+              <a:gd name="adj" fmla="val 17655"/>
+            </a:avLst>
+          </a:prstGeom>
+        </p:spPr>
+        <p:style>
+          <a:lnRef idx="2">
+            <a:schemeClr val="accent1">
+              <a:shade val="50000"/>
+            </a:schemeClr>
+          </a:lnRef>
+          <a:fillRef idx="1">
+            <a:schemeClr val="accent1"/>
+          </a:fillRef>
+          <a:effectRef idx="0">
+            <a:schemeClr val="accent1"/>
+          </a:effectRef>
+          <a:fontRef idx="minor">
+            <a:schemeClr val="lt1"/>
+          </a:fontRef>
+        </p:style>
+        <p:txBody>
+          <a:bodyPr rtlCol="0" anchor="ctr"/>
+          <a:lstStyle/>
+          <a:p>
+            <a:pPr algn="ctr"/>
+            <a:endParaRPr lang="el-GR"/>
+          </a:p>
+        </p:txBody>
+      </p:sp>
+      <p:sp>
+        <p:nvSpPr>
+          <p:cNvPr id="7" name="TextBox 6"/>
+          <p:cNvSpPr txBox="1"/>
+          <p:nvPr/>
+        </p:nvSpPr>
+        <p:spPr>
+          <a:xfrm>
+            <a:off x="7678458" y="2520130"/>
+            <a:ext cx="1187624" cy="646331"/>
+          </a:xfrm>
+          <a:prstGeom prst="rect">
+            <a:avLst/>
+          </a:prstGeom>
+          <a:noFill/>
+        </p:spPr>
+        <p:txBody>
+          <a:bodyPr wrap="square" rtlCol="0">
+            <a:spAutoFit/>
+          </a:bodyPr>
+          <a:lstStyle/>
+          <a:p>
+            <a:pPr algn="ctr"/>
+            <a:r>
+              <a:rPr lang="el-GR" b="1" dirty="0" smtClean="0">
+                <a:solidFill>
+                  <a:srgbClr val="0070C0"/>
+                </a:solidFill>
+                <a:latin typeface="Book Antiqua" panose="02040602050305030304" pitchFamily="18" charset="0"/>
+              </a:rPr>
+              <a:t>Δείγμα</a:t>
+            </a:r>
+            <a:r>
+              <a:rPr lang="en-US" b="1" dirty="0" smtClean="0">
+                <a:solidFill>
+                  <a:srgbClr val="0070C0"/>
+                </a:solidFill>
+                <a:latin typeface="Book Antiqua" panose="02040602050305030304" pitchFamily="18" charset="0"/>
+              </a:rPr>
+              <a:t/>
+            </a:r>
+            <a:br>
+              <a:rPr lang="en-US" b="1" dirty="0" smtClean="0">
+                <a:solidFill>
+                  <a:srgbClr val="0070C0"/>
+                </a:solidFill>
+                <a:latin typeface="Book Antiqua" panose="02040602050305030304" pitchFamily="18" charset="0"/>
+              </a:rPr>
+            </a:br>
+            <a:r>
+              <a:rPr lang="en-US" b="1" dirty="0" smtClean="0">
+                <a:solidFill>
+                  <a:srgbClr val="0070C0"/>
+                </a:solidFill>
+                <a:latin typeface="Book Antiqua" panose="02040602050305030304" pitchFamily="18" charset="0"/>
+              </a:rPr>
+              <a:t>2</a:t>
+            </a:r>
+            <a:r>
+              <a:rPr lang="el-GR" b="1" dirty="0" smtClean="0">
+                <a:solidFill>
+                  <a:srgbClr val="0070C0"/>
+                </a:solidFill>
+                <a:latin typeface="Book Antiqua" panose="02040602050305030304" pitchFamily="18" charset="0"/>
+              </a:rPr>
+              <a:t>3</a:t>
+            </a:r>
+            <a:r>
+              <a:rPr lang="en-US" b="1" dirty="0" smtClean="0">
+                <a:solidFill>
+                  <a:srgbClr val="0070C0"/>
+                </a:solidFill>
+                <a:latin typeface="Book Antiqua" panose="02040602050305030304" pitchFamily="18" charset="0"/>
+              </a:rPr>
+              <a:t> </a:t>
+            </a:r>
+            <a:r>
+              <a:rPr lang="el-GR" b="1" dirty="0" smtClean="0">
+                <a:solidFill>
+                  <a:srgbClr val="0070C0"/>
+                </a:solidFill>
+                <a:latin typeface="Book Antiqua" panose="02040602050305030304" pitchFamily="18" charset="0"/>
+              </a:rPr>
+              <a:t>άτομα</a:t>
+            </a:r>
+            <a:endParaRPr lang="en-US" b="1" dirty="0">
+              <a:solidFill>
+                <a:srgbClr val="0070C0"/>
+              </a:solidFill>
+              <a:latin typeface="Book Antiqua" panose="02040602050305030304" pitchFamily="18" charset="0"/>
             </a:endParaRPr>
           </a:p>
         </p:txBody>
@@ -12541,10 +12720,14 @@
           <a:lstStyle/>
           <a:p>
             <a:r>
-              <a:rPr lang="el-GR" dirty="0" smtClean="0"/>
+              <a:rPr lang="el-GR" dirty="0" smtClean="0">
+                <a:latin typeface="Book Antiqua" panose="02040602050305030304" pitchFamily="18" charset="0"/>
+              </a:rPr>
               <a:t>Αρνητικές ερωτήσεις</a:t>
             </a:r>
-            <a:endParaRPr lang="en-US" dirty="0"/>
+            <a:endParaRPr lang="en-US" dirty="0">
+              <a:latin typeface="Book Antiqua" panose="02040602050305030304" pitchFamily="18" charset="0"/>
+            </a:endParaRPr>
           </a:p>
         </p:txBody>
       </p:sp>
@@ -12607,6 +12790,142 @@
                 <a:schemeClr val="bg1"/>
               </a:solidFill>
               <a:latin typeface="Bookman Old Style" panose="02050604050505020204" pitchFamily="18" charset="0"/>
+            </a:endParaRPr>
+          </a:p>
+        </p:txBody>
+      </p:sp>
+      <p:sp>
+        <p:nvSpPr>
+          <p:cNvPr id="8" name="Κατακόρυφος πάπυρος 7"/>
+          <p:cNvSpPr/>
+          <p:nvPr/>
+        </p:nvSpPr>
+        <p:spPr>
+          <a:xfrm>
+            <a:off x="7524328" y="2271797"/>
+            <a:ext cx="1495884" cy="1143000"/>
+          </a:xfrm>
+          <a:prstGeom prst="verticalScroll">
+            <a:avLst>
+              <a:gd name="adj" fmla="val 17655"/>
+            </a:avLst>
+          </a:prstGeom>
+        </p:spPr>
+        <p:style>
+          <a:lnRef idx="2">
+            <a:schemeClr val="accent1">
+              <a:shade val="50000"/>
+            </a:schemeClr>
+          </a:lnRef>
+          <a:fillRef idx="1">
+            <a:schemeClr val="accent1"/>
+          </a:fillRef>
+          <a:effectRef idx="0">
+            <a:schemeClr val="accent1"/>
+          </a:effectRef>
+          <a:fontRef idx="minor">
+            <a:schemeClr val="lt1"/>
+          </a:fontRef>
+        </p:style>
+        <p:txBody>
+          <a:bodyPr rtlCol="0" anchor="ctr"/>
+          <a:lstStyle/>
+          <a:p>
+            <a:pPr algn="ctr"/>
+            <a:endParaRPr lang="el-GR"/>
+          </a:p>
+        </p:txBody>
+      </p:sp>
+      <p:sp>
+        <p:nvSpPr>
+          <p:cNvPr id="9" name="TextBox 8"/>
+          <p:cNvSpPr txBox="1"/>
+          <p:nvPr/>
+        </p:nvSpPr>
+        <p:spPr>
+          <a:xfrm>
+            <a:off x="7678458" y="2520130"/>
+            <a:ext cx="1187624" cy="646331"/>
+          </a:xfrm>
+          <a:prstGeom prst="rect">
+            <a:avLst/>
+          </a:prstGeom>
+          <a:noFill/>
+        </p:spPr>
+        <p:txBody>
+          <a:bodyPr wrap="square" rtlCol="0">
+            <a:spAutoFit/>
+          </a:bodyPr>
+          <a:lstStyle/>
+          <a:p>
+            <a:pPr algn="ctr"/>
+            <a:r>
+              <a:rPr lang="el-GR" b="1" dirty="0" smtClean="0">
+                <a:solidFill>
+                  <a:srgbClr val="0070C0"/>
+                </a:solidFill>
+                <a:latin typeface="Book Antiqua" panose="02040602050305030304" pitchFamily="18" charset="0"/>
+              </a:rPr>
+              <a:t>Δείγμα</a:t>
+            </a:r>
+            <a:r>
+              <a:rPr lang="en-US" b="1" dirty="0" smtClean="0">
+                <a:solidFill>
+                  <a:srgbClr val="0070C0"/>
+                </a:solidFill>
+                <a:latin typeface="Book Antiqua" panose="02040602050305030304" pitchFamily="18" charset="0"/>
+              </a:rPr>
+              <a:t/>
+            </a:r>
+            <a:br>
+              <a:rPr lang="en-US" b="1" dirty="0" smtClean="0">
+                <a:solidFill>
+                  <a:srgbClr val="0070C0"/>
+                </a:solidFill>
+                <a:latin typeface="Book Antiqua" panose="02040602050305030304" pitchFamily="18" charset="0"/>
+              </a:rPr>
+            </a:br>
+            <a:r>
+              <a:rPr lang="en-US" b="1" dirty="0" smtClean="0">
+                <a:solidFill>
+                  <a:srgbClr val="0070C0"/>
+                </a:solidFill>
+                <a:latin typeface="Book Antiqua" panose="02040602050305030304" pitchFamily="18" charset="0"/>
+              </a:rPr>
+              <a:t>2</a:t>
+            </a:r>
+            <a:r>
+              <a:rPr lang="el-GR" b="1" dirty="0" smtClean="0">
+                <a:solidFill>
+                  <a:srgbClr val="0070C0"/>
+                </a:solidFill>
+                <a:latin typeface="Book Antiqua" panose="02040602050305030304" pitchFamily="18" charset="0"/>
+              </a:rPr>
+              <a:t>3</a:t>
+            </a:r>
+            <a:r>
+              <a:rPr lang="en-US" b="1" dirty="0" smtClean="0">
+                <a:solidFill>
+                  <a:srgbClr val="0070C0"/>
+                </a:solidFill>
+                <a:latin typeface="Book Antiqua" panose="02040602050305030304" pitchFamily="18" charset="0"/>
+              </a:rPr>
+              <a:t> </a:t>
+            </a:r>
+            <a:r>
+              <a:rPr lang="el-GR" b="1" dirty="0" smtClean="0">
+                <a:solidFill>
+                  <a:srgbClr val="0070C0"/>
+                </a:solidFill>
+                <a:latin typeface="Book Antiqua" panose="02040602050305030304" pitchFamily="18" charset="0"/>
+              </a:rPr>
+              <a:t>άτομα</a:t>
+            </a:r>
+            <a:endParaRPr lang="en-US" b="1" dirty="0">
+              <a:solidFill>
+                <a:srgbClr val="0070C0"/>
+              </a:solidFill>
+              <a:latin typeface="Book Antiqua" panose="02040602050305030304" pitchFamily="18" charset="0"/>
             </a:endParaRPr>
           </a:p>
         </p:txBody>

--- a/Παραδοτέο/M102.pptx
+++ b/Παραδοτέο/M102.pptx
@@ -28,8 +28,8 @@
     <p:sldId id="273" r:id="rId19"/>
     <p:sldId id="274" r:id="rId20"/>
     <p:sldId id="275" r:id="rId21"/>
-    <p:sldId id="277" r:id="rId22"/>
-    <p:sldId id="276" r:id="rId23"/>
+    <p:sldId id="276" r:id="rId22"/>
+    <p:sldId id="277" r:id="rId23"/>
     <p:sldId id="278" r:id="rId24"/>
     <p:sldId id="285" r:id="rId25"/>
     <p:sldId id="279" r:id="rId26"/>
@@ -169,7 +169,7 @@
   </p:defaultTextStyle>
   <p:extLst>
     <p:ext uri="{EFAFB233-063F-42B5-8137-9DF3F51BA10A}">
-      <p15:sldGuideLst xmlns="" xmlns:p15="http://schemas.microsoft.com/office/powerpoint/2012/main">
+      <p15:sldGuideLst xmlns:p15="http://schemas.microsoft.com/office/powerpoint/2012/main">
         <p15:guide id="1" orient="horz" pos="2160">
           <p15:clr>
             <a:srgbClr val="A4A3A4"/>
@@ -268,7 +268,7 @@
           <a:p>
             <a:fld id="{E4BF971D-A096-43E1-8184-093C9B32B6AE}" type="datetimeFigureOut">
               <a:rPr lang="el-GR" smtClean="0"/>
-              <a:t>12/1/2019</a:t>
+              <a:t>13/1/2019</a:t>
             </a:fld>
             <a:endParaRPr lang="el-GR"/>
           </a:p>
@@ -332,38 +332,37 @@
           <a:p>
             <a:pPr lvl="0"/>
             <a:r>
-              <a:rPr lang="el-GR" smtClean="0"/>
+              <a:rPr lang="el-GR"/>
               <a:t>Στυλ υποδείγματος κειμένου</a:t>
             </a:r>
           </a:p>
           <a:p>
             <a:pPr lvl="1"/>
             <a:r>
-              <a:rPr lang="el-GR" smtClean="0"/>
+              <a:rPr lang="el-GR"/>
               <a:t>Δεύτερου επιπέδου</a:t>
             </a:r>
           </a:p>
           <a:p>
             <a:pPr lvl="2"/>
             <a:r>
-              <a:rPr lang="el-GR" smtClean="0"/>
+              <a:rPr lang="el-GR"/>
               <a:t>Τρίτου επιπέδου</a:t>
             </a:r>
           </a:p>
           <a:p>
             <a:pPr lvl="3"/>
             <a:r>
-              <a:rPr lang="el-GR" smtClean="0"/>
+              <a:rPr lang="el-GR"/>
               <a:t>Τέταρτου επιπέδου</a:t>
             </a:r>
           </a:p>
           <a:p>
             <a:pPr lvl="4"/>
             <a:r>
-              <a:rPr lang="el-GR" smtClean="0"/>
+              <a:rPr lang="el-GR"/>
               <a:t>Πέμπτου επιπέδου</a:t>
             </a:r>
-            <a:endParaRPr lang="el-GR"/>
           </a:p>
         </p:txBody>
       </p:sp>
@@ -558,7 +557,7 @@
           <p:cNvPr id="2" name="Τίτλος 1">
             <a:extLst>
               <a:ext uri="{FF2B5EF4-FFF2-40B4-BE49-F238E27FC236}">
-                <a16:creationId xmlns="" xmlns:a16="http://schemas.microsoft.com/office/drawing/2014/main" id="{8509AC75-F7AD-4E17-AE77-1D750C16E190}"/>
+                <a16:creationId xmlns:a16="http://schemas.microsoft.com/office/drawing/2014/main" id="{8509AC75-F7AD-4E17-AE77-1D750C16E190}"/>
               </a:ext>
             </a:extLst>
           </p:cNvPr>
@@ -595,7 +594,7 @@
           <p:cNvPr id="3" name="Υπότιτλος 2">
             <a:extLst>
               <a:ext uri="{FF2B5EF4-FFF2-40B4-BE49-F238E27FC236}">
-                <a16:creationId xmlns="" xmlns:a16="http://schemas.microsoft.com/office/drawing/2014/main" id="{EEF0878F-FCA1-402B-A233-79BE9F0F83AA}"/>
+                <a16:creationId xmlns:a16="http://schemas.microsoft.com/office/drawing/2014/main" id="{EEF0878F-FCA1-402B-A233-79BE9F0F83AA}"/>
               </a:ext>
             </a:extLst>
           </p:cNvPr>
@@ -665,7 +664,7 @@
           <p:cNvPr id="4" name="Θέση ημερομηνίας 3">
             <a:extLst>
               <a:ext uri="{FF2B5EF4-FFF2-40B4-BE49-F238E27FC236}">
-                <a16:creationId xmlns="" xmlns:a16="http://schemas.microsoft.com/office/drawing/2014/main" id="{867C03BC-2A28-48F3-938C-2B2EDDF4CF83}"/>
+                <a16:creationId xmlns:a16="http://schemas.microsoft.com/office/drawing/2014/main" id="{867C03BC-2A28-48F3-938C-2B2EDDF4CF83}"/>
               </a:ext>
             </a:extLst>
           </p:cNvPr>
@@ -694,7 +693,7 @@
           <p:cNvPr id="5" name="Θέση υποσέλιδου 4">
             <a:extLst>
               <a:ext uri="{FF2B5EF4-FFF2-40B4-BE49-F238E27FC236}">
-                <a16:creationId xmlns="" xmlns:a16="http://schemas.microsoft.com/office/drawing/2014/main" id="{B8E371A4-868D-43F2-9AD2-A7EB151691BA}"/>
+                <a16:creationId xmlns:a16="http://schemas.microsoft.com/office/drawing/2014/main" id="{B8E371A4-868D-43F2-9AD2-A7EB151691BA}"/>
               </a:ext>
             </a:extLst>
           </p:cNvPr>
@@ -723,7 +722,7 @@
           <p:cNvPr id="6" name="Θέση αριθμού διαφάνειας 5">
             <a:extLst>
               <a:ext uri="{FF2B5EF4-FFF2-40B4-BE49-F238E27FC236}">
-                <a16:creationId xmlns="" xmlns:a16="http://schemas.microsoft.com/office/drawing/2014/main" id="{754C6D34-29DB-47C6-9531-23E257C8821B}"/>
+                <a16:creationId xmlns:a16="http://schemas.microsoft.com/office/drawing/2014/main" id="{754C6D34-29DB-47C6-9531-23E257C8821B}"/>
               </a:ext>
             </a:extLst>
           </p:cNvPr>
@@ -787,7 +786,7 @@
           <p:cNvPr id="2" name="Τίτλος 1">
             <a:extLst>
               <a:ext uri="{FF2B5EF4-FFF2-40B4-BE49-F238E27FC236}">
-                <a16:creationId xmlns="" xmlns:a16="http://schemas.microsoft.com/office/drawing/2014/main" id="{E0177635-BDC8-47BD-9B47-9261EB430F9B}"/>
+                <a16:creationId xmlns:a16="http://schemas.microsoft.com/office/drawing/2014/main" id="{E0177635-BDC8-47BD-9B47-9261EB430F9B}"/>
               </a:ext>
             </a:extLst>
           </p:cNvPr>
@@ -815,7 +814,7 @@
           <p:cNvPr id="3" name="Θέση κατακόρυφου κειμένου 2">
             <a:extLst>
               <a:ext uri="{FF2B5EF4-FFF2-40B4-BE49-F238E27FC236}">
-                <a16:creationId xmlns="" xmlns:a16="http://schemas.microsoft.com/office/drawing/2014/main" id="{B079C817-0402-4E00-B731-849F6656ADD6}"/>
+                <a16:creationId xmlns:a16="http://schemas.microsoft.com/office/drawing/2014/main" id="{B079C817-0402-4E00-B731-849F6656ADD6}"/>
               </a:ext>
             </a:extLst>
           </p:cNvPr>
@@ -872,7 +871,7 @@
           <p:cNvPr id="4" name="Θέση ημερομηνίας 3">
             <a:extLst>
               <a:ext uri="{FF2B5EF4-FFF2-40B4-BE49-F238E27FC236}">
-                <a16:creationId xmlns="" xmlns:a16="http://schemas.microsoft.com/office/drawing/2014/main" id="{B94977BA-AB96-4F5B-99FB-877DB4F40D2C}"/>
+                <a16:creationId xmlns:a16="http://schemas.microsoft.com/office/drawing/2014/main" id="{B94977BA-AB96-4F5B-99FB-877DB4F40D2C}"/>
               </a:ext>
             </a:extLst>
           </p:cNvPr>
@@ -901,7 +900,7 @@
           <p:cNvPr id="5" name="Θέση υποσέλιδου 4">
             <a:extLst>
               <a:ext uri="{FF2B5EF4-FFF2-40B4-BE49-F238E27FC236}">
-                <a16:creationId xmlns="" xmlns:a16="http://schemas.microsoft.com/office/drawing/2014/main" id="{FC52D52F-4A96-47A6-AB5E-0D50D1F364DF}"/>
+                <a16:creationId xmlns:a16="http://schemas.microsoft.com/office/drawing/2014/main" id="{FC52D52F-4A96-47A6-AB5E-0D50D1F364DF}"/>
               </a:ext>
             </a:extLst>
           </p:cNvPr>
@@ -930,7 +929,7 @@
           <p:cNvPr id="6" name="Θέση αριθμού διαφάνειας 5">
             <a:extLst>
               <a:ext uri="{FF2B5EF4-FFF2-40B4-BE49-F238E27FC236}">
-                <a16:creationId xmlns="" xmlns:a16="http://schemas.microsoft.com/office/drawing/2014/main" id="{E154040A-7F55-45BB-B7D9-802A4EE5A491}"/>
+                <a16:creationId xmlns:a16="http://schemas.microsoft.com/office/drawing/2014/main" id="{E154040A-7F55-45BB-B7D9-802A4EE5A491}"/>
               </a:ext>
             </a:extLst>
           </p:cNvPr>
@@ -994,7 +993,7 @@
           <p:cNvPr id="2" name="Κατακόρυφος τίτλος 1">
             <a:extLst>
               <a:ext uri="{FF2B5EF4-FFF2-40B4-BE49-F238E27FC236}">
-                <a16:creationId xmlns="" xmlns:a16="http://schemas.microsoft.com/office/drawing/2014/main" id="{72E7E313-AFB5-4231-966C-2D8DFB5234E9}"/>
+                <a16:creationId xmlns:a16="http://schemas.microsoft.com/office/drawing/2014/main" id="{72E7E313-AFB5-4231-966C-2D8DFB5234E9}"/>
               </a:ext>
             </a:extLst>
           </p:cNvPr>
@@ -1027,7 +1026,7 @@
           <p:cNvPr id="3" name="Θέση κατακόρυφου κειμένου 2">
             <a:extLst>
               <a:ext uri="{FF2B5EF4-FFF2-40B4-BE49-F238E27FC236}">
-                <a16:creationId xmlns="" xmlns:a16="http://schemas.microsoft.com/office/drawing/2014/main" id="{F50A783C-B231-4C7C-BEE9-2F520EEB9536}"/>
+                <a16:creationId xmlns:a16="http://schemas.microsoft.com/office/drawing/2014/main" id="{F50A783C-B231-4C7C-BEE9-2F520EEB9536}"/>
               </a:ext>
             </a:extLst>
           </p:cNvPr>
@@ -1089,7 +1088,7 @@
           <p:cNvPr id="4" name="Θέση ημερομηνίας 3">
             <a:extLst>
               <a:ext uri="{FF2B5EF4-FFF2-40B4-BE49-F238E27FC236}">
-                <a16:creationId xmlns="" xmlns:a16="http://schemas.microsoft.com/office/drawing/2014/main" id="{7B3E5318-64A0-476E-BCDB-60056E83F5C3}"/>
+                <a16:creationId xmlns:a16="http://schemas.microsoft.com/office/drawing/2014/main" id="{7B3E5318-64A0-476E-BCDB-60056E83F5C3}"/>
               </a:ext>
             </a:extLst>
           </p:cNvPr>
@@ -1118,7 +1117,7 @@
           <p:cNvPr id="5" name="Θέση υποσέλιδου 4">
             <a:extLst>
               <a:ext uri="{FF2B5EF4-FFF2-40B4-BE49-F238E27FC236}">
-                <a16:creationId xmlns="" xmlns:a16="http://schemas.microsoft.com/office/drawing/2014/main" id="{66580386-8997-481A-91D9-3D244DBA6F1A}"/>
+                <a16:creationId xmlns:a16="http://schemas.microsoft.com/office/drawing/2014/main" id="{66580386-8997-481A-91D9-3D244DBA6F1A}"/>
               </a:ext>
             </a:extLst>
           </p:cNvPr>
@@ -1147,7 +1146,7 @@
           <p:cNvPr id="6" name="Θέση αριθμού διαφάνειας 5">
             <a:extLst>
               <a:ext uri="{FF2B5EF4-FFF2-40B4-BE49-F238E27FC236}">
-                <a16:creationId xmlns="" xmlns:a16="http://schemas.microsoft.com/office/drawing/2014/main" id="{A979E5BB-42F3-4620-8408-93563F428DE2}"/>
+                <a16:creationId xmlns:a16="http://schemas.microsoft.com/office/drawing/2014/main" id="{A979E5BB-42F3-4620-8408-93563F428DE2}"/>
               </a:ext>
             </a:extLst>
           </p:cNvPr>
@@ -1211,7 +1210,7 @@
           <p:cNvPr id="2" name="Τίτλος 1">
             <a:extLst>
               <a:ext uri="{FF2B5EF4-FFF2-40B4-BE49-F238E27FC236}">
-                <a16:creationId xmlns="" xmlns:a16="http://schemas.microsoft.com/office/drawing/2014/main" id="{946A6936-5B4C-4264-B0BD-ACF422487D73}"/>
+                <a16:creationId xmlns:a16="http://schemas.microsoft.com/office/drawing/2014/main" id="{946A6936-5B4C-4264-B0BD-ACF422487D73}"/>
               </a:ext>
             </a:extLst>
           </p:cNvPr>
@@ -1239,7 +1238,7 @@
           <p:cNvPr id="3" name="Θέση περιεχομένου 2">
             <a:extLst>
               <a:ext uri="{FF2B5EF4-FFF2-40B4-BE49-F238E27FC236}">
-                <a16:creationId xmlns="" xmlns:a16="http://schemas.microsoft.com/office/drawing/2014/main" id="{5965AAAA-29E5-4991-9C79-1E02A7637E82}"/>
+                <a16:creationId xmlns:a16="http://schemas.microsoft.com/office/drawing/2014/main" id="{5965AAAA-29E5-4991-9C79-1E02A7637E82}"/>
               </a:ext>
             </a:extLst>
           </p:cNvPr>
@@ -1296,7 +1295,7 @@
           <p:cNvPr id="4" name="Θέση ημερομηνίας 3">
             <a:extLst>
               <a:ext uri="{FF2B5EF4-FFF2-40B4-BE49-F238E27FC236}">
-                <a16:creationId xmlns="" xmlns:a16="http://schemas.microsoft.com/office/drawing/2014/main" id="{D49D9EBD-A58D-4462-9A98-D499BDBA12CC}"/>
+                <a16:creationId xmlns:a16="http://schemas.microsoft.com/office/drawing/2014/main" id="{D49D9EBD-A58D-4462-9A98-D499BDBA12CC}"/>
               </a:ext>
             </a:extLst>
           </p:cNvPr>
@@ -1325,7 +1324,7 @@
           <p:cNvPr id="5" name="Θέση υποσέλιδου 4">
             <a:extLst>
               <a:ext uri="{FF2B5EF4-FFF2-40B4-BE49-F238E27FC236}">
-                <a16:creationId xmlns="" xmlns:a16="http://schemas.microsoft.com/office/drawing/2014/main" id="{6F105102-E0E9-4E8C-AB33-D571E9937FF7}"/>
+                <a16:creationId xmlns:a16="http://schemas.microsoft.com/office/drawing/2014/main" id="{6F105102-E0E9-4E8C-AB33-D571E9937FF7}"/>
               </a:ext>
             </a:extLst>
           </p:cNvPr>
@@ -1354,7 +1353,7 @@
           <p:cNvPr id="6" name="Θέση αριθμού διαφάνειας 5">
             <a:extLst>
               <a:ext uri="{FF2B5EF4-FFF2-40B4-BE49-F238E27FC236}">
-                <a16:creationId xmlns="" xmlns:a16="http://schemas.microsoft.com/office/drawing/2014/main" id="{AD98263E-88DE-4EB8-B153-98AB7BD5A610}"/>
+                <a16:creationId xmlns:a16="http://schemas.microsoft.com/office/drawing/2014/main" id="{AD98263E-88DE-4EB8-B153-98AB7BD5A610}"/>
               </a:ext>
             </a:extLst>
           </p:cNvPr>
@@ -1418,7 +1417,7 @@
           <p:cNvPr id="2" name="Τίτλος 1">
             <a:extLst>
               <a:ext uri="{FF2B5EF4-FFF2-40B4-BE49-F238E27FC236}">
-                <a16:creationId xmlns="" xmlns:a16="http://schemas.microsoft.com/office/drawing/2014/main" id="{30056D21-16F1-4B41-B00F-43ECCDD2970E}"/>
+                <a16:creationId xmlns:a16="http://schemas.microsoft.com/office/drawing/2014/main" id="{30056D21-16F1-4B41-B00F-43ECCDD2970E}"/>
               </a:ext>
             </a:extLst>
           </p:cNvPr>
@@ -1455,7 +1454,7 @@
           <p:cNvPr id="3" name="Θέση κειμένου 2">
             <a:extLst>
               <a:ext uri="{FF2B5EF4-FFF2-40B4-BE49-F238E27FC236}">
-                <a16:creationId xmlns="" xmlns:a16="http://schemas.microsoft.com/office/drawing/2014/main" id="{80E7CC5A-EE1E-4B74-9FF4-16DDDF7BBFFE}"/>
+                <a16:creationId xmlns:a16="http://schemas.microsoft.com/office/drawing/2014/main" id="{80E7CC5A-EE1E-4B74-9FF4-16DDDF7BBFFE}"/>
               </a:ext>
             </a:extLst>
           </p:cNvPr>
@@ -1526,7 +1525,7 @@
           <p:cNvPr id="4" name="Θέση ημερομηνίας 3">
             <a:extLst>
               <a:ext uri="{FF2B5EF4-FFF2-40B4-BE49-F238E27FC236}">
-                <a16:creationId xmlns="" xmlns:a16="http://schemas.microsoft.com/office/drawing/2014/main" id="{BD59FC7C-DDA0-439F-9FCF-F15C5FBC5F28}"/>
+                <a16:creationId xmlns:a16="http://schemas.microsoft.com/office/drawing/2014/main" id="{BD59FC7C-DDA0-439F-9FCF-F15C5FBC5F28}"/>
               </a:ext>
             </a:extLst>
           </p:cNvPr>
@@ -1555,7 +1554,7 @@
           <p:cNvPr id="5" name="Θέση υποσέλιδου 4">
             <a:extLst>
               <a:ext uri="{FF2B5EF4-FFF2-40B4-BE49-F238E27FC236}">
-                <a16:creationId xmlns="" xmlns:a16="http://schemas.microsoft.com/office/drawing/2014/main" id="{13683F84-6E82-49A2-A247-D3F23B15B485}"/>
+                <a16:creationId xmlns:a16="http://schemas.microsoft.com/office/drawing/2014/main" id="{13683F84-6E82-49A2-A247-D3F23B15B485}"/>
               </a:ext>
             </a:extLst>
           </p:cNvPr>
@@ -1584,7 +1583,7 @@
           <p:cNvPr id="6" name="Θέση αριθμού διαφάνειας 5">
             <a:extLst>
               <a:ext uri="{FF2B5EF4-FFF2-40B4-BE49-F238E27FC236}">
-                <a16:creationId xmlns="" xmlns:a16="http://schemas.microsoft.com/office/drawing/2014/main" id="{C2B0A562-92A3-4583-AE6E-1F59EC5BE9D6}"/>
+                <a16:creationId xmlns:a16="http://schemas.microsoft.com/office/drawing/2014/main" id="{C2B0A562-92A3-4583-AE6E-1F59EC5BE9D6}"/>
               </a:ext>
             </a:extLst>
           </p:cNvPr>
@@ -1648,7 +1647,7 @@
           <p:cNvPr id="2" name="Τίτλος 1">
             <a:extLst>
               <a:ext uri="{FF2B5EF4-FFF2-40B4-BE49-F238E27FC236}">
-                <a16:creationId xmlns="" xmlns:a16="http://schemas.microsoft.com/office/drawing/2014/main" id="{1E95B0B1-6FC6-4E5A-A530-20DC20BE3EA4}"/>
+                <a16:creationId xmlns:a16="http://schemas.microsoft.com/office/drawing/2014/main" id="{1E95B0B1-6FC6-4E5A-A530-20DC20BE3EA4}"/>
               </a:ext>
             </a:extLst>
           </p:cNvPr>
@@ -1676,7 +1675,7 @@
           <p:cNvPr id="3" name="Θέση περιεχομένου 2">
             <a:extLst>
               <a:ext uri="{FF2B5EF4-FFF2-40B4-BE49-F238E27FC236}">
-                <a16:creationId xmlns="" xmlns:a16="http://schemas.microsoft.com/office/drawing/2014/main" id="{33B973D2-B133-4CBC-9E74-430849527C5D}"/>
+                <a16:creationId xmlns:a16="http://schemas.microsoft.com/office/drawing/2014/main" id="{33B973D2-B133-4CBC-9E74-430849527C5D}"/>
               </a:ext>
             </a:extLst>
           </p:cNvPr>
@@ -1738,7 +1737,7 @@
           <p:cNvPr id="4" name="Θέση περιεχομένου 3">
             <a:extLst>
               <a:ext uri="{FF2B5EF4-FFF2-40B4-BE49-F238E27FC236}">
-                <a16:creationId xmlns="" xmlns:a16="http://schemas.microsoft.com/office/drawing/2014/main" id="{EC4FE06D-C5DA-4534-9752-AE3A9B14FB6C}"/>
+                <a16:creationId xmlns:a16="http://schemas.microsoft.com/office/drawing/2014/main" id="{EC4FE06D-C5DA-4534-9752-AE3A9B14FB6C}"/>
               </a:ext>
             </a:extLst>
           </p:cNvPr>
@@ -1800,7 +1799,7 @@
           <p:cNvPr id="5" name="Θέση ημερομηνίας 4">
             <a:extLst>
               <a:ext uri="{FF2B5EF4-FFF2-40B4-BE49-F238E27FC236}">
-                <a16:creationId xmlns="" xmlns:a16="http://schemas.microsoft.com/office/drawing/2014/main" id="{18E5D071-38DE-474E-9817-3E7880BE1485}"/>
+                <a16:creationId xmlns:a16="http://schemas.microsoft.com/office/drawing/2014/main" id="{18E5D071-38DE-474E-9817-3E7880BE1485}"/>
               </a:ext>
             </a:extLst>
           </p:cNvPr>
@@ -1829,7 +1828,7 @@
           <p:cNvPr id="6" name="Θέση υποσέλιδου 5">
             <a:extLst>
               <a:ext uri="{FF2B5EF4-FFF2-40B4-BE49-F238E27FC236}">
-                <a16:creationId xmlns="" xmlns:a16="http://schemas.microsoft.com/office/drawing/2014/main" id="{B566B170-75D6-4B4B-AD9B-CAF696A4A35F}"/>
+                <a16:creationId xmlns:a16="http://schemas.microsoft.com/office/drawing/2014/main" id="{B566B170-75D6-4B4B-AD9B-CAF696A4A35F}"/>
               </a:ext>
             </a:extLst>
           </p:cNvPr>
@@ -1858,7 +1857,7 @@
           <p:cNvPr id="7" name="Θέση αριθμού διαφάνειας 6">
             <a:extLst>
               <a:ext uri="{FF2B5EF4-FFF2-40B4-BE49-F238E27FC236}">
-                <a16:creationId xmlns="" xmlns:a16="http://schemas.microsoft.com/office/drawing/2014/main" id="{811F70E8-303C-4FF0-800D-D1615242AEBD}"/>
+                <a16:creationId xmlns:a16="http://schemas.microsoft.com/office/drawing/2014/main" id="{811F70E8-303C-4FF0-800D-D1615242AEBD}"/>
               </a:ext>
             </a:extLst>
           </p:cNvPr>
@@ -1922,7 +1921,7 @@
           <p:cNvPr id="2" name="Τίτλος 1">
             <a:extLst>
               <a:ext uri="{FF2B5EF4-FFF2-40B4-BE49-F238E27FC236}">
-                <a16:creationId xmlns="" xmlns:a16="http://schemas.microsoft.com/office/drawing/2014/main" id="{C2D10CCD-395F-4ED7-9AAB-AAC81F254D73}"/>
+                <a16:creationId xmlns:a16="http://schemas.microsoft.com/office/drawing/2014/main" id="{C2D10CCD-395F-4ED7-9AAB-AAC81F254D73}"/>
               </a:ext>
             </a:extLst>
           </p:cNvPr>
@@ -1955,7 +1954,7 @@
           <p:cNvPr id="3" name="Θέση κειμένου 2">
             <a:extLst>
               <a:ext uri="{FF2B5EF4-FFF2-40B4-BE49-F238E27FC236}">
-                <a16:creationId xmlns="" xmlns:a16="http://schemas.microsoft.com/office/drawing/2014/main" id="{90BA9849-8C4D-4297-B7C9-EC91315F8744}"/>
+                <a16:creationId xmlns:a16="http://schemas.microsoft.com/office/drawing/2014/main" id="{90BA9849-8C4D-4297-B7C9-EC91315F8744}"/>
               </a:ext>
             </a:extLst>
           </p:cNvPr>
@@ -2026,7 +2025,7 @@
           <p:cNvPr id="4" name="Θέση περιεχομένου 3">
             <a:extLst>
               <a:ext uri="{FF2B5EF4-FFF2-40B4-BE49-F238E27FC236}">
-                <a16:creationId xmlns="" xmlns:a16="http://schemas.microsoft.com/office/drawing/2014/main" id="{B62EE8A8-142F-4E91-A455-3A1E511C9C48}"/>
+                <a16:creationId xmlns:a16="http://schemas.microsoft.com/office/drawing/2014/main" id="{B62EE8A8-142F-4E91-A455-3A1E511C9C48}"/>
               </a:ext>
             </a:extLst>
           </p:cNvPr>
@@ -2088,7 +2087,7 @@
           <p:cNvPr id="5" name="Θέση κειμένου 4">
             <a:extLst>
               <a:ext uri="{FF2B5EF4-FFF2-40B4-BE49-F238E27FC236}">
-                <a16:creationId xmlns="" xmlns:a16="http://schemas.microsoft.com/office/drawing/2014/main" id="{4D11D8FD-AF48-4333-B3A3-C4F122916228}"/>
+                <a16:creationId xmlns:a16="http://schemas.microsoft.com/office/drawing/2014/main" id="{4D11D8FD-AF48-4333-B3A3-C4F122916228}"/>
               </a:ext>
             </a:extLst>
           </p:cNvPr>
@@ -2159,7 +2158,7 @@
           <p:cNvPr id="6" name="Θέση περιεχομένου 5">
             <a:extLst>
               <a:ext uri="{FF2B5EF4-FFF2-40B4-BE49-F238E27FC236}">
-                <a16:creationId xmlns="" xmlns:a16="http://schemas.microsoft.com/office/drawing/2014/main" id="{61C11A0D-27CC-43BB-9E44-02FA59E8AF88}"/>
+                <a16:creationId xmlns:a16="http://schemas.microsoft.com/office/drawing/2014/main" id="{61C11A0D-27CC-43BB-9E44-02FA59E8AF88}"/>
               </a:ext>
             </a:extLst>
           </p:cNvPr>
@@ -2221,7 +2220,7 @@
           <p:cNvPr id="7" name="Θέση ημερομηνίας 6">
             <a:extLst>
               <a:ext uri="{FF2B5EF4-FFF2-40B4-BE49-F238E27FC236}">
-                <a16:creationId xmlns="" xmlns:a16="http://schemas.microsoft.com/office/drawing/2014/main" id="{D2669FAE-F62C-479E-A394-64A93BE2DB15}"/>
+                <a16:creationId xmlns:a16="http://schemas.microsoft.com/office/drawing/2014/main" id="{D2669FAE-F62C-479E-A394-64A93BE2DB15}"/>
               </a:ext>
             </a:extLst>
           </p:cNvPr>
@@ -2250,7 +2249,7 @@
           <p:cNvPr id="8" name="Θέση υποσέλιδου 7">
             <a:extLst>
               <a:ext uri="{FF2B5EF4-FFF2-40B4-BE49-F238E27FC236}">
-                <a16:creationId xmlns="" xmlns:a16="http://schemas.microsoft.com/office/drawing/2014/main" id="{8A5EE5CA-B5F4-4C84-AACA-D771A798BAFA}"/>
+                <a16:creationId xmlns:a16="http://schemas.microsoft.com/office/drawing/2014/main" id="{8A5EE5CA-B5F4-4C84-AACA-D771A798BAFA}"/>
               </a:ext>
             </a:extLst>
           </p:cNvPr>
@@ -2279,7 +2278,7 @@
           <p:cNvPr id="9" name="Θέση αριθμού διαφάνειας 8">
             <a:extLst>
               <a:ext uri="{FF2B5EF4-FFF2-40B4-BE49-F238E27FC236}">
-                <a16:creationId xmlns="" xmlns:a16="http://schemas.microsoft.com/office/drawing/2014/main" id="{D1A6548F-E5D2-4D86-B4C9-BBD4FAD8CF31}"/>
+                <a16:creationId xmlns:a16="http://schemas.microsoft.com/office/drawing/2014/main" id="{D1A6548F-E5D2-4D86-B4C9-BBD4FAD8CF31}"/>
               </a:ext>
             </a:extLst>
           </p:cNvPr>
@@ -2343,7 +2342,7 @@
           <p:cNvPr id="2" name="Τίτλος 1">
             <a:extLst>
               <a:ext uri="{FF2B5EF4-FFF2-40B4-BE49-F238E27FC236}">
-                <a16:creationId xmlns="" xmlns:a16="http://schemas.microsoft.com/office/drawing/2014/main" id="{FD4485F6-1513-452F-B2E8-1DF01EA23343}"/>
+                <a16:creationId xmlns:a16="http://schemas.microsoft.com/office/drawing/2014/main" id="{FD4485F6-1513-452F-B2E8-1DF01EA23343}"/>
               </a:ext>
             </a:extLst>
           </p:cNvPr>
@@ -2371,7 +2370,7 @@
           <p:cNvPr id="3" name="Θέση ημερομηνίας 2">
             <a:extLst>
               <a:ext uri="{FF2B5EF4-FFF2-40B4-BE49-F238E27FC236}">
-                <a16:creationId xmlns="" xmlns:a16="http://schemas.microsoft.com/office/drawing/2014/main" id="{4C6D2844-A2A3-48FF-AB77-8A9DBF710AF6}"/>
+                <a16:creationId xmlns:a16="http://schemas.microsoft.com/office/drawing/2014/main" id="{4C6D2844-A2A3-48FF-AB77-8A9DBF710AF6}"/>
               </a:ext>
             </a:extLst>
           </p:cNvPr>
@@ -2400,7 +2399,7 @@
           <p:cNvPr id="4" name="Θέση υποσέλιδου 3">
             <a:extLst>
               <a:ext uri="{FF2B5EF4-FFF2-40B4-BE49-F238E27FC236}">
-                <a16:creationId xmlns="" xmlns:a16="http://schemas.microsoft.com/office/drawing/2014/main" id="{F37E8CF0-E03E-4CFA-A189-81D49BF231A5}"/>
+                <a16:creationId xmlns:a16="http://schemas.microsoft.com/office/drawing/2014/main" id="{F37E8CF0-E03E-4CFA-A189-81D49BF231A5}"/>
               </a:ext>
             </a:extLst>
           </p:cNvPr>
@@ -2429,7 +2428,7 @@
           <p:cNvPr id="5" name="Θέση αριθμού διαφάνειας 4">
             <a:extLst>
               <a:ext uri="{FF2B5EF4-FFF2-40B4-BE49-F238E27FC236}">
-                <a16:creationId xmlns="" xmlns:a16="http://schemas.microsoft.com/office/drawing/2014/main" id="{2F464A38-E9C0-4F02-A28A-8F8E94243C1D}"/>
+                <a16:creationId xmlns:a16="http://schemas.microsoft.com/office/drawing/2014/main" id="{2F464A38-E9C0-4F02-A28A-8F8E94243C1D}"/>
               </a:ext>
             </a:extLst>
           </p:cNvPr>
@@ -2493,7 +2492,7 @@
           <p:cNvPr id="2" name="Θέση ημερομηνίας 1">
             <a:extLst>
               <a:ext uri="{FF2B5EF4-FFF2-40B4-BE49-F238E27FC236}">
-                <a16:creationId xmlns="" xmlns:a16="http://schemas.microsoft.com/office/drawing/2014/main" id="{D80E1189-46B3-48E8-B4B0-A0C2A8D2F9D9}"/>
+                <a16:creationId xmlns:a16="http://schemas.microsoft.com/office/drawing/2014/main" id="{D80E1189-46B3-48E8-B4B0-A0C2A8D2F9D9}"/>
               </a:ext>
             </a:extLst>
           </p:cNvPr>
@@ -2522,7 +2521,7 @@
           <p:cNvPr id="3" name="Θέση υποσέλιδου 2">
             <a:extLst>
               <a:ext uri="{FF2B5EF4-FFF2-40B4-BE49-F238E27FC236}">
-                <a16:creationId xmlns="" xmlns:a16="http://schemas.microsoft.com/office/drawing/2014/main" id="{4374BEC9-86AA-4BB4-B539-ACF7D31FDAA8}"/>
+                <a16:creationId xmlns:a16="http://schemas.microsoft.com/office/drawing/2014/main" id="{4374BEC9-86AA-4BB4-B539-ACF7D31FDAA8}"/>
               </a:ext>
             </a:extLst>
           </p:cNvPr>
@@ -2551,7 +2550,7 @@
           <p:cNvPr id="4" name="Θέση αριθμού διαφάνειας 3">
             <a:extLst>
               <a:ext uri="{FF2B5EF4-FFF2-40B4-BE49-F238E27FC236}">
-                <a16:creationId xmlns="" xmlns:a16="http://schemas.microsoft.com/office/drawing/2014/main" id="{F6FCDA7D-797E-447D-ABCE-9F6E47C043A5}"/>
+                <a16:creationId xmlns:a16="http://schemas.microsoft.com/office/drawing/2014/main" id="{F6FCDA7D-797E-447D-ABCE-9F6E47C043A5}"/>
               </a:ext>
             </a:extLst>
           </p:cNvPr>
@@ -2615,7 +2614,7 @@
           <p:cNvPr id="2" name="Τίτλος 1">
             <a:extLst>
               <a:ext uri="{FF2B5EF4-FFF2-40B4-BE49-F238E27FC236}">
-                <a16:creationId xmlns="" xmlns:a16="http://schemas.microsoft.com/office/drawing/2014/main" id="{CA66F50E-74A6-4A4C-8FEB-8E24FA8BA759}"/>
+                <a16:creationId xmlns:a16="http://schemas.microsoft.com/office/drawing/2014/main" id="{CA66F50E-74A6-4A4C-8FEB-8E24FA8BA759}"/>
               </a:ext>
             </a:extLst>
           </p:cNvPr>
@@ -2652,7 +2651,7 @@
           <p:cNvPr id="3" name="Θέση περιεχομένου 2">
             <a:extLst>
               <a:ext uri="{FF2B5EF4-FFF2-40B4-BE49-F238E27FC236}">
-                <a16:creationId xmlns="" xmlns:a16="http://schemas.microsoft.com/office/drawing/2014/main" id="{0D0A7A68-79AA-4DEA-B7FF-01CFCE95FDC2}"/>
+                <a16:creationId xmlns:a16="http://schemas.microsoft.com/office/drawing/2014/main" id="{0D0A7A68-79AA-4DEA-B7FF-01CFCE95FDC2}"/>
               </a:ext>
             </a:extLst>
           </p:cNvPr>
@@ -2742,7 +2741,7 @@
           <p:cNvPr id="4" name="Θέση κειμένου 3">
             <a:extLst>
               <a:ext uri="{FF2B5EF4-FFF2-40B4-BE49-F238E27FC236}">
-                <a16:creationId xmlns="" xmlns:a16="http://schemas.microsoft.com/office/drawing/2014/main" id="{5B5216AE-014F-4CFA-9A1C-7A0401CACBF5}"/>
+                <a16:creationId xmlns:a16="http://schemas.microsoft.com/office/drawing/2014/main" id="{5B5216AE-014F-4CFA-9A1C-7A0401CACBF5}"/>
               </a:ext>
             </a:extLst>
           </p:cNvPr>
@@ -2813,7 +2812,7 @@
           <p:cNvPr id="5" name="Θέση ημερομηνίας 4">
             <a:extLst>
               <a:ext uri="{FF2B5EF4-FFF2-40B4-BE49-F238E27FC236}">
-                <a16:creationId xmlns="" xmlns:a16="http://schemas.microsoft.com/office/drawing/2014/main" id="{5337CB36-3A4C-4397-A907-9C0E60E128D2}"/>
+                <a16:creationId xmlns:a16="http://schemas.microsoft.com/office/drawing/2014/main" id="{5337CB36-3A4C-4397-A907-9C0E60E128D2}"/>
               </a:ext>
             </a:extLst>
           </p:cNvPr>
@@ -2842,7 +2841,7 @@
           <p:cNvPr id="6" name="Θέση υποσέλιδου 5">
             <a:extLst>
               <a:ext uri="{FF2B5EF4-FFF2-40B4-BE49-F238E27FC236}">
-                <a16:creationId xmlns="" xmlns:a16="http://schemas.microsoft.com/office/drawing/2014/main" id="{839CF776-85BA-400B-BCCE-D174C8DBFEA7}"/>
+                <a16:creationId xmlns:a16="http://schemas.microsoft.com/office/drawing/2014/main" id="{839CF776-85BA-400B-BCCE-D174C8DBFEA7}"/>
               </a:ext>
             </a:extLst>
           </p:cNvPr>
@@ -2871,7 +2870,7 @@
           <p:cNvPr id="7" name="Θέση αριθμού διαφάνειας 6">
             <a:extLst>
               <a:ext uri="{FF2B5EF4-FFF2-40B4-BE49-F238E27FC236}">
-                <a16:creationId xmlns="" xmlns:a16="http://schemas.microsoft.com/office/drawing/2014/main" id="{E40C10F8-6D93-4C6F-ADB1-63D3B5B3FA8D}"/>
+                <a16:creationId xmlns:a16="http://schemas.microsoft.com/office/drawing/2014/main" id="{E40C10F8-6D93-4C6F-ADB1-63D3B5B3FA8D}"/>
               </a:ext>
             </a:extLst>
           </p:cNvPr>
@@ -2935,7 +2934,7 @@
           <p:cNvPr id="2" name="Τίτλος 1">
             <a:extLst>
               <a:ext uri="{FF2B5EF4-FFF2-40B4-BE49-F238E27FC236}">
-                <a16:creationId xmlns="" xmlns:a16="http://schemas.microsoft.com/office/drawing/2014/main" id="{6AF9A0BF-278D-4AD8-BFFB-8B183ED94FDB}"/>
+                <a16:creationId xmlns:a16="http://schemas.microsoft.com/office/drawing/2014/main" id="{6AF9A0BF-278D-4AD8-BFFB-8B183ED94FDB}"/>
               </a:ext>
             </a:extLst>
           </p:cNvPr>
@@ -2972,7 +2971,7 @@
           <p:cNvPr id="3" name="Θέση εικόνας 2">
             <a:extLst>
               <a:ext uri="{FF2B5EF4-FFF2-40B4-BE49-F238E27FC236}">
-                <a16:creationId xmlns="" xmlns:a16="http://schemas.microsoft.com/office/drawing/2014/main" id="{27B216CB-B1D2-476F-A7C4-48BC69E4885E}"/>
+                <a16:creationId xmlns:a16="http://schemas.microsoft.com/office/drawing/2014/main" id="{27B216CB-B1D2-476F-A7C4-48BC69E4885E}"/>
               </a:ext>
             </a:extLst>
           </p:cNvPr>
@@ -3039,7 +3038,7 @@
           <p:cNvPr id="4" name="Θέση κειμένου 3">
             <a:extLst>
               <a:ext uri="{FF2B5EF4-FFF2-40B4-BE49-F238E27FC236}">
-                <a16:creationId xmlns="" xmlns:a16="http://schemas.microsoft.com/office/drawing/2014/main" id="{408B316B-87C3-46DF-8DBB-DA7469EC95FF}"/>
+                <a16:creationId xmlns:a16="http://schemas.microsoft.com/office/drawing/2014/main" id="{408B316B-87C3-46DF-8DBB-DA7469EC95FF}"/>
               </a:ext>
             </a:extLst>
           </p:cNvPr>
@@ -3110,7 +3109,7 @@
           <p:cNvPr id="5" name="Θέση ημερομηνίας 4">
             <a:extLst>
               <a:ext uri="{FF2B5EF4-FFF2-40B4-BE49-F238E27FC236}">
-                <a16:creationId xmlns="" xmlns:a16="http://schemas.microsoft.com/office/drawing/2014/main" id="{7ADABE8C-1E0B-4B46-96A7-E21311A7F81C}"/>
+                <a16:creationId xmlns:a16="http://schemas.microsoft.com/office/drawing/2014/main" id="{7ADABE8C-1E0B-4B46-96A7-E21311A7F81C}"/>
               </a:ext>
             </a:extLst>
           </p:cNvPr>
@@ -3139,7 +3138,7 @@
           <p:cNvPr id="6" name="Θέση υποσέλιδου 5">
             <a:extLst>
               <a:ext uri="{FF2B5EF4-FFF2-40B4-BE49-F238E27FC236}">
-                <a16:creationId xmlns="" xmlns:a16="http://schemas.microsoft.com/office/drawing/2014/main" id="{6B2223F8-FC8F-4D73-9BFA-53D9DD37A702}"/>
+                <a16:creationId xmlns:a16="http://schemas.microsoft.com/office/drawing/2014/main" id="{6B2223F8-FC8F-4D73-9BFA-53D9DD37A702}"/>
               </a:ext>
             </a:extLst>
           </p:cNvPr>
@@ -3168,7 +3167,7 @@
           <p:cNvPr id="7" name="Θέση αριθμού διαφάνειας 6">
             <a:extLst>
               <a:ext uri="{FF2B5EF4-FFF2-40B4-BE49-F238E27FC236}">
-                <a16:creationId xmlns="" xmlns:a16="http://schemas.microsoft.com/office/drawing/2014/main" id="{FA2CCB49-36C3-4A16-95EB-5C76F6B12626}"/>
+                <a16:creationId xmlns:a16="http://schemas.microsoft.com/office/drawing/2014/main" id="{FA2CCB49-36C3-4A16-95EB-5C76F6B12626}"/>
               </a:ext>
             </a:extLst>
           </p:cNvPr>
@@ -3244,7 +3243,7 @@
           <p:cNvPr id="1026" name="Rectangle 2">
             <a:extLst>
               <a:ext uri="{FF2B5EF4-FFF2-40B4-BE49-F238E27FC236}">
-                <a16:creationId xmlns="" xmlns:a16="http://schemas.microsoft.com/office/drawing/2014/main" id="{1BEB1C84-A068-45B6-8189-C71A06D43A7C}"/>
+                <a16:creationId xmlns:a16="http://schemas.microsoft.com/office/drawing/2014/main" id="{1BEB1C84-A068-45B6-8189-C71A06D43A7C}"/>
               </a:ext>
             </a:extLst>
           </p:cNvPr>
@@ -3318,7 +3317,7 @@
           <p:cNvPr id="1027" name="Rectangle 3">
             <a:extLst>
               <a:ext uri="{FF2B5EF4-FFF2-40B4-BE49-F238E27FC236}">
-                <a16:creationId xmlns="" xmlns:a16="http://schemas.microsoft.com/office/drawing/2014/main" id="{FD7D50F5-A978-40AA-A481-95B8F31498A8}"/>
+                <a16:creationId xmlns:a16="http://schemas.microsoft.com/office/drawing/2014/main" id="{FD7D50F5-A978-40AA-A481-95B8F31498A8}"/>
               </a:ext>
             </a:extLst>
           </p:cNvPr>
@@ -3420,7 +3419,7 @@
           <p:cNvPr id="1028" name="Rectangle 4">
             <a:extLst>
               <a:ext uri="{FF2B5EF4-FFF2-40B4-BE49-F238E27FC236}">
-                <a16:creationId xmlns="" xmlns:a16="http://schemas.microsoft.com/office/drawing/2014/main" id="{02C40ADB-4FD2-47B1-B9B1-B057B9BA7ACE}"/>
+                <a16:creationId xmlns:a16="http://schemas.microsoft.com/office/drawing/2014/main" id="{02C40ADB-4FD2-47B1-B9B1-B057B9BA7ACE}"/>
               </a:ext>
             </a:extLst>
           </p:cNvPr>
@@ -3494,7 +3493,7 @@
           <p:cNvPr id="1029" name="Rectangle 5">
             <a:extLst>
               <a:ext uri="{FF2B5EF4-FFF2-40B4-BE49-F238E27FC236}">
-                <a16:creationId xmlns="" xmlns:a16="http://schemas.microsoft.com/office/drawing/2014/main" id="{8BB8EA04-4F46-4FA8-8763-67E26F6D4518}"/>
+                <a16:creationId xmlns:a16="http://schemas.microsoft.com/office/drawing/2014/main" id="{8BB8EA04-4F46-4FA8-8763-67E26F6D4518}"/>
               </a:ext>
             </a:extLst>
           </p:cNvPr>
@@ -3568,7 +3567,7 @@
           <p:cNvPr id="1030" name="Rectangle 6">
             <a:extLst>
               <a:ext uri="{FF2B5EF4-FFF2-40B4-BE49-F238E27FC236}">
-                <a16:creationId xmlns="" xmlns:a16="http://schemas.microsoft.com/office/drawing/2014/main" id="{9937D052-FC38-4E81-BE7A-8C0E9A7C95A0}"/>
+                <a16:creationId xmlns:a16="http://schemas.microsoft.com/office/drawing/2014/main" id="{9937D052-FC38-4E81-BE7A-8C0E9A7C95A0}"/>
               </a:ext>
             </a:extLst>
           </p:cNvPr>
@@ -4092,7 +4091,7 @@
           <p:cNvPr id="2198" name="Rectangle 150">
             <a:extLst>
               <a:ext uri="{FF2B5EF4-FFF2-40B4-BE49-F238E27FC236}">
-                <a16:creationId xmlns="" xmlns:a16="http://schemas.microsoft.com/office/drawing/2014/main" id="{419DED07-BEEE-4682-9A6B-C3F37ABA6960}"/>
+                <a16:creationId xmlns:a16="http://schemas.microsoft.com/office/drawing/2014/main" id="{419DED07-BEEE-4682-9A6B-C3F37ABA6960}"/>
               </a:ext>
             </a:extLst>
           </p:cNvPr>
@@ -4119,6 +4118,13 @@
                 <a:solidFill>
                   <a:schemeClr val="bg1"/>
                 </a:solidFill>
+                <a:effectLst>
+                  <a:outerShdw blurRad="38100" dist="38100" dir="2700000" algn="tl">
+                    <a:srgbClr val="000000">
+                      <a:alpha val="43137"/>
+                    </a:srgbClr>
+                  </a:outerShdw>
+                </a:effectLst>
                 <a:latin typeface="Bookman Old Style" panose="02050604050505020204" pitchFamily="18" charset="0"/>
               </a:rPr>
               <a:t>Flight Scanner</a:t>
@@ -4127,6 +4133,13 @@
               <a:solidFill>
                 <a:schemeClr val="bg1"/>
               </a:solidFill>
+              <a:effectLst>
+                <a:outerShdw blurRad="38100" dist="38100" dir="2700000" algn="tl">
+                  <a:srgbClr val="000000">
+                    <a:alpha val="43137"/>
+                  </a:srgbClr>
+                </a:outerShdw>
+              </a:effectLst>
               <a:latin typeface="Bookman Old Style" panose="02050604050505020204" pitchFamily="18" charset="0"/>
             </a:endParaRPr>
           </a:p>
@@ -4137,7 +4150,7 @@
           <p:cNvPr id="2217" name="Rectangle 169">
             <a:extLst>
               <a:ext uri="{FF2B5EF4-FFF2-40B4-BE49-F238E27FC236}">
-                <a16:creationId xmlns="" xmlns:a16="http://schemas.microsoft.com/office/drawing/2014/main" id="{888B61AD-BB87-40B6-97B8-BF39A903ECF7}"/>
+                <a16:creationId xmlns:a16="http://schemas.microsoft.com/office/drawing/2014/main" id="{888B61AD-BB87-40B6-97B8-BF39A903ECF7}"/>
               </a:ext>
             </a:extLst>
           </p:cNvPr>
@@ -4351,15 +4364,6 @@
               </a:rPr>
               <a:t>Νάσια</a:t>
             </a:r>
-            <a:r>
-              <a:rPr lang="el-GR" altLang="el-GR" sz="2000" b="1" dirty="0">
-                <a:solidFill>
-                  <a:schemeClr val="bg1"/>
-                </a:solidFill>
-                <a:latin typeface="Book Antiqua" panose="02040602050305030304" pitchFamily="18" charset="0"/>
-              </a:rPr>
-              <a:t/>
-            </a:r>
             <a:br>
               <a:rPr lang="el-GR" altLang="el-GR" sz="2000" b="1" dirty="0">
                 <a:solidFill>
@@ -4382,7 +4386,7 @@
           <p:cNvPr id="2" name="Ορθογώνιο 1">
             <a:extLst>
               <a:ext uri="{FF2B5EF4-FFF2-40B4-BE49-F238E27FC236}">
-                <a16:creationId xmlns="" xmlns:a16="http://schemas.microsoft.com/office/drawing/2014/main" id="{97F4FE3E-7A51-4117-8485-99A241533F5F}"/>
+                <a16:creationId xmlns:a16="http://schemas.microsoft.com/office/drawing/2014/main" id="{97F4FE3E-7A51-4117-8485-99A241533F5F}"/>
               </a:ext>
             </a:extLst>
           </p:cNvPr>
@@ -4459,13 +4463,6 @@
   <p:clrMapOvr>
     <a:masterClrMapping/>
   </p:clrMapOvr>
-  <p:timing>
-    <p:tnLst>
-      <p:par>
-        <p:cTn id="1" dur="indefinite" restart="never" nodeType="tmRoot"/>
-      </p:par>
-    </p:tnLst>
-  </p:timing>
 </p:sld>
 </file>
 
@@ -4505,7 +4502,7 @@
           <p:cNvPr id="2" name="Ορθογώνιο 1">
             <a:extLst>
               <a:ext uri="{FF2B5EF4-FFF2-40B4-BE49-F238E27FC236}">
-                <a16:creationId xmlns="" xmlns:a16="http://schemas.microsoft.com/office/drawing/2014/main" id="{7C7B8017-EC96-4686-A821-7348D3493D8E}"/>
+                <a16:creationId xmlns:a16="http://schemas.microsoft.com/office/drawing/2014/main" id="{7C7B8017-EC96-4686-A821-7348D3493D8E}"/>
               </a:ext>
             </a:extLst>
           </p:cNvPr>
@@ -4639,7 +4636,7 @@
           <p:cNvPr id="8" name="Rectangle 2">
             <a:extLst>
               <a:ext uri="{FF2B5EF4-FFF2-40B4-BE49-F238E27FC236}">
-                <a16:creationId xmlns="" xmlns:a16="http://schemas.microsoft.com/office/drawing/2014/main" id="{03793955-60FD-4DD3-B17A-7045EF66DA60}"/>
+                <a16:creationId xmlns:a16="http://schemas.microsoft.com/office/drawing/2014/main" id="{03793955-60FD-4DD3-B17A-7045EF66DA60}"/>
               </a:ext>
             </a:extLst>
           </p:cNvPr>
@@ -4668,6 +4665,13 @@
                     <a:lumMod val="95000"/>
                   </a:schemeClr>
                 </a:solidFill>
+                <a:effectLst>
+                  <a:outerShdw blurRad="38100" dist="38100" dir="2700000" algn="tl">
+                    <a:srgbClr val="000000">
+                      <a:alpha val="43137"/>
+                    </a:srgbClr>
+                  </a:outerShdw>
+                </a:effectLst>
                 <a:latin typeface="Bookman Old Style" panose="02050604050505020204" pitchFamily="18" charset="0"/>
               </a:rPr>
               <a:t>Προδιαγραφές 1</a:t>
@@ -4679,6 +4683,13 @@
                     <a:lumMod val="95000"/>
                   </a:schemeClr>
                 </a:solidFill>
+                <a:effectLst>
+                  <a:outerShdw blurRad="38100" dist="38100" dir="2700000" algn="tl">
+                    <a:srgbClr val="000000">
+                      <a:alpha val="43137"/>
+                    </a:srgbClr>
+                  </a:outerShdw>
+                </a:effectLst>
                 <a:latin typeface="Bookman Old Style" panose="02050604050505020204" pitchFamily="18" charset="0"/>
               </a:rPr>
             </a:br>
@@ -4689,6 +4700,13 @@
                     <a:lumMod val="95000"/>
                   </a:schemeClr>
                 </a:solidFill>
+                <a:effectLst>
+                  <a:outerShdw blurRad="38100" dist="38100" dir="2700000" algn="tl">
+                    <a:srgbClr val="000000">
+                      <a:alpha val="43137"/>
+                    </a:srgbClr>
+                  </a:outerShdw>
+                </a:effectLst>
                 <a:latin typeface="Bookman Old Style" panose="02050604050505020204" pitchFamily="18" charset="0"/>
               </a:rPr>
               <a:t>Site – Home Page</a:t>
@@ -4699,6 +4717,13 @@
                   <a:lumMod val="95000"/>
                 </a:schemeClr>
               </a:solidFill>
+              <a:effectLst>
+                <a:outerShdw blurRad="38100" dist="38100" dir="2700000" algn="tl">
+                  <a:srgbClr val="000000">
+                    <a:alpha val="43137"/>
+                  </a:srgbClr>
+                </a:outerShdw>
+              </a:effectLst>
               <a:latin typeface="Bookman Old Style" panose="02050604050505020204" pitchFamily="18" charset="0"/>
             </a:endParaRPr>
           </a:p>
@@ -4753,13 +4778,6 @@
   <p:clrMapOvr>
     <a:masterClrMapping/>
   </p:clrMapOvr>
-  <p:timing>
-    <p:tnLst>
-      <p:par>
-        <p:cTn id="1" dur="indefinite" restart="never" nodeType="tmRoot"/>
-      </p:par>
-    </p:tnLst>
-  </p:timing>
 </p:sld>
 </file>
 
@@ -4799,7 +4817,7 @@
           <p:cNvPr id="3" name="Εικόνα 2">
             <a:extLst>
               <a:ext uri="{FF2B5EF4-FFF2-40B4-BE49-F238E27FC236}">
-                <a16:creationId xmlns="" xmlns:a16="http://schemas.microsoft.com/office/drawing/2014/main" id="{2036A9F0-EF8C-4399-BAC0-0F4A9EBBB909}"/>
+                <a16:creationId xmlns:a16="http://schemas.microsoft.com/office/drawing/2014/main" id="{2036A9F0-EF8C-4399-BAC0-0F4A9EBBB909}"/>
               </a:ext>
             </a:extLst>
           </p:cNvPr>
@@ -4829,7 +4847,7 @@
           <p:cNvPr id="2" name="Ορθογώνιο 1">
             <a:extLst>
               <a:ext uri="{FF2B5EF4-FFF2-40B4-BE49-F238E27FC236}">
-                <a16:creationId xmlns="" xmlns:a16="http://schemas.microsoft.com/office/drawing/2014/main" id="{7C7B8017-EC96-4686-A821-7348D3493D8E}"/>
+                <a16:creationId xmlns:a16="http://schemas.microsoft.com/office/drawing/2014/main" id="{7C7B8017-EC96-4686-A821-7348D3493D8E}"/>
               </a:ext>
             </a:extLst>
           </p:cNvPr>
@@ -5226,7 +5244,7 @@
           <p:cNvPr id="7" name="Rectangle 2">
             <a:extLst>
               <a:ext uri="{FF2B5EF4-FFF2-40B4-BE49-F238E27FC236}">
-                <a16:creationId xmlns="" xmlns:a16="http://schemas.microsoft.com/office/drawing/2014/main" id="{AFF43FAF-FC8E-4278-95A7-7E10B4826E2D}"/>
+                <a16:creationId xmlns:a16="http://schemas.microsoft.com/office/drawing/2014/main" id="{AFF43FAF-FC8E-4278-95A7-7E10B4826E2D}"/>
               </a:ext>
             </a:extLst>
           </p:cNvPr>
@@ -5255,6 +5273,13 @@
                     <a:lumMod val="95000"/>
                   </a:schemeClr>
                 </a:solidFill>
+                <a:effectLst>
+                  <a:outerShdw blurRad="38100" dist="38100" dir="2700000" algn="tl">
+                    <a:srgbClr val="000000">
+                      <a:alpha val="43137"/>
+                    </a:srgbClr>
+                  </a:outerShdw>
+                </a:effectLst>
                 <a:latin typeface="Bookman Old Style" panose="02050604050505020204" pitchFamily="18" charset="0"/>
               </a:rPr>
               <a:t>Προδιαγραφές 2</a:t>
@@ -5266,6 +5291,13 @@
                     <a:lumMod val="95000"/>
                   </a:schemeClr>
                 </a:solidFill>
+                <a:effectLst>
+                  <a:outerShdw blurRad="38100" dist="38100" dir="2700000" algn="tl">
+                    <a:srgbClr val="000000">
+                      <a:alpha val="43137"/>
+                    </a:srgbClr>
+                  </a:outerShdw>
+                </a:effectLst>
                 <a:latin typeface="Bookman Old Style" panose="02050604050505020204" pitchFamily="18" charset="0"/>
               </a:rPr>
             </a:br>
@@ -5276,6 +5308,13 @@
                     <a:lumMod val="95000"/>
                   </a:schemeClr>
                 </a:solidFill>
+                <a:effectLst>
+                  <a:outerShdw blurRad="38100" dist="38100" dir="2700000" algn="tl">
+                    <a:srgbClr val="000000">
+                      <a:alpha val="43137"/>
+                    </a:srgbClr>
+                  </a:outerShdw>
+                </a:effectLst>
                 <a:latin typeface="Bookman Old Style" panose="02050604050505020204" pitchFamily="18" charset="0"/>
               </a:rPr>
               <a:t>Site – flight search</a:t>
@@ -5286,6 +5325,13 @@
                   <a:lumMod val="95000"/>
                 </a:schemeClr>
               </a:solidFill>
+              <a:effectLst>
+                <a:outerShdw blurRad="38100" dist="38100" dir="2700000" algn="tl">
+                  <a:srgbClr val="000000">
+                    <a:alpha val="43137"/>
+                  </a:srgbClr>
+                </a:outerShdw>
+              </a:effectLst>
               <a:latin typeface="Bookman Old Style" panose="02050604050505020204" pitchFamily="18" charset="0"/>
             </a:endParaRPr>
           </a:p>
@@ -5340,13 +5386,6 @@
   <p:clrMapOvr>
     <a:masterClrMapping/>
   </p:clrMapOvr>
-  <p:timing>
-    <p:tnLst>
-      <p:par>
-        <p:cTn id="1" dur="indefinite" restart="never" nodeType="tmRoot"/>
-      </p:par>
-    </p:tnLst>
-  </p:timing>
 </p:sld>
 </file>
 
@@ -5386,7 +5425,7 @@
           <p:cNvPr id="2" name="Ορθογώνιο 1">
             <a:extLst>
               <a:ext uri="{FF2B5EF4-FFF2-40B4-BE49-F238E27FC236}">
-                <a16:creationId xmlns="" xmlns:a16="http://schemas.microsoft.com/office/drawing/2014/main" id="{7C7B8017-EC96-4686-A821-7348D3493D8E}"/>
+                <a16:creationId xmlns:a16="http://schemas.microsoft.com/office/drawing/2014/main" id="{7C7B8017-EC96-4686-A821-7348D3493D8E}"/>
               </a:ext>
             </a:extLst>
           </p:cNvPr>
@@ -5537,7 +5576,7 @@
           <p:cNvPr id="7" name="Rectangle 2">
             <a:extLst>
               <a:ext uri="{FF2B5EF4-FFF2-40B4-BE49-F238E27FC236}">
-                <a16:creationId xmlns="" xmlns:a16="http://schemas.microsoft.com/office/drawing/2014/main" id="{40495734-AFE3-496B-A12C-F11F733ACD28}"/>
+                <a16:creationId xmlns:a16="http://schemas.microsoft.com/office/drawing/2014/main" id="{40495734-AFE3-496B-A12C-F11F733ACD28}"/>
               </a:ext>
             </a:extLst>
           </p:cNvPr>
@@ -5566,6 +5605,13 @@
                     <a:lumMod val="95000"/>
                   </a:schemeClr>
                 </a:solidFill>
+                <a:effectLst>
+                  <a:outerShdw blurRad="38100" dist="38100" dir="2700000" algn="tl">
+                    <a:srgbClr val="000000">
+                      <a:alpha val="43137"/>
+                    </a:srgbClr>
+                  </a:outerShdw>
+                </a:effectLst>
                 <a:latin typeface="Bookman Old Style" panose="02050604050505020204" pitchFamily="18" charset="0"/>
               </a:rPr>
               <a:t>Προδιαγραφές 3 </a:t>
@@ -5577,6 +5623,13 @@
                     <a:lumMod val="95000"/>
                   </a:schemeClr>
                 </a:solidFill>
+                <a:effectLst>
+                  <a:outerShdw blurRad="38100" dist="38100" dir="2700000" algn="tl">
+                    <a:srgbClr val="000000">
+                      <a:alpha val="43137"/>
+                    </a:srgbClr>
+                  </a:outerShdw>
+                </a:effectLst>
                 <a:latin typeface="Bookman Old Style" panose="02050604050505020204" pitchFamily="18" charset="0"/>
               </a:rPr>
             </a:br>
@@ -5587,6 +5640,13 @@
                     <a:lumMod val="95000"/>
                   </a:schemeClr>
                 </a:solidFill>
+                <a:effectLst>
+                  <a:outerShdw blurRad="38100" dist="38100" dir="2700000" algn="tl">
+                    <a:srgbClr val="000000">
+                      <a:alpha val="43137"/>
+                    </a:srgbClr>
+                  </a:outerShdw>
+                </a:effectLst>
                 <a:latin typeface="Bookman Old Style" panose="02050604050505020204" pitchFamily="18" charset="0"/>
               </a:rPr>
               <a:t>Site – Sign Up</a:t>
@@ -5598,6 +5658,13 @@
                     <a:lumMod val="95000"/>
                   </a:schemeClr>
                 </a:solidFill>
+                <a:effectLst>
+                  <a:outerShdw blurRad="38100" dist="38100" dir="2700000" algn="tl">
+                    <a:srgbClr val="000000">
+                      <a:alpha val="43137"/>
+                    </a:srgbClr>
+                  </a:outerShdw>
+                </a:effectLst>
                 <a:latin typeface="Bookman Old Style" panose="02050604050505020204" pitchFamily="18" charset="0"/>
               </a:rPr>
               <a:t>/</a:t>
@@ -5609,6 +5676,13 @@
                     <a:lumMod val="95000"/>
                   </a:schemeClr>
                 </a:solidFill>
+                <a:effectLst>
+                  <a:outerShdw blurRad="38100" dist="38100" dir="2700000" algn="tl">
+                    <a:srgbClr val="000000">
+                      <a:alpha val="43137"/>
+                    </a:srgbClr>
+                  </a:outerShdw>
+                </a:effectLst>
                 <a:latin typeface="Bookman Old Style" panose="02050604050505020204" pitchFamily="18" charset="0"/>
               </a:rPr>
               <a:t>Sign In</a:t>
@@ -5619,6 +5693,13 @@
                   <a:lumMod val="95000"/>
                 </a:schemeClr>
               </a:solidFill>
+              <a:effectLst>
+                <a:outerShdw blurRad="38100" dist="38100" dir="2700000" algn="tl">
+                  <a:srgbClr val="000000">
+                    <a:alpha val="43137"/>
+                  </a:srgbClr>
+                </a:outerShdw>
+              </a:effectLst>
               <a:latin typeface="Bookman Old Style" panose="02050604050505020204" pitchFamily="18" charset="0"/>
             </a:endParaRPr>
           </a:p>
@@ -5673,13 +5754,6 @@
   <p:clrMapOvr>
     <a:masterClrMapping/>
   </p:clrMapOvr>
-  <p:timing>
-    <p:tnLst>
-      <p:par>
-        <p:cTn id="1" dur="indefinite" restart="never" nodeType="tmRoot"/>
-      </p:par>
-    </p:tnLst>
-  </p:timing>
 </p:sld>
 </file>
 
@@ -5719,7 +5793,7 @@
           <p:cNvPr id="2" name="Ορθογώνιο 1">
             <a:extLst>
               <a:ext uri="{FF2B5EF4-FFF2-40B4-BE49-F238E27FC236}">
-                <a16:creationId xmlns="" xmlns:a16="http://schemas.microsoft.com/office/drawing/2014/main" id="{7C7B8017-EC96-4686-A821-7348D3493D8E}"/>
+                <a16:creationId xmlns:a16="http://schemas.microsoft.com/office/drawing/2014/main" id="{7C7B8017-EC96-4686-A821-7348D3493D8E}"/>
               </a:ext>
             </a:extLst>
           </p:cNvPr>
@@ -6138,7 +6212,7 @@
           <p:cNvPr id="6" name="Rectangle 2">
             <a:extLst>
               <a:ext uri="{FF2B5EF4-FFF2-40B4-BE49-F238E27FC236}">
-                <a16:creationId xmlns="" xmlns:a16="http://schemas.microsoft.com/office/drawing/2014/main" id="{55E8F6C5-F1C4-4800-B74A-A1E41A46CC98}"/>
+                <a16:creationId xmlns:a16="http://schemas.microsoft.com/office/drawing/2014/main" id="{55E8F6C5-F1C4-4800-B74A-A1E41A46CC98}"/>
               </a:ext>
             </a:extLst>
           </p:cNvPr>
@@ -6167,6 +6241,13 @@
                     <a:lumMod val="95000"/>
                   </a:schemeClr>
                 </a:solidFill>
+                <a:effectLst>
+                  <a:outerShdw blurRad="38100" dist="38100" dir="2700000" algn="tl">
+                    <a:srgbClr val="000000">
+                      <a:alpha val="43137"/>
+                    </a:srgbClr>
+                  </a:outerShdw>
+                </a:effectLst>
                 <a:latin typeface="Bookman Old Style" panose="02050604050505020204" pitchFamily="18" charset="0"/>
               </a:rPr>
               <a:t>Προδιαγραφές 4 1/2</a:t>
@@ -6178,6 +6259,13 @@
                     <a:lumMod val="95000"/>
                   </a:schemeClr>
                 </a:solidFill>
+                <a:effectLst>
+                  <a:outerShdw blurRad="38100" dist="38100" dir="2700000" algn="tl">
+                    <a:srgbClr val="000000">
+                      <a:alpha val="43137"/>
+                    </a:srgbClr>
+                  </a:outerShdw>
+                </a:effectLst>
                 <a:latin typeface="Bookman Old Style" panose="02050604050505020204" pitchFamily="18" charset="0"/>
               </a:rPr>
             </a:br>
@@ -6188,6 +6276,13 @@
                     <a:lumMod val="95000"/>
                   </a:schemeClr>
                 </a:solidFill>
+                <a:effectLst>
+                  <a:outerShdw blurRad="38100" dist="38100" dir="2700000" algn="tl">
+                    <a:srgbClr val="000000">
+                      <a:alpha val="43137"/>
+                    </a:srgbClr>
+                  </a:outerShdw>
+                </a:effectLst>
                 <a:latin typeface="Bookman Old Style" panose="02050604050505020204" pitchFamily="18" charset="0"/>
               </a:rPr>
               <a:t>Site – Sign Up</a:t>
@@ -6198,6 +6293,13 @@
                   <a:lumMod val="95000"/>
                 </a:schemeClr>
               </a:solidFill>
+              <a:effectLst>
+                <a:outerShdw blurRad="38100" dist="38100" dir="2700000" algn="tl">
+                  <a:srgbClr val="000000">
+                    <a:alpha val="43137"/>
+                  </a:srgbClr>
+                </a:outerShdw>
+              </a:effectLst>
               <a:latin typeface="Bookman Old Style" panose="02050604050505020204" pitchFamily="18" charset="0"/>
             </a:endParaRPr>
           </a:p>
@@ -6252,13 +6354,6 @@
   <p:clrMapOvr>
     <a:masterClrMapping/>
   </p:clrMapOvr>
-  <p:timing>
-    <p:tnLst>
-      <p:par>
-        <p:cTn id="1" dur="indefinite" restart="never" nodeType="tmRoot"/>
-      </p:par>
-    </p:tnLst>
-  </p:timing>
 </p:sld>
 </file>
 
@@ -6298,7 +6393,7 @@
           <p:cNvPr id="2" name="Ορθογώνιο 1">
             <a:extLst>
               <a:ext uri="{FF2B5EF4-FFF2-40B4-BE49-F238E27FC236}">
-                <a16:creationId xmlns="" xmlns:a16="http://schemas.microsoft.com/office/drawing/2014/main" id="{7C7B8017-EC96-4686-A821-7348D3493D8E}"/>
+                <a16:creationId xmlns:a16="http://schemas.microsoft.com/office/drawing/2014/main" id="{7C7B8017-EC96-4686-A821-7348D3493D8E}"/>
               </a:ext>
             </a:extLst>
           </p:cNvPr>
@@ -6593,7 +6688,7 @@
           <p:cNvPr id="6" name="Rectangle 2">
             <a:extLst>
               <a:ext uri="{FF2B5EF4-FFF2-40B4-BE49-F238E27FC236}">
-                <a16:creationId xmlns="" xmlns:a16="http://schemas.microsoft.com/office/drawing/2014/main" id="{0BCB5EA5-592D-4F09-A7CA-ABF7BA41AC12}"/>
+                <a16:creationId xmlns:a16="http://schemas.microsoft.com/office/drawing/2014/main" id="{0BCB5EA5-592D-4F09-A7CA-ABF7BA41AC12}"/>
               </a:ext>
             </a:extLst>
           </p:cNvPr>
@@ -6622,6 +6717,13 @@
                     <a:lumMod val="95000"/>
                   </a:schemeClr>
                 </a:solidFill>
+                <a:effectLst>
+                  <a:outerShdw blurRad="38100" dist="38100" dir="2700000" algn="tl">
+                    <a:srgbClr val="000000">
+                      <a:alpha val="43137"/>
+                    </a:srgbClr>
+                  </a:outerShdw>
+                </a:effectLst>
                 <a:latin typeface="Bookman Old Style" panose="02050604050505020204" pitchFamily="18" charset="0"/>
               </a:rPr>
               <a:t>Προδιαγραφές 4 </a:t>
@@ -6633,6 +6735,13 @@
                     <a:lumMod val="95000"/>
                   </a:schemeClr>
                 </a:solidFill>
+                <a:effectLst>
+                  <a:outerShdw blurRad="38100" dist="38100" dir="2700000" algn="tl">
+                    <a:srgbClr val="000000">
+                      <a:alpha val="43137"/>
+                    </a:srgbClr>
+                  </a:outerShdw>
+                </a:effectLst>
                 <a:latin typeface="Bookman Old Style" panose="02050604050505020204" pitchFamily="18" charset="0"/>
               </a:rPr>
               <a:t>2</a:t>
@@ -6644,6 +6753,13 @@
                     <a:lumMod val="95000"/>
                   </a:schemeClr>
                 </a:solidFill>
+                <a:effectLst>
+                  <a:outerShdw blurRad="38100" dist="38100" dir="2700000" algn="tl">
+                    <a:srgbClr val="000000">
+                      <a:alpha val="43137"/>
+                    </a:srgbClr>
+                  </a:outerShdw>
+                </a:effectLst>
                 <a:latin typeface="Bookman Old Style" panose="02050604050505020204" pitchFamily="18" charset="0"/>
               </a:rPr>
               <a:t>/2</a:t>
@@ -6655,6 +6771,13 @@
                     <a:lumMod val="95000"/>
                   </a:schemeClr>
                 </a:solidFill>
+                <a:effectLst>
+                  <a:outerShdw blurRad="38100" dist="38100" dir="2700000" algn="tl">
+                    <a:srgbClr val="000000">
+                      <a:alpha val="43137"/>
+                    </a:srgbClr>
+                  </a:outerShdw>
+                </a:effectLst>
                 <a:latin typeface="Bookman Old Style" panose="02050604050505020204" pitchFamily="18" charset="0"/>
               </a:rPr>
             </a:br>
@@ -6665,6 +6788,13 @@
                     <a:lumMod val="95000"/>
                   </a:schemeClr>
                 </a:solidFill>
+                <a:effectLst>
+                  <a:outerShdw blurRad="38100" dist="38100" dir="2700000" algn="tl">
+                    <a:srgbClr val="000000">
+                      <a:alpha val="43137"/>
+                    </a:srgbClr>
+                  </a:outerShdw>
+                </a:effectLst>
                 <a:latin typeface="Bookman Old Style" panose="02050604050505020204" pitchFamily="18" charset="0"/>
               </a:rPr>
               <a:t>Site – Sign Up</a:t>
@@ -6675,6 +6805,13 @@
                   <a:lumMod val="95000"/>
                 </a:schemeClr>
               </a:solidFill>
+              <a:effectLst>
+                <a:outerShdw blurRad="38100" dist="38100" dir="2700000" algn="tl">
+                  <a:srgbClr val="000000">
+                    <a:alpha val="43137"/>
+                  </a:srgbClr>
+                </a:outerShdw>
+              </a:effectLst>
               <a:latin typeface="Bookman Old Style" panose="02050604050505020204" pitchFamily="18" charset="0"/>
             </a:endParaRPr>
           </a:p>
@@ -6729,13 +6866,6 @@
   <p:clrMapOvr>
     <a:masterClrMapping/>
   </p:clrMapOvr>
-  <p:timing>
-    <p:tnLst>
-      <p:par>
-        <p:cTn id="1" dur="indefinite" restart="never" nodeType="tmRoot"/>
-      </p:par>
-    </p:tnLst>
-  </p:timing>
 </p:sld>
 </file>
 
@@ -6775,7 +6905,7 @@
           <p:cNvPr id="2" name="Ορθογώνιο 1">
             <a:extLst>
               <a:ext uri="{FF2B5EF4-FFF2-40B4-BE49-F238E27FC236}">
-                <a16:creationId xmlns="" xmlns:a16="http://schemas.microsoft.com/office/drawing/2014/main" id="{7C7B8017-EC96-4686-A821-7348D3493D8E}"/>
+                <a16:creationId xmlns:a16="http://schemas.microsoft.com/office/drawing/2014/main" id="{7C7B8017-EC96-4686-A821-7348D3493D8E}"/>
               </a:ext>
             </a:extLst>
           </p:cNvPr>
@@ -7301,7 +7431,7 @@
           <p:cNvPr id="6" name="Rectangle 2">
             <a:extLst>
               <a:ext uri="{FF2B5EF4-FFF2-40B4-BE49-F238E27FC236}">
-                <a16:creationId xmlns="" xmlns:a16="http://schemas.microsoft.com/office/drawing/2014/main" id="{F84B8DAE-73D9-4A04-A2A9-933B5CE35547}"/>
+                <a16:creationId xmlns:a16="http://schemas.microsoft.com/office/drawing/2014/main" id="{F84B8DAE-73D9-4A04-A2A9-933B5CE35547}"/>
               </a:ext>
             </a:extLst>
           </p:cNvPr>
@@ -7330,6 +7460,13 @@
                     <a:lumMod val="95000"/>
                   </a:schemeClr>
                 </a:solidFill>
+                <a:effectLst>
+                  <a:outerShdw blurRad="38100" dist="38100" dir="2700000" algn="tl">
+                    <a:srgbClr val="000000">
+                      <a:alpha val="43137"/>
+                    </a:srgbClr>
+                  </a:outerShdw>
+                </a:effectLst>
                 <a:latin typeface="Bookman Old Style" panose="02050604050505020204" pitchFamily="18" charset="0"/>
               </a:rPr>
               <a:t>Προδιαγραφές 5</a:t>
@@ -7341,6 +7478,13 @@
                     <a:lumMod val="95000"/>
                   </a:schemeClr>
                 </a:solidFill>
+                <a:effectLst>
+                  <a:outerShdw blurRad="38100" dist="38100" dir="2700000" algn="tl">
+                    <a:srgbClr val="000000">
+                      <a:alpha val="43137"/>
+                    </a:srgbClr>
+                  </a:outerShdw>
+                </a:effectLst>
                 <a:latin typeface="Bookman Old Style" panose="02050604050505020204" pitchFamily="18" charset="0"/>
               </a:rPr>
             </a:br>
@@ -7351,6 +7495,13 @@
                     <a:lumMod val="95000"/>
                   </a:schemeClr>
                 </a:solidFill>
+                <a:effectLst>
+                  <a:outerShdw blurRad="38100" dist="38100" dir="2700000" algn="tl">
+                    <a:srgbClr val="000000">
+                      <a:alpha val="43137"/>
+                    </a:srgbClr>
+                  </a:outerShdw>
+                </a:effectLst>
                 <a:latin typeface="Bookman Old Style" panose="02050604050505020204" pitchFamily="18" charset="0"/>
               </a:rPr>
               <a:t>Site – Sign In</a:t>
@@ -7361,6 +7512,13 @@
                   <a:lumMod val="95000"/>
                 </a:schemeClr>
               </a:solidFill>
+              <a:effectLst>
+                <a:outerShdw blurRad="38100" dist="38100" dir="2700000" algn="tl">
+                  <a:srgbClr val="000000">
+                    <a:alpha val="43137"/>
+                  </a:srgbClr>
+                </a:outerShdw>
+              </a:effectLst>
               <a:latin typeface="Bookman Old Style" panose="02050604050505020204" pitchFamily="18" charset="0"/>
             </a:endParaRPr>
           </a:p>
@@ -7415,13 +7573,6 @@
   <p:clrMapOvr>
     <a:masterClrMapping/>
   </p:clrMapOvr>
-  <p:timing>
-    <p:tnLst>
-      <p:par>
-        <p:cTn id="1" dur="indefinite" restart="never" nodeType="tmRoot"/>
-      </p:par>
-    </p:tnLst>
-  </p:timing>
 </p:sld>
 </file>
 
@@ -7461,7 +7612,7 @@
           <p:cNvPr id="144386" name="Rectangle 2">
             <a:extLst>
               <a:ext uri="{FF2B5EF4-FFF2-40B4-BE49-F238E27FC236}">
-                <a16:creationId xmlns="" xmlns:a16="http://schemas.microsoft.com/office/drawing/2014/main" id="{B2EB9881-15D2-4027-87B7-1B2E12624292}"/>
+                <a16:creationId xmlns:a16="http://schemas.microsoft.com/office/drawing/2014/main" id="{B2EB9881-15D2-4027-87B7-1B2E12624292}"/>
               </a:ext>
             </a:extLst>
           </p:cNvPr>
@@ -7485,6 +7636,13 @@
                     <a:lumMod val="95000"/>
                   </a:schemeClr>
                 </a:solidFill>
+                <a:effectLst>
+                  <a:outerShdw blurRad="38100" dist="38100" dir="2700000" algn="tl">
+                    <a:srgbClr val="000000">
+                      <a:alpha val="43137"/>
+                    </a:srgbClr>
+                  </a:outerShdw>
+                </a:effectLst>
                 <a:latin typeface="Bookman Old Style" panose="02050604050505020204" pitchFamily="18" charset="0"/>
               </a:rPr>
               <a:t>Προδιαγραφές 6</a:t>
@@ -7496,6 +7654,13 @@
                     <a:lumMod val="95000"/>
                   </a:schemeClr>
                 </a:solidFill>
+                <a:effectLst>
+                  <a:outerShdw blurRad="38100" dist="38100" dir="2700000" algn="tl">
+                    <a:srgbClr val="000000">
+                      <a:alpha val="43137"/>
+                    </a:srgbClr>
+                  </a:outerShdw>
+                </a:effectLst>
                 <a:latin typeface="Bookman Old Style" panose="02050604050505020204" pitchFamily="18" charset="0"/>
               </a:rPr>
             </a:br>
@@ -7506,6 +7671,13 @@
                     <a:lumMod val="95000"/>
                   </a:schemeClr>
                 </a:solidFill>
+                <a:effectLst>
+                  <a:outerShdw blurRad="38100" dist="38100" dir="2700000" algn="tl">
+                    <a:srgbClr val="000000">
+                      <a:alpha val="43137"/>
+                    </a:srgbClr>
+                  </a:outerShdw>
+                </a:effectLst>
                 <a:latin typeface="Bookman Old Style" panose="02050604050505020204" pitchFamily="18" charset="0"/>
               </a:rPr>
               <a:t>Site – Sign Out</a:t>
@@ -7516,6 +7688,13 @@
                   <a:lumMod val="95000"/>
                 </a:schemeClr>
               </a:solidFill>
+              <a:effectLst>
+                <a:outerShdw blurRad="38100" dist="38100" dir="2700000" algn="tl">
+                  <a:srgbClr val="000000">
+                    <a:alpha val="43137"/>
+                  </a:srgbClr>
+                </a:outerShdw>
+              </a:effectLst>
               <a:latin typeface="Bookman Old Style" panose="02050604050505020204" pitchFamily="18" charset="0"/>
             </a:endParaRPr>
           </a:p>
@@ -7526,7 +7705,7 @@
           <p:cNvPr id="2" name="Ορθογώνιο 1">
             <a:extLst>
               <a:ext uri="{FF2B5EF4-FFF2-40B4-BE49-F238E27FC236}">
-                <a16:creationId xmlns="" xmlns:a16="http://schemas.microsoft.com/office/drawing/2014/main" id="{7C7B8017-EC96-4686-A821-7348D3493D8E}"/>
+                <a16:creationId xmlns:a16="http://schemas.microsoft.com/office/drawing/2014/main" id="{7C7B8017-EC96-4686-A821-7348D3493D8E}"/>
               </a:ext>
             </a:extLst>
           </p:cNvPr>
@@ -7660,13 +7839,6 @@
   <p:clrMapOvr>
     <a:masterClrMapping/>
   </p:clrMapOvr>
-  <p:timing>
-    <p:tnLst>
-      <p:par>
-        <p:cTn id="1" dur="indefinite" restart="never" nodeType="tmRoot"/>
-      </p:par>
-    </p:tnLst>
-  </p:timing>
 </p:sld>
 </file>
 
@@ -7706,7 +7878,7 @@
           <p:cNvPr id="144386" name="Rectangle 2">
             <a:extLst>
               <a:ext uri="{FF2B5EF4-FFF2-40B4-BE49-F238E27FC236}">
-                <a16:creationId xmlns="" xmlns:a16="http://schemas.microsoft.com/office/drawing/2014/main" id="{B2EB9881-15D2-4027-87B7-1B2E12624292}"/>
+                <a16:creationId xmlns:a16="http://schemas.microsoft.com/office/drawing/2014/main" id="{B2EB9881-15D2-4027-87B7-1B2E12624292}"/>
               </a:ext>
             </a:extLst>
           </p:cNvPr>
@@ -7730,6 +7902,13 @@
                     <a:lumMod val="95000"/>
                   </a:schemeClr>
                 </a:solidFill>
+                <a:effectLst>
+                  <a:outerShdw blurRad="38100" dist="38100" dir="2700000" algn="tl">
+                    <a:srgbClr val="000000">
+                      <a:alpha val="43137"/>
+                    </a:srgbClr>
+                  </a:outerShdw>
+                </a:effectLst>
                 <a:latin typeface="Bookman Old Style" panose="02050604050505020204" pitchFamily="18" charset="0"/>
               </a:rPr>
               <a:t>Προδιαγραφές 7 1/2</a:t>
@@ -7741,6 +7920,13 @@
                     <a:lumMod val="95000"/>
                   </a:schemeClr>
                 </a:solidFill>
+                <a:effectLst>
+                  <a:outerShdw blurRad="38100" dist="38100" dir="2700000" algn="tl">
+                    <a:srgbClr val="000000">
+                      <a:alpha val="43137"/>
+                    </a:srgbClr>
+                  </a:outerShdw>
+                </a:effectLst>
                 <a:latin typeface="Bookman Old Style" panose="02050604050505020204" pitchFamily="18" charset="0"/>
               </a:rPr>
             </a:br>
@@ -7751,6 +7937,13 @@
                     <a:lumMod val="95000"/>
                   </a:schemeClr>
                 </a:solidFill>
+                <a:effectLst>
+                  <a:outerShdw blurRad="38100" dist="38100" dir="2700000" algn="tl">
+                    <a:srgbClr val="000000">
+                      <a:alpha val="43137"/>
+                    </a:srgbClr>
+                  </a:outerShdw>
+                </a:effectLst>
                 <a:latin typeface="Bookman Old Style" panose="02050604050505020204" pitchFamily="18" charset="0"/>
               </a:rPr>
               <a:t>Διαχείριση φίλτρων</a:t>
@@ -7763,7 +7956,7 @@
           <p:cNvPr id="2" name="Ορθογώνιο 1">
             <a:extLst>
               <a:ext uri="{FF2B5EF4-FFF2-40B4-BE49-F238E27FC236}">
-                <a16:creationId xmlns="" xmlns:a16="http://schemas.microsoft.com/office/drawing/2014/main" id="{7C7B8017-EC96-4686-A821-7348D3493D8E}"/>
+                <a16:creationId xmlns:a16="http://schemas.microsoft.com/office/drawing/2014/main" id="{7C7B8017-EC96-4686-A821-7348D3493D8E}"/>
               </a:ext>
             </a:extLst>
           </p:cNvPr>
@@ -8100,13 +8293,6 @@
   <p:clrMapOvr>
     <a:masterClrMapping/>
   </p:clrMapOvr>
-  <p:timing>
-    <p:tnLst>
-      <p:par>
-        <p:cTn id="1" dur="indefinite" restart="never" nodeType="tmRoot"/>
-      </p:par>
-    </p:tnLst>
-  </p:timing>
 </p:sld>
 </file>
 
@@ -8146,7 +8332,7 @@
           <p:cNvPr id="144386" name="Rectangle 2">
             <a:extLst>
               <a:ext uri="{FF2B5EF4-FFF2-40B4-BE49-F238E27FC236}">
-                <a16:creationId xmlns="" xmlns:a16="http://schemas.microsoft.com/office/drawing/2014/main" id="{B2EB9881-15D2-4027-87B7-1B2E12624292}"/>
+                <a16:creationId xmlns:a16="http://schemas.microsoft.com/office/drawing/2014/main" id="{B2EB9881-15D2-4027-87B7-1B2E12624292}"/>
               </a:ext>
             </a:extLst>
           </p:cNvPr>
@@ -8170,6 +8356,13 @@
                     <a:lumMod val="95000"/>
                   </a:schemeClr>
                 </a:solidFill>
+                <a:effectLst>
+                  <a:outerShdw blurRad="38100" dist="38100" dir="2700000" algn="tl">
+                    <a:srgbClr val="000000">
+                      <a:alpha val="43137"/>
+                    </a:srgbClr>
+                  </a:outerShdw>
+                </a:effectLst>
                 <a:latin typeface="Bookman Old Style" panose="02050604050505020204" pitchFamily="18" charset="0"/>
               </a:rPr>
               <a:t>Προδιαγραφές 7 2/2</a:t>
@@ -8181,6 +8374,13 @@
                     <a:lumMod val="95000"/>
                   </a:schemeClr>
                 </a:solidFill>
+                <a:effectLst>
+                  <a:outerShdw blurRad="38100" dist="38100" dir="2700000" algn="tl">
+                    <a:srgbClr val="000000">
+                      <a:alpha val="43137"/>
+                    </a:srgbClr>
+                  </a:outerShdw>
+                </a:effectLst>
                 <a:latin typeface="Bookman Old Style" panose="02050604050505020204" pitchFamily="18" charset="0"/>
               </a:rPr>
             </a:br>
@@ -8191,6 +8391,13 @@
                     <a:lumMod val="95000"/>
                   </a:schemeClr>
                 </a:solidFill>
+                <a:effectLst>
+                  <a:outerShdw blurRad="38100" dist="38100" dir="2700000" algn="tl">
+                    <a:srgbClr val="000000">
+                      <a:alpha val="43137"/>
+                    </a:srgbClr>
+                  </a:outerShdw>
+                </a:effectLst>
                 <a:latin typeface="Bookman Old Style" panose="02050604050505020204" pitchFamily="18" charset="0"/>
               </a:rPr>
               <a:t>Διαχείριση φίλτρων</a:t>
@@ -8203,7 +8410,7 @@
           <p:cNvPr id="2" name="Ορθογώνιο 1">
             <a:extLst>
               <a:ext uri="{FF2B5EF4-FFF2-40B4-BE49-F238E27FC236}">
-                <a16:creationId xmlns="" xmlns:a16="http://schemas.microsoft.com/office/drawing/2014/main" id="{7C7B8017-EC96-4686-A821-7348D3493D8E}"/>
+                <a16:creationId xmlns:a16="http://schemas.microsoft.com/office/drawing/2014/main" id="{7C7B8017-EC96-4686-A821-7348D3493D8E}"/>
               </a:ext>
             </a:extLst>
           </p:cNvPr>
@@ -8448,13 +8655,6 @@
   <p:clrMapOvr>
     <a:masterClrMapping/>
   </p:clrMapOvr>
-  <p:timing>
-    <p:tnLst>
-      <p:par>
-        <p:cTn id="1" dur="indefinite" restart="never" nodeType="tmRoot"/>
-      </p:par>
-    </p:tnLst>
-  </p:timing>
 </p:sld>
 </file>
 
@@ -8494,7 +8694,7 @@
           <p:cNvPr id="144386" name="Rectangle 2">
             <a:extLst>
               <a:ext uri="{FF2B5EF4-FFF2-40B4-BE49-F238E27FC236}">
-                <a16:creationId xmlns="" xmlns:a16="http://schemas.microsoft.com/office/drawing/2014/main" id="{B2EB9881-15D2-4027-87B7-1B2E12624292}"/>
+                <a16:creationId xmlns:a16="http://schemas.microsoft.com/office/drawing/2014/main" id="{B2EB9881-15D2-4027-87B7-1B2E12624292}"/>
               </a:ext>
             </a:extLst>
           </p:cNvPr>
@@ -8518,6 +8718,13 @@
                     <a:lumMod val="95000"/>
                   </a:schemeClr>
                 </a:solidFill>
+                <a:effectLst>
+                  <a:outerShdw blurRad="38100" dist="38100" dir="2700000" algn="tl">
+                    <a:srgbClr val="000000">
+                      <a:alpha val="43137"/>
+                    </a:srgbClr>
+                  </a:outerShdw>
+                </a:effectLst>
                 <a:latin typeface="Bookman Old Style" panose="02050604050505020204" pitchFamily="18" charset="0"/>
               </a:rPr>
               <a:t>Προδιαγραφές 8</a:t>
@@ -8529,6 +8736,13 @@
                     <a:lumMod val="95000"/>
                   </a:schemeClr>
                 </a:solidFill>
+                <a:effectLst>
+                  <a:outerShdw blurRad="38100" dist="38100" dir="2700000" algn="tl">
+                    <a:srgbClr val="000000">
+                      <a:alpha val="43137"/>
+                    </a:srgbClr>
+                  </a:outerShdw>
+                </a:effectLst>
                 <a:latin typeface="Bookman Old Style" panose="02050604050505020204" pitchFamily="18" charset="0"/>
               </a:rPr>
             </a:br>
@@ -8539,6 +8753,13 @@
                     <a:lumMod val="95000"/>
                   </a:schemeClr>
                 </a:solidFill>
+                <a:effectLst>
+                  <a:outerShdw blurRad="38100" dist="38100" dir="2700000" algn="tl">
+                    <a:srgbClr val="000000">
+                      <a:alpha val="43137"/>
+                    </a:srgbClr>
+                  </a:outerShdw>
+                </a:effectLst>
                 <a:latin typeface="Bookman Old Style" panose="02050604050505020204" pitchFamily="18" charset="0"/>
               </a:rPr>
               <a:t>Site - Settings</a:t>
@@ -8549,6 +8770,13 @@
                   <a:lumMod val="95000"/>
                 </a:schemeClr>
               </a:solidFill>
+              <a:effectLst>
+                <a:outerShdw blurRad="38100" dist="38100" dir="2700000" algn="tl">
+                  <a:srgbClr val="000000">
+                    <a:alpha val="43137"/>
+                  </a:srgbClr>
+                </a:outerShdw>
+              </a:effectLst>
               <a:latin typeface="Bookman Old Style" panose="02050604050505020204" pitchFamily="18" charset="0"/>
             </a:endParaRPr>
           </a:p>
@@ -8559,7 +8787,7 @@
           <p:cNvPr id="2" name="Ορθογώνιο 1">
             <a:extLst>
               <a:ext uri="{FF2B5EF4-FFF2-40B4-BE49-F238E27FC236}">
-                <a16:creationId xmlns="" xmlns:a16="http://schemas.microsoft.com/office/drawing/2014/main" id="{7C7B8017-EC96-4686-A821-7348D3493D8E}"/>
+                <a16:creationId xmlns:a16="http://schemas.microsoft.com/office/drawing/2014/main" id="{7C7B8017-EC96-4686-A821-7348D3493D8E}"/>
               </a:ext>
             </a:extLst>
           </p:cNvPr>
@@ -8887,13 +9115,6 @@
   <p:clrMapOvr>
     <a:masterClrMapping/>
   </p:clrMapOvr>
-  <p:timing>
-    <p:tnLst>
-      <p:par>
-        <p:cTn id="1" dur="indefinite" restart="never" nodeType="tmRoot"/>
-      </p:par>
-    </p:tnLst>
-  </p:timing>
 </p:sld>
 </file>
 
@@ -8933,7 +9154,7 @@
           <p:cNvPr id="144386" name="Rectangle 2">
             <a:extLst>
               <a:ext uri="{FF2B5EF4-FFF2-40B4-BE49-F238E27FC236}">
-                <a16:creationId xmlns="" xmlns:a16="http://schemas.microsoft.com/office/drawing/2014/main" id="{B2EB9881-15D2-4027-87B7-1B2E12624292}"/>
+                <a16:creationId xmlns:a16="http://schemas.microsoft.com/office/drawing/2014/main" id="{B2EB9881-15D2-4027-87B7-1B2E12624292}"/>
               </a:ext>
             </a:extLst>
           </p:cNvPr>
@@ -8957,6 +9178,13 @@
                     <a:lumMod val="95000"/>
                   </a:schemeClr>
                 </a:solidFill>
+                <a:effectLst>
+                  <a:outerShdw blurRad="38100" dist="38100" dir="2700000" algn="tl">
+                    <a:srgbClr val="000000">
+                      <a:alpha val="43137"/>
+                    </a:srgbClr>
+                  </a:outerShdw>
+                </a:effectLst>
                 <a:latin typeface="Bookman Old Style" panose="02050604050505020204" pitchFamily="18" charset="0"/>
               </a:rPr>
               <a:t>Περιεχόμενα</a:t>
@@ -8969,7 +9197,7 @@
           <p:cNvPr id="144387" name="Rectangle 3">
             <a:extLst>
               <a:ext uri="{FF2B5EF4-FFF2-40B4-BE49-F238E27FC236}">
-                <a16:creationId xmlns="" xmlns:a16="http://schemas.microsoft.com/office/drawing/2014/main" id="{A5117173-5269-49CE-9C9C-5972DE27F6FF}"/>
+                <a16:creationId xmlns:a16="http://schemas.microsoft.com/office/drawing/2014/main" id="{A5117173-5269-49CE-9C9C-5972DE27F6FF}"/>
               </a:ext>
             </a:extLst>
           </p:cNvPr>
@@ -9193,13 +9421,6 @@
   <p:clrMapOvr>
     <a:masterClrMapping/>
   </p:clrMapOvr>
-  <p:timing>
-    <p:tnLst>
-      <p:par>
-        <p:cTn id="1" dur="indefinite" restart="never" nodeType="tmRoot"/>
-      </p:par>
-    </p:tnLst>
-  </p:timing>
 </p:sld>
 </file>
 
@@ -9239,7 +9460,7 @@
           <p:cNvPr id="144386" name="Rectangle 2">
             <a:extLst>
               <a:ext uri="{FF2B5EF4-FFF2-40B4-BE49-F238E27FC236}">
-                <a16:creationId xmlns="" xmlns:a16="http://schemas.microsoft.com/office/drawing/2014/main" id="{B2EB9881-15D2-4027-87B7-1B2E12624292}"/>
+                <a16:creationId xmlns:a16="http://schemas.microsoft.com/office/drawing/2014/main" id="{B2EB9881-15D2-4027-87B7-1B2E12624292}"/>
               </a:ext>
             </a:extLst>
           </p:cNvPr>
@@ -9263,6 +9484,13 @@
                     <a:lumMod val="95000"/>
                   </a:schemeClr>
                 </a:solidFill>
+                <a:effectLst>
+                  <a:outerShdw blurRad="38100" dist="38100" dir="2700000" algn="tl">
+                    <a:srgbClr val="000000">
+                      <a:alpha val="43137"/>
+                    </a:srgbClr>
+                  </a:outerShdw>
+                </a:effectLst>
                 <a:latin typeface="Bookman Old Style" panose="02050604050505020204" pitchFamily="18" charset="0"/>
               </a:rPr>
               <a:t>Τεχνολογίες</a:t>
@@ -9275,7 +9503,7 @@
           <p:cNvPr id="2" name="Ορθογώνιο 1">
             <a:extLst>
               <a:ext uri="{FF2B5EF4-FFF2-40B4-BE49-F238E27FC236}">
-                <a16:creationId xmlns="" xmlns:a16="http://schemas.microsoft.com/office/drawing/2014/main" id="{7C7B8017-EC96-4686-A821-7348D3493D8E}"/>
+                <a16:creationId xmlns:a16="http://schemas.microsoft.com/office/drawing/2014/main" id="{7C7B8017-EC96-4686-A821-7348D3493D8E}"/>
               </a:ext>
             </a:extLst>
           </p:cNvPr>
@@ -9563,13 +9791,6 @@
   <p:clrMapOvr>
     <a:masterClrMapping/>
   </p:clrMapOvr>
-  <p:timing>
-    <p:tnLst>
-      <p:par>
-        <p:cTn id="1" dur="indefinite" restart="never" nodeType="tmRoot"/>
-      </p:par>
-    </p:tnLst>
-  </p:timing>
 </p:sld>
 </file>
 
@@ -9609,299 +9830,7 @@
           <p:cNvPr id="144386" name="Rectangle 2">
             <a:extLst>
               <a:ext uri="{FF2B5EF4-FFF2-40B4-BE49-F238E27FC236}">
-                <a16:creationId xmlns="" xmlns:a16="http://schemas.microsoft.com/office/drawing/2014/main" id="{B2EB9881-15D2-4027-87B7-1B2E12624292}"/>
-              </a:ext>
-            </a:extLst>
-          </p:cNvPr>
-          <p:cNvSpPr>
-            <a:spLocks noGrp="1" noChangeArrowheads="1"/>
-          </p:cNvSpPr>
-          <p:nvPr>
-            <p:ph type="title"/>
-          </p:nvPr>
-        </p:nvSpPr>
-        <p:spPr>
-          <a:xfrm>
-            <a:off x="457200" y="274638"/>
-            <a:ext cx="8229600" cy="1143000"/>
-          </a:xfrm>
-        </p:spPr>
-        <p:txBody>
-          <a:bodyPr/>
-          <a:lstStyle/>
-          <a:p>
-            <a:pPr algn="l"/>
-            <a:r>
-              <a:rPr lang="el-GR" altLang="el-GR" dirty="0">
-                <a:solidFill>
-                  <a:schemeClr val="bg1">
-                    <a:lumMod val="95000"/>
-                  </a:schemeClr>
-                </a:solidFill>
-                <a:latin typeface="Bookman Old Style" panose="02050604050505020204" pitchFamily="18" charset="0"/>
-              </a:rPr>
-              <a:t>Κομμάτια κώδικα</a:t>
-            </a:r>
-          </a:p>
-        </p:txBody>
-      </p:sp>
-      <p:sp>
-        <p:nvSpPr>
-          <p:cNvPr id="2" name="Ορθογώνιο 1">
-            <a:extLst>
-              <a:ext uri="{FF2B5EF4-FFF2-40B4-BE49-F238E27FC236}">
-                <a16:creationId xmlns="" xmlns:a16="http://schemas.microsoft.com/office/drawing/2014/main" id="{7C7B8017-EC96-4686-A821-7348D3493D8E}"/>
-              </a:ext>
-            </a:extLst>
-          </p:cNvPr>
-          <p:cNvSpPr/>
-          <p:nvPr/>
-        </p:nvSpPr>
-        <p:spPr>
-          <a:xfrm>
-            <a:off x="179512" y="1945458"/>
-            <a:ext cx="8856984" cy="3046988"/>
-          </a:xfrm>
-          <a:prstGeom prst="rect">
-            <a:avLst/>
-          </a:prstGeom>
-        </p:spPr>
-        <p:txBody>
-          <a:bodyPr wrap="square">
-            <a:spAutoFit/>
-          </a:bodyPr>
-          <a:lstStyle/>
-          <a:p>
-            <a:pPr marL="457200" lvl="0" indent="-381000">
-              <a:spcBef>
-                <a:spcPts val="0"/>
-              </a:spcBef>
-              <a:spcAft>
-                <a:spcPts val="0"/>
-              </a:spcAft>
-              <a:buClr>
-                <a:schemeClr val="dk1"/>
-              </a:buClr>
-              <a:buSzPts val="2400"/>
-              <a:buChar char="●"/>
-            </a:pPr>
-            <a:r>
-              <a:rPr lang="el-GR" sz="3200" dirty="0">
-                <a:solidFill>
-                  <a:schemeClr val="dk1"/>
-                </a:solidFill>
-                <a:latin typeface="Bookman Old Style" panose="02050604050505020204" pitchFamily="18" charset="0"/>
-                <a:hlinkClick r:id="rId3" action="ppaction://hlinkfile"/>
-              </a:rPr>
-              <a:t>Αποθήκευση των αλλαγών της φόρμας </a:t>
-            </a:r>
-            <a:r>
-              <a:rPr lang="en-US" sz="3200" dirty="0" smtClean="0">
-                <a:solidFill>
-                  <a:schemeClr val="dk1"/>
-                </a:solidFill>
-                <a:latin typeface="Bookman Old Style" panose="02050604050505020204" pitchFamily="18" charset="0"/>
-                <a:hlinkClick r:id="rId3" action="ppaction://hlinkfile"/>
-              </a:rPr>
-              <a:t>Settings</a:t>
-            </a:r>
-            <a:r>
-              <a:rPr lang="el-GR" sz="3200" dirty="0" smtClean="0">
-                <a:solidFill>
-                  <a:schemeClr val="dk1"/>
-                </a:solidFill>
-                <a:latin typeface="Bookman Old Style" panose="02050604050505020204" pitchFamily="18" charset="0"/>
-                <a:hlinkClick r:id="rId3" action="ppaction://hlinkfile"/>
-              </a:rPr>
-              <a:t> </a:t>
-            </a:r>
-            <a:r>
-              <a:rPr lang="el-GR" sz="3200" dirty="0">
-                <a:solidFill>
-                  <a:schemeClr val="dk1"/>
-                </a:solidFill>
-                <a:latin typeface="Bookman Old Style" panose="02050604050505020204" pitchFamily="18" charset="0"/>
-                <a:hlinkClick r:id="rId3" action="ppaction://hlinkfile"/>
-              </a:rPr>
-              <a:t>στην βάση δεδομένων (με τους ελέγχους</a:t>
-            </a:r>
-            <a:r>
-              <a:rPr lang="el-GR" sz="3200" dirty="0" smtClean="0">
-                <a:solidFill>
-                  <a:schemeClr val="dk1"/>
-                </a:solidFill>
-                <a:latin typeface="Bookman Old Style" panose="02050604050505020204" pitchFamily="18" charset="0"/>
-                <a:hlinkClick r:id="rId3" action="ppaction://hlinkfile"/>
-              </a:rPr>
-              <a:t>)</a:t>
-            </a:r>
-            <a:endParaRPr lang="en-US" sz="3200" dirty="0" smtClean="0">
-              <a:solidFill>
-                <a:schemeClr val="dk1"/>
-              </a:solidFill>
-              <a:latin typeface="Bookman Old Style" panose="02050604050505020204" pitchFamily="18" charset="0"/>
-            </a:endParaRPr>
-          </a:p>
-          <a:p>
-            <a:pPr marL="457200" lvl="0" indent="-381000">
-              <a:spcBef>
-                <a:spcPts val="0"/>
-              </a:spcBef>
-              <a:spcAft>
-                <a:spcPts val="0"/>
-              </a:spcAft>
-              <a:buClr>
-                <a:schemeClr val="dk1"/>
-              </a:buClr>
-              <a:buSzPts val="2400"/>
-              <a:buChar char="●"/>
-            </a:pPr>
-            <a:r>
-              <a:rPr lang="el-GR" sz="3200" dirty="0" smtClean="0">
-                <a:solidFill>
-                  <a:schemeClr val="dk1"/>
-                </a:solidFill>
-                <a:latin typeface="Bookman Old Style" panose="02050604050505020204" pitchFamily="18" charset="0"/>
-                <a:hlinkClick r:id="rId4" action="ppaction://hlinkfile"/>
-              </a:rPr>
-              <a:t>Ανάκτηση αεροδρομίων από την βάση δεδομένων και εάν δεν το βρει από το </a:t>
-            </a:r>
-            <a:r>
-              <a:rPr lang="en-US" sz="3200" dirty="0" smtClean="0">
-                <a:solidFill>
-                  <a:schemeClr val="dk1"/>
-                </a:solidFill>
-                <a:latin typeface="Bookman Old Style" panose="02050604050505020204" pitchFamily="18" charset="0"/>
-                <a:hlinkClick r:id="rId4" action="ppaction://hlinkfile"/>
-              </a:rPr>
-              <a:t>API</a:t>
-            </a:r>
-            <a:endParaRPr lang="el-GR" sz="3200" dirty="0" smtClean="0">
-              <a:solidFill>
-                <a:schemeClr val="dk1"/>
-              </a:solidFill>
-              <a:latin typeface="Bookman Old Style" panose="02050604050505020204" pitchFamily="18" charset="0"/>
-            </a:endParaRPr>
-          </a:p>
-          <a:p>
-            <a:pPr marL="457200" lvl="0" indent="-381000">
-              <a:spcBef>
-                <a:spcPts val="0"/>
-              </a:spcBef>
-              <a:spcAft>
-                <a:spcPts val="0"/>
-              </a:spcAft>
-              <a:buClr>
-                <a:schemeClr val="dk1"/>
-              </a:buClr>
-              <a:buSzPts val="2400"/>
-              <a:buChar char="●"/>
-            </a:pPr>
-            <a:endParaRPr lang="en-US" sz="3200" dirty="0">
-              <a:solidFill>
-                <a:schemeClr val="dk1"/>
-              </a:solidFill>
-              <a:latin typeface="Bookman Old Style" panose="02050604050505020204" pitchFamily="18" charset="0"/>
-            </a:endParaRPr>
-          </a:p>
-        </p:txBody>
-      </p:sp>
-      <p:sp>
-        <p:nvSpPr>
-          <p:cNvPr id="5" name="Θέση αριθμού διαφάνειας 1"/>
-          <p:cNvSpPr>
-            <a:spLocks noGrp="1"/>
-          </p:cNvSpPr>
-          <p:nvPr>
-            <p:ph type="sldNum" sz="quarter" idx="12"/>
-          </p:nvPr>
-        </p:nvSpPr>
-        <p:spPr>
-          <a:xfrm>
-            <a:off x="7956376" y="6577881"/>
-            <a:ext cx="802432" cy="280119"/>
-          </a:xfrm>
-        </p:spPr>
-        <p:txBody>
-          <a:bodyPr/>
-          <a:lstStyle/>
-          <a:p>
-            <a:fld id="{82BD1F62-BAB9-4678-A758-6842827ADFA9}" type="slidenum">
-              <a:rPr lang="es-ES" altLang="el-GR" b="1" smtClean="0">
-                <a:solidFill>
-                  <a:schemeClr val="bg1"/>
-                </a:solidFill>
-                <a:latin typeface="Bookman Old Style" panose="02050604050505020204" pitchFamily="18" charset="0"/>
-              </a:rPr>
-              <a:pPr/>
-              <a:t>21</a:t>
-            </a:fld>
-            <a:endParaRPr lang="es-ES" altLang="el-GR" b="1" dirty="0">
-              <a:solidFill>
-                <a:schemeClr val="bg1"/>
-              </a:solidFill>
-              <a:latin typeface="Bookman Old Style" panose="02050604050505020204" pitchFamily="18" charset="0"/>
-            </a:endParaRPr>
-          </a:p>
-        </p:txBody>
-      </p:sp>
-    </p:spTree>
-    <p:extLst>
-      <p:ext uri="{BB962C8B-B14F-4D97-AF65-F5344CB8AC3E}">
-        <p14:creationId xmlns:p14="http://schemas.microsoft.com/office/powerpoint/2010/main" val="3332542315"/>
-      </p:ext>
-    </p:extLst>
-  </p:cSld>
-  <p:clrMapOvr>
-    <a:masterClrMapping/>
-  </p:clrMapOvr>
-  <p:timing>
-    <p:tnLst>
-      <p:par>
-        <p:cTn id="1" dur="indefinite" restart="never" nodeType="tmRoot"/>
-      </p:par>
-    </p:tnLst>
-  </p:timing>
-</p:sld>
-</file>
-
-<file path=ppt/slides/slide22.xml><?xml version="1.0" encoding="utf-8"?>
-<p:sld xmlns:a="http://schemas.openxmlformats.org/drawingml/2006/main" xmlns:r="http://schemas.openxmlformats.org/officeDocument/2006/relationships" xmlns:p="http://schemas.openxmlformats.org/presentationml/2006/main">
-  <p:cSld>
-    <p:bg>
-      <p:bgPr>
-        <a:blipFill dpi="0" rotWithShape="0">
-          <a:blip r:embed="rId2" cstate="print">
-            <a:lum/>
-          </a:blip>
-          <a:srcRect/>
-          <a:stretch>
-            <a:fillRect/>
-          </a:stretch>
-        </a:blipFill>
-        <a:effectLst/>
-      </p:bgPr>
-    </p:bg>
-    <p:spTree>
-      <p:nvGrpSpPr>
-        <p:cNvPr id="1" name=""/>
-        <p:cNvGrpSpPr/>
-        <p:nvPr/>
-      </p:nvGrpSpPr>
-      <p:grpSpPr>
-        <a:xfrm>
-          <a:off x="0" y="0"/>
-          <a:ext cx="0" cy="0"/>
-          <a:chOff x="0" y="0"/>
-          <a:chExt cx="0" cy="0"/>
-        </a:xfrm>
-      </p:grpSpPr>
-      <p:sp>
-        <p:nvSpPr>
-          <p:cNvPr id="144386" name="Rectangle 2">
-            <a:extLst>
-              <a:ext uri="{FF2B5EF4-FFF2-40B4-BE49-F238E27FC236}">
-                <a16:creationId xmlns="" xmlns:a16="http://schemas.microsoft.com/office/drawing/2014/main" id="{B2EB9881-15D2-4027-87B7-1B2E12624292}"/>
+                <a16:creationId xmlns:a16="http://schemas.microsoft.com/office/drawing/2014/main" id="{B2EB9881-15D2-4027-87B7-1B2E12624292}"/>
               </a:ext>
             </a:extLst>
           </p:cNvPr>
@@ -9925,6 +9854,13 @@
                     <a:lumMod val="95000"/>
                   </a:schemeClr>
                 </a:solidFill>
+                <a:effectLst>
+                  <a:outerShdw blurRad="38100" dist="38100" dir="2700000" algn="tl">
+                    <a:srgbClr val="000000">
+                      <a:alpha val="43137"/>
+                    </a:srgbClr>
+                  </a:outerShdw>
+                </a:effectLst>
                 <a:latin typeface="Bookman Old Style" panose="02050604050505020204" pitchFamily="18" charset="0"/>
               </a:rPr>
               <a:t>Στάδια ανάπτυξης</a:t>
@@ -9948,16 +9884,34 @@
         </p:nvGraphicFramePr>
         <p:xfrm>
           <a:off x="0" y="1700809"/>
-          <a:ext cx="9144000" cy="5092260"/>
+          <a:ext cx="9144000" cy="4896687"/>
         </p:xfrm>
         <a:graphic>
           <a:graphicData uri="http://schemas.openxmlformats.org/drawingml/2006/table">
             <a:tbl>
               <a:tblPr/>
               <a:tblGrid>
-                <a:gridCol w="782817"/>
-                <a:gridCol w="6762687"/>
-                <a:gridCol w="1598496"/>
+                <a:gridCol w="782817">
+                  <a:extLst>
+                    <a:ext uri="{9D8B030D-6E8A-4147-A177-3AD203B41FA5}">
+                      <a16:colId xmlns:a16="http://schemas.microsoft.com/office/drawing/2014/main" val="20000"/>
+                    </a:ext>
+                  </a:extLst>
+                </a:gridCol>
+                <a:gridCol w="6762687">
+                  <a:extLst>
+                    <a:ext uri="{9D8B030D-6E8A-4147-A177-3AD203B41FA5}">
+                      <a16:colId xmlns:a16="http://schemas.microsoft.com/office/drawing/2014/main" val="20001"/>
+                    </a:ext>
+                  </a:extLst>
+                </a:gridCol>
+                <a:gridCol w="1598496">
+                  <a:extLst>
+                    <a:ext uri="{9D8B030D-6E8A-4147-A177-3AD203B41FA5}">
+                      <a16:colId xmlns:a16="http://schemas.microsoft.com/office/drawing/2014/main" val="20002"/>
+                    </a:ext>
+                  </a:extLst>
+                </a:gridCol>
               </a:tblGrid>
               <a:tr h="487368">
                 <a:tc gridSpan="2">
@@ -10138,6 +10092,11 @@
                     </a:lnB>
                   </a:tcPr>
                 </a:tc>
+                <a:extLst>
+                  <a:ext uri="{0D108BD9-81ED-4DB2-BD59-A6C34878D82A}">
+                    <a16:rowId xmlns:a16="http://schemas.microsoft.com/office/drawing/2014/main" val="10000"/>
+                  </a:ext>
+                </a:extLst>
               </a:tr>
               <a:tr h="453820">
                 <a:tc>
@@ -10311,18 +10270,13 @@
                         </a:spcAft>
                       </a:pPr>
                       <a:r>
-                        <a:rPr lang="en-US" sz="1800" dirty="0" smtClean="0">
+                        <a:rPr lang="en-US" sz="1800" dirty="0">
                           <a:latin typeface="Arial"/>
                           <a:ea typeface="Arial"/>
                           <a:cs typeface="Times New Roman"/>
                         </a:rPr>
                         <a:t>04/11/2018</a:t>
                       </a:r>
-                      <a:endParaRPr lang="en-US" sz="1800" dirty="0">
-                        <a:latin typeface="Arial"/>
-                        <a:ea typeface="Arial"/>
-                        <a:cs typeface="Times New Roman"/>
-                      </a:endParaRPr>
                     </a:p>
                   </a:txBody>
                   <a:tcPr marL="79353" marR="79353" marT="79353" marB="79353">
@@ -10364,6 +10318,11 @@
                     </a:lnB>
                   </a:tcPr>
                 </a:tc>
+                <a:extLst>
+                  <a:ext uri="{0D108BD9-81ED-4DB2-BD59-A6C34878D82A}">
+                    <a16:rowId xmlns:a16="http://schemas.microsoft.com/office/drawing/2014/main" val="10001"/>
+                  </a:ext>
+                </a:extLst>
               </a:tr>
               <a:tr h="453820">
                 <a:tc>
@@ -10585,6 +10544,11 @@
                     </a:lnB>
                   </a:tcPr>
                 </a:tc>
+                <a:extLst>
+                  <a:ext uri="{0D108BD9-81ED-4DB2-BD59-A6C34878D82A}">
+                    <a16:rowId xmlns:a16="http://schemas.microsoft.com/office/drawing/2014/main" val="10002"/>
+                  </a:ext>
+                </a:extLst>
               </a:tr>
               <a:tr h="453820">
                 <a:tc>
@@ -10806,6 +10770,11 @@
                     </a:lnB>
                   </a:tcPr>
                 </a:tc>
+                <a:extLst>
+                  <a:ext uri="{0D108BD9-81ED-4DB2-BD59-A6C34878D82A}">
+                    <a16:rowId xmlns:a16="http://schemas.microsoft.com/office/drawing/2014/main" val="10003"/>
+                  </a:ext>
+                </a:extLst>
               </a:tr>
               <a:tr h="762699">
                 <a:tc>
@@ -10914,23 +10883,7 @@
                           <a:ea typeface="Arial"/>
                           <a:cs typeface="Times New Roman"/>
                         </a:rPr>
-                        <a:t>The site is in </a:t>
-                      </a:r>
-                      <a:r>
-                        <a:rPr lang="en-US" sz="1800" dirty="0" smtClean="0">
-                          <a:latin typeface="Arial"/>
-                          <a:ea typeface="Arial"/>
-                          <a:cs typeface="Times New Roman"/>
-                        </a:rPr>
-                        <a:t>English, </a:t>
-                      </a:r>
-                      <a:r>
-                        <a:rPr lang="en-US" sz="1800" dirty="0">
-                          <a:latin typeface="Arial"/>
-                          <a:ea typeface="Arial"/>
-                          <a:cs typeface="Times New Roman"/>
-                        </a:rPr>
-                        <a:t>MVC Logic, All main pages are pure front end html clean and tidy code sections </a:t>
+                        <a:t>The site is in English, MVC Logic, All main pages are pure front end html clean and tidy code sections </a:t>
                       </a:r>
                       <a:endParaRPr lang="en-US" sz="2000" dirty="0">
                         <a:latin typeface="Arial"/>
@@ -10995,18 +10948,13 @@
                         </a:spcAft>
                       </a:pPr>
                       <a:r>
-                        <a:rPr lang="en-US" sz="1800" dirty="0" smtClean="0">
+                        <a:rPr lang="en-US" sz="1800" dirty="0">
                           <a:latin typeface="Arial"/>
                           <a:ea typeface="Arial"/>
                           <a:cs typeface="Times New Roman"/>
                         </a:rPr>
                         <a:t>07/12/2018</a:t>
                       </a:r>
-                      <a:endParaRPr lang="en-US" sz="1800" dirty="0">
-                        <a:latin typeface="Arial"/>
-                        <a:ea typeface="Arial"/>
-                        <a:cs typeface="Times New Roman"/>
-                      </a:endParaRPr>
                     </a:p>
                   </a:txBody>
                   <a:tcPr marL="79353" marR="79353" marT="79353" marB="79353">
@@ -11048,6 +10996,11 @@
                     </a:lnB>
                   </a:tcPr>
                 </a:tc>
+                <a:extLst>
+                  <a:ext uri="{0D108BD9-81ED-4DB2-BD59-A6C34878D82A}">
+                    <a16:rowId xmlns:a16="http://schemas.microsoft.com/office/drawing/2014/main" val="10004"/>
+                  </a:ext>
+                </a:extLst>
               </a:tr>
               <a:tr h="453820">
                 <a:tc>
@@ -11221,18 +11174,13 @@
                         </a:spcAft>
                       </a:pPr>
                       <a:r>
-                        <a:rPr lang="en-US" sz="1800" dirty="0" smtClean="0">
+                        <a:rPr lang="en-US" sz="1800" dirty="0">
                           <a:latin typeface="Arial"/>
                           <a:ea typeface="Arial"/>
                           <a:cs typeface="Times New Roman"/>
                         </a:rPr>
                         <a:t>09/12/2018</a:t>
                       </a:r>
-                      <a:endParaRPr lang="en-US" sz="1800" dirty="0">
-                        <a:latin typeface="Arial"/>
-                        <a:ea typeface="Arial"/>
-                        <a:cs typeface="Times New Roman"/>
-                      </a:endParaRPr>
                     </a:p>
                   </a:txBody>
                   <a:tcPr marL="79353" marR="79353" marT="79353" marB="79353">
@@ -11274,6 +11222,11 @@
                     </a:lnB>
                   </a:tcPr>
                 </a:tc>
+                <a:extLst>
+                  <a:ext uri="{0D108BD9-81ED-4DB2-BD59-A6C34878D82A}">
+                    <a16:rowId xmlns:a16="http://schemas.microsoft.com/office/drawing/2014/main" val="10005"/>
+                  </a:ext>
+                </a:extLst>
               </a:tr>
               <a:tr h="453820">
                 <a:tc>
@@ -11495,6 +11448,11 @@
                     </a:lnB>
                   </a:tcPr>
                 </a:tc>
+                <a:extLst>
+                  <a:ext uri="{0D108BD9-81ED-4DB2-BD59-A6C34878D82A}">
+                    <a16:rowId xmlns:a16="http://schemas.microsoft.com/office/drawing/2014/main" val="10006"/>
+                  </a:ext>
+                </a:extLst>
               </a:tr>
               <a:tr h="469734">
                 <a:tc>
@@ -11716,6 +11674,11 @@
                     </a:lnB>
                   </a:tcPr>
                 </a:tc>
+                <a:extLst>
+                  <a:ext uri="{0D108BD9-81ED-4DB2-BD59-A6C34878D82A}">
+                    <a16:rowId xmlns:a16="http://schemas.microsoft.com/office/drawing/2014/main" val="10007"/>
+                  </a:ext>
+                </a:extLst>
               </a:tr>
               <a:tr h="453820">
                 <a:tc>
@@ -11889,18 +11852,13 @@
                         </a:spcAft>
                       </a:pPr>
                       <a:r>
-                        <a:rPr lang="en-US" sz="1800" dirty="0" smtClean="0">
+                        <a:rPr lang="en-US" sz="1800" dirty="0">
                           <a:latin typeface="Arial"/>
                           <a:ea typeface="Arial"/>
                           <a:cs typeface="Times New Roman"/>
                         </a:rPr>
                         <a:t>03/01/2019</a:t>
                       </a:r>
-                      <a:endParaRPr lang="en-US" sz="1800" dirty="0">
-                        <a:latin typeface="Arial"/>
-                        <a:ea typeface="Arial"/>
-                        <a:cs typeface="Times New Roman"/>
-                      </a:endParaRPr>
                     </a:p>
                   </a:txBody>
                   <a:tcPr marL="79353" marR="79353" marT="79353" marB="79353">
@@ -11942,6 +11900,11 @@
                     </a:lnB>
                   </a:tcPr>
                 </a:tc>
+                <a:extLst>
+                  <a:ext uri="{0D108BD9-81ED-4DB2-BD59-A6C34878D82A}">
+                    <a16:rowId xmlns:a16="http://schemas.microsoft.com/office/drawing/2014/main" val="10008"/>
+                  </a:ext>
+                </a:extLst>
               </a:tr>
               <a:tr h="453820">
                 <a:tc>
@@ -12115,18 +12078,13 @@
                         </a:spcAft>
                       </a:pPr>
                       <a:r>
-                        <a:rPr lang="en-US" sz="1800" dirty="0" smtClean="0">
+                        <a:rPr lang="en-US" sz="1800" dirty="0">
                           <a:latin typeface="Arial"/>
                           <a:ea typeface="Arial"/>
                           <a:cs typeface="Times New Roman"/>
                         </a:rPr>
                         <a:t>06/01/2019</a:t>
                       </a:r>
-                      <a:endParaRPr lang="en-US" sz="1800" dirty="0">
-                        <a:latin typeface="Arial"/>
-                        <a:ea typeface="Arial"/>
-                        <a:cs typeface="Times New Roman"/>
-                      </a:endParaRPr>
                     </a:p>
                   </a:txBody>
                   <a:tcPr marL="79353" marR="79353" marT="79353" marB="79353">
@@ -12168,6 +12126,11 @@
                     </a:lnB>
                   </a:tcPr>
                 </a:tc>
+                <a:extLst>
+                  <a:ext uri="{0D108BD9-81ED-4DB2-BD59-A6C34878D82A}">
+                    <a16:rowId xmlns:a16="http://schemas.microsoft.com/office/drawing/2014/main" val="10009"/>
+                  </a:ext>
+                </a:extLst>
               </a:tr>
             </a:tbl>
           </a:graphicData>
@@ -12201,7 +12164,7 @@
                 <a:latin typeface="Bookman Old Style" panose="02050604050505020204" pitchFamily="18" charset="0"/>
               </a:rPr>
               <a:pPr/>
-              <a:t>22</a:t>
+              <a:t>21</a:t>
             </a:fld>
             <a:endParaRPr lang="es-ES" altLang="el-GR" b="1" dirty="0">
               <a:solidFill>
@@ -12222,13 +12185,278 @@
   <p:clrMapOvr>
     <a:masterClrMapping/>
   </p:clrMapOvr>
-  <p:timing>
-    <p:tnLst>
-      <p:par>
-        <p:cTn id="1" dur="indefinite" restart="never" nodeType="tmRoot"/>
-      </p:par>
-    </p:tnLst>
-  </p:timing>
+</p:sld>
+</file>
+
+<file path=ppt/slides/slide22.xml><?xml version="1.0" encoding="utf-8"?>
+<p:sld xmlns:a="http://schemas.openxmlformats.org/drawingml/2006/main" xmlns:r="http://schemas.openxmlformats.org/officeDocument/2006/relationships" xmlns:p="http://schemas.openxmlformats.org/presentationml/2006/main">
+  <p:cSld>
+    <p:bg>
+      <p:bgPr>
+        <a:blipFill dpi="0" rotWithShape="0">
+          <a:blip r:embed="rId2" cstate="print">
+            <a:lum/>
+          </a:blip>
+          <a:srcRect/>
+          <a:stretch>
+            <a:fillRect/>
+          </a:stretch>
+        </a:blipFill>
+        <a:effectLst/>
+      </p:bgPr>
+    </p:bg>
+    <p:spTree>
+      <p:nvGrpSpPr>
+        <p:cNvPr id="1" name=""/>
+        <p:cNvGrpSpPr/>
+        <p:nvPr/>
+      </p:nvGrpSpPr>
+      <p:grpSpPr>
+        <a:xfrm>
+          <a:off x="0" y="0"/>
+          <a:ext cx="0" cy="0"/>
+          <a:chOff x="0" y="0"/>
+          <a:chExt cx="0" cy="0"/>
+        </a:xfrm>
+      </p:grpSpPr>
+      <p:sp>
+        <p:nvSpPr>
+          <p:cNvPr id="144386" name="Rectangle 2">
+            <a:extLst>
+              <a:ext uri="{FF2B5EF4-FFF2-40B4-BE49-F238E27FC236}">
+                <a16:creationId xmlns:a16="http://schemas.microsoft.com/office/drawing/2014/main" id="{B2EB9881-15D2-4027-87B7-1B2E12624292}"/>
+              </a:ext>
+            </a:extLst>
+          </p:cNvPr>
+          <p:cNvSpPr>
+            <a:spLocks noGrp="1" noChangeArrowheads="1"/>
+          </p:cNvSpPr>
+          <p:nvPr>
+            <p:ph type="title"/>
+          </p:nvPr>
+        </p:nvSpPr>
+        <p:spPr>
+          <a:xfrm>
+            <a:off x="457200" y="274638"/>
+            <a:ext cx="8229600" cy="1143000"/>
+          </a:xfrm>
+        </p:spPr>
+        <p:txBody>
+          <a:bodyPr/>
+          <a:lstStyle/>
+          <a:p>
+            <a:pPr algn="l"/>
+            <a:r>
+              <a:rPr lang="el-GR" altLang="el-GR" dirty="0">
+                <a:solidFill>
+                  <a:schemeClr val="bg1">
+                    <a:lumMod val="95000"/>
+                  </a:schemeClr>
+                </a:solidFill>
+                <a:effectLst>
+                  <a:outerShdw blurRad="38100" dist="38100" dir="2700000" algn="tl">
+                    <a:srgbClr val="000000">
+                      <a:alpha val="43137"/>
+                    </a:srgbClr>
+                  </a:outerShdw>
+                </a:effectLst>
+                <a:latin typeface="Bookman Old Style" panose="02050604050505020204" pitchFamily="18" charset="0"/>
+              </a:rPr>
+              <a:t>Κομμάτια κώδικα</a:t>
+            </a:r>
+          </a:p>
+        </p:txBody>
+      </p:sp>
+      <p:sp>
+        <p:nvSpPr>
+          <p:cNvPr id="2" name="Ορθογώνιο 1">
+            <a:extLst>
+              <a:ext uri="{FF2B5EF4-FFF2-40B4-BE49-F238E27FC236}">
+                <a16:creationId xmlns:a16="http://schemas.microsoft.com/office/drawing/2014/main" id="{7C7B8017-EC96-4686-A821-7348D3493D8E}"/>
+              </a:ext>
+            </a:extLst>
+          </p:cNvPr>
+          <p:cNvSpPr/>
+          <p:nvPr/>
+        </p:nvSpPr>
+        <p:spPr>
+          <a:xfrm>
+            <a:off x="179512" y="1945458"/>
+            <a:ext cx="8856984" cy="3046988"/>
+          </a:xfrm>
+          <a:prstGeom prst="rect">
+            <a:avLst/>
+          </a:prstGeom>
+        </p:spPr>
+        <p:txBody>
+          <a:bodyPr wrap="square">
+            <a:spAutoFit/>
+          </a:bodyPr>
+          <a:lstStyle/>
+          <a:p>
+            <a:pPr marL="457200" lvl="0" indent="-381000">
+              <a:spcBef>
+                <a:spcPts val="0"/>
+              </a:spcBef>
+              <a:spcAft>
+                <a:spcPts val="0"/>
+              </a:spcAft>
+              <a:buClr>
+                <a:schemeClr val="dk1"/>
+              </a:buClr>
+              <a:buSzPts val="2400"/>
+              <a:buChar char="●"/>
+            </a:pPr>
+            <a:r>
+              <a:rPr lang="el-GR" sz="3200" dirty="0">
+                <a:solidFill>
+                  <a:schemeClr val="dk1"/>
+                </a:solidFill>
+                <a:latin typeface="Bookman Old Style" panose="02050604050505020204" pitchFamily="18" charset="0"/>
+                <a:hlinkClick r:id="rId3" action="ppaction://hlinkfile"/>
+              </a:rPr>
+              <a:t>Αποθήκευση των αλλαγών της φόρμας </a:t>
+            </a:r>
+            <a:r>
+              <a:rPr lang="en-US" sz="3200" dirty="0">
+                <a:solidFill>
+                  <a:schemeClr val="dk1"/>
+                </a:solidFill>
+                <a:latin typeface="Bookman Old Style" panose="02050604050505020204" pitchFamily="18" charset="0"/>
+                <a:hlinkClick r:id="rId3" action="ppaction://hlinkfile"/>
+              </a:rPr>
+              <a:t>Settings</a:t>
+            </a:r>
+            <a:r>
+              <a:rPr lang="el-GR" sz="3200" dirty="0">
+                <a:solidFill>
+                  <a:schemeClr val="dk1"/>
+                </a:solidFill>
+                <a:latin typeface="Bookman Old Style" panose="02050604050505020204" pitchFamily="18" charset="0"/>
+                <a:hlinkClick r:id="rId3" action="ppaction://hlinkfile"/>
+              </a:rPr>
+              <a:t> στην βάση δεδομένων (με τους ελέγχους)</a:t>
+            </a:r>
+            <a:endParaRPr lang="en-US" sz="3200" dirty="0">
+              <a:solidFill>
+                <a:schemeClr val="dk1"/>
+              </a:solidFill>
+              <a:latin typeface="Bookman Old Style" panose="02050604050505020204" pitchFamily="18" charset="0"/>
+            </a:endParaRPr>
+          </a:p>
+          <a:p>
+            <a:pPr marL="457200" lvl="0" indent="-381000">
+              <a:spcBef>
+                <a:spcPts val="0"/>
+              </a:spcBef>
+              <a:spcAft>
+                <a:spcPts val="0"/>
+              </a:spcAft>
+              <a:buClr>
+                <a:schemeClr val="dk1"/>
+              </a:buClr>
+              <a:buSzPts val="2400"/>
+              <a:buChar char="●"/>
+            </a:pPr>
+            <a:r>
+              <a:rPr lang="el-GR" sz="3200" dirty="0">
+                <a:solidFill>
+                  <a:schemeClr val="dk1"/>
+                </a:solidFill>
+                <a:latin typeface="Bookman Old Style" panose="02050604050505020204" pitchFamily="18" charset="0"/>
+                <a:hlinkClick r:id="rId4" action="ppaction://hlinkfile"/>
+              </a:rPr>
+              <a:t>Ανάκτηση αεροδρομίων από την βάση δεδομένων και εάν δεν το βρει από το </a:t>
+            </a:r>
+            <a:r>
+              <a:rPr lang="en-US" sz="3200" dirty="0">
+                <a:solidFill>
+                  <a:schemeClr val="dk1"/>
+                </a:solidFill>
+                <a:latin typeface="Bookman Old Style" panose="02050604050505020204" pitchFamily="18" charset="0"/>
+                <a:hlinkClick r:id="rId4" action="ppaction://hlinkfile"/>
+              </a:rPr>
+              <a:t>API</a:t>
+            </a:r>
+            <a:endParaRPr lang="el-GR" sz="3200" dirty="0">
+              <a:solidFill>
+                <a:schemeClr val="dk1"/>
+              </a:solidFill>
+              <a:latin typeface="Bookman Old Style" panose="02050604050505020204" pitchFamily="18" charset="0"/>
+            </a:endParaRPr>
+          </a:p>
+          <a:p>
+            <a:pPr marL="457200" lvl="0" indent="-381000">
+              <a:spcBef>
+                <a:spcPts val="0"/>
+              </a:spcBef>
+              <a:spcAft>
+                <a:spcPts val="0"/>
+              </a:spcAft>
+              <a:buClr>
+                <a:schemeClr val="dk1"/>
+              </a:buClr>
+              <a:buSzPts val="2400"/>
+              <a:buChar char="●"/>
+            </a:pPr>
+            <a:endParaRPr lang="en-US" sz="3200" dirty="0">
+              <a:solidFill>
+                <a:schemeClr val="dk1"/>
+              </a:solidFill>
+              <a:latin typeface="Bookman Old Style" panose="02050604050505020204" pitchFamily="18" charset="0"/>
+            </a:endParaRPr>
+          </a:p>
+        </p:txBody>
+      </p:sp>
+      <p:sp>
+        <p:nvSpPr>
+          <p:cNvPr id="5" name="Θέση αριθμού διαφάνειας 1"/>
+          <p:cNvSpPr>
+            <a:spLocks noGrp="1"/>
+          </p:cNvSpPr>
+          <p:nvPr>
+            <p:ph type="sldNum" sz="quarter" idx="12"/>
+          </p:nvPr>
+        </p:nvSpPr>
+        <p:spPr>
+          <a:xfrm>
+            <a:off x="7956376" y="6577881"/>
+            <a:ext cx="802432" cy="280119"/>
+          </a:xfrm>
+        </p:spPr>
+        <p:txBody>
+          <a:bodyPr/>
+          <a:lstStyle/>
+          <a:p>
+            <a:fld id="{82BD1F62-BAB9-4678-A758-6842827ADFA9}" type="slidenum">
+              <a:rPr lang="es-ES" altLang="el-GR" b="1" smtClean="0">
+                <a:solidFill>
+                  <a:schemeClr val="bg1"/>
+                </a:solidFill>
+                <a:latin typeface="Bookman Old Style" panose="02050604050505020204" pitchFamily="18" charset="0"/>
+              </a:rPr>
+              <a:pPr/>
+              <a:t>22</a:t>
+            </a:fld>
+            <a:endParaRPr lang="es-ES" altLang="el-GR" b="1" dirty="0">
+              <a:solidFill>
+                <a:schemeClr val="bg1"/>
+              </a:solidFill>
+              <a:latin typeface="Bookman Old Style" panose="02050604050505020204" pitchFamily="18" charset="0"/>
+            </a:endParaRPr>
+          </a:p>
+        </p:txBody>
+      </p:sp>
+    </p:spTree>
+    <p:extLst>
+      <p:ext uri="{BB962C8B-B14F-4D97-AF65-F5344CB8AC3E}">
+        <p14:creationId xmlns:p14="http://schemas.microsoft.com/office/powerpoint/2010/main" val="3332542315"/>
+      </p:ext>
+    </p:extLst>
+  </p:cSld>
+  <p:clrMapOvr>
+    <a:masterClrMapping/>
+  </p:clrMapOvr>
 </p:sld>
 </file>
 
@@ -12268,7 +12496,7 @@
           <p:cNvPr id="144386" name="Rectangle 2">
             <a:extLst>
               <a:ext uri="{FF2B5EF4-FFF2-40B4-BE49-F238E27FC236}">
-                <a16:creationId xmlns="" xmlns:a16="http://schemas.microsoft.com/office/drawing/2014/main" id="{B2EB9881-15D2-4027-87B7-1B2E12624292}"/>
+                <a16:creationId xmlns:a16="http://schemas.microsoft.com/office/drawing/2014/main" id="{B2EB9881-15D2-4027-87B7-1B2E12624292}"/>
               </a:ext>
             </a:extLst>
           </p:cNvPr>
@@ -12290,41 +12518,60 @@
                 <a:solidFill>
                   <a:schemeClr val="bg1"/>
                 </a:solidFill>
+                <a:effectLst>
+                  <a:outerShdw blurRad="38100" dist="38100" dir="2700000" algn="tl">
+                    <a:srgbClr val="000000">
+                      <a:alpha val="43137"/>
+                    </a:srgbClr>
+                  </a:outerShdw>
+                </a:effectLst>
                 <a:latin typeface="Bookman Old Style" panose="02050604050505020204" pitchFamily="18" charset="0"/>
               </a:rPr>
               <a:t>System Usability Scale </a:t>
-            </a:r>
-            <a:r>
-              <a:rPr lang="el-GR" dirty="0">
-                <a:solidFill>
-                  <a:schemeClr val="bg1"/>
-                </a:solidFill>
-                <a:latin typeface="Bookman Old Style" panose="02050604050505020204" pitchFamily="18" charset="0"/>
-              </a:rPr>
-              <a:t/>
             </a:r>
             <a:br>
               <a:rPr lang="el-GR" dirty="0">
                 <a:solidFill>
                   <a:schemeClr val="bg1"/>
                 </a:solidFill>
+                <a:effectLst>
+                  <a:outerShdw blurRad="38100" dist="38100" dir="2700000" algn="tl">
+                    <a:srgbClr val="000000">
+                      <a:alpha val="43137"/>
+                    </a:srgbClr>
+                  </a:outerShdw>
+                </a:effectLst>
                 <a:latin typeface="Bookman Old Style" panose="02050604050505020204" pitchFamily="18" charset="0"/>
               </a:rPr>
             </a:br>
             <a:r>
-              <a:rPr lang="en" dirty="0" smtClean="0">
+              <a:rPr lang="en" dirty="0">
                 <a:solidFill>
                   <a:schemeClr val="bg1"/>
                 </a:solidFill>
+                <a:effectLst>
+                  <a:outerShdw blurRad="38100" dist="38100" dir="2700000" algn="tl">
+                    <a:srgbClr val="000000">
+                      <a:alpha val="43137"/>
+                    </a:srgbClr>
+                  </a:outerShdw>
+                </a:effectLst>
                 <a:latin typeface="Bookman Old Style" panose="02050604050505020204" pitchFamily="18" charset="0"/>
               </a:rPr>
               <a:t>SUS</a:t>
             </a:r>
             <a:r>
-              <a:rPr lang="el-GR" dirty="0" smtClean="0">
+              <a:rPr lang="el-GR" dirty="0">
                 <a:solidFill>
                   <a:schemeClr val="bg1"/>
                 </a:solidFill>
+                <a:effectLst>
+                  <a:outerShdw blurRad="38100" dist="38100" dir="2700000" algn="tl">
+                    <a:srgbClr val="000000">
+                      <a:alpha val="43137"/>
+                    </a:srgbClr>
+                  </a:outerShdw>
+                </a:effectLst>
                 <a:latin typeface="Bookman Old Style" panose="02050604050505020204" pitchFamily="18" charset="0"/>
               </a:rPr>
               <a:t> (1/2)</a:t>
@@ -12333,6 +12580,13 @@
               <a:solidFill>
                 <a:schemeClr val="bg1"/>
               </a:solidFill>
+              <a:effectLst>
+                <a:outerShdw blurRad="38100" dist="38100" dir="2700000" algn="tl">
+                  <a:srgbClr val="000000">
+                    <a:alpha val="43137"/>
+                  </a:srgbClr>
+                </a:outerShdw>
+              </a:effectLst>
               <a:latin typeface="Bookman Old Style" panose="02050604050505020204" pitchFamily="18" charset="0"/>
             </a:endParaRPr>
           </a:p>
@@ -12385,7 +12639,7 @@
           <a:lstStyle/>
           <a:p>
             <a:r>
-              <a:rPr lang="el-GR" dirty="0" smtClean="0">
+              <a:rPr lang="el-GR" dirty="0">
                 <a:latin typeface="Book Antiqua" panose="02040602050305030304" pitchFamily="18" charset="0"/>
               </a:rPr>
               <a:t>Θετικές ερωτήσεις</a:t>
@@ -12501,7 +12755,7 @@
           <a:p>
             <a:pPr algn="ctr"/>
             <a:r>
-              <a:rPr lang="el-GR" b="1" dirty="0" smtClean="0">
+              <a:rPr lang="el-GR" b="1" dirty="0">
                 <a:solidFill>
                   <a:srgbClr val="0070C0"/>
                 </a:solidFill>
@@ -12509,52 +12763,43 @@
               </a:rPr>
               <a:t>Δείγμα</a:t>
             </a:r>
-            <a:r>
-              <a:rPr lang="en-US" b="1" dirty="0" smtClean="0">
+            <a:br>
+              <a:rPr lang="en-US" b="1" dirty="0">
                 <a:solidFill>
                   <a:srgbClr val="0070C0"/>
                 </a:solidFill>
                 <a:latin typeface="Book Antiqua" panose="02040602050305030304" pitchFamily="18" charset="0"/>
               </a:rPr>
-              <a:t/>
-            </a:r>
-            <a:br>
-              <a:rPr lang="en-US" b="1" dirty="0" smtClean="0">
+            </a:br>
+            <a:r>
+              <a:rPr lang="en-US" b="1" dirty="0">
                 <a:solidFill>
                   <a:srgbClr val="0070C0"/>
                 </a:solidFill>
                 <a:latin typeface="Book Antiqua" panose="02040602050305030304" pitchFamily="18" charset="0"/>
               </a:rPr>
-            </a:br>
-            <a:r>
-              <a:rPr lang="en-US" b="1" dirty="0" smtClean="0">
+              <a:t>2</a:t>
+            </a:r>
+            <a:r>
+              <a:rPr lang="el-GR" b="1" dirty="0">
                 <a:solidFill>
                   <a:srgbClr val="0070C0"/>
                 </a:solidFill>
                 <a:latin typeface="Book Antiqua" panose="02040602050305030304" pitchFamily="18" charset="0"/>
               </a:rPr>
-              <a:t>2</a:t>
-            </a:r>
-            <a:r>
-              <a:rPr lang="el-GR" b="1" dirty="0" smtClean="0">
+              <a:t>3</a:t>
+            </a:r>
+            <a:r>
+              <a:rPr lang="en-US" b="1" dirty="0">
                 <a:solidFill>
                   <a:srgbClr val="0070C0"/>
                 </a:solidFill>
                 <a:latin typeface="Book Antiqua" panose="02040602050305030304" pitchFamily="18" charset="0"/>
               </a:rPr>
-              <a:t>3</a:t>
-            </a:r>
-            <a:r>
-              <a:rPr lang="en-US" b="1" dirty="0" smtClean="0">
-                <a:solidFill>
-                  <a:srgbClr val="0070C0"/>
-                </a:solidFill>
-                <a:latin typeface="Book Antiqua" panose="02040602050305030304" pitchFamily="18" charset="0"/>
-              </a:rPr>
               <a:t> </a:t>
             </a:r>
             <a:r>
-              <a:rPr lang="el-GR" b="1" dirty="0" smtClean="0">
+              <a:rPr lang="el-GR" b="1" dirty="0">
                 <a:solidFill>
                   <a:srgbClr val="0070C0"/>
                 </a:solidFill>
@@ -12581,13 +12826,6 @@
   <p:clrMapOvr>
     <a:masterClrMapping/>
   </p:clrMapOvr>
-  <p:timing>
-    <p:tnLst>
-      <p:par>
-        <p:cTn id="1" dur="indefinite" restart="never" nodeType="tmRoot"/>
-      </p:par>
-    </p:tnLst>
-  </p:timing>
 </p:sld>
 </file>
 
@@ -12627,7 +12865,7 @@
           <p:cNvPr id="144386" name="Rectangle 2">
             <a:extLst>
               <a:ext uri="{FF2B5EF4-FFF2-40B4-BE49-F238E27FC236}">
-                <a16:creationId xmlns="" xmlns:a16="http://schemas.microsoft.com/office/drawing/2014/main" id="{B2EB9881-15D2-4027-87B7-1B2E12624292}"/>
+                <a16:creationId xmlns:a16="http://schemas.microsoft.com/office/drawing/2014/main" id="{B2EB9881-15D2-4027-87B7-1B2E12624292}"/>
               </a:ext>
             </a:extLst>
           </p:cNvPr>
@@ -12649,41 +12887,60 @@
                 <a:solidFill>
                   <a:schemeClr val="bg1"/>
                 </a:solidFill>
+                <a:effectLst>
+                  <a:outerShdw blurRad="38100" dist="38100" dir="2700000" algn="tl">
+                    <a:srgbClr val="000000">
+                      <a:alpha val="43137"/>
+                    </a:srgbClr>
+                  </a:outerShdw>
+                </a:effectLst>
                 <a:latin typeface="Bookman Old Style" panose="02050604050505020204" pitchFamily="18" charset="0"/>
               </a:rPr>
               <a:t>System Usability Scale </a:t>
-            </a:r>
-            <a:r>
-              <a:rPr lang="el-GR" dirty="0">
-                <a:solidFill>
-                  <a:schemeClr val="bg1"/>
-                </a:solidFill>
-                <a:latin typeface="Bookman Old Style" panose="02050604050505020204" pitchFamily="18" charset="0"/>
-              </a:rPr>
-              <a:t/>
             </a:r>
             <a:br>
               <a:rPr lang="el-GR" dirty="0">
                 <a:solidFill>
                   <a:schemeClr val="bg1"/>
                 </a:solidFill>
+                <a:effectLst>
+                  <a:outerShdw blurRad="38100" dist="38100" dir="2700000" algn="tl">
+                    <a:srgbClr val="000000">
+                      <a:alpha val="43137"/>
+                    </a:srgbClr>
+                  </a:outerShdw>
+                </a:effectLst>
                 <a:latin typeface="Bookman Old Style" panose="02050604050505020204" pitchFamily="18" charset="0"/>
               </a:rPr>
             </a:br>
             <a:r>
-              <a:rPr lang="en" dirty="0" smtClean="0">
+              <a:rPr lang="en" dirty="0">
                 <a:solidFill>
                   <a:schemeClr val="bg1"/>
                 </a:solidFill>
+                <a:effectLst>
+                  <a:outerShdw blurRad="38100" dist="38100" dir="2700000" algn="tl">
+                    <a:srgbClr val="000000">
+                      <a:alpha val="43137"/>
+                    </a:srgbClr>
+                  </a:outerShdw>
+                </a:effectLst>
                 <a:latin typeface="Bookman Old Style" panose="02050604050505020204" pitchFamily="18" charset="0"/>
               </a:rPr>
               <a:t>SUS</a:t>
             </a:r>
             <a:r>
-              <a:rPr lang="el-GR" dirty="0" smtClean="0">
+              <a:rPr lang="el-GR" dirty="0">
                 <a:solidFill>
                   <a:schemeClr val="bg1"/>
                 </a:solidFill>
+                <a:effectLst>
+                  <a:outerShdw blurRad="38100" dist="38100" dir="2700000" algn="tl">
+                    <a:srgbClr val="000000">
+                      <a:alpha val="43137"/>
+                    </a:srgbClr>
+                  </a:outerShdw>
+                </a:effectLst>
                 <a:latin typeface="Bookman Old Style" panose="02050604050505020204" pitchFamily="18" charset="0"/>
               </a:rPr>
               <a:t> (2/2)</a:t>
@@ -12692,6 +12949,13 @@
               <a:solidFill>
                 <a:schemeClr val="bg1"/>
               </a:solidFill>
+              <a:effectLst>
+                <a:outerShdw blurRad="38100" dist="38100" dir="2700000" algn="tl">
+                  <a:srgbClr val="000000">
+                    <a:alpha val="43137"/>
+                  </a:srgbClr>
+                </a:outerShdw>
+              </a:effectLst>
               <a:latin typeface="Bookman Old Style" panose="02050604050505020204" pitchFamily="18" charset="0"/>
             </a:endParaRPr>
           </a:p>
@@ -12720,7 +12984,7 @@
           <a:lstStyle/>
           <a:p>
             <a:r>
-              <a:rPr lang="el-GR" dirty="0" smtClean="0">
+              <a:rPr lang="el-GR" dirty="0">
                 <a:latin typeface="Book Antiqua" panose="02040602050305030304" pitchFamily="18" charset="0"/>
               </a:rPr>
               <a:t>Αρνητικές ερωτήσεις</a:t>
@@ -12860,7 +13124,7 @@
           <a:p>
             <a:pPr algn="ctr"/>
             <a:r>
-              <a:rPr lang="el-GR" b="1" dirty="0" smtClean="0">
+              <a:rPr lang="el-GR" b="1" dirty="0">
                 <a:solidFill>
                   <a:srgbClr val="0070C0"/>
                 </a:solidFill>
@@ -12868,52 +13132,43 @@
               </a:rPr>
               <a:t>Δείγμα</a:t>
             </a:r>
-            <a:r>
-              <a:rPr lang="en-US" b="1" dirty="0" smtClean="0">
+            <a:br>
+              <a:rPr lang="en-US" b="1" dirty="0">
                 <a:solidFill>
                   <a:srgbClr val="0070C0"/>
                 </a:solidFill>
                 <a:latin typeface="Book Antiqua" panose="02040602050305030304" pitchFamily="18" charset="0"/>
               </a:rPr>
-              <a:t/>
-            </a:r>
-            <a:br>
-              <a:rPr lang="en-US" b="1" dirty="0" smtClean="0">
+            </a:br>
+            <a:r>
+              <a:rPr lang="en-US" b="1" dirty="0">
                 <a:solidFill>
                   <a:srgbClr val="0070C0"/>
                 </a:solidFill>
                 <a:latin typeface="Book Antiqua" panose="02040602050305030304" pitchFamily="18" charset="0"/>
               </a:rPr>
-            </a:br>
-            <a:r>
-              <a:rPr lang="en-US" b="1" dirty="0" smtClean="0">
+              <a:t>2</a:t>
+            </a:r>
+            <a:r>
+              <a:rPr lang="el-GR" b="1" dirty="0">
                 <a:solidFill>
                   <a:srgbClr val="0070C0"/>
                 </a:solidFill>
                 <a:latin typeface="Book Antiqua" panose="02040602050305030304" pitchFamily="18" charset="0"/>
               </a:rPr>
-              <a:t>2</a:t>
-            </a:r>
-            <a:r>
-              <a:rPr lang="el-GR" b="1" dirty="0" smtClean="0">
+              <a:t>3</a:t>
+            </a:r>
+            <a:r>
+              <a:rPr lang="en-US" b="1" dirty="0">
                 <a:solidFill>
                   <a:srgbClr val="0070C0"/>
                 </a:solidFill>
                 <a:latin typeface="Book Antiqua" panose="02040602050305030304" pitchFamily="18" charset="0"/>
               </a:rPr>
-              <a:t>3</a:t>
-            </a:r>
-            <a:r>
-              <a:rPr lang="en-US" b="1" dirty="0" smtClean="0">
-                <a:solidFill>
-                  <a:srgbClr val="0070C0"/>
-                </a:solidFill>
-                <a:latin typeface="Book Antiqua" panose="02040602050305030304" pitchFamily="18" charset="0"/>
-              </a:rPr>
               <a:t> </a:t>
             </a:r>
             <a:r>
-              <a:rPr lang="el-GR" b="1" dirty="0" smtClean="0">
+              <a:rPr lang="el-GR" b="1" dirty="0">
                 <a:solidFill>
                   <a:srgbClr val="0070C0"/>
                 </a:solidFill>
@@ -12940,13 +13195,6 @@
   <p:clrMapOvr>
     <a:masterClrMapping/>
   </p:clrMapOvr>
-  <p:timing>
-    <p:tnLst>
-      <p:par>
-        <p:cTn id="1" dur="indefinite" restart="never" nodeType="tmRoot"/>
-      </p:par>
-    </p:tnLst>
-  </p:timing>
 </p:sld>
 </file>
 
@@ -12986,7 +13234,7 @@
           <p:cNvPr id="144386" name="Rectangle 2">
             <a:extLst>
               <a:ext uri="{FF2B5EF4-FFF2-40B4-BE49-F238E27FC236}">
-                <a16:creationId xmlns="" xmlns:a16="http://schemas.microsoft.com/office/drawing/2014/main" id="{B2EB9881-15D2-4027-87B7-1B2E12624292}"/>
+                <a16:creationId xmlns:a16="http://schemas.microsoft.com/office/drawing/2014/main" id="{B2EB9881-15D2-4027-87B7-1B2E12624292}"/>
               </a:ext>
             </a:extLst>
           </p:cNvPr>
@@ -13008,6 +13256,13 @@
                 <a:solidFill>
                   <a:schemeClr val="bg1"/>
                 </a:solidFill>
+                <a:effectLst>
+                  <a:outerShdw blurRad="38100" dist="38100" dir="2700000" algn="tl">
+                    <a:srgbClr val="000000">
+                      <a:alpha val="43137"/>
+                    </a:srgbClr>
+                  </a:outerShdw>
+                </a:effectLst>
                 <a:latin typeface="Bookman Old Style" panose="02050604050505020204" pitchFamily="18" charset="0"/>
               </a:rPr>
               <a:t>Google analytics 1/4</a:t>
@@ -13016,6 +13271,13 @@
               <a:solidFill>
                 <a:schemeClr val="bg1"/>
               </a:solidFill>
+              <a:effectLst>
+                <a:outerShdw blurRad="38100" dist="38100" dir="2700000" algn="tl">
+                  <a:srgbClr val="000000">
+                    <a:alpha val="43137"/>
+                  </a:srgbClr>
+                </a:outerShdw>
+              </a:effectLst>
               <a:latin typeface="Bookman Old Style" panose="02050604050505020204" pitchFamily="18" charset="0"/>
             </a:endParaRPr>
           </a:p>
@@ -13026,7 +13288,7 @@
           <p:cNvPr id="3" name="Εικόνα 2">
             <a:extLst>
               <a:ext uri="{FF2B5EF4-FFF2-40B4-BE49-F238E27FC236}">
-                <a16:creationId xmlns="" xmlns:a16="http://schemas.microsoft.com/office/drawing/2014/main" id="{CBE286AE-7413-4716-B3EB-DDF5DD358E81}"/>
+                <a16:creationId xmlns:a16="http://schemas.microsoft.com/office/drawing/2014/main" id="{CBE286AE-7413-4716-B3EB-DDF5DD358E81}"/>
               </a:ext>
             </a:extLst>
           </p:cNvPr>
@@ -13106,13 +13368,6 @@
   <p:clrMapOvr>
     <a:masterClrMapping/>
   </p:clrMapOvr>
-  <p:timing>
-    <p:tnLst>
-      <p:par>
-        <p:cTn id="1" dur="indefinite" restart="never" nodeType="tmRoot"/>
-      </p:par>
-    </p:tnLst>
-  </p:timing>
 </p:sld>
 </file>
 
@@ -13152,7 +13407,7 @@
           <p:cNvPr id="144386" name="Rectangle 2">
             <a:extLst>
               <a:ext uri="{FF2B5EF4-FFF2-40B4-BE49-F238E27FC236}">
-                <a16:creationId xmlns="" xmlns:a16="http://schemas.microsoft.com/office/drawing/2014/main" id="{B2EB9881-15D2-4027-87B7-1B2E12624292}"/>
+                <a16:creationId xmlns:a16="http://schemas.microsoft.com/office/drawing/2014/main" id="{B2EB9881-15D2-4027-87B7-1B2E12624292}"/>
               </a:ext>
             </a:extLst>
           </p:cNvPr>
@@ -13174,6 +13429,13 @@
                 <a:solidFill>
                   <a:schemeClr val="bg1"/>
                 </a:solidFill>
+                <a:effectLst>
+                  <a:outerShdw blurRad="38100" dist="38100" dir="2700000" algn="tl">
+                    <a:srgbClr val="000000">
+                      <a:alpha val="43137"/>
+                    </a:srgbClr>
+                  </a:outerShdw>
+                </a:effectLst>
                 <a:latin typeface="Bookman Old Style" panose="02050604050505020204" pitchFamily="18" charset="0"/>
               </a:rPr>
               <a:t>Google analytics 2/4</a:t>
@@ -13182,6 +13444,13 @@
               <a:solidFill>
                 <a:schemeClr val="bg1"/>
               </a:solidFill>
+              <a:effectLst>
+                <a:outerShdw blurRad="38100" dist="38100" dir="2700000" algn="tl">
+                  <a:srgbClr val="000000">
+                    <a:alpha val="43137"/>
+                  </a:srgbClr>
+                </a:outerShdw>
+              </a:effectLst>
               <a:latin typeface="Bookman Old Style" panose="02050604050505020204" pitchFamily="18" charset="0"/>
             </a:endParaRPr>
           </a:p>
@@ -13192,7 +13461,7 @@
           <p:cNvPr id="4" name="Εικόνα 3" descr="Εικόνα που περιέχει κείμενο, χάρτης&#10;&#10;Η περιγραφή δημιουργήθηκε με υψηλή αξιοπιστία">
             <a:extLst>
               <a:ext uri="{FF2B5EF4-FFF2-40B4-BE49-F238E27FC236}">
-                <a16:creationId xmlns="" xmlns:a16="http://schemas.microsoft.com/office/drawing/2014/main" id="{2FDD032F-3B38-43CB-8351-1C8DBF673831}"/>
+                <a16:creationId xmlns:a16="http://schemas.microsoft.com/office/drawing/2014/main" id="{2FDD032F-3B38-43CB-8351-1C8DBF673831}"/>
               </a:ext>
             </a:extLst>
           </p:cNvPr>
@@ -13272,13 +13541,6 @@
   <p:clrMapOvr>
     <a:masterClrMapping/>
   </p:clrMapOvr>
-  <p:timing>
-    <p:tnLst>
-      <p:par>
-        <p:cTn id="1" dur="indefinite" restart="never" nodeType="tmRoot"/>
-      </p:par>
-    </p:tnLst>
-  </p:timing>
 </p:sld>
 </file>
 
@@ -13318,7 +13580,7 @@
           <p:cNvPr id="144386" name="Rectangle 2">
             <a:extLst>
               <a:ext uri="{FF2B5EF4-FFF2-40B4-BE49-F238E27FC236}">
-                <a16:creationId xmlns="" xmlns:a16="http://schemas.microsoft.com/office/drawing/2014/main" id="{B2EB9881-15D2-4027-87B7-1B2E12624292}"/>
+                <a16:creationId xmlns:a16="http://schemas.microsoft.com/office/drawing/2014/main" id="{B2EB9881-15D2-4027-87B7-1B2E12624292}"/>
               </a:ext>
             </a:extLst>
           </p:cNvPr>
@@ -13340,6 +13602,13 @@
                 <a:solidFill>
                   <a:schemeClr val="bg1"/>
                 </a:solidFill>
+                <a:effectLst>
+                  <a:outerShdw blurRad="38100" dist="38100" dir="2700000" algn="tl">
+                    <a:srgbClr val="000000">
+                      <a:alpha val="43137"/>
+                    </a:srgbClr>
+                  </a:outerShdw>
+                </a:effectLst>
                 <a:latin typeface="Bookman Old Style" panose="02050604050505020204" pitchFamily="18" charset="0"/>
               </a:rPr>
               <a:t>Google analytics 3/4</a:t>
@@ -13348,6 +13617,13 @@
               <a:solidFill>
                 <a:schemeClr val="bg1"/>
               </a:solidFill>
+              <a:effectLst>
+                <a:outerShdw blurRad="38100" dist="38100" dir="2700000" algn="tl">
+                  <a:srgbClr val="000000">
+                    <a:alpha val="43137"/>
+                  </a:srgbClr>
+                </a:outerShdw>
+              </a:effectLst>
               <a:latin typeface="Bookman Old Style" panose="02050604050505020204" pitchFamily="18" charset="0"/>
             </a:endParaRPr>
           </a:p>
@@ -13358,7 +13634,7 @@
           <p:cNvPr id="3" name="Εικόνα 2" descr="Εικόνα που περιέχει στιγμιότυπο οθόνης&#10;&#10;Η περιγραφή δημιουργήθηκε με πολύ υψηλή αξιοπιστία">
             <a:extLst>
               <a:ext uri="{FF2B5EF4-FFF2-40B4-BE49-F238E27FC236}">
-                <a16:creationId xmlns="" xmlns:a16="http://schemas.microsoft.com/office/drawing/2014/main" id="{A7357758-41B9-4251-9161-0F20075C2B14}"/>
+                <a16:creationId xmlns:a16="http://schemas.microsoft.com/office/drawing/2014/main" id="{A7357758-41B9-4251-9161-0F20075C2B14}"/>
               </a:ext>
             </a:extLst>
           </p:cNvPr>
@@ -13438,13 +13714,6 @@
   <p:clrMapOvr>
     <a:masterClrMapping/>
   </p:clrMapOvr>
-  <p:timing>
-    <p:tnLst>
-      <p:par>
-        <p:cTn id="1" dur="indefinite" restart="never" nodeType="tmRoot"/>
-      </p:par>
-    </p:tnLst>
-  </p:timing>
 </p:sld>
 </file>
 
@@ -13484,7 +13753,7 @@
           <p:cNvPr id="144386" name="Rectangle 2">
             <a:extLst>
               <a:ext uri="{FF2B5EF4-FFF2-40B4-BE49-F238E27FC236}">
-                <a16:creationId xmlns="" xmlns:a16="http://schemas.microsoft.com/office/drawing/2014/main" id="{B2EB9881-15D2-4027-87B7-1B2E12624292}"/>
+                <a16:creationId xmlns:a16="http://schemas.microsoft.com/office/drawing/2014/main" id="{B2EB9881-15D2-4027-87B7-1B2E12624292}"/>
               </a:ext>
             </a:extLst>
           </p:cNvPr>
@@ -13506,6 +13775,13 @@
                 <a:solidFill>
                   <a:schemeClr val="bg1"/>
                 </a:solidFill>
+                <a:effectLst>
+                  <a:outerShdw blurRad="38100" dist="38100" dir="2700000" algn="tl">
+                    <a:srgbClr val="000000">
+                      <a:alpha val="43137"/>
+                    </a:srgbClr>
+                  </a:outerShdw>
+                </a:effectLst>
                 <a:latin typeface="Bookman Old Style" panose="02050604050505020204" pitchFamily="18" charset="0"/>
               </a:rPr>
               <a:t>Google analytics 4/4</a:t>
@@ -13514,6 +13790,13 @@
               <a:solidFill>
                 <a:schemeClr val="bg1"/>
               </a:solidFill>
+              <a:effectLst>
+                <a:outerShdw blurRad="38100" dist="38100" dir="2700000" algn="tl">
+                  <a:srgbClr val="000000">
+                    <a:alpha val="43137"/>
+                  </a:srgbClr>
+                </a:outerShdw>
+              </a:effectLst>
               <a:latin typeface="Bookman Old Style" panose="02050604050505020204" pitchFamily="18" charset="0"/>
             </a:endParaRPr>
           </a:p>
@@ -13524,7 +13807,7 @@
           <p:cNvPr id="4" name="Εικόνα 3">
             <a:extLst>
               <a:ext uri="{FF2B5EF4-FFF2-40B4-BE49-F238E27FC236}">
-                <a16:creationId xmlns="" xmlns:a16="http://schemas.microsoft.com/office/drawing/2014/main" id="{AB6F6696-1F79-48CF-95A7-33DDC06B88E8}"/>
+                <a16:creationId xmlns:a16="http://schemas.microsoft.com/office/drawing/2014/main" id="{AB6F6696-1F79-48CF-95A7-33DDC06B88E8}"/>
               </a:ext>
             </a:extLst>
           </p:cNvPr>
@@ -13604,13 +13887,6 @@
   <p:clrMapOvr>
     <a:masterClrMapping/>
   </p:clrMapOvr>
-  <p:timing>
-    <p:tnLst>
-      <p:par>
-        <p:cTn id="1" dur="indefinite" restart="never" nodeType="tmRoot"/>
-      </p:par>
-    </p:tnLst>
-  </p:timing>
 </p:sld>
 </file>
 
@@ -13650,7 +13926,7 @@
           <p:cNvPr id="144386" name="Rectangle 2">
             <a:extLst>
               <a:ext uri="{FF2B5EF4-FFF2-40B4-BE49-F238E27FC236}">
-                <a16:creationId xmlns="" xmlns:a16="http://schemas.microsoft.com/office/drawing/2014/main" id="{B2EB9881-15D2-4027-87B7-1B2E12624292}"/>
+                <a16:creationId xmlns:a16="http://schemas.microsoft.com/office/drawing/2014/main" id="{B2EB9881-15D2-4027-87B7-1B2E12624292}"/>
               </a:ext>
             </a:extLst>
           </p:cNvPr>
@@ -13677,6 +13953,13 @@
                 <a:solidFill>
                   <a:schemeClr val="bg1"/>
                 </a:solidFill>
+                <a:effectLst>
+                  <a:outerShdw blurRad="38100" dist="38100" dir="2700000" algn="tl">
+                    <a:srgbClr val="000000">
+                      <a:alpha val="43137"/>
+                    </a:srgbClr>
+                  </a:outerShdw>
+                </a:effectLst>
                 <a:latin typeface="Bookman Old Style" panose="02050604050505020204" pitchFamily="18" charset="0"/>
               </a:rPr>
               <a:t>Vega Security platform</a:t>
@@ -13685,6 +13968,13 @@
               <a:solidFill>
                 <a:schemeClr val="bg1"/>
               </a:solidFill>
+              <a:effectLst>
+                <a:outerShdw blurRad="38100" dist="38100" dir="2700000" algn="tl">
+                  <a:srgbClr val="000000">
+                    <a:alpha val="43137"/>
+                  </a:srgbClr>
+                </a:outerShdw>
+              </a:effectLst>
               <a:latin typeface="Bookman Old Style" panose="02050604050505020204" pitchFamily="18" charset="0"/>
             </a:endParaRPr>
           </a:p>
@@ -13695,7 +13985,7 @@
           <p:cNvPr id="6" name="Εικόνα 5">
             <a:extLst>
               <a:ext uri="{FF2B5EF4-FFF2-40B4-BE49-F238E27FC236}">
-                <a16:creationId xmlns="" xmlns:a16="http://schemas.microsoft.com/office/drawing/2014/main" id="{597EFF02-63A7-4B57-BA26-D7C9E1B099D2}"/>
+                <a16:creationId xmlns:a16="http://schemas.microsoft.com/office/drawing/2014/main" id="{597EFF02-63A7-4B57-BA26-D7C9E1B099D2}"/>
               </a:ext>
             </a:extLst>
           </p:cNvPr>
@@ -13725,7 +14015,7 @@
           <p:cNvPr id="7" name="Εικόνα 6">
             <a:extLst>
               <a:ext uri="{FF2B5EF4-FFF2-40B4-BE49-F238E27FC236}">
-                <a16:creationId xmlns="" xmlns:a16="http://schemas.microsoft.com/office/drawing/2014/main" id="{E3558EA8-960B-4AE6-9E85-725908EE801A}"/>
+                <a16:creationId xmlns:a16="http://schemas.microsoft.com/office/drawing/2014/main" id="{E3558EA8-960B-4AE6-9E85-725908EE801A}"/>
               </a:ext>
             </a:extLst>
           </p:cNvPr>
@@ -13755,7 +14045,7 @@
           <p:cNvPr id="9" name="Εικόνα 8">
             <a:extLst>
               <a:ext uri="{FF2B5EF4-FFF2-40B4-BE49-F238E27FC236}">
-                <a16:creationId xmlns="" xmlns:a16="http://schemas.microsoft.com/office/drawing/2014/main" id="{085544D1-D21E-4054-8142-68211766E179}"/>
+                <a16:creationId xmlns:a16="http://schemas.microsoft.com/office/drawing/2014/main" id="{085544D1-D21E-4054-8142-68211766E179}"/>
               </a:ext>
             </a:extLst>
           </p:cNvPr>
@@ -13829,13 +14119,6 @@
   <p:clrMapOvr>
     <a:masterClrMapping/>
   </p:clrMapOvr>
-  <p:timing>
-    <p:tnLst>
-      <p:par>
-        <p:cTn id="1" dur="indefinite" restart="never" nodeType="tmRoot"/>
-      </p:par>
-    </p:tnLst>
-  </p:timing>
 </p:sld>
 </file>
 
@@ -13875,7 +14158,7 @@
           <p:cNvPr id="6" name="Google Shape;73;p16">
             <a:extLst>
               <a:ext uri="{FF2B5EF4-FFF2-40B4-BE49-F238E27FC236}">
-                <a16:creationId xmlns="" xmlns:a16="http://schemas.microsoft.com/office/drawing/2014/main" id="{C5ED6A7E-9836-424E-919F-E6DBC25355EF}"/>
+                <a16:creationId xmlns:a16="http://schemas.microsoft.com/office/drawing/2014/main" id="{C5ED6A7E-9836-424E-919F-E6DBC25355EF}"/>
               </a:ext>
             </a:extLst>
           </p:cNvPr>
@@ -13909,7 +14192,7 @@
           <p:cNvPr id="9" name="Rectangle 2">
             <a:extLst>
               <a:ext uri="{FF2B5EF4-FFF2-40B4-BE49-F238E27FC236}">
-                <a16:creationId xmlns="" xmlns:a16="http://schemas.microsoft.com/office/drawing/2014/main" id="{3FD37A60-A0D2-4C70-ACB2-00BD410C124D}"/>
+                <a16:creationId xmlns:a16="http://schemas.microsoft.com/office/drawing/2014/main" id="{3FD37A60-A0D2-4C70-ACB2-00BD410C124D}"/>
               </a:ext>
             </a:extLst>
           </p:cNvPr>
@@ -13938,6 +14221,13 @@
                     <a:lumMod val="95000"/>
                   </a:schemeClr>
                 </a:solidFill>
+                <a:effectLst>
+                  <a:outerShdw blurRad="38100" dist="38100" dir="2700000" algn="tl">
+                    <a:srgbClr val="000000">
+                      <a:alpha val="43137"/>
+                    </a:srgbClr>
+                  </a:outerShdw>
+                </a:effectLst>
                 <a:latin typeface="Bookman Old Style" panose="02050604050505020204" pitchFamily="18" charset="0"/>
               </a:rPr>
               <a:t>Αρχιτεκτονική</a:t>
@@ -13994,13 +14284,6 @@
   <p:clrMapOvr>
     <a:masterClrMapping/>
   </p:clrMapOvr>
-  <p:timing>
-    <p:tnLst>
-      <p:par>
-        <p:cTn id="1" dur="indefinite" restart="never" nodeType="tmRoot"/>
-      </p:par>
-    </p:tnLst>
-  </p:timing>
 </p:sld>
 </file>
 
@@ -14040,7 +14323,7 @@
           <p:cNvPr id="144386" name="Rectangle 2">
             <a:extLst>
               <a:ext uri="{FF2B5EF4-FFF2-40B4-BE49-F238E27FC236}">
-                <a16:creationId xmlns="" xmlns:a16="http://schemas.microsoft.com/office/drawing/2014/main" id="{B2EB9881-15D2-4027-87B7-1B2E12624292}"/>
+                <a16:creationId xmlns:a16="http://schemas.microsoft.com/office/drawing/2014/main" id="{B2EB9881-15D2-4027-87B7-1B2E12624292}"/>
               </a:ext>
             </a:extLst>
           </p:cNvPr>
@@ -14067,6 +14350,13 @@
                 <a:solidFill>
                   <a:schemeClr val="bg1"/>
                 </a:solidFill>
+                <a:effectLst>
+                  <a:outerShdw blurRad="38100" dist="38100" dir="2700000" algn="tl">
+                    <a:srgbClr val="000000">
+                      <a:alpha val="43137"/>
+                    </a:srgbClr>
+                  </a:outerShdw>
+                </a:effectLst>
                 <a:latin typeface="Bookman Old Style" panose="02050604050505020204" pitchFamily="18" charset="0"/>
               </a:rPr>
               <a:t>Vega Security platform</a:t>
@@ -14075,6 +14365,13 @@
               <a:solidFill>
                 <a:schemeClr val="bg1"/>
               </a:solidFill>
+              <a:effectLst>
+                <a:outerShdw blurRad="38100" dist="38100" dir="2700000" algn="tl">
+                  <a:srgbClr val="000000">
+                    <a:alpha val="43137"/>
+                  </a:srgbClr>
+                </a:outerShdw>
+              </a:effectLst>
               <a:latin typeface="Bookman Old Style" panose="02050604050505020204" pitchFamily="18" charset="0"/>
             </a:endParaRPr>
           </a:p>
@@ -14085,7 +14382,7 @@
           <p:cNvPr id="6" name="Εικόνα 5">
             <a:extLst>
               <a:ext uri="{FF2B5EF4-FFF2-40B4-BE49-F238E27FC236}">
-                <a16:creationId xmlns="" xmlns:a16="http://schemas.microsoft.com/office/drawing/2014/main" id="{597EFF02-63A7-4B57-BA26-D7C9E1B099D2}"/>
+                <a16:creationId xmlns:a16="http://schemas.microsoft.com/office/drawing/2014/main" id="{597EFF02-63A7-4B57-BA26-D7C9E1B099D2}"/>
               </a:ext>
             </a:extLst>
           </p:cNvPr>
@@ -14115,7 +14412,7 @@
           <p:cNvPr id="2" name="Εικόνα 1">
             <a:extLst>
               <a:ext uri="{FF2B5EF4-FFF2-40B4-BE49-F238E27FC236}">
-                <a16:creationId xmlns="" xmlns:a16="http://schemas.microsoft.com/office/drawing/2014/main" id="{40E2FC4B-7414-4922-B240-24B4E198883D}"/>
+                <a16:creationId xmlns:a16="http://schemas.microsoft.com/office/drawing/2014/main" id="{40E2FC4B-7414-4922-B240-24B4E198883D}"/>
               </a:ext>
             </a:extLst>
           </p:cNvPr>
@@ -14189,13 +14486,6 @@
   <p:clrMapOvr>
     <a:masterClrMapping/>
   </p:clrMapOvr>
-  <p:timing>
-    <p:tnLst>
-      <p:par>
-        <p:cTn id="1" dur="indefinite" restart="never" nodeType="tmRoot"/>
-      </p:par>
-    </p:tnLst>
-  </p:timing>
 </p:sld>
 </file>
 
@@ -14285,7 +14575,7 @@
           <p:cNvPr id="144386" name="Rectangle 2">
             <a:extLst>
               <a:ext uri="{FF2B5EF4-FFF2-40B4-BE49-F238E27FC236}">
-                <a16:creationId xmlns="" xmlns:a16="http://schemas.microsoft.com/office/drawing/2014/main" id="{B2EB9881-15D2-4027-87B7-1B2E12624292}"/>
+                <a16:creationId xmlns:a16="http://schemas.microsoft.com/office/drawing/2014/main" id="{B2EB9881-15D2-4027-87B7-1B2E12624292}"/>
               </a:ext>
             </a:extLst>
           </p:cNvPr>
@@ -14308,10 +14598,17 @@
           <a:p>
             <a:pPr algn="l"/>
             <a:r>
-              <a:rPr lang="en-US" altLang="el-GR" dirty="0" smtClean="0">
+              <a:rPr lang="en-US" altLang="el-GR" dirty="0">
                 <a:solidFill>
                   <a:schemeClr val="bg1"/>
                 </a:solidFill>
+                <a:effectLst>
+                  <a:outerShdw blurRad="38100" dist="38100" dir="2700000" algn="tl">
+                    <a:srgbClr val="000000">
+                      <a:alpha val="43137"/>
+                    </a:srgbClr>
+                  </a:outerShdw>
+                </a:effectLst>
                 <a:latin typeface="Bookman Old Style" panose="02050604050505020204" pitchFamily="18" charset="0"/>
               </a:rPr>
               <a:t>Questions ?</a:t>
@@ -14320,6 +14617,13 @@
               <a:solidFill>
                 <a:schemeClr val="bg1"/>
               </a:solidFill>
+              <a:effectLst>
+                <a:outerShdw blurRad="38100" dist="38100" dir="2700000" algn="tl">
+                  <a:srgbClr val="000000">
+                    <a:alpha val="43137"/>
+                  </a:srgbClr>
+                </a:outerShdw>
+              </a:effectLst>
               <a:latin typeface="Bookman Old Style" panose="02050604050505020204" pitchFamily="18" charset="0"/>
             </a:endParaRPr>
           </a:p>
@@ -14359,7 +14663,7 @@
               <a:buSzPts val="2400"/>
             </a:pPr>
             <a:r>
-              <a:rPr lang="el-GR" sz="3200" dirty="0" smtClean="0">
+              <a:rPr lang="el-GR" sz="3200" dirty="0">
                 <a:solidFill>
                   <a:schemeClr val="dk1"/>
                 </a:solidFill>
@@ -14402,7 +14706,7 @@
               <a:buSzPts val="2400"/>
             </a:pPr>
             <a:r>
-              <a:rPr lang="el-GR" sz="3200" dirty="0" smtClean="0">
+              <a:rPr lang="el-GR" sz="3200" dirty="0">
                 <a:solidFill>
                   <a:schemeClr val="dk1"/>
                 </a:solidFill>
@@ -14429,13 +14733,6 @@
   <p:clrMapOvr>
     <a:masterClrMapping/>
   </p:clrMapOvr>
-  <p:timing>
-    <p:tnLst>
-      <p:par>
-        <p:cTn id="1" dur="indefinite" restart="never" nodeType="tmRoot"/>
-      </p:par>
-    </p:tnLst>
-  </p:timing>
 </p:sld>
 </file>
 
@@ -14475,7 +14772,7 @@
           <p:cNvPr id="9" name="Google Shape;80;p17">
             <a:extLst>
               <a:ext uri="{FF2B5EF4-FFF2-40B4-BE49-F238E27FC236}">
-                <a16:creationId xmlns="" xmlns:a16="http://schemas.microsoft.com/office/drawing/2014/main" id="{72EF1FA3-8F9E-42FF-8893-A7E07073CE3D}"/>
+                <a16:creationId xmlns:a16="http://schemas.microsoft.com/office/drawing/2014/main" id="{72EF1FA3-8F9E-42FF-8893-A7E07073CE3D}"/>
               </a:ext>
             </a:extLst>
           </p:cNvPr>
@@ -14513,7 +14810,7 @@
           <p:cNvPr id="4" name="Rectangle 2">
             <a:extLst>
               <a:ext uri="{FF2B5EF4-FFF2-40B4-BE49-F238E27FC236}">
-                <a16:creationId xmlns="" xmlns:a16="http://schemas.microsoft.com/office/drawing/2014/main" id="{B2EB9881-15D2-4027-87B7-1B2E12624292}"/>
+                <a16:creationId xmlns:a16="http://schemas.microsoft.com/office/drawing/2014/main" id="{B2EB9881-15D2-4027-87B7-1B2E12624292}"/>
               </a:ext>
             </a:extLst>
           </p:cNvPr>
@@ -14542,6 +14839,13 @@
                     <a:lumMod val="95000"/>
                   </a:schemeClr>
                 </a:solidFill>
+                <a:effectLst>
+                  <a:outerShdw blurRad="38100" dist="38100" dir="2700000" algn="tl">
+                    <a:srgbClr val="000000">
+                      <a:alpha val="43137"/>
+                    </a:srgbClr>
+                  </a:outerShdw>
+                </a:effectLst>
                 <a:latin typeface="Bookman Old Style" panose="02050604050505020204" pitchFamily="18" charset="0"/>
               </a:rPr>
               <a:t>Αρχιτεκτονική</a:t>
@@ -14553,6 +14857,13 @@
                     <a:lumMod val="95000"/>
                   </a:schemeClr>
                 </a:solidFill>
+                <a:effectLst>
+                  <a:outerShdw blurRad="38100" dist="38100" dir="2700000" algn="tl">
+                    <a:srgbClr val="000000">
+                      <a:alpha val="43137"/>
+                    </a:srgbClr>
+                  </a:outerShdw>
+                </a:effectLst>
                 <a:latin typeface="Bookman Old Style" panose="02050604050505020204" pitchFamily="18" charset="0"/>
               </a:rPr>
             </a:br>
@@ -14563,20 +14874,16 @@
                     <a:lumMod val="95000"/>
                   </a:schemeClr>
                 </a:solidFill>
+                <a:effectLst>
+                  <a:outerShdw blurRad="38100" dist="38100" dir="2700000" algn="tl">
+                    <a:srgbClr val="000000">
+                      <a:alpha val="43137"/>
+                    </a:srgbClr>
+                  </a:outerShdw>
+                </a:effectLst>
                 <a:latin typeface="Bookman Old Style" panose="02050604050505020204" pitchFamily="18" charset="0"/>
               </a:rPr>
-              <a:t>Site – </a:t>
-            </a:r>
-            <a:r>
-              <a:rPr lang="en-US" altLang="el-GR" dirty="0" smtClean="0">
-                <a:solidFill>
-                  <a:schemeClr val="bg1">
-                    <a:lumMod val="95000"/>
-                  </a:schemeClr>
-                </a:solidFill>
-                <a:latin typeface="Bookman Old Style" panose="02050604050505020204" pitchFamily="18" charset="0"/>
-              </a:rPr>
-              <a:t>Home page</a:t>
+              <a:t>Site – Home page</a:t>
             </a:r>
             <a:endParaRPr lang="el-GR" altLang="el-GR" dirty="0">
               <a:solidFill>
@@ -14584,6 +14891,13 @@
                   <a:lumMod val="95000"/>
                 </a:schemeClr>
               </a:solidFill>
+              <a:effectLst>
+                <a:outerShdw blurRad="38100" dist="38100" dir="2700000" algn="tl">
+                  <a:srgbClr val="000000">
+                    <a:alpha val="43137"/>
+                  </a:srgbClr>
+                </a:outerShdw>
+              </a:effectLst>
               <a:latin typeface="Bookman Old Style" panose="02050604050505020204" pitchFamily="18" charset="0"/>
             </a:endParaRPr>
           </a:p>
@@ -14638,13 +14952,6 @@
   <p:clrMapOvr>
     <a:masterClrMapping/>
   </p:clrMapOvr>
-  <p:timing>
-    <p:tnLst>
-      <p:par>
-        <p:cTn id="1" dur="indefinite" restart="never" nodeType="tmRoot"/>
-      </p:par>
-    </p:tnLst>
-  </p:timing>
 </p:sld>
 </file>
 
@@ -14684,7 +14991,7 @@
           <p:cNvPr id="144386" name="Rectangle 2">
             <a:extLst>
               <a:ext uri="{FF2B5EF4-FFF2-40B4-BE49-F238E27FC236}">
-                <a16:creationId xmlns="" xmlns:a16="http://schemas.microsoft.com/office/drawing/2014/main" id="{B2EB9881-15D2-4027-87B7-1B2E12624292}"/>
+                <a16:creationId xmlns:a16="http://schemas.microsoft.com/office/drawing/2014/main" id="{B2EB9881-15D2-4027-87B7-1B2E12624292}"/>
               </a:ext>
             </a:extLst>
           </p:cNvPr>
@@ -14708,6 +15015,13 @@
                     <a:lumMod val="95000"/>
                   </a:schemeClr>
                 </a:solidFill>
+                <a:effectLst>
+                  <a:outerShdw blurRad="38100" dist="38100" dir="2700000" algn="tl">
+                    <a:srgbClr val="000000">
+                      <a:alpha val="43137"/>
+                    </a:srgbClr>
+                  </a:outerShdw>
+                </a:effectLst>
                 <a:latin typeface="Bookman Old Style" panose="02050604050505020204" pitchFamily="18" charset="0"/>
               </a:rPr>
               <a:t>Αρχιτεκτονική</a:t>
@@ -14719,6 +15033,13 @@
                     <a:lumMod val="95000"/>
                   </a:schemeClr>
                 </a:solidFill>
+                <a:effectLst>
+                  <a:outerShdw blurRad="38100" dist="38100" dir="2700000" algn="tl">
+                    <a:srgbClr val="000000">
+                      <a:alpha val="43137"/>
+                    </a:srgbClr>
+                  </a:outerShdw>
+                </a:effectLst>
                 <a:latin typeface="Bookman Old Style" panose="02050604050505020204" pitchFamily="18" charset="0"/>
               </a:rPr>
             </a:br>
@@ -14729,6 +15050,13 @@
                     <a:lumMod val="95000"/>
                   </a:schemeClr>
                 </a:solidFill>
+                <a:effectLst>
+                  <a:outerShdw blurRad="38100" dist="38100" dir="2700000" algn="tl">
+                    <a:srgbClr val="000000">
+                      <a:alpha val="43137"/>
+                    </a:srgbClr>
+                  </a:outerShdw>
+                </a:effectLst>
                 <a:latin typeface="Bookman Old Style" panose="02050604050505020204" pitchFamily="18" charset="0"/>
               </a:rPr>
               <a:t>Site – Sign Up</a:t>
@@ -14739,6 +15067,13 @@
                   <a:lumMod val="95000"/>
                 </a:schemeClr>
               </a:solidFill>
+              <a:effectLst>
+                <a:outerShdw blurRad="38100" dist="38100" dir="2700000" algn="tl">
+                  <a:srgbClr val="000000">
+                    <a:alpha val="43137"/>
+                  </a:srgbClr>
+                </a:outerShdw>
+              </a:effectLst>
               <a:latin typeface="Bookman Old Style" panose="02050604050505020204" pitchFamily="18" charset="0"/>
             </a:endParaRPr>
           </a:p>
@@ -14749,7 +15084,7 @@
           <p:cNvPr id="2" name="Εικόνα 1">
             <a:extLst>
               <a:ext uri="{FF2B5EF4-FFF2-40B4-BE49-F238E27FC236}">
-                <a16:creationId xmlns="" xmlns:a16="http://schemas.microsoft.com/office/drawing/2014/main" id="{96929277-298A-45DC-88A5-C72840CE2832}"/>
+                <a16:creationId xmlns:a16="http://schemas.microsoft.com/office/drawing/2014/main" id="{96929277-298A-45DC-88A5-C72840CE2832}"/>
               </a:ext>
             </a:extLst>
           </p:cNvPr>
@@ -14823,13 +15158,6 @@
   <p:clrMapOvr>
     <a:masterClrMapping/>
   </p:clrMapOvr>
-  <p:timing>
-    <p:tnLst>
-      <p:par>
-        <p:cTn id="1" dur="indefinite" restart="never" nodeType="tmRoot"/>
-      </p:par>
-    </p:tnLst>
-  </p:timing>
 </p:sld>
 </file>
 
@@ -14869,7 +15197,7 @@
           <p:cNvPr id="144386" name="Rectangle 2">
             <a:extLst>
               <a:ext uri="{FF2B5EF4-FFF2-40B4-BE49-F238E27FC236}">
-                <a16:creationId xmlns="" xmlns:a16="http://schemas.microsoft.com/office/drawing/2014/main" id="{B2EB9881-15D2-4027-87B7-1B2E12624292}"/>
+                <a16:creationId xmlns:a16="http://schemas.microsoft.com/office/drawing/2014/main" id="{B2EB9881-15D2-4027-87B7-1B2E12624292}"/>
               </a:ext>
             </a:extLst>
           </p:cNvPr>
@@ -14893,6 +15221,13 @@
                     <a:lumMod val="95000"/>
                   </a:schemeClr>
                 </a:solidFill>
+                <a:effectLst>
+                  <a:outerShdw blurRad="38100" dist="38100" dir="2700000" algn="tl">
+                    <a:srgbClr val="000000">
+                      <a:alpha val="43137"/>
+                    </a:srgbClr>
+                  </a:outerShdw>
+                </a:effectLst>
                 <a:latin typeface="Bookman Old Style" panose="02050604050505020204" pitchFamily="18" charset="0"/>
               </a:rPr>
               <a:t>Αρχιτεκτονική</a:t>
@@ -14904,6 +15239,13 @@
                     <a:lumMod val="95000"/>
                   </a:schemeClr>
                 </a:solidFill>
+                <a:effectLst>
+                  <a:outerShdw blurRad="38100" dist="38100" dir="2700000" algn="tl">
+                    <a:srgbClr val="000000">
+                      <a:alpha val="43137"/>
+                    </a:srgbClr>
+                  </a:outerShdw>
+                </a:effectLst>
                 <a:latin typeface="Bookman Old Style" panose="02050604050505020204" pitchFamily="18" charset="0"/>
               </a:rPr>
             </a:br>
@@ -14914,6 +15256,13 @@
                     <a:lumMod val="95000"/>
                   </a:schemeClr>
                 </a:solidFill>
+                <a:effectLst>
+                  <a:outerShdw blurRad="38100" dist="38100" dir="2700000" algn="tl">
+                    <a:srgbClr val="000000">
+                      <a:alpha val="43137"/>
+                    </a:srgbClr>
+                  </a:outerShdw>
+                </a:effectLst>
                 <a:latin typeface="Bookman Old Style" panose="02050604050505020204" pitchFamily="18" charset="0"/>
               </a:rPr>
               <a:t>Site – Sign In</a:t>
@@ -14924,6 +15273,13 @@
                   <a:lumMod val="95000"/>
                 </a:schemeClr>
               </a:solidFill>
+              <a:effectLst>
+                <a:outerShdw blurRad="38100" dist="38100" dir="2700000" algn="tl">
+                  <a:srgbClr val="000000">
+                    <a:alpha val="43137"/>
+                  </a:srgbClr>
+                </a:outerShdw>
+              </a:effectLst>
               <a:latin typeface="Bookman Old Style" panose="02050604050505020204" pitchFamily="18" charset="0"/>
             </a:endParaRPr>
           </a:p>
@@ -14934,7 +15290,7 @@
           <p:cNvPr id="6" name="Google Shape;94;p19">
             <a:extLst>
               <a:ext uri="{FF2B5EF4-FFF2-40B4-BE49-F238E27FC236}">
-                <a16:creationId xmlns="" xmlns:a16="http://schemas.microsoft.com/office/drawing/2014/main" id="{F2ACC44A-E547-4763-B494-B0FDB4E6E195}"/>
+                <a16:creationId xmlns:a16="http://schemas.microsoft.com/office/drawing/2014/main" id="{F2ACC44A-E547-4763-B494-B0FDB4E6E195}"/>
               </a:ext>
             </a:extLst>
           </p:cNvPr>
@@ -14968,7 +15324,7 @@
           <p:cNvPr id="7" name="Google Shape;95;p19">
             <a:extLst>
               <a:ext uri="{FF2B5EF4-FFF2-40B4-BE49-F238E27FC236}">
-                <a16:creationId xmlns="" xmlns:a16="http://schemas.microsoft.com/office/drawing/2014/main" id="{C9F505FC-03D9-4D39-BD12-CAB88219AC4D}"/>
+                <a16:creationId xmlns:a16="http://schemas.microsoft.com/office/drawing/2014/main" id="{C9F505FC-03D9-4D39-BD12-CAB88219AC4D}"/>
               </a:ext>
             </a:extLst>
           </p:cNvPr>
@@ -15002,7 +15358,7 @@
           <p:cNvPr id="8" name="Google Shape;96;p19">
             <a:extLst>
               <a:ext uri="{FF2B5EF4-FFF2-40B4-BE49-F238E27FC236}">
-                <a16:creationId xmlns="" xmlns:a16="http://schemas.microsoft.com/office/drawing/2014/main" id="{5B3F483A-A7E9-4395-B98E-FC233459D500}"/>
+                <a16:creationId xmlns:a16="http://schemas.microsoft.com/office/drawing/2014/main" id="{5B3F483A-A7E9-4395-B98E-FC233459D500}"/>
               </a:ext>
             </a:extLst>
           </p:cNvPr>
@@ -15080,13 +15436,6 @@
   <p:clrMapOvr>
     <a:masterClrMapping/>
   </p:clrMapOvr>
-  <p:timing>
-    <p:tnLst>
-      <p:par>
-        <p:cTn id="1" dur="indefinite" restart="never" nodeType="tmRoot"/>
-      </p:par>
-    </p:tnLst>
-  </p:timing>
 </p:sld>
 </file>
 
@@ -15126,7 +15475,7 @@
           <p:cNvPr id="144386" name="Rectangle 2">
             <a:extLst>
               <a:ext uri="{FF2B5EF4-FFF2-40B4-BE49-F238E27FC236}">
-                <a16:creationId xmlns="" xmlns:a16="http://schemas.microsoft.com/office/drawing/2014/main" id="{B2EB9881-15D2-4027-87B7-1B2E12624292}"/>
+                <a16:creationId xmlns:a16="http://schemas.microsoft.com/office/drawing/2014/main" id="{B2EB9881-15D2-4027-87B7-1B2E12624292}"/>
               </a:ext>
             </a:extLst>
           </p:cNvPr>
@@ -15150,6 +15499,13 @@
                     <a:lumMod val="95000"/>
                   </a:schemeClr>
                 </a:solidFill>
+                <a:effectLst>
+                  <a:outerShdw blurRad="38100" dist="38100" dir="2700000" algn="tl">
+                    <a:srgbClr val="000000">
+                      <a:alpha val="43137"/>
+                    </a:srgbClr>
+                  </a:outerShdw>
+                </a:effectLst>
                 <a:latin typeface="Bookman Old Style" panose="02050604050505020204" pitchFamily="18" charset="0"/>
               </a:rPr>
               <a:t>Αρχιτεκτονική</a:t>
@@ -15161,6 +15517,13 @@
                     <a:lumMod val="95000"/>
                   </a:schemeClr>
                 </a:solidFill>
+                <a:effectLst>
+                  <a:outerShdw blurRad="38100" dist="38100" dir="2700000" algn="tl">
+                    <a:srgbClr val="000000">
+                      <a:alpha val="43137"/>
+                    </a:srgbClr>
+                  </a:outerShdw>
+                </a:effectLst>
                 <a:latin typeface="Bookman Old Style" panose="02050604050505020204" pitchFamily="18" charset="0"/>
               </a:rPr>
             </a:br>
@@ -15171,6 +15534,13 @@
                     <a:lumMod val="95000"/>
                   </a:schemeClr>
                 </a:solidFill>
+                <a:effectLst>
+                  <a:outerShdw blurRad="38100" dist="38100" dir="2700000" algn="tl">
+                    <a:srgbClr val="000000">
+                      <a:alpha val="43137"/>
+                    </a:srgbClr>
+                  </a:outerShdw>
+                </a:effectLst>
                 <a:latin typeface="Bookman Old Style" panose="02050604050505020204" pitchFamily="18" charset="0"/>
               </a:rPr>
               <a:t>Site – Flight search</a:t>
@@ -15181,6 +15551,13 @@
                   <a:lumMod val="95000"/>
                 </a:schemeClr>
               </a:solidFill>
+              <a:effectLst>
+                <a:outerShdw blurRad="38100" dist="38100" dir="2700000" algn="tl">
+                  <a:srgbClr val="000000">
+                    <a:alpha val="43137"/>
+                  </a:srgbClr>
+                </a:outerShdw>
+              </a:effectLst>
               <a:latin typeface="Bookman Old Style" panose="02050604050505020204" pitchFamily="18" charset="0"/>
             </a:endParaRPr>
           </a:p>
@@ -15191,7 +15568,7 @@
           <p:cNvPr id="4" name="Εικόνα 3">
             <a:extLst>
               <a:ext uri="{FF2B5EF4-FFF2-40B4-BE49-F238E27FC236}">
-                <a16:creationId xmlns="" xmlns:a16="http://schemas.microsoft.com/office/drawing/2014/main" id="{9FF2CFDE-33A6-4743-B1CF-0DADF05DE1CF}"/>
+                <a16:creationId xmlns:a16="http://schemas.microsoft.com/office/drawing/2014/main" id="{9FF2CFDE-33A6-4743-B1CF-0DADF05DE1CF}"/>
               </a:ext>
             </a:extLst>
           </p:cNvPr>
@@ -15265,13 +15642,6 @@
   <p:clrMapOvr>
     <a:masterClrMapping/>
   </p:clrMapOvr>
-  <p:timing>
-    <p:tnLst>
-      <p:par>
-        <p:cTn id="1" dur="indefinite" restart="never" nodeType="tmRoot"/>
-      </p:par>
-    </p:tnLst>
-  </p:timing>
 </p:sld>
 </file>
 
@@ -15297,7 +15667,7 @@
           <p:cNvPr id="144386" name="Rectangle 2">
             <a:extLst>
               <a:ext uri="{FF2B5EF4-FFF2-40B4-BE49-F238E27FC236}">
-                <a16:creationId xmlns="" xmlns:a16="http://schemas.microsoft.com/office/drawing/2014/main" id="{B2EB9881-15D2-4027-87B7-1B2E12624292}"/>
+                <a16:creationId xmlns:a16="http://schemas.microsoft.com/office/drawing/2014/main" id="{B2EB9881-15D2-4027-87B7-1B2E12624292}"/>
               </a:ext>
             </a:extLst>
           </p:cNvPr>
@@ -15321,6 +15691,13 @@
                     <a:lumMod val="95000"/>
                   </a:schemeClr>
                 </a:solidFill>
+                <a:effectLst>
+                  <a:outerShdw blurRad="38100" dist="38100" dir="2700000" algn="tl">
+                    <a:srgbClr val="000000">
+                      <a:alpha val="43137"/>
+                    </a:srgbClr>
+                  </a:outerShdw>
+                </a:effectLst>
                 <a:latin typeface="Bookman Old Style" panose="02050604050505020204" pitchFamily="18" charset="0"/>
               </a:rPr>
               <a:t>Αρχιτεκτονική</a:t>
@@ -15332,6 +15709,13 @@
                     <a:lumMod val="95000"/>
                   </a:schemeClr>
                 </a:solidFill>
+                <a:effectLst>
+                  <a:outerShdw blurRad="38100" dist="38100" dir="2700000" algn="tl">
+                    <a:srgbClr val="000000">
+                      <a:alpha val="43137"/>
+                    </a:srgbClr>
+                  </a:outerShdw>
+                </a:effectLst>
                 <a:latin typeface="Bookman Old Style" panose="02050604050505020204" pitchFamily="18" charset="0"/>
               </a:rPr>
             </a:br>
@@ -15342,6 +15726,13 @@
                     <a:lumMod val="95000"/>
                   </a:schemeClr>
                 </a:solidFill>
+                <a:effectLst>
+                  <a:outerShdw blurRad="38100" dist="38100" dir="2700000" algn="tl">
+                    <a:srgbClr val="000000">
+                      <a:alpha val="43137"/>
+                    </a:srgbClr>
+                  </a:outerShdw>
+                </a:effectLst>
                 <a:latin typeface="Bookman Old Style" panose="02050604050505020204" pitchFamily="18" charset="0"/>
               </a:rPr>
               <a:t>Site – Save filters </a:t>
@@ -15352,6 +15743,13 @@
                   <a:lumMod val="95000"/>
                 </a:schemeClr>
               </a:solidFill>
+              <a:effectLst>
+                <a:outerShdw blurRad="38100" dist="38100" dir="2700000" algn="tl">
+                  <a:srgbClr val="000000">
+                    <a:alpha val="43137"/>
+                  </a:srgbClr>
+                </a:outerShdw>
+              </a:effectLst>
               <a:latin typeface="Bookman Old Style" panose="02050604050505020204" pitchFamily="18" charset="0"/>
             </a:endParaRPr>
           </a:p>
@@ -15362,7 +15760,7 @@
           <p:cNvPr id="5" name="Google Shape;111;p21">
             <a:extLst>
               <a:ext uri="{FF2B5EF4-FFF2-40B4-BE49-F238E27FC236}">
-                <a16:creationId xmlns="" xmlns:a16="http://schemas.microsoft.com/office/drawing/2014/main" id="{3BC97FB7-40C7-478B-A15A-855F48B11FAE}"/>
+                <a16:creationId xmlns:a16="http://schemas.microsoft.com/office/drawing/2014/main" id="{3BC97FB7-40C7-478B-A15A-855F48B11FAE}"/>
               </a:ext>
             </a:extLst>
           </p:cNvPr>
@@ -15396,7 +15794,7 @@
           <p:cNvPr id="6" name="Google Shape;112;p21">
             <a:extLst>
               <a:ext uri="{FF2B5EF4-FFF2-40B4-BE49-F238E27FC236}">
-                <a16:creationId xmlns="" xmlns:a16="http://schemas.microsoft.com/office/drawing/2014/main" id="{579E7F43-5DF3-4043-B53A-B4C0F1BD7F91}"/>
+                <a16:creationId xmlns:a16="http://schemas.microsoft.com/office/drawing/2014/main" id="{579E7F43-5DF3-4043-B53A-B4C0F1BD7F91}"/>
               </a:ext>
             </a:extLst>
           </p:cNvPr>
@@ -15430,7 +15828,7 @@
           <p:cNvPr id="7" name="Google Shape;113;p21">
             <a:extLst>
               <a:ext uri="{FF2B5EF4-FFF2-40B4-BE49-F238E27FC236}">
-                <a16:creationId xmlns="" xmlns:a16="http://schemas.microsoft.com/office/drawing/2014/main" id="{CD467801-E869-419C-9026-21B20796CB32}"/>
+                <a16:creationId xmlns:a16="http://schemas.microsoft.com/office/drawing/2014/main" id="{CD467801-E869-419C-9026-21B20796CB32}"/>
               </a:ext>
             </a:extLst>
           </p:cNvPr>
@@ -15464,7 +15862,7 @@
           <p:cNvPr id="8" name="Google Shape;114;p21">
             <a:extLst>
               <a:ext uri="{FF2B5EF4-FFF2-40B4-BE49-F238E27FC236}">
-                <a16:creationId xmlns="" xmlns:a16="http://schemas.microsoft.com/office/drawing/2014/main" id="{DDA37945-AC35-4CC5-8583-D750910E3D2D}"/>
+                <a16:creationId xmlns:a16="http://schemas.microsoft.com/office/drawing/2014/main" id="{DDA37945-AC35-4CC5-8583-D750910E3D2D}"/>
               </a:ext>
             </a:extLst>
           </p:cNvPr>
@@ -15498,7 +15896,7 @@
           <p:cNvPr id="9" name="Google Shape;115;p21">
             <a:extLst>
               <a:ext uri="{FF2B5EF4-FFF2-40B4-BE49-F238E27FC236}">
-                <a16:creationId xmlns="" xmlns:a16="http://schemas.microsoft.com/office/drawing/2014/main" id="{CFEED652-E06E-44D8-9A13-CC1B453BBE36}"/>
+                <a16:creationId xmlns:a16="http://schemas.microsoft.com/office/drawing/2014/main" id="{CFEED652-E06E-44D8-9A13-CC1B453BBE36}"/>
               </a:ext>
             </a:extLst>
           </p:cNvPr>
@@ -15577,13 +15975,6 @@
   <p:clrMapOvr>
     <a:masterClrMapping/>
   </p:clrMapOvr>
-  <p:timing>
-    <p:tnLst>
-      <p:par>
-        <p:cTn id="1" dur="indefinite" restart="never" nodeType="tmRoot"/>
-      </p:par>
-    </p:tnLst>
-  </p:timing>
 </p:sld>
 </file>
 
@@ -15623,7 +16014,7 @@
           <p:cNvPr id="144386" name="Rectangle 2">
             <a:extLst>
               <a:ext uri="{FF2B5EF4-FFF2-40B4-BE49-F238E27FC236}">
-                <a16:creationId xmlns="" xmlns:a16="http://schemas.microsoft.com/office/drawing/2014/main" id="{B2EB9881-15D2-4027-87B7-1B2E12624292}"/>
+                <a16:creationId xmlns:a16="http://schemas.microsoft.com/office/drawing/2014/main" id="{B2EB9881-15D2-4027-87B7-1B2E12624292}"/>
               </a:ext>
             </a:extLst>
           </p:cNvPr>
@@ -15647,6 +16038,13 @@
                     <a:lumMod val="95000"/>
                   </a:schemeClr>
                 </a:solidFill>
+                <a:effectLst>
+                  <a:outerShdw blurRad="38100" dist="38100" dir="2700000" algn="tl">
+                    <a:srgbClr val="000000">
+                      <a:alpha val="43137"/>
+                    </a:srgbClr>
+                  </a:outerShdw>
+                </a:effectLst>
                 <a:latin typeface="Bookman Old Style" panose="02050604050505020204" pitchFamily="18" charset="0"/>
               </a:rPr>
               <a:t>Αρχιτεκτονική</a:t>
@@ -15658,6 +16056,13 @@
                     <a:lumMod val="95000"/>
                   </a:schemeClr>
                 </a:solidFill>
+                <a:effectLst>
+                  <a:outerShdw blurRad="38100" dist="38100" dir="2700000" algn="tl">
+                    <a:srgbClr val="000000">
+                      <a:alpha val="43137"/>
+                    </a:srgbClr>
+                  </a:outerShdw>
+                </a:effectLst>
                 <a:latin typeface="Bookman Old Style" panose="02050604050505020204" pitchFamily="18" charset="0"/>
               </a:rPr>
             </a:br>
@@ -15668,20 +16073,16 @@
                     <a:lumMod val="95000"/>
                   </a:schemeClr>
                 </a:solidFill>
+                <a:effectLst>
+                  <a:outerShdw blurRad="38100" dist="38100" dir="2700000" algn="tl">
+                    <a:srgbClr val="000000">
+                      <a:alpha val="43137"/>
+                    </a:srgbClr>
+                  </a:outerShdw>
+                </a:effectLst>
                 <a:latin typeface="Bookman Old Style" panose="02050604050505020204" pitchFamily="18" charset="0"/>
               </a:rPr>
-              <a:t>Site – </a:t>
-            </a:r>
-            <a:r>
-              <a:rPr lang="en-US" altLang="el-GR" dirty="0" smtClean="0">
-                <a:solidFill>
-                  <a:schemeClr val="bg1">
-                    <a:lumMod val="95000"/>
-                  </a:schemeClr>
-                </a:solidFill>
-                <a:latin typeface="Bookman Old Style" panose="02050604050505020204" pitchFamily="18" charset="0"/>
-              </a:rPr>
-              <a:t>Profile settings</a:t>
+              <a:t>Site – Profile settings</a:t>
             </a:r>
             <a:endParaRPr lang="el-GR" altLang="el-GR" dirty="0">
               <a:solidFill>
@@ -15689,6 +16090,13 @@
                   <a:lumMod val="95000"/>
                 </a:schemeClr>
               </a:solidFill>
+              <a:effectLst>
+                <a:outerShdw blurRad="38100" dist="38100" dir="2700000" algn="tl">
+                  <a:srgbClr val="000000">
+                    <a:alpha val="43137"/>
+                  </a:srgbClr>
+                </a:outerShdw>
+              </a:effectLst>
               <a:latin typeface="Bookman Old Style" panose="02050604050505020204" pitchFamily="18" charset="0"/>
             </a:endParaRPr>
           </a:p>
@@ -15699,7 +16107,7 @@
           <p:cNvPr id="6" name="Google Shape;123;p22">
             <a:extLst>
               <a:ext uri="{FF2B5EF4-FFF2-40B4-BE49-F238E27FC236}">
-                <a16:creationId xmlns="" xmlns:a16="http://schemas.microsoft.com/office/drawing/2014/main" id="{4F163C71-9728-4CFE-9387-8B9E2887DEB9}"/>
+                <a16:creationId xmlns:a16="http://schemas.microsoft.com/office/drawing/2014/main" id="{4F163C71-9728-4CFE-9387-8B9E2887DEB9}"/>
               </a:ext>
             </a:extLst>
           </p:cNvPr>
@@ -15733,7 +16141,7 @@
           <p:cNvPr id="8" name="Google Shape;111;p21">
             <a:extLst>
               <a:ext uri="{FF2B5EF4-FFF2-40B4-BE49-F238E27FC236}">
-                <a16:creationId xmlns="" xmlns:a16="http://schemas.microsoft.com/office/drawing/2014/main" id="{1D60BD48-9154-46F2-A573-60BF6A55A60F}"/>
+                <a16:creationId xmlns:a16="http://schemas.microsoft.com/office/drawing/2014/main" id="{1D60BD48-9154-46F2-A573-60BF6A55A60F}"/>
               </a:ext>
             </a:extLst>
           </p:cNvPr>
@@ -15767,7 +16175,7 @@
           <p:cNvPr id="7" name="Google Shape;124;p22">
             <a:extLst>
               <a:ext uri="{FF2B5EF4-FFF2-40B4-BE49-F238E27FC236}">
-                <a16:creationId xmlns="" xmlns:a16="http://schemas.microsoft.com/office/drawing/2014/main" id="{EBB3BB1F-3E07-4A0E-8B75-2DA5ACE61583}"/>
+                <a16:creationId xmlns:a16="http://schemas.microsoft.com/office/drawing/2014/main" id="{EBB3BB1F-3E07-4A0E-8B75-2DA5ACE61583}"/>
               </a:ext>
             </a:extLst>
           </p:cNvPr>
@@ -15845,13 +16253,6 @@
   <p:clrMapOvr>
     <a:masterClrMapping/>
   </p:clrMapOvr>
-  <p:timing>
-    <p:tnLst>
-      <p:par>
-        <p:cTn id="1" dur="indefinite" restart="never" nodeType="tmRoot"/>
-      </p:par>
-    </p:tnLst>
-  </p:timing>
 </p:sld>
 </file>
 
@@ -16543,7 +16944,7 @@
   </a:extraClrSchemeLst>
   <a:extLst>
     <a:ext uri="{05A4C25C-085E-4340-85A3-A5531E510DB2}">
-      <thm15:themeFamily xmlns="" xmlns:thm15="http://schemas.microsoft.com/office/thememl/2012/main" name="Office Theme" id="{62F939B6-93AF-4DB8-9C6B-D6C7DFDC589F}" vid="{4A3C46E8-61CC-4603-A589-7422A47A8E4A}"/>
+      <thm15:themeFamily xmlns:thm15="http://schemas.microsoft.com/office/thememl/2012/main" name="Office Theme" id="{62F939B6-93AF-4DB8-9C6B-D6C7DFDC589F}" vid="{4A3C46E8-61CC-4603-A589-7422A47A8E4A}"/>
     </a:ext>
   </a:extLst>
 </a:theme>
